--- a/docs/STALI (1).pptx
+++ b/docs/STALI (1).pptx
@@ -9,11 +9,13 @@
     <p:sldId id="263" r:id="rId6"/>
     <p:sldId id="257" r:id="rId7"/>
     <p:sldId id="258" r:id="rId8"/>
-    <p:sldId id="260" r:id="rId9"/>
-    <p:sldId id="261" r:id="rId10"/>
-    <p:sldId id="265" r:id="rId11"/>
-    <p:sldId id="264" r:id="rId12"/>
-    <p:sldId id="262" r:id="rId13"/>
+    <p:sldId id="266" r:id="rId9"/>
+    <p:sldId id="260" r:id="rId10"/>
+    <p:sldId id="261" r:id="rId11"/>
+    <p:sldId id="265" r:id="rId12"/>
+    <p:sldId id="267" r:id="rId13"/>
+    <p:sldId id="264" r:id="rId14"/>
+    <p:sldId id="262" r:id="rId15"/>
   </p:sldIdLst>
   <p:sldSz cx="12192000" cy="6858000"/>
   <p:notesSz cx="6858000" cy="9144000"/>
@@ -269,7 +271,7 @@
           <a:p>
             <a:fld id="{6076AE11-287D-4DBC-81CA-106F5865A896}" type="datetimeFigureOut">
               <a:rPr lang="de-AT" smtClean="0"/>
-              <a:t>07.01.2026</a:t>
+              <a:t>14.01.2026</a:t>
             </a:fld>
             <a:endParaRPr lang="de-AT"/>
           </a:p>
@@ -469,7 +471,7 @@
           <a:p>
             <a:fld id="{6076AE11-287D-4DBC-81CA-106F5865A896}" type="datetimeFigureOut">
               <a:rPr lang="de-AT" smtClean="0"/>
-              <a:t>07.01.2026</a:t>
+              <a:t>14.01.2026</a:t>
             </a:fld>
             <a:endParaRPr lang="de-AT"/>
           </a:p>
@@ -679,7 +681,7 @@
           <a:p>
             <a:fld id="{6076AE11-287D-4DBC-81CA-106F5865A896}" type="datetimeFigureOut">
               <a:rPr lang="de-AT" smtClean="0"/>
-              <a:t>07.01.2026</a:t>
+              <a:t>14.01.2026</a:t>
             </a:fld>
             <a:endParaRPr lang="de-AT"/>
           </a:p>
@@ -879,7 +881,7 @@
           <a:p>
             <a:fld id="{6076AE11-287D-4DBC-81CA-106F5865A896}" type="datetimeFigureOut">
               <a:rPr lang="de-AT" smtClean="0"/>
-              <a:t>07.01.2026</a:t>
+              <a:t>14.01.2026</a:t>
             </a:fld>
             <a:endParaRPr lang="de-AT"/>
           </a:p>
@@ -1155,7 +1157,7 @@
           <a:p>
             <a:fld id="{6076AE11-287D-4DBC-81CA-106F5865A896}" type="datetimeFigureOut">
               <a:rPr lang="de-AT" smtClean="0"/>
-              <a:t>07.01.2026</a:t>
+              <a:t>14.01.2026</a:t>
             </a:fld>
             <a:endParaRPr lang="de-AT"/>
           </a:p>
@@ -1423,7 +1425,7 @@
           <a:p>
             <a:fld id="{6076AE11-287D-4DBC-81CA-106F5865A896}" type="datetimeFigureOut">
               <a:rPr lang="de-AT" smtClean="0"/>
-              <a:t>07.01.2026</a:t>
+              <a:t>14.01.2026</a:t>
             </a:fld>
             <a:endParaRPr lang="de-AT"/>
           </a:p>
@@ -1838,7 +1840,7 @@
           <a:p>
             <a:fld id="{6076AE11-287D-4DBC-81CA-106F5865A896}" type="datetimeFigureOut">
               <a:rPr lang="de-AT" smtClean="0"/>
-              <a:t>07.01.2026</a:t>
+              <a:t>14.01.2026</a:t>
             </a:fld>
             <a:endParaRPr lang="de-AT"/>
           </a:p>
@@ -1980,7 +1982,7 @@
           <a:p>
             <a:fld id="{6076AE11-287D-4DBC-81CA-106F5865A896}" type="datetimeFigureOut">
               <a:rPr lang="de-AT" smtClean="0"/>
-              <a:t>07.01.2026</a:t>
+              <a:t>14.01.2026</a:t>
             </a:fld>
             <a:endParaRPr lang="de-AT"/>
           </a:p>
@@ -2093,7 +2095,7 @@
           <a:p>
             <a:fld id="{6076AE11-287D-4DBC-81CA-106F5865A896}" type="datetimeFigureOut">
               <a:rPr lang="de-AT" smtClean="0"/>
-              <a:t>07.01.2026</a:t>
+              <a:t>14.01.2026</a:t>
             </a:fld>
             <a:endParaRPr lang="de-AT"/>
           </a:p>
@@ -2406,7 +2408,7 @@
           <a:p>
             <a:fld id="{6076AE11-287D-4DBC-81CA-106F5865A896}" type="datetimeFigureOut">
               <a:rPr lang="de-AT" smtClean="0"/>
-              <a:t>07.01.2026</a:t>
+              <a:t>14.01.2026</a:t>
             </a:fld>
             <a:endParaRPr lang="de-AT"/>
           </a:p>
@@ -2695,7 +2697,7 @@
           <a:p>
             <a:fld id="{6076AE11-287D-4DBC-81CA-106F5865A896}" type="datetimeFigureOut">
               <a:rPr lang="de-AT" smtClean="0"/>
-              <a:t>07.01.2026</a:t>
+              <a:t>14.01.2026</a:t>
             </a:fld>
             <a:endParaRPr lang="de-AT"/>
           </a:p>
@@ -2938,7 +2940,7 @@
           <a:p>
             <a:fld id="{6076AE11-287D-4DBC-81CA-106F5865A896}" type="datetimeFigureOut">
               <a:rPr lang="de-AT" smtClean="0"/>
-              <a:t>07.01.2026</a:t>
+              <a:t>14.01.2026</a:t>
             </a:fld>
             <a:endParaRPr lang="de-AT"/>
           </a:p>
@@ -3580,3420 +3582,7 @@
 </p:sld>
 </file>
 
-<file path=ppt/slides/slide2.xml><?xml version="1.0" encoding="utf-8"?>
-<p:sld xmlns:a="http://schemas.openxmlformats.org/drawingml/2006/main" xmlns:r="http://schemas.openxmlformats.org/officeDocument/2006/relationships" xmlns:p="http://schemas.openxmlformats.org/presentationml/2006/main">
-  <p:cSld>
-    <p:spTree>
-      <p:nvGrpSpPr>
-        <p:cNvPr id="1" name=""/>
-        <p:cNvGrpSpPr/>
-        <p:nvPr/>
-      </p:nvGrpSpPr>
-      <p:grpSpPr>
-        <a:xfrm>
-          <a:off x="0" y="0"/>
-          <a:ext cx="0" cy="0"/>
-          <a:chOff x="0" y="0"/>
-          <a:chExt cx="0" cy="0"/>
-        </a:xfrm>
-      </p:grpSpPr>
-      <p:sp>
-        <p:nvSpPr>
-          <p:cNvPr id="4" name="Rechteck 3">
-            <a:extLst>
-              <a:ext uri="{FF2B5EF4-FFF2-40B4-BE49-F238E27FC236}">
-                <a16:creationId xmlns:a16="http://schemas.microsoft.com/office/drawing/2014/main" id="{16981BC2-2506-5681-7EAA-939E2DC6B67E}"/>
-              </a:ext>
-            </a:extLst>
-          </p:cNvPr>
-          <p:cNvSpPr/>
-          <p:nvPr/>
-        </p:nvSpPr>
-        <p:spPr>
-          <a:xfrm>
-            <a:off x="-424103" y="-328325"/>
-            <a:ext cx="6038850" cy="7591425"/>
-          </a:xfrm>
-          <a:prstGeom prst="rect">
-            <a:avLst/>
-          </a:prstGeom>
-          <a:solidFill>
-            <a:srgbClr val="7030A0"/>
-          </a:solidFill>
-          <a:ln>
-            <a:solidFill>
-              <a:srgbClr val="7030A0"/>
-            </a:solidFill>
-          </a:ln>
-        </p:spPr>
-        <p:style>
-          <a:lnRef idx="2">
-            <a:schemeClr val="accent1">
-              <a:shade val="15000"/>
-            </a:schemeClr>
-          </a:lnRef>
-          <a:fillRef idx="1">
-            <a:schemeClr val="accent1"/>
-          </a:fillRef>
-          <a:effectRef idx="0">
-            <a:schemeClr val="accent1"/>
-          </a:effectRef>
-          <a:fontRef idx="minor">
-            <a:schemeClr val="lt1"/>
-          </a:fontRef>
-        </p:style>
-        <p:txBody>
-          <a:bodyPr rtlCol="0" anchor="ctr"/>
-          <a:lstStyle/>
-          <a:p>
-            <a:pPr algn="ctr"/>
-            <a:endParaRPr lang="de-AT"/>
-          </a:p>
-        </p:txBody>
-      </p:sp>
-      <p:sp>
-        <p:nvSpPr>
-          <p:cNvPr id="2" name="Titel 1">
-            <a:extLst>
-              <a:ext uri="{FF2B5EF4-FFF2-40B4-BE49-F238E27FC236}">
-                <a16:creationId xmlns:a16="http://schemas.microsoft.com/office/drawing/2014/main" id="{DBBC2F16-6F98-FB38-6F56-6A159BDE35E1}"/>
-              </a:ext>
-            </a:extLst>
-          </p:cNvPr>
-          <p:cNvSpPr>
-            <a:spLocks noGrp="1"/>
-          </p:cNvSpPr>
-          <p:nvPr>
-            <p:ph type="title"/>
-          </p:nvPr>
-        </p:nvSpPr>
-        <p:spPr>
-          <a:xfrm>
-            <a:off x="441814" y="1022065"/>
-            <a:ext cx="10515600" cy="1325563"/>
-          </a:xfrm>
-        </p:spPr>
-        <p:txBody>
-          <a:bodyPr>
-            <a:normAutofit/>
-          </a:bodyPr>
-          <a:lstStyle/>
-          <a:p>
-            <a:r>
-              <a:rPr lang="de-DE" b="1">
-                <a:solidFill>
-                  <a:schemeClr val="bg1"/>
-                </a:solidFill>
-              </a:rPr>
-              <a:t>TEAM</a:t>
-            </a:r>
-            <a:endParaRPr lang="de-AT" b="1">
-              <a:solidFill>
-                <a:schemeClr val="bg1"/>
-              </a:solidFill>
-            </a:endParaRPr>
-          </a:p>
-        </p:txBody>
-      </p:sp>
-      <p:grpSp>
-        <p:nvGrpSpPr>
-          <p:cNvPr id="12" name="Gruppieren 11">
-            <a:extLst>
-              <a:ext uri="{FF2B5EF4-FFF2-40B4-BE49-F238E27FC236}">
-                <a16:creationId xmlns:a16="http://schemas.microsoft.com/office/drawing/2014/main" id="{6E142C59-6A33-0DDF-D3B2-99A5718AC731}"/>
-              </a:ext>
-            </a:extLst>
-          </p:cNvPr>
-          <p:cNvGrpSpPr/>
-          <p:nvPr/>
-        </p:nvGrpSpPr>
-        <p:grpSpPr>
-          <a:xfrm>
-            <a:off x="349262" y="3094468"/>
-            <a:ext cx="1801255" cy="2269615"/>
-            <a:chOff x="1035255" y="2385358"/>
-            <a:chExt cx="1338861" cy="1732669"/>
-          </a:xfrm>
-        </p:grpSpPr>
-        <p:pic>
-          <p:nvPicPr>
-            <p:cNvPr id="9" name="Grafik 8" descr="Ein Bild, das Menschliches Gesicht, Person, Vorderkopf, Augenbraue enthält.&#10;&#10;KI-generierte Inhalte können fehlerhaft sein.">
-              <a:extLst>
-                <a:ext uri="{FF2B5EF4-FFF2-40B4-BE49-F238E27FC236}">
-                  <a16:creationId xmlns:a16="http://schemas.microsoft.com/office/drawing/2014/main" id="{D60ADBCD-12C2-85A6-7195-06E2704BDB5F}"/>
-                </a:ext>
-              </a:extLst>
-            </p:cNvPr>
-            <p:cNvPicPr>
-              <a:picLocks noChangeAspect="1"/>
-            </p:cNvPicPr>
-            <p:nvPr/>
-          </p:nvPicPr>
-          <p:blipFill>
-            <a:blip r:embed="rId2">
-              <a:extLst>
-                <a:ext uri="{28A0092B-C50C-407E-A947-70E740481C1C}">
-                  <a14:useLocalDpi xmlns:a14="http://schemas.microsoft.com/office/drawing/2010/main" val="0"/>
-                </a:ext>
-              </a:extLst>
-            </a:blip>
-            <a:srcRect l="12403" r="18103"/>
-            <a:stretch>
-              <a:fillRect/>
-            </a:stretch>
-          </p:blipFill>
-          <p:spPr>
-            <a:xfrm>
-              <a:off x="1308343" y="2385358"/>
-              <a:ext cx="792684" cy="1140627"/>
-            </a:xfrm>
-            <a:prstGeom prst="rect">
-              <a:avLst/>
-            </a:prstGeom>
-          </p:spPr>
-        </p:pic>
-        <p:sp>
-          <p:nvSpPr>
-            <p:cNvPr id="5" name="Textfeld 4">
-              <a:extLst>
-                <a:ext uri="{FF2B5EF4-FFF2-40B4-BE49-F238E27FC236}">
-                  <a16:creationId xmlns:a16="http://schemas.microsoft.com/office/drawing/2014/main" id="{9673097B-AEEC-63A1-CDDA-1E9F3C8F78D7}"/>
-                </a:ext>
-              </a:extLst>
-            </p:cNvPr>
-            <p:cNvSpPr txBox="1"/>
-            <p:nvPr/>
-          </p:nvSpPr>
-          <p:spPr>
-            <a:xfrm>
-              <a:off x="1035255" y="3624605"/>
-              <a:ext cx="1338861" cy="493422"/>
-            </a:xfrm>
-            <a:prstGeom prst="rect">
-              <a:avLst/>
-            </a:prstGeom>
-            <a:noFill/>
-          </p:spPr>
-          <p:txBody>
-            <a:bodyPr wrap="square" rtlCol="0">
-              <a:spAutoFit/>
-            </a:bodyPr>
-            <a:lstStyle/>
-            <a:p>
-              <a:pPr algn="ctr"/>
-              <a:r>
-                <a:rPr lang="de-DE" b="1">
-                  <a:solidFill>
-                    <a:schemeClr val="bg1"/>
-                  </a:solidFill>
-                </a:rPr>
-                <a:t>Stefan Ilic</a:t>
-              </a:r>
-              <a:br>
-                <a:rPr lang="de-DE" b="1">
-                  <a:solidFill>
-                    <a:schemeClr val="bg1"/>
-                  </a:solidFill>
-                </a:rPr>
-              </a:br>
-              <a:r>
-                <a:rPr lang="de-DE" b="1">
-                  <a:solidFill>
-                    <a:schemeClr val="bg1"/>
-                  </a:solidFill>
-                </a:rPr>
-                <a:t>Projektmitglied </a:t>
-              </a:r>
-              <a:endParaRPr lang="de-AT" b="1">
-                <a:solidFill>
-                  <a:schemeClr val="bg1"/>
-                </a:solidFill>
-              </a:endParaRPr>
-            </a:p>
-          </p:txBody>
-        </p:sp>
-      </p:grpSp>
-      <p:grpSp>
-        <p:nvGrpSpPr>
-          <p:cNvPr id="23" name="Gruppieren 22">
-            <a:extLst>
-              <a:ext uri="{FF2B5EF4-FFF2-40B4-BE49-F238E27FC236}">
-                <a16:creationId xmlns:a16="http://schemas.microsoft.com/office/drawing/2014/main" id="{CF34EE90-F483-826E-D274-E6A3B7640243}"/>
-              </a:ext>
-            </a:extLst>
-          </p:cNvPr>
-          <p:cNvGrpSpPr/>
-          <p:nvPr/>
-        </p:nvGrpSpPr>
-        <p:grpSpPr>
-          <a:xfrm>
-            <a:off x="2798302" y="3174976"/>
-            <a:ext cx="1801255" cy="2144145"/>
-            <a:chOff x="5678989" y="1337979"/>
-            <a:chExt cx="1801255" cy="2144145"/>
-          </a:xfrm>
-        </p:grpSpPr>
-        <p:sp>
-          <p:nvSpPr>
-            <p:cNvPr id="21" name="Textfeld 20">
-              <a:extLst>
-                <a:ext uri="{FF2B5EF4-FFF2-40B4-BE49-F238E27FC236}">
-                  <a16:creationId xmlns:a16="http://schemas.microsoft.com/office/drawing/2014/main" id="{7D5086F2-E4B7-77C4-2E77-B3D7246CD2DF}"/>
-                </a:ext>
-              </a:extLst>
-            </p:cNvPr>
-            <p:cNvSpPr txBox="1"/>
-            <p:nvPr/>
-          </p:nvSpPr>
-          <p:spPr>
-            <a:xfrm>
-              <a:off x="5678989" y="2835793"/>
-              <a:ext cx="1801255" cy="646331"/>
-            </a:xfrm>
-            <a:prstGeom prst="rect">
-              <a:avLst/>
-            </a:prstGeom>
-            <a:noFill/>
-          </p:spPr>
-          <p:txBody>
-            <a:bodyPr wrap="square" rtlCol="0">
-              <a:spAutoFit/>
-            </a:bodyPr>
-            <a:lstStyle/>
-            <a:p>
-              <a:pPr algn="ctr"/>
-              <a:r>
-                <a:rPr lang="de-DE" b="1">
-                  <a:solidFill>
-                    <a:schemeClr val="bg1"/>
-                  </a:solidFill>
-                </a:rPr>
-                <a:t>Ali Dadak</a:t>
-              </a:r>
-              <a:br>
-                <a:rPr lang="de-DE" b="1">
-                  <a:solidFill>
-                    <a:schemeClr val="bg1"/>
-                  </a:solidFill>
-                </a:rPr>
-              </a:br>
-              <a:r>
-                <a:rPr lang="de-DE" b="1">
-                  <a:solidFill>
-                    <a:schemeClr val="bg1"/>
-                  </a:solidFill>
-                </a:rPr>
-                <a:t>Projektleiter </a:t>
-              </a:r>
-              <a:endParaRPr lang="de-AT" b="1">
-                <a:solidFill>
-                  <a:schemeClr val="bg1"/>
-                </a:solidFill>
-              </a:endParaRPr>
-            </a:p>
-          </p:txBody>
-        </p:sp>
-        <p:pic>
-          <p:nvPicPr>
-            <p:cNvPr id="22" name="Grafik 21" descr="Ein Bild, das Menschliches Gesicht, Person, Kleidung, Porträt enthält.&#10;&#10;KI-generierte Inhalte können fehlerhaft sein.">
-              <a:extLst>
-                <a:ext uri="{FF2B5EF4-FFF2-40B4-BE49-F238E27FC236}">
-                  <a16:creationId xmlns:a16="http://schemas.microsoft.com/office/drawing/2014/main" id="{5247F74C-CB8D-61CB-AF01-B45B60A7AE75}"/>
-                </a:ext>
-              </a:extLst>
-            </p:cNvPr>
-            <p:cNvPicPr>
-              <a:picLocks noChangeAspect="1"/>
-            </p:cNvPicPr>
-            <p:nvPr/>
-          </p:nvPicPr>
-          <p:blipFill>
-            <a:blip r:embed="rId3">
-              <a:extLst>
-                <a:ext uri="{28A0092B-C50C-407E-A947-70E740481C1C}">
-                  <a14:useLocalDpi xmlns:a14="http://schemas.microsoft.com/office/drawing/2010/main" val="0"/>
-                </a:ext>
-              </a:extLst>
-            </a:blip>
-            <a:stretch>
-              <a:fillRect/>
-            </a:stretch>
-          </p:blipFill>
-          <p:spPr>
-            <a:xfrm>
-              <a:off x="5958332" y="1337979"/>
-              <a:ext cx="1242568" cy="1436307"/>
-            </a:xfrm>
-            <a:prstGeom prst="rect">
-              <a:avLst/>
-            </a:prstGeom>
-          </p:spPr>
-        </p:pic>
-      </p:grpSp>
-      <p:grpSp>
-        <p:nvGrpSpPr>
-          <p:cNvPr id="29" name="Gruppieren 28">
-            <a:extLst>
-              <a:ext uri="{FF2B5EF4-FFF2-40B4-BE49-F238E27FC236}">
-                <a16:creationId xmlns:a16="http://schemas.microsoft.com/office/drawing/2014/main" id="{333A5AC8-EEFB-966E-FD79-2AE8B47256E0}"/>
-              </a:ext>
-            </a:extLst>
-          </p:cNvPr>
-          <p:cNvGrpSpPr/>
-          <p:nvPr/>
-        </p:nvGrpSpPr>
-        <p:grpSpPr>
-          <a:xfrm>
-            <a:off x="6577255" y="2947513"/>
-            <a:ext cx="1885130" cy="2416570"/>
-            <a:chOff x="5806548" y="523049"/>
-            <a:chExt cx="1885130" cy="2416570"/>
-          </a:xfrm>
-        </p:grpSpPr>
-        <p:pic>
-          <p:nvPicPr>
-            <p:cNvPr id="11" name="Grafik 10" descr="Ein Bild, das Menschliches Gesicht, Person, Kleidung, Himmel enthält.&#10;&#10;KI-generierte Inhalte können fehlerhaft sein.">
-              <a:extLst>
-                <a:ext uri="{FF2B5EF4-FFF2-40B4-BE49-F238E27FC236}">
-                  <a16:creationId xmlns:a16="http://schemas.microsoft.com/office/drawing/2014/main" id="{F8AFDC43-9779-75F2-B1BE-7CEDFF7C36D4}"/>
-                </a:ext>
-              </a:extLst>
-            </p:cNvPr>
-            <p:cNvPicPr>
-              <a:picLocks noChangeAspect="1"/>
-            </p:cNvPicPr>
-            <p:nvPr/>
-          </p:nvPicPr>
-          <p:blipFill>
-            <a:blip r:embed="rId4">
-              <a:extLst>
-                <a:ext uri="{28A0092B-C50C-407E-A947-70E740481C1C}">
-                  <a14:useLocalDpi xmlns:a14="http://schemas.microsoft.com/office/drawing/2010/main" val="0"/>
-                </a:ext>
-              </a:extLst>
-            </a:blip>
-            <a:stretch>
-              <a:fillRect/>
-            </a:stretch>
-          </p:blipFill>
-          <p:spPr>
-            <a:xfrm>
-              <a:off x="6013568" y="821434"/>
-              <a:ext cx="1471090" cy="1436307"/>
-            </a:xfrm>
-            <a:prstGeom prst="rect">
-              <a:avLst/>
-            </a:prstGeom>
-          </p:spPr>
-        </p:pic>
-        <p:grpSp>
-          <p:nvGrpSpPr>
-            <p:cNvPr id="25" name="Gruppieren 24">
-              <a:extLst>
-                <a:ext uri="{FF2B5EF4-FFF2-40B4-BE49-F238E27FC236}">
-                  <a16:creationId xmlns:a16="http://schemas.microsoft.com/office/drawing/2014/main" id="{DFD192B3-1240-DE69-FE7D-841FC16C53B6}"/>
-                </a:ext>
-              </a:extLst>
-            </p:cNvPr>
-            <p:cNvGrpSpPr/>
-            <p:nvPr/>
-          </p:nvGrpSpPr>
-          <p:grpSpPr>
-            <a:xfrm>
-              <a:off x="5806548" y="523049"/>
-              <a:ext cx="1885130" cy="2416570"/>
-              <a:chOff x="921568" y="2781745"/>
-              <a:chExt cx="1885130" cy="2416570"/>
-            </a:xfrm>
-          </p:grpSpPr>
-          <p:sp>
-            <p:nvSpPr>
-              <p:cNvPr id="27" name="Textfeld 26">
-                <a:extLst>
-                  <a:ext uri="{FF2B5EF4-FFF2-40B4-BE49-F238E27FC236}">
-                    <a16:creationId xmlns:a16="http://schemas.microsoft.com/office/drawing/2014/main" id="{0F9A14FA-1E2C-6FFF-D0EF-F8501FD9CC73}"/>
-                  </a:ext>
-                </a:extLst>
-              </p:cNvPr>
-              <p:cNvSpPr txBox="1"/>
-              <p:nvPr/>
-            </p:nvSpPr>
-            <p:spPr>
-              <a:xfrm>
-                <a:off x="963505" y="4534210"/>
-                <a:ext cx="1801255" cy="646331"/>
-              </a:xfrm>
-              <a:prstGeom prst="rect">
-                <a:avLst/>
-              </a:prstGeom>
-              <a:noFill/>
-            </p:spPr>
-            <p:txBody>
-              <a:bodyPr wrap="square" rtlCol="0">
-                <a:spAutoFit/>
-              </a:bodyPr>
-              <a:lstStyle/>
-              <a:p>
-                <a:pPr algn="ctr"/>
-                <a:r>
-                  <a:rPr lang="de-DE" b="1"/>
-                  <a:t>Michael Leeb</a:t>
-                </a:r>
-                <a:br>
-                  <a:rPr lang="de-DE" b="1"/>
-                </a:br>
-                <a:r>
-                  <a:rPr lang="de-DE" b="1"/>
-                  <a:t>Auftraggeber </a:t>
-                </a:r>
-                <a:endParaRPr lang="de-AT" b="1"/>
-              </a:p>
-            </p:txBody>
-          </p:sp>
-          <p:sp>
-            <p:nvSpPr>
-              <p:cNvPr id="28" name="Rechteck: abgerundete Ecken 27">
-                <a:extLst>
-                  <a:ext uri="{FF2B5EF4-FFF2-40B4-BE49-F238E27FC236}">
-                    <a16:creationId xmlns:a16="http://schemas.microsoft.com/office/drawing/2014/main" id="{EDFD5625-A952-B86D-7174-D239D5868BD1}"/>
-                  </a:ext>
-                </a:extLst>
-              </p:cNvPr>
-              <p:cNvSpPr/>
-              <p:nvPr/>
-            </p:nvSpPr>
-            <p:spPr>
-              <a:xfrm>
-                <a:off x="921568" y="2781745"/>
-                <a:ext cx="1885130" cy="2416570"/>
-              </a:xfrm>
-              <a:prstGeom prst="roundRect">
-                <a:avLst/>
-              </a:prstGeom>
-              <a:noFill/>
-              <a:ln>
-                <a:solidFill>
-                  <a:schemeClr val="accent5">
-                    <a:lumMod val="75000"/>
-                  </a:schemeClr>
-                </a:solidFill>
-              </a:ln>
-              <a:effectLst>
-                <a:outerShdw blurRad="50800" dist="38100" dir="8100000" algn="tr" rotWithShape="0">
-                  <a:prstClr val="black">
-                    <a:alpha val="40000"/>
-                  </a:prstClr>
-                </a:outerShdw>
-              </a:effectLst>
-            </p:spPr>
-            <p:style>
-              <a:lnRef idx="2">
-                <a:schemeClr val="accent1">
-                  <a:shade val="15000"/>
-                </a:schemeClr>
-              </a:lnRef>
-              <a:fillRef idx="1">
-                <a:schemeClr val="accent1"/>
-              </a:fillRef>
-              <a:effectRef idx="0">
-                <a:schemeClr val="accent1"/>
-              </a:effectRef>
-              <a:fontRef idx="minor">
-                <a:schemeClr val="lt1"/>
-              </a:fontRef>
-            </p:style>
-            <p:txBody>
-              <a:bodyPr rtlCol="0" anchor="ctr"/>
-              <a:lstStyle/>
-              <a:p>
-                <a:pPr algn="ctr"/>
-                <a:endParaRPr lang="de-AT"/>
-              </a:p>
-            </p:txBody>
-          </p:sp>
-        </p:grpSp>
-      </p:grpSp>
-      <p:pic>
-        <p:nvPicPr>
-          <p:cNvPr id="3" name="Grafik 2">
-            <a:extLst>
-              <a:ext uri="{FF2B5EF4-FFF2-40B4-BE49-F238E27FC236}">
-                <a16:creationId xmlns:a16="http://schemas.microsoft.com/office/drawing/2014/main" id="{0485E6D3-6647-AA9D-8C4A-12846220C00E}"/>
-              </a:ext>
-            </a:extLst>
-          </p:cNvPr>
-          <p:cNvPicPr>
-            <a:picLocks noChangeAspect="1"/>
-          </p:cNvPicPr>
-          <p:nvPr/>
-        </p:nvPicPr>
-        <p:blipFill>
-          <a:blip r:embed="rId5">
-            <a:extLst>
-              <a:ext uri="{BEBA8EAE-BF5A-486C-A8C5-ECC9F3942E4B}">
-                <a14:imgProps xmlns:a14="http://schemas.microsoft.com/office/drawing/2010/main">
-                  <a14:imgLayer r:embed="rId6">
-                    <a14:imgEffect>
-                      <a14:backgroundRemoval t="5426" b="93411" l="6038" r="91321">
-                        <a14:foregroundMark x1="30189" y1="54651" x2="56604" y2="43798"/>
-                        <a14:foregroundMark x1="56604" y1="43798" x2="36226" y2="51938"/>
-                        <a14:foregroundMark x1="36226" y1="51938" x2="30943" y2="51163"/>
-                        <a14:foregroundMark x1="7170" y1="18605" x2="30566" y2="4651"/>
-                        <a14:foregroundMark x1="30566" y1="4651" x2="86792" y2="13953"/>
-                        <a14:foregroundMark x1="86792" y1="13953" x2="91321" y2="41085"/>
-                        <a14:foregroundMark x1="91321" y1="41085" x2="84906" y2="82558"/>
-                        <a14:foregroundMark x1="84906" y1="82558" x2="67170" y2="93411"/>
-                        <a14:foregroundMark x1="67170" y1="93411" x2="29811" y2="92248"/>
-                        <a14:foregroundMark x1="29811" y1="92248" x2="6792" y2="39922"/>
-                        <a14:foregroundMark x1="6792" y1="39922" x2="8679" y2="15891"/>
-                        <a14:foregroundMark x1="10189" y1="48062" x2="38491" y2="45736"/>
-                        <a14:foregroundMark x1="38491" y1="45736" x2="10566" y2="51163"/>
-                        <a14:foregroundMark x1="10566" y1="51163" x2="7925" y2="46899"/>
-                        <a14:foregroundMark x1="5660" y1="52326" x2="5660" y2="72093"/>
-                        <a14:foregroundMark x1="5660" y1="72093" x2="15094" y2="90310"/>
-                        <a14:foregroundMark x1="15094" y1="90310" x2="34340" y2="91860"/>
-                        <a14:foregroundMark x1="34340" y1="91860" x2="36226" y2="90698"/>
-                        <a14:foregroundMark x1="22264" y1="94186" x2="46038" y2="93798"/>
-                        <a14:foregroundMark x1="46038" y1="93798" x2="69811" y2="94186"/>
-                        <a14:foregroundMark x1="69811" y1="94186" x2="78491" y2="94186"/>
-                        <a14:foregroundMark x1="43396" y1="93798" x2="25660" y2="74031"/>
-                        <a14:foregroundMark x1="25660" y1="74031" x2="41509" y2="62403"/>
-                        <a14:foregroundMark x1="41509" y1="62403" x2="63774" y2="73643"/>
-                        <a14:foregroundMark x1="63774" y1="73643" x2="47925" y2="92248"/>
-                        <a14:foregroundMark x1="47925" y1="92248" x2="42642" y2="93411"/>
-                        <a14:foregroundMark x1="69811" y1="76744" x2="62264" y2="46512"/>
-                        <a14:foregroundMark x1="62264" y1="46512" x2="76226" y2="31783"/>
-                        <a14:foregroundMark x1="76226" y1="31783" x2="91321" y2="50000"/>
-                        <a14:foregroundMark x1="91321" y1="50000" x2="81887" y2="66667"/>
-                        <a14:foregroundMark x1="81887" y1="66667" x2="67547" y2="74806"/>
-                        <a14:foregroundMark x1="29811" y1="58140" x2="13962" y2="38372"/>
-                        <a14:foregroundMark x1="13962" y1="38372" x2="20000" y2="12791"/>
-                        <a14:foregroundMark x1="20000" y1="12791" x2="39245" y2="12016"/>
-                        <a14:foregroundMark x1="39245" y1="12016" x2="54340" y2="27907"/>
-                        <a14:foregroundMark x1="54340" y1="27907" x2="50189" y2="50388"/>
-                        <a14:foregroundMark x1="50189" y1="50388" x2="30189" y2="58527"/>
-                        <a14:foregroundMark x1="30189" y1="58527" x2="27925" y2="57752"/>
-                        <a14:foregroundMark x1="16604" y1="8915" x2="56604" y2="4651"/>
-                        <a14:foregroundMark x1="56604" y1="4651" x2="78113" y2="5426"/>
-                        <a14:foregroundMark x1="78113" y1="5426" x2="82642" y2="9690"/>
-                        <a14:backgroundMark x1="2642" y1="10853" x2="6792" y2="2326"/>
-                        <a14:backgroundMark x1="2264" y1="9302" x2="10566" y2="3101"/>
-                        <a14:backgroundMark x1="10625" y1="10225" x2="18491" y2="1938"/>
-                        <a14:backgroundMark x1="3774" y1="17442" x2="10409" y2="10452"/>
-                        <a14:backgroundMark x1="18491" y1="1938" x2="23774" y2="0"/>
-                        <a14:backgroundMark x1="3019" y1="8140" x2="3774" y2="5814"/>
-                      </a14:backgroundRemoval>
-                    </a14:imgEffect>
-                  </a14:imgLayer>
-                </a14:imgProps>
-              </a:ext>
-            </a:extLst>
-          </a:blip>
-          <a:stretch>
-            <a:fillRect/>
-          </a:stretch>
-        </p:blipFill>
-        <p:spPr>
-          <a:xfrm>
-            <a:off x="2150517" y="1043662"/>
-            <a:ext cx="1180565" cy="1149380"/>
-          </a:xfrm>
-          <a:prstGeom prst="rect">
-            <a:avLst/>
-          </a:prstGeom>
-        </p:spPr>
-      </p:pic>
-      <p:sp>
-        <p:nvSpPr>
-          <p:cNvPr id="6" name="Rechteck 5">
-            <a:extLst>
-              <a:ext uri="{FF2B5EF4-FFF2-40B4-BE49-F238E27FC236}">
-                <a16:creationId xmlns:a16="http://schemas.microsoft.com/office/drawing/2014/main" id="{62B40E9B-A2CE-C57A-B45A-FDA807883351}"/>
-              </a:ext>
-            </a:extLst>
-          </p:cNvPr>
-          <p:cNvSpPr/>
-          <p:nvPr/>
-        </p:nvSpPr>
-        <p:spPr>
-          <a:xfrm rot="2036743">
-            <a:off x="4210583" y="8878555"/>
-            <a:ext cx="6038850" cy="10537401"/>
-          </a:xfrm>
-          <a:prstGeom prst="rect">
-            <a:avLst/>
-          </a:prstGeom>
-          <a:solidFill>
-            <a:srgbClr val="7030A0"/>
-          </a:solidFill>
-          <a:ln>
-            <a:solidFill>
-              <a:srgbClr val="7030A0"/>
-            </a:solidFill>
-          </a:ln>
-        </p:spPr>
-        <p:style>
-          <a:lnRef idx="2">
-            <a:schemeClr val="accent1">
-              <a:shade val="15000"/>
-            </a:schemeClr>
-          </a:lnRef>
-          <a:fillRef idx="1">
-            <a:schemeClr val="accent1"/>
-          </a:fillRef>
-          <a:effectRef idx="0">
-            <a:schemeClr val="accent1"/>
-          </a:effectRef>
-          <a:fontRef idx="minor">
-            <a:schemeClr val="lt1"/>
-          </a:fontRef>
-        </p:style>
-        <p:txBody>
-          <a:bodyPr vert="vert270" rtlCol="0" anchor="ctr"/>
-          <a:lstStyle/>
-          <a:p>
-            <a:pPr algn="ctr"/>
-            <a:r>
-              <a:rPr lang="de-DE" sz="5400" b="1"/>
-              <a:t>STALI</a:t>
-            </a:r>
-            <a:endParaRPr lang="de-AT" b="1"/>
-          </a:p>
-        </p:txBody>
-      </p:sp>
-      <p:pic>
-        <p:nvPicPr>
-          <p:cNvPr id="7" name="Grafik 6">
-            <a:extLst>
-              <a:ext uri="{FF2B5EF4-FFF2-40B4-BE49-F238E27FC236}">
-                <a16:creationId xmlns:a16="http://schemas.microsoft.com/office/drawing/2014/main" id="{FEE64E96-124A-EF0F-F7E1-2C0475A764D9}"/>
-              </a:ext>
-            </a:extLst>
-          </p:cNvPr>
-          <p:cNvPicPr>
-            <a:picLocks noChangeAspect="1"/>
-          </p:cNvPicPr>
-          <p:nvPr/>
-        </p:nvPicPr>
-        <p:blipFill>
-          <a:blip r:embed="rId5">
-            <a:extLst>
-              <a:ext uri="{BEBA8EAE-BF5A-486C-A8C5-ECC9F3942E4B}">
-                <a14:imgProps xmlns:a14="http://schemas.microsoft.com/office/drawing/2010/main">
-                  <a14:imgLayer r:embed="rId6">
-                    <a14:imgEffect>
-                      <a14:backgroundRemoval t="5426" b="93411" l="6038" r="91321">
-                        <a14:foregroundMark x1="30189" y1="54651" x2="56604" y2="43798"/>
-                        <a14:foregroundMark x1="56604" y1="43798" x2="36226" y2="51938"/>
-                        <a14:foregroundMark x1="36226" y1="51938" x2="30943" y2="51163"/>
-                        <a14:foregroundMark x1="7170" y1="18605" x2="30566" y2="4651"/>
-                        <a14:foregroundMark x1="30566" y1="4651" x2="86792" y2="13953"/>
-                        <a14:foregroundMark x1="86792" y1="13953" x2="91321" y2="41085"/>
-                        <a14:foregroundMark x1="91321" y1="41085" x2="84906" y2="82558"/>
-                        <a14:foregroundMark x1="84906" y1="82558" x2="67170" y2="93411"/>
-                        <a14:foregroundMark x1="67170" y1="93411" x2="29811" y2="92248"/>
-                        <a14:foregroundMark x1="29811" y1="92248" x2="6792" y2="39922"/>
-                        <a14:foregroundMark x1="6792" y1="39922" x2="8679" y2="15891"/>
-                        <a14:foregroundMark x1="10189" y1="48062" x2="38491" y2="45736"/>
-                        <a14:foregroundMark x1="38491" y1="45736" x2="10566" y2="51163"/>
-                        <a14:foregroundMark x1="10566" y1="51163" x2="7925" y2="46899"/>
-                        <a14:foregroundMark x1="5660" y1="52326" x2="5660" y2="72093"/>
-                        <a14:foregroundMark x1="5660" y1="72093" x2="15094" y2="90310"/>
-                        <a14:foregroundMark x1="15094" y1="90310" x2="34340" y2="91860"/>
-                        <a14:foregroundMark x1="34340" y1="91860" x2="36226" y2="90698"/>
-                        <a14:foregroundMark x1="22264" y1="94186" x2="46038" y2="93798"/>
-                        <a14:foregroundMark x1="46038" y1="93798" x2="69811" y2="94186"/>
-                        <a14:foregroundMark x1="69811" y1="94186" x2="78491" y2="94186"/>
-                        <a14:foregroundMark x1="43396" y1="93798" x2="25660" y2="74031"/>
-                        <a14:foregroundMark x1="25660" y1="74031" x2="41509" y2="62403"/>
-                        <a14:foregroundMark x1="41509" y1="62403" x2="63774" y2="73643"/>
-                        <a14:foregroundMark x1="63774" y1="73643" x2="47925" y2="92248"/>
-                        <a14:foregroundMark x1="47925" y1="92248" x2="42642" y2="93411"/>
-                        <a14:foregroundMark x1="69811" y1="76744" x2="62264" y2="46512"/>
-                        <a14:foregroundMark x1="62264" y1="46512" x2="76226" y2="31783"/>
-                        <a14:foregroundMark x1="76226" y1="31783" x2="91321" y2="50000"/>
-                        <a14:foregroundMark x1="91321" y1="50000" x2="81887" y2="66667"/>
-                        <a14:foregroundMark x1="81887" y1="66667" x2="67547" y2="74806"/>
-                        <a14:foregroundMark x1="29811" y1="58140" x2="13962" y2="38372"/>
-                        <a14:foregroundMark x1="13962" y1="38372" x2="20000" y2="12791"/>
-                        <a14:foregroundMark x1="20000" y1="12791" x2="39245" y2="12016"/>
-                        <a14:foregroundMark x1="39245" y1="12016" x2="54340" y2="27907"/>
-                        <a14:foregroundMark x1="54340" y1="27907" x2="50189" y2="50388"/>
-                        <a14:foregroundMark x1="50189" y1="50388" x2="30189" y2="58527"/>
-                        <a14:foregroundMark x1="30189" y1="58527" x2="27925" y2="57752"/>
-                        <a14:foregroundMark x1="16604" y1="8915" x2="56604" y2="4651"/>
-                        <a14:foregroundMark x1="56604" y1="4651" x2="78113" y2="5426"/>
-                        <a14:foregroundMark x1="78113" y1="5426" x2="82642" y2="9690"/>
-                        <a14:backgroundMark x1="2642" y1="10853" x2="6792" y2="2326"/>
-                        <a14:backgroundMark x1="2264" y1="9302" x2="10566" y2="3101"/>
-                        <a14:backgroundMark x1="10625" y1="10225" x2="18491" y2="1938"/>
-                        <a14:backgroundMark x1="3774" y1="17442" x2="10409" y2="10452"/>
-                        <a14:backgroundMark x1="18491" y1="1938" x2="23774" y2="0"/>
-                        <a14:backgroundMark x1="3019" y1="8140" x2="3774" y2="5814"/>
-                      </a14:backgroundRemoval>
-                    </a14:imgEffect>
-                  </a14:imgLayer>
-                </a14:imgProps>
-              </a:ext>
-            </a:extLst>
-          </a:blip>
-          <a:stretch>
-            <a:fillRect/>
-          </a:stretch>
-        </p:blipFill>
-        <p:spPr>
-          <a:xfrm rot="18259666">
-            <a:off x="7466694" y="11506443"/>
-            <a:ext cx="1991384" cy="1938781"/>
-          </a:xfrm>
-          <a:prstGeom prst="rect">
-            <a:avLst/>
-          </a:prstGeom>
-        </p:spPr>
-      </p:pic>
-    </p:spTree>
-    <p:extLst>
-      <p:ext uri="{BB962C8B-B14F-4D97-AF65-F5344CB8AC3E}">
-        <p14:creationId xmlns:p14="http://schemas.microsoft.com/office/powerpoint/2010/main" val="3616559842"/>
-      </p:ext>
-    </p:extLst>
-  </p:cSld>
-  <p:clrMapOvr>
-    <a:masterClrMapping/>
-  </p:clrMapOvr>
-  <p:transition spd="slow">
-    <p:push dir="u"/>
-  </p:transition>
-</p:sld>
-</file>
-
-<file path=ppt/slides/slide3.xml><?xml version="1.0" encoding="utf-8"?>
-<p:sld xmlns:a="http://schemas.openxmlformats.org/drawingml/2006/main" xmlns:r="http://schemas.openxmlformats.org/officeDocument/2006/relationships" xmlns:p="http://schemas.openxmlformats.org/presentationml/2006/main">
-  <p:cSld>
-    <p:spTree>
-      <p:nvGrpSpPr>
-        <p:cNvPr id="1" name=""/>
-        <p:cNvGrpSpPr/>
-        <p:nvPr/>
-      </p:nvGrpSpPr>
-      <p:grpSpPr>
-        <a:xfrm>
-          <a:off x="0" y="0"/>
-          <a:ext cx="0" cy="0"/>
-          <a:chOff x="0" y="0"/>
-          <a:chExt cx="0" cy="0"/>
-        </a:xfrm>
-      </p:grpSpPr>
-      <p:sp>
-        <p:nvSpPr>
-          <p:cNvPr id="2" name="Titel 1">
-            <a:extLst>
-              <a:ext uri="{FF2B5EF4-FFF2-40B4-BE49-F238E27FC236}">
-                <a16:creationId xmlns:a16="http://schemas.microsoft.com/office/drawing/2014/main" id="{5EE5C2B8-E185-F3B8-8ED1-03E1AE6778DA}"/>
-              </a:ext>
-            </a:extLst>
-          </p:cNvPr>
-          <p:cNvSpPr>
-            <a:spLocks noGrp="1"/>
-          </p:cNvSpPr>
-          <p:nvPr>
-            <p:ph type="title"/>
-          </p:nvPr>
-        </p:nvSpPr>
-        <p:spPr>
-          <a:xfrm>
-            <a:off x="266700" y="1594373"/>
-            <a:ext cx="10515600" cy="1325563"/>
-          </a:xfrm>
-        </p:spPr>
-        <p:txBody>
-          <a:bodyPr/>
-          <a:lstStyle/>
-          <a:p>
-            <a:r>
-              <a:rPr lang="de-DE" b="1"/>
-              <a:t>WAS IST STALI?</a:t>
-            </a:r>
-            <a:endParaRPr lang="de-AT" b="1"/>
-          </a:p>
-        </p:txBody>
-      </p:sp>
-      <p:grpSp>
-        <p:nvGrpSpPr>
-          <p:cNvPr id="7" name="Gruppieren 6">
-            <a:extLst>
-              <a:ext uri="{FF2B5EF4-FFF2-40B4-BE49-F238E27FC236}">
-                <a16:creationId xmlns:a16="http://schemas.microsoft.com/office/drawing/2014/main" id="{74FEE892-4287-D4EF-B95A-95FC988C0CA6}"/>
-              </a:ext>
-            </a:extLst>
-          </p:cNvPr>
-          <p:cNvGrpSpPr/>
-          <p:nvPr/>
-        </p:nvGrpSpPr>
-        <p:grpSpPr>
-          <a:xfrm>
-            <a:off x="266700" y="2919936"/>
-            <a:ext cx="5448300" cy="2700337"/>
-            <a:chOff x="590550" y="1990725"/>
-            <a:chExt cx="5448300" cy="2700337"/>
-          </a:xfrm>
-        </p:grpSpPr>
-        <p:sp>
-          <p:nvSpPr>
-            <p:cNvPr id="3" name="Rechteck: abgerundete Ecken 2">
-              <a:extLst>
-                <a:ext uri="{FF2B5EF4-FFF2-40B4-BE49-F238E27FC236}">
-                  <a16:creationId xmlns:a16="http://schemas.microsoft.com/office/drawing/2014/main" id="{2A5140C2-F788-5D80-0157-07D6BF8A15C9}"/>
-                </a:ext>
-              </a:extLst>
-            </p:cNvPr>
-            <p:cNvSpPr/>
-            <p:nvPr/>
-          </p:nvSpPr>
-          <p:spPr>
-            <a:xfrm>
-              <a:off x="590550" y="1990725"/>
-              <a:ext cx="2571750" cy="1200150"/>
-            </a:xfrm>
-            <a:prstGeom prst="roundRect">
-              <a:avLst/>
-            </a:prstGeom>
-            <a:solidFill>
-              <a:srgbClr val="7030A0"/>
-            </a:solidFill>
-            <a:ln>
-              <a:solidFill>
-                <a:srgbClr val="7030A0"/>
-              </a:solidFill>
-            </a:ln>
-          </p:spPr>
-          <p:style>
-            <a:lnRef idx="2">
-              <a:schemeClr val="accent1">
-                <a:shade val="15000"/>
-              </a:schemeClr>
-            </a:lnRef>
-            <a:fillRef idx="1">
-              <a:schemeClr val="accent1"/>
-            </a:fillRef>
-            <a:effectRef idx="0">
-              <a:schemeClr val="accent1"/>
-            </a:effectRef>
-            <a:fontRef idx="minor">
-              <a:schemeClr val="lt1"/>
-            </a:fontRef>
-          </p:style>
-          <p:txBody>
-            <a:bodyPr rtlCol="0" anchor="ctr"/>
-            <a:lstStyle/>
-            <a:p>
-              <a:pPr algn="ctr"/>
-              <a:r>
-                <a:rPr lang="de-AT" b="1"/>
-                <a:t>Online-Plattform für PCs &amp; PC-Teile</a:t>
-              </a:r>
-            </a:p>
-          </p:txBody>
-        </p:sp>
-        <p:sp>
-          <p:nvSpPr>
-            <p:cNvPr id="4" name="Rechteck: abgerundete Ecken 3">
-              <a:extLst>
-                <a:ext uri="{FF2B5EF4-FFF2-40B4-BE49-F238E27FC236}">
-                  <a16:creationId xmlns:a16="http://schemas.microsoft.com/office/drawing/2014/main" id="{F1DE0ABD-84FB-3798-C157-00C94BD576C4}"/>
-                </a:ext>
-              </a:extLst>
-            </p:cNvPr>
-            <p:cNvSpPr/>
-            <p:nvPr/>
-          </p:nvSpPr>
-          <p:spPr>
-            <a:xfrm>
-              <a:off x="3467100" y="1990725"/>
-              <a:ext cx="2571750" cy="1200150"/>
-            </a:xfrm>
-            <a:prstGeom prst="roundRect">
-              <a:avLst/>
-            </a:prstGeom>
-            <a:solidFill>
-              <a:srgbClr val="7030A0"/>
-            </a:solidFill>
-            <a:ln>
-              <a:solidFill>
-                <a:srgbClr val="7030A0"/>
-              </a:solidFill>
-            </a:ln>
-          </p:spPr>
-          <p:style>
-            <a:lnRef idx="2">
-              <a:schemeClr val="accent1">
-                <a:shade val="15000"/>
-              </a:schemeClr>
-            </a:lnRef>
-            <a:fillRef idx="1">
-              <a:schemeClr val="accent1"/>
-            </a:fillRef>
-            <a:effectRef idx="0">
-              <a:schemeClr val="accent1"/>
-            </a:effectRef>
-            <a:fontRef idx="minor">
-              <a:schemeClr val="lt1"/>
-            </a:fontRef>
-          </p:style>
-          <p:txBody>
-            <a:bodyPr rtlCol="0" anchor="ctr"/>
-            <a:lstStyle/>
-            <a:p>
-              <a:pPr algn="ctr"/>
-              <a:r>
-                <a:rPr lang="de-AT" b="1"/>
-                <a:t>Community-Marktplatz</a:t>
-              </a:r>
-              <a:endParaRPr lang="de-AT"/>
-            </a:p>
-          </p:txBody>
-        </p:sp>
-        <p:sp>
-          <p:nvSpPr>
-            <p:cNvPr id="5" name="Rechteck: abgerundete Ecken 4">
-              <a:extLst>
-                <a:ext uri="{FF2B5EF4-FFF2-40B4-BE49-F238E27FC236}">
-                  <a16:creationId xmlns:a16="http://schemas.microsoft.com/office/drawing/2014/main" id="{16729E08-5D2C-FF03-0E29-873277C8F4FC}"/>
-                </a:ext>
-              </a:extLst>
-            </p:cNvPr>
-            <p:cNvSpPr/>
-            <p:nvPr/>
-          </p:nvSpPr>
-          <p:spPr>
-            <a:xfrm>
-              <a:off x="590550" y="3429000"/>
-              <a:ext cx="2571750" cy="1200150"/>
-            </a:xfrm>
-            <a:prstGeom prst="roundRect">
-              <a:avLst/>
-            </a:prstGeom>
-            <a:solidFill>
-              <a:srgbClr val="7030A0"/>
-            </a:solidFill>
-            <a:ln>
-              <a:solidFill>
-                <a:srgbClr val="7030A0"/>
-              </a:solidFill>
-            </a:ln>
-          </p:spPr>
-          <p:style>
-            <a:lnRef idx="2">
-              <a:schemeClr val="accent1">
-                <a:shade val="15000"/>
-              </a:schemeClr>
-            </a:lnRef>
-            <a:fillRef idx="1">
-              <a:schemeClr val="accent1"/>
-            </a:fillRef>
-            <a:effectRef idx="0">
-              <a:schemeClr val="accent1"/>
-            </a:effectRef>
-            <a:fontRef idx="minor">
-              <a:schemeClr val="lt1"/>
-            </a:fontRef>
-          </p:style>
-          <p:txBody>
-            <a:bodyPr rtlCol="0" anchor="ctr"/>
-            <a:lstStyle/>
-            <a:p>
-              <a:pPr algn="ctr"/>
-              <a:r>
-                <a:rPr lang="de-AT" b="1"/>
-                <a:t>Fokus auf Gaming </a:t>
-              </a:r>
-            </a:p>
-          </p:txBody>
-        </p:sp>
-        <p:sp>
-          <p:nvSpPr>
-            <p:cNvPr id="6" name="Rechteck: abgerundete Ecken 5">
-              <a:extLst>
-                <a:ext uri="{FF2B5EF4-FFF2-40B4-BE49-F238E27FC236}">
-                  <a16:creationId xmlns:a16="http://schemas.microsoft.com/office/drawing/2014/main" id="{BF163A80-A7FA-F76F-77EA-3574E609B75E}"/>
-                </a:ext>
-              </a:extLst>
-            </p:cNvPr>
-            <p:cNvSpPr/>
-            <p:nvPr/>
-          </p:nvSpPr>
-          <p:spPr>
-            <a:xfrm>
-              <a:off x="3467100" y="3490912"/>
-              <a:ext cx="2571750" cy="1200150"/>
-            </a:xfrm>
-            <a:prstGeom prst="roundRect">
-              <a:avLst/>
-            </a:prstGeom>
-            <a:solidFill>
-              <a:srgbClr val="7030A0"/>
-            </a:solidFill>
-            <a:ln>
-              <a:solidFill>
-                <a:srgbClr val="7030A0"/>
-              </a:solidFill>
-            </a:ln>
-          </p:spPr>
-          <p:style>
-            <a:lnRef idx="2">
-              <a:schemeClr val="accent1">
-                <a:shade val="15000"/>
-              </a:schemeClr>
-            </a:lnRef>
-            <a:fillRef idx="1">
-              <a:schemeClr val="accent1"/>
-            </a:fillRef>
-            <a:effectRef idx="0">
-              <a:schemeClr val="accent1"/>
-            </a:effectRef>
-            <a:fontRef idx="minor">
-              <a:schemeClr val="lt1"/>
-            </a:fontRef>
-          </p:style>
-          <p:txBody>
-            <a:bodyPr rtlCol="0" anchor="ctr"/>
-            <a:lstStyle/>
-            <a:p>
-              <a:pPr algn="ctr"/>
-              <a:r>
-                <a:rPr lang="de-AT" b="1"/>
-                <a:t>Filter &amp; Suchfunktionen</a:t>
-              </a:r>
-            </a:p>
-          </p:txBody>
-        </p:sp>
-      </p:grpSp>
-      <p:sp>
-        <p:nvSpPr>
-          <p:cNvPr id="8" name="Rechteck 7">
-            <a:extLst>
-              <a:ext uri="{FF2B5EF4-FFF2-40B4-BE49-F238E27FC236}">
-                <a16:creationId xmlns:a16="http://schemas.microsoft.com/office/drawing/2014/main" id="{BF1F02A8-E368-DF3E-E2C0-99DF0F7FBEEB}"/>
-              </a:ext>
-            </a:extLst>
-          </p:cNvPr>
-          <p:cNvSpPr/>
-          <p:nvPr/>
-        </p:nvSpPr>
-        <p:spPr>
-          <a:xfrm rot="2036743">
-            <a:off x="7209020" y="-310415"/>
-            <a:ext cx="6038850" cy="10537401"/>
-          </a:xfrm>
-          <a:prstGeom prst="rect">
-            <a:avLst/>
-          </a:prstGeom>
-          <a:solidFill>
-            <a:srgbClr val="7030A0"/>
-          </a:solidFill>
-          <a:ln>
-            <a:solidFill>
-              <a:srgbClr val="7030A0"/>
-            </a:solidFill>
-          </a:ln>
-        </p:spPr>
-        <p:style>
-          <a:lnRef idx="2">
-            <a:schemeClr val="accent1">
-              <a:shade val="15000"/>
-            </a:schemeClr>
-          </a:lnRef>
-          <a:fillRef idx="1">
-            <a:schemeClr val="accent1"/>
-          </a:fillRef>
-          <a:effectRef idx="0">
-            <a:schemeClr val="accent1"/>
-          </a:effectRef>
-          <a:fontRef idx="minor">
-            <a:schemeClr val="lt1"/>
-          </a:fontRef>
-        </p:style>
-        <p:txBody>
-          <a:bodyPr vert="vert270" rtlCol="0" anchor="ctr"/>
-          <a:lstStyle/>
-          <a:p>
-            <a:pPr algn="ctr"/>
-            <a:r>
-              <a:rPr lang="de-DE" sz="5400" b="1"/>
-              <a:t>STALI</a:t>
-            </a:r>
-            <a:endParaRPr lang="de-AT" b="1"/>
-          </a:p>
-        </p:txBody>
-      </p:sp>
-      <p:pic>
-        <p:nvPicPr>
-          <p:cNvPr id="9" name="Grafik 8">
-            <a:extLst>
-              <a:ext uri="{FF2B5EF4-FFF2-40B4-BE49-F238E27FC236}">
-                <a16:creationId xmlns:a16="http://schemas.microsoft.com/office/drawing/2014/main" id="{A6CCDC6D-BC40-EB4E-2637-90DD538D6F72}"/>
-              </a:ext>
-            </a:extLst>
-          </p:cNvPr>
-          <p:cNvPicPr>
-            <a:picLocks noChangeAspect="1"/>
-          </p:cNvPicPr>
-          <p:nvPr/>
-        </p:nvPicPr>
-        <p:blipFill>
-          <a:blip r:embed="rId2">
-            <a:extLst>
-              <a:ext uri="{BEBA8EAE-BF5A-486C-A8C5-ECC9F3942E4B}">
-                <a14:imgProps xmlns:a14="http://schemas.microsoft.com/office/drawing/2010/main">
-                  <a14:imgLayer r:embed="rId3">
-                    <a14:imgEffect>
-                      <a14:backgroundRemoval t="5426" b="93411" l="6038" r="91321">
-                        <a14:foregroundMark x1="30189" y1="54651" x2="56604" y2="43798"/>
-                        <a14:foregroundMark x1="56604" y1="43798" x2="36226" y2="51938"/>
-                        <a14:foregroundMark x1="36226" y1="51938" x2="30943" y2="51163"/>
-                        <a14:foregroundMark x1="7170" y1="18605" x2="30566" y2="4651"/>
-                        <a14:foregroundMark x1="30566" y1="4651" x2="86792" y2="13953"/>
-                        <a14:foregroundMark x1="86792" y1="13953" x2="91321" y2="41085"/>
-                        <a14:foregroundMark x1="91321" y1="41085" x2="84906" y2="82558"/>
-                        <a14:foregroundMark x1="84906" y1="82558" x2="67170" y2="93411"/>
-                        <a14:foregroundMark x1="67170" y1="93411" x2="29811" y2="92248"/>
-                        <a14:foregroundMark x1="29811" y1="92248" x2="6792" y2="39922"/>
-                        <a14:foregroundMark x1="6792" y1="39922" x2="8679" y2="15891"/>
-                        <a14:foregroundMark x1="10189" y1="48062" x2="38491" y2="45736"/>
-                        <a14:foregroundMark x1="38491" y1="45736" x2="10566" y2="51163"/>
-                        <a14:foregroundMark x1="10566" y1="51163" x2="7925" y2="46899"/>
-                        <a14:foregroundMark x1="5660" y1="52326" x2="5660" y2="72093"/>
-                        <a14:foregroundMark x1="5660" y1="72093" x2="15094" y2="90310"/>
-                        <a14:foregroundMark x1="15094" y1="90310" x2="34340" y2="91860"/>
-                        <a14:foregroundMark x1="34340" y1="91860" x2="36226" y2="90698"/>
-                        <a14:foregroundMark x1="22264" y1="94186" x2="46038" y2="93798"/>
-                        <a14:foregroundMark x1="46038" y1="93798" x2="69811" y2="94186"/>
-                        <a14:foregroundMark x1="69811" y1="94186" x2="78491" y2="94186"/>
-                        <a14:foregroundMark x1="43396" y1="93798" x2="25660" y2="74031"/>
-                        <a14:foregroundMark x1="25660" y1="74031" x2="41509" y2="62403"/>
-                        <a14:foregroundMark x1="41509" y1="62403" x2="63774" y2="73643"/>
-                        <a14:foregroundMark x1="63774" y1="73643" x2="47925" y2="92248"/>
-                        <a14:foregroundMark x1="47925" y1="92248" x2="42642" y2="93411"/>
-                        <a14:foregroundMark x1="69811" y1="76744" x2="62264" y2="46512"/>
-                        <a14:foregroundMark x1="62264" y1="46512" x2="76226" y2="31783"/>
-                        <a14:foregroundMark x1="76226" y1="31783" x2="91321" y2="50000"/>
-                        <a14:foregroundMark x1="91321" y1="50000" x2="81887" y2="66667"/>
-                        <a14:foregroundMark x1="81887" y1="66667" x2="67547" y2="74806"/>
-                        <a14:foregroundMark x1="29811" y1="58140" x2="13962" y2="38372"/>
-                        <a14:foregroundMark x1="13962" y1="38372" x2="20000" y2="12791"/>
-                        <a14:foregroundMark x1="20000" y1="12791" x2="39245" y2="12016"/>
-                        <a14:foregroundMark x1="39245" y1="12016" x2="54340" y2="27907"/>
-                        <a14:foregroundMark x1="54340" y1="27907" x2="50189" y2="50388"/>
-                        <a14:foregroundMark x1="50189" y1="50388" x2="30189" y2="58527"/>
-                        <a14:foregroundMark x1="30189" y1="58527" x2="27925" y2="57752"/>
-                        <a14:foregroundMark x1="16604" y1="8915" x2="56604" y2="4651"/>
-                        <a14:foregroundMark x1="56604" y1="4651" x2="78113" y2="5426"/>
-                        <a14:foregroundMark x1="78113" y1="5426" x2="82642" y2="9690"/>
-                        <a14:backgroundMark x1="2642" y1="10853" x2="6792" y2="2326"/>
-                        <a14:backgroundMark x1="2264" y1="9302" x2="10566" y2="3101"/>
-                        <a14:backgroundMark x1="10625" y1="10225" x2="18491" y2="1938"/>
-                        <a14:backgroundMark x1="3774" y1="17442" x2="10409" y2="10452"/>
-                        <a14:backgroundMark x1="18491" y1="1938" x2="23774" y2="0"/>
-                        <a14:backgroundMark x1="3019" y1="8140" x2="3774" y2="5814"/>
-                      </a14:backgroundRemoval>
-                    </a14:imgEffect>
-                  </a14:imgLayer>
-                </a14:imgProps>
-              </a:ext>
-            </a:extLst>
-          </a:blip>
-          <a:stretch>
-            <a:fillRect/>
-          </a:stretch>
-        </p:blipFill>
-        <p:spPr>
-          <a:xfrm rot="18259666">
-            <a:off x="10767716" y="1405003"/>
-            <a:ext cx="1991384" cy="1938781"/>
-          </a:xfrm>
-          <a:prstGeom prst="rect">
-            <a:avLst/>
-          </a:prstGeom>
-        </p:spPr>
-      </p:pic>
-    </p:spTree>
-    <p:extLst>
-      <p:ext uri="{BB962C8B-B14F-4D97-AF65-F5344CB8AC3E}">
-        <p14:creationId xmlns:p14="http://schemas.microsoft.com/office/powerpoint/2010/main" val="315820241"/>
-      </p:ext>
-    </p:extLst>
-  </p:cSld>
-  <p:clrMapOvr>
-    <a:masterClrMapping/>
-  </p:clrMapOvr>
-  <mc:AlternateContent xmlns:mc="http://schemas.openxmlformats.org/markup-compatibility/2006" xmlns:p159="http://schemas.microsoft.com/office/powerpoint/2015/09/main">
-    <mc:Choice Requires="p159">
-      <p:transition xmlns:p14="http://schemas.microsoft.com/office/powerpoint/2010/main" spd="slow" p14:dur="2000">
-        <p159:morph option="byObject"/>
-      </p:transition>
-    </mc:Choice>
-    <mc:Fallback xmlns="">
-      <p:transition spd="slow">
-        <p:fade/>
-      </p:transition>
-    </mc:Fallback>
-  </mc:AlternateContent>
-</p:sld>
-</file>
-
-<file path=ppt/slides/slide4.xml><?xml version="1.0" encoding="utf-8"?>
-<p:sld xmlns:a="http://schemas.openxmlformats.org/drawingml/2006/main" xmlns:r="http://schemas.openxmlformats.org/officeDocument/2006/relationships" xmlns:p="http://schemas.openxmlformats.org/presentationml/2006/main">
-  <p:cSld>
-    <p:spTree>
-      <p:nvGrpSpPr>
-        <p:cNvPr id="1" name=""/>
-        <p:cNvGrpSpPr/>
-        <p:nvPr/>
-      </p:nvGrpSpPr>
-      <p:grpSpPr>
-        <a:xfrm>
-          <a:off x="0" y="0"/>
-          <a:ext cx="0" cy="0"/>
-          <a:chOff x="0" y="0"/>
-          <a:chExt cx="0" cy="0"/>
-        </a:xfrm>
-      </p:grpSpPr>
-      <p:sp>
-        <p:nvSpPr>
-          <p:cNvPr id="13" name="Rechteck 12">
-            <a:extLst>
-              <a:ext uri="{FF2B5EF4-FFF2-40B4-BE49-F238E27FC236}">
-                <a16:creationId xmlns:a16="http://schemas.microsoft.com/office/drawing/2014/main" id="{012CF04E-A636-0F62-8F9D-816C7C0EA9BF}"/>
-              </a:ext>
-            </a:extLst>
-          </p:cNvPr>
-          <p:cNvSpPr/>
-          <p:nvPr/>
-        </p:nvSpPr>
-        <p:spPr>
-          <a:xfrm>
-            <a:off x="7572642" y="-1534369"/>
-            <a:ext cx="6038850" cy="10537401"/>
-          </a:xfrm>
-          <a:prstGeom prst="rect">
-            <a:avLst/>
-          </a:prstGeom>
-          <a:solidFill>
-            <a:srgbClr val="7030A0"/>
-          </a:solidFill>
-          <a:ln>
-            <a:solidFill>
-              <a:srgbClr val="7030A0"/>
-            </a:solidFill>
-          </a:ln>
-        </p:spPr>
-        <p:style>
-          <a:lnRef idx="2">
-            <a:schemeClr val="accent1">
-              <a:shade val="15000"/>
-            </a:schemeClr>
-          </a:lnRef>
-          <a:fillRef idx="1">
-            <a:schemeClr val="accent1"/>
-          </a:fillRef>
-          <a:effectRef idx="0">
-            <a:schemeClr val="accent1"/>
-          </a:effectRef>
-          <a:fontRef idx="minor">
-            <a:schemeClr val="lt1"/>
-          </a:fontRef>
-        </p:style>
-        <p:txBody>
-          <a:bodyPr vert="vert270" rtlCol="0" anchor="ctr"/>
-          <a:lstStyle/>
-          <a:p>
-            <a:pPr algn="ctr"/>
-            <a:r>
-              <a:rPr lang="de-DE" sz="5400" b="1"/>
-              <a:t>STALI</a:t>
-            </a:r>
-            <a:endParaRPr lang="de-AT" b="1"/>
-          </a:p>
-        </p:txBody>
-      </p:sp>
-      <p:sp>
-        <p:nvSpPr>
-          <p:cNvPr id="2" name="Titel 1">
-            <a:extLst>
-              <a:ext uri="{FF2B5EF4-FFF2-40B4-BE49-F238E27FC236}">
-                <a16:creationId xmlns:a16="http://schemas.microsoft.com/office/drawing/2014/main" id="{823D72EA-A79D-D6C0-0857-86E330D70A9F}"/>
-              </a:ext>
-            </a:extLst>
-          </p:cNvPr>
-          <p:cNvSpPr>
-            <a:spLocks noGrp="1"/>
-          </p:cNvSpPr>
-          <p:nvPr>
-            <p:ph type="title"/>
-          </p:nvPr>
-        </p:nvSpPr>
-        <p:spPr>
-          <a:xfrm>
-            <a:off x="666750" y="715430"/>
-            <a:ext cx="10515600" cy="1325563"/>
-          </a:xfrm>
-        </p:spPr>
-        <p:txBody>
-          <a:bodyPr/>
-          <a:lstStyle/>
-          <a:p>
-            <a:r>
-              <a:rPr lang="de-DE" b="1"/>
-              <a:t>WIE FUNKTIONIERT STALI?</a:t>
-            </a:r>
-            <a:endParaRPr lang="de-AT" b="1"/>
-          </a:p>
-        </p:txBody>
-      </p:sp>
-      <p:sp>
-        <p:nvSpPr>
-          <p:cNvPr id="3" name="Rechteck: abgerundete Ecken 2">
-            <a:extLst>
-              <a:ext uri="{FF2B5EF4-FFF2-40B4-BE49-F238E27FC236}">
-                <a16:creationId xmlns:a16="http://schemas.microsoft.com/office/drawing/2014/main" id="{516A37CA-6889-4613-8317-D73DB852C211}"/>
-              </a:ext>
-            </a:extLst>
-          </p:cNvPr>
-          <p:cNvSpPr/>
-          <p:nvPr/>
-        </p:nvSpPr>
-        <p:spPr>
-          <a:xfrm>
-            <a:off x="752475" y="1690688"/>
-            <a:ext cx="6391275" cy="700611"/>
-          </a:xfrm>
-          <a:prstGeom prst="roundRect">
-            <a:avLst/>
-          </a:prstGeom>
-          <a:solidFill>
-            <a:srgbClr val="7030A0"/>
-          </a:solidFill>
-          <a:ln>
-            <a:solidFill>
-              <a:srgbClr val="7030A0"/>
-            </a:solidFill>
-          </a:ln>
-        </p:spPr>
-        <p:style>
-          <a:lnRef idx="2">
-            <a:schemeClr val="accent1">
-              <a:shade val="15000"/>
-            </a:schemeClr>
-          </a:lnRef>
-          <a:fillRef idx="1">
-            <a:schemeClr val="accent1"/>
-          </a:fillRef>
-          <a:effectRef idx="0">
-            <a:schemeClr val="accent1"/>
-          </a:effectRef>
-          <a:fontRef idx="minor">
-            <a:schemeClr val="lt1"/>
-          </a:fontRef>
-        </p:style>
-        <p:txBody>
-          <a:bodyPr rtlCol="0" anchor="ctr"/>
-          <a:lstStyle/>
-          <a:p>
-            <a:pPr algn="ctr"/>
-            <a:r>
-              <a:rPr lang="de-AT" b="1"/>
-              <a:t>Frontend mit React</a:t>
-            </a:r>
-            <a:endParaRPr lang="de-AT"/>
-          </a:p>
-        </p:txBody>
-      </p:sp>
-      <p:sp>
-        <p:nvSpPr>
-          <p:cNvPr id="8" name="Rechteck: abgerundete Ecken 7">
-            <a:extLst>
-              <a:ext uri="{FF2B5EF4-FFF2-40B4-BE49-F238E27FC236}">
-                <a16:creationId xmlns:a16="http://schemas.microsoft.com/office/drawing/2014/main" id="{40DA8B97-2CE0-05FB-ADC9-3430063AD701}"/>
-              </a:ext>
-            </a:extLst>
-          </p:cNvPr>
-          <p:cNvSpPr/>
-          <p:nvPr/>
-        </p:nvSpPr>
-        <p:spPr>
-          <a:xfrm>
-            <a:off x="752475" y="2665945"/>
-            <a:ext cx="6391275" cy="700611"/>
-          </a:xfrm>
-          <a:prstGeom prst="roundRect">
-            <a:avLst/>
-          </a:prstGeom>
-          <a:solidFill>
-            <a:srgbClr val="7030A0"/>
-          </a:solidFill>
-          <a:ln>
-            <a:solidFill>
-              <a:srgbClr val="7030A0"/>
-            </a:solidFill>
-          </a:ln>
-        </p:spPr>
-        <p:style>
-          <a:lnRef idx="2">
-            <a:schemeClr val="accent1">
-              <a:shade val="15000"/>
-            </a:schemeClr>
-          </a:lnRef>
-          <a:fillRef idx="1">
-            <a:schemeClr val="accent1"/>
-          </a:fillRef>
-          <a:effectRef idx="0">
-            <a:schemeClr val="accent1"/>
-          </a:effectRef>
-          <a:fontRef idx="minor">
-            <a:schemeClr val="lt1"/>
-          </a:fontRef>
-        </p:style>
-        <p:txBody>
-          <a:bodyPr rtlCol="0" anchor="ctr"/>
-          <a:lstStyle/>
-          <a:p>
-            <a:pPr algn="ctr"/>
-            <a:r>
-              <a:rPr lang="de-AT" b="1"/>
-              <a:t>Backend mit </a:t>
-            </a:r>
-            <a:r>
-              <a:rPr lang="de-AT" b="1" err="1"/>
-              <a:t>Supabase</a:t>
-            </a:r>
-            <a:endParaRPr lang="de-AT" b="1"/>
-          </a:p>
-        </p:txBody>
-      </p:sp>
-      <p:sp>
-        <p:nvSpPr>
-          <p:cNvPr id="9" name="Rechteck: abgerundete Ecken 8">
-            <a:extLst>
-              <a:ext uri="{FF2B5EF4-FFF2-40B4-BE49-F238E27FC236}">
-                <a16:creationId xmlns:a16="http://schemas.microsoft.com/office/drawing/2014/main" id="{79EF3849-B277-7F9F-2D02-8FF7724BCE21}"/>
-              </a:ext>
-            </a:extLst>
-          </p:cNvPr>
-          <p:cNvSpPr/>
-          <p:nvPr/>
-        </p:nvSpPr>
-        <p:spPr>
-          <a:xfrm>
-            <a:off x="752474" y="4616459"/>
-            <a:ext cx="6391275" cy="700611"/>
-          </a:xfrm>
-          <a:prstGeom prst="roundRect">
-            <a:avLst/>
-          </a:prstGeom>
-          <a:solidFill>
-            <a:srgbClr val="7030A0"/>
-          </a:solidFill>
-          <a:ln>
-            <a:solidFill>
-              <a:srgbClr val="7030A0"/>
-            </a:solidFill>
-          </a:ln>
-        </p:spPr>
-        <p:style>
-          <a:lnRef idx="2">
-            <a:schemeClr val="accent1">
-              <a:shade val="15000"/>
-            </a:schemeClr>
-          </a:lnRef>
-          <a:fillRef idx="1">
-            <a:schemeClr val="accent1"/>
-          </a:fillRef>
-          <a:effectRef idx="0">
-            <a:schemeClr val="accent1"/>
-          </a:effectRef>
-          <a:fontRef idx="minor">
-            <a:schemeClr val="lt1"/>
-          </a:fontRef>
-        </p:style>
-        <p:txBody>
-          <a:bodyPr rtlCol="0" anchor="ctr"/>
-          <a:lstStyle/>
-          <a:p>
-            <a:pPr algn="ctr"/>
-            <a:r>
-              <a:rPr lang="de-AT" b="1"/>
-              <a:t>Eigene Anzeigen erstellen</a:t>
-            </a:r>
-          </a:p>
-        </p:txBody>
-      </p:sp>
-      <p:sp>
-        <p:nvSpPr>
-          <p:cNvPr id="10" name="Rechteck: abgerundete Ecken 9">
-            <a:extLst>
-              <a:ext uri="{FF2B5EF4-FFF2-40B4-BE49-F238E27FC236}">
-                <a16:creationId xmlns:a16="http://schemas.microsoft.com/office/drawing/2014/main" id="{35A79BF4-29C4-4921-5810-7BF2EAE44BCF}"/>
-              </a:ext>
-            </a:extLst>
-          </p:cNvPr>
-          <p:cNvSpPr/>
-          <p:nvPr/>
-        </p:nvSpPr>
-        <p:spPr>
-          <a:xfrm>
-            <a:off x="752474" y="3641202"/>
-            <a:ext cx="6391275" cy="700611"/>
-          </a:xfrm>
-          <a:prstGeom prst="roundRect">
-            <a:avLst/>
-          </a:prstGeom>
-          <a:solidFill>
-            <a:srgbClr val="7030A0"/>
-          </a:solidFill>
-          <a:ln>
-            <a:solidFill>
-              <a:srgbClr val="7030A0"/>
-            </a:solidFill>
-          </a:ln>
-        </p:spPr>
-        <p:style>
-          <a:lnRef idx="2">
-            <a:schemeClr val="accent1">
-              <a:shade val="15000"/>
-            </a:schemeClr>
-          </a:lnRef>
-          <a:fillRef idx="1">
-            <a:schemeClr val="accent1"/>
-          </a:fillRef>
-          <a:effectRef idx="0">
-            <a:schemeClr val="accent1"/>
-          </a:effectRef>
-          <a:fontRef idx="minor">
-            <a:schemeClr val="lt1"/>
-          </a:fontRef>
-        </p:style>
-        <p:txBody>
-          <a:bodyPr rtlCol="0" anchor="ctr"/>
-          <a:lstStyle/>
-          <a:p>
-            <a:pPr algn="ctr"/>
-            <a:r>
-              <a:rPr lang="de-AT" b="1"/>
-              <a:t>Produkte kaufen und verkaufen</a:t>
-            </a:r>
-            <a:endParaRPr lang="de-AT"/>
-          </a:p>
-        </p:txBody>
-      </p:sp>
-      <p:sp>
-        <p:nvSpPr>
-          <p:cNvPr id="11" name="Rechteck: abgerundete Ecken 10">
-            <a:extLst>
-              <a:ext uri="{FF2B5EF4-FFF2-40B4-BE49-F238E27FC236}">
-                <a16:creationId xmlns:a16="http://schemas.microsoft.com/office/drawing/2014/main" id="{00300B95-0C7D-34A7-3AC8-36F6DB6845B6}"/>
-              </a:ext>
-            </a:extLst>
-          </p:cNvPr>
-          <p:cNvSpPr/>
-          <p:nvPr/>
-        </p:nvSpPr>
-        <p:spPr>
-          <a:xfrm>
-            <a:off x="752474" y="5591716"/>
-            <a:ext cx="6391275" cy="700611"/>
-          </a:xfrm>
-          <a:prstGeom prst="roundRect">
-            <a:avLst/>
-          </a:prstGeom>
-          <a:solidFill>
-            <a:srgbClr val="7030A0"/>
-          </a:solidFill>
-          <a:ln>
-            <a:solidFill>
-              <a:srgbClr val="7030A0"/>
-            </a:solidFill>
-          </a:ln>
-        </p:spPr>
-        <p:style>
-          <a:lnRef idx="2">
-            <a:schemeClr val="accent1">
-              <a:shade val="15000"/>
-            </a:schemeClr>
-          </a:lnRef>
-          <a:fillRef idx="1">
-            <a:schemeClr val="accent1"/>
-          </a:fillRef>
-          <a:effectRef idx="0">
-            <a:schemeClr val="accent1"/>
-          </a:effectRef>
-          <a:fontRef idx="minor">
-            <a:schemeClr val="lt1"/>
-          </a:fontRef>
-        </p:style>
-        <p:txBody>
-          <a:bodyPr rtlCol="0" anchor="ctr"/>
-          <a:lstStyle/>
-          <a:p>
-            <a:pPr algn="ctr"/>
-            <a:r>
-              <a:rPr lang="de-AT" b="1"/>
-              <a:t>Mit anderen Usern chatten</a:t>
-            </a:r>
-          </a:p>
-        </p:txBody>
-      </p:sp>
-      <p:pic>
-        <p:nvPicPr>
-          <p:cNvPr id="12" name="Grafik 11">
-            <a:extLst>
-              <a:ext uri="{FF2B5EF4-FFF2-40B4-BE49-F238E27FC236}">
-                <a16:creationId xmlns:a16="http://schemas.microsoft.com/office/drawing/2014/main" id="{47C5E294-08A6-25C1-9B26-0091A3A52499}"/>
-              </a:ext>
-            </a:extLst>
-          </p:cNvPr>
-          <p:cNvPicPr>
-            <a:picLocks noChangeAspect="1"/>
-          </p:cNvPicPr>
-          <p:nvPr/>
-        </p:nvPicPr>
-        <p:blipFill>
-          <a:blip r:embed="rId2">
-            <a:extLst>
-              <a:ext uri="{BEBA8EAE-BF5A-486C-A8C5-ECC9F3942E4B}">
-                <a14:imgProps xmlns:a14="http://schemas.microsoft.com/office/drawing/2010/main">
-                  <a14:imgLayer r:embed="rId3">
-                    <a14:imgEffect>
-                      <a14:backgroundRemoval t="5426" b="93411" l="6038" r="91321">
-                        <a14:foregroundMark x1="30189" y1="54651" x2="56604" y2="43798"/>
-                        <a14:foregroundMark x1="56604" y1="43798" x2="36226" y2="51938"/>
-                        <a14:foregroundMark x1="36226" y1="51938" x2="30943" y2="51163"/>
-                        <a14:foregroundMark x1="7170" y1="18605" x2="30566" y2="4651"/>
-                        <a14:foregroundMark x1="30566" y1="4651" x2="86792" y2="13953"/>
-                        <a14:foregroundMark x1="86792" y1="13953" x2="91321" y2="41085"/>
-                        <a14:foregroundMark x1="91321" y1="41085" x2="84906" y2="82558"/>
-                        <a14:foregroundMark x1="84906" y1="82558" x2="67170" y2="93411"/>
-                        <a14:foregroundMark x1="67170" y1="93411" x2="29811" y2="92248"/>
-                        <a14:foregroundMark x1="29811" y1="92248" x2="6792" y2="39922"/>
-                        <a14:foregroundMark x1="6792" y1="39922" x2="8679" y2="15891"/>
-                        <a14:foregroundMark x1="10189" y1="48062" x2="38491" y2="45736"/>
-                        <a14:foregroundMark x1="38491" y1="45736" x2="10566" y2="51163"/>
-                        <a14:foregroundMark x1="10566" y1="51163" x2="7925" y2="46899"/>
-                        <a14:foregroundMark x1="5660" y1="52326" x2="5660" y2="72093"/>
-                        <a14:foregroundMark x1="5660" y1="72093" x2="15094" y2="90310"/>
-                        <a14:foregroundMark x1="15094" y1="90310" x2="34340" y2="91860"/>
-                        <a14:foregroundMark x1="34340" y1="91860" x2="36226" y2="90698"/>
-                        <a14:foregroundMark x1="22264" y1="94186" x2="46038" y2="93798"/>
-                        <a14:foregroundMark x1="46038" y1="93798" x2="69811" y2="94186"/>
-                        <a14:foregroundMark x1="69811" y1="94186" x2="78491" y2="94186"/>
-                        <a14:foregroundMark x1="43396" y1="93798" x2="25660" y2="74031"/>
-                        <a14:foregroundMark x1="25660" y1="74031" x2="41509" y2="62403"/>
-                        <a14:foregroundMark x1="41509" y1="62403" x2="63774" y2="73643"/>
-                        <a14:foregroundMark x1="63774" y1="73643" x2="47925" y2="92248"/>
-                        <a14:foregroundMark x1="47925" y1="92248" x2="42642" y2="93411"/>
-                        <a14:foregroundMark x1="69811" y1="76744" x2="62264" y2="46512"/>
-                        <a14:foregroundMark x1="62264" y1="46512" x2="76226" y2="31783"/>
-                        <a14:foregroundMark x1="76226" y1="31783" x2="91321" y2="50000"/>
-                        <a14:foregroundMark x1="91321" y1="50000" x2="81887" y2="66667"/>
-                        <a14:foregroundMark x1="81887" y1="66667" x2="67547" y2="74806"/>
-                        <a14:foregroundMark x1="29811" y1="58140" x2="13962" y2="38372"/>
-                        <a14:foregroundMark x1="13962" y1="38372" x2="20000" y2="12791"/>
-                        <a14:foregroundMark x1="20000" y1="12791" x2="39245" y2="12016"/>
-                        <a14:foregroundMark x1="39245" y1="12016" x2="54340" y2="27907"/>
-                        <a14:foregroundMark x1="54340" y1="27907" x2="50189" y2="50388"/>
-                        <a14:foregroundMark x1="50189" y1="50388" x2="30189" y2="58527"/>
-                        <a14:foregroundMark x1="30189" y1="58527" x2="27925" y2="57752"/>
-                        <a14:foregroundMark x1="16604" y1="8915" x2="56604" y2="4651"/>
-                        <a14:foregroundMark x1="56604" y1="4651" x2="78113" y2="5426"/>
-                        <a14:foregroundMark x1="78113" y1="5426" x2="82642" y2="9690"/>
-                        <a14:backgroundMark x1="2642" y1="10853" x2="6792" y2="2326"/>
-                        <a14:backgroundMark x1="2264" y1="9302" x2="10566" y2="3101"/>
-                        <a14:backgroundMark x1="10625" y1="10225" x2="18491" y2="1938"/>
-                        <a14:backgroundMark x1="3774" y1="17442" x2="10409" y2="10452"/>
-                        <a14:backgroundMark x1="18491" y1="1938" x2="23774" y2="0"/>
-                        <a14:backgroundMark x1="3019" y1="8140" x2="3774" y2="5814"/>
-                      </a14:backgroundRemoval>
-                    </a14:imgEffect>
-                  </a14:imgLayer>
-                </a14:imgProps>
-              </a:ext>
-            </a:extLst>
-          </a:blip>
-          <a:stretch>
-            <a:fillRect/>
-          </a:stretch>
-        </p:blipFill>
-        <p:spPr>
-          <a:xfrm>
-            <a:off x="10001785" y="449214"/>
-            <a:ext cx="1180565" cy="1149380"/>
-          </a:xfrm>
-          <a:prstGeom prst="rect">
-            <a:avLst/>
-          </a:prstGeom>
-        </p:spPr>
-      </p:pic>
-    </p:spTree>
-    <p:extLst>
-      <p:ext uri="{BB962C8B-B14F-4D97-AF65-F5344CB8AC3E}">
-        <p14:creationId xmlns:p14="http://schemas.microsoft.com/office/powerpoint/2010/main" val="3545184578"/>
-      </p:ext>
-    </p:extLst>
-  </p:cSld>
-  <p:clrMapOvr>
-    <a:masterClrMapping/>
-  </p:clrMapOvr>
-  <mc:AlternateContent xmlns:mc="http://schemas.openxmlformats.org/markup-compatibility/2006" xmlns:p159="http://schemas.microsoft.com/office/powerpoint/2015/09/main">
-    <mc:Choice Requires="p159">
-      <p:transition xmlns:p14="http://schemas.microsoft.com/office/powerpoint/2010/main" spd="slow" p14:dur="2000">
-        <p159:morph option="byObject"/>
-      </p:transition>
-    </mc:Choice>
-    <mc:Fallback xmlns="">
-      <p:transition spd="slow">
-        <p:fade/>
-      </p:transition>
-    </mc:Fallback>
-  </mc:AlternateContent>
-</p:sld>
-</file>
-
-<file path=ppt/slides/slide5.xml><?xml version="1.0" encoding="utf-8"?>
-<p:sld xmlns:a="http://schemas.openxmlformats.org/drawingml/2006/main" xmlns:r="http://schemas.openxmlformats.org/officeDocument/2006/relationships" xmlns:p="http://schemas.openxmlformats.org/presentationml/2006/main">
-  <p:cSld>
-    <p:spTree>
-      <p:nvGrpSpPr>
-        <p:cNvPr id="1" name=""/>
-        <p:cNvGrpSpPr/>
-        <p:nvPr/>
-      </p:nvGrpSpPr>
-      <p:grpSpPr>
-        <a:xfrm>
-          <a:off x="0" y="0"/>
-          <a:ext cx="0" cy="0"/>
-          <a:chOff x="0" y="0"/>
-          <a:chExt cx="0" cy="0"/>
-        </a:xfrm>
-      </p:grpSpPr>
-      <p:sp>
-        <p:nvSpPr>
-          <p:cNvPr id="2" name="Titel 1">
-            <a:extLst>
-              <a:ext uri="{FF2B5EF4-FFF2-40B4-BE49-F238E27FC236}">
-                <a16:creationId xmlns:a16="http://schemas.microsoft.com/office/drawing/2014/main" id="{6874257B-B114-B15A-8087-D8F0401529E0}"/>
-              </a:ext>
-            </a:extLst>
-          </p:cNvPr>
-          <p:cNvSpPr>
-            <a:spLocks noGrp="1"/>
-          </p:cNvSpPr>
-          <p:nvPr>
-            <p:ph type="title"/>
-          </p:nvPr>
-        </p:nvSpPr>
-        <p:spPr>
-          <a:xfrm>
-            <a:off x="2511425" y="1370504"/>
-            <a:ext cx="7169150" cy="1325563"/>
-          </a:xfrm>
-        </p:spPr>
-        <p:txBody>
-          <a:bodyPr/>
-          <a:lstStyle/>
-          <a:p>
-            <a:r>
-              <a:rPr lang="de-DE" b="1"/>
-              <a:t>LIVE DEMO / PROJEKTSTAND</a:t>
-            </a:r>
-            <a:endParaRPr lang="de-AT" b="1"/>
-          </a:p>
-        </p:txBody>
-      </p:sp>
-      <p:pic>
-        <p:nvPicPr>
-          <p:cNvPr id="11" name="Grafik 10" descr="Pfeil nach rechts mit einfarbiger Füllung">
-            <a:extLst>
-              <a:ext uri="{FF2B5EF4-FFF2-40B4-BE49-F238E27FC236}">
-                <a16:creationId xmlns:a16="http://schemas.microsoft.com/office/drawing/2014/main" id="{AA9F60F4-1DD5-2651-70B7-359EAC7B7118}"/>
-              </a:ext>
-            </a:extLst>
-          </p:cNvPr>
-          <p:cNvPicPr>
-            <a:picLocks noChangeAspect="1"/>
-          </p:cNvPicPr>
-          <p:nvPr/>
-        </p:nvPicPr>
-        <p:blipFill>
-          <a:blip r:embed="rId2">
-            <a:extLst>
-              <a:ext uri="{96DAC541-7B7A-43D3-8B79-37D633B846F1}">
-                <asvg:svgBlip xmlns:asvg="http://schemas.microsoft.com/office/drawing/2016/SVG/main" r:embed="rId3"/>
-              </a:ext>
-            </a:extLst>
-          </a:blip>
-          <a:stretch>
-            <a:fillRect/>
-          </a:stretch>
-        </p:blipFill>
-        <p:spPr>
-          <a:xfrm>
-            <a:off x="5391417" y="4057650"/>
-            <a:ext cx="914400" cy="914400"/>
-          </a:xfrm>
-          <a:prstGeom prst="rect">
-            <a:avLst/>
-          </a:prstGeom>
-        </p:spPr>
-      </p:pic>
-      <p:pic>
-        <p:nvPicPr>
-          <p:cNvPr id="3" name="Grafik 2">
-            <a:extLst>
-              <a:ext uri="{FF2B5EF4-FFF2-40B4-BE49-F238E27FC236}">
-                <a16:creationId xmlns:a16="http://schemas.microsoft.com/office/drawing/2014/main" id="{40563A2E-7C22-17B7-83AA-DAD573E8072C}"/>
-              </a:ext>
-            </a:extLst>
-          </p:cNvPr>
-          <p:cNvPicPr>
-            <a:picLocks noChangeAspect="1"/>
-          </p:cNvPicPr>
-          <p:nvPr/>
-        </p:nvPicPr>
-        <p:blipFill>
-          <a:blip r:embed="rId4">
-            <a:extLst>
-              <a:ext uri="{BEBA8EAE-BF5A-486C-A8C5-ECC9F3942E4B}">
-                <a14:imgProps xmlns:a14="http://schemas.microsoft.com/office/drawing/2010/main">
-                  <a14:imgLayer r:embed="rId5">
-                    <a14:imgEffect>
-                      <a14:backgroundRemoval t="5426" b="93411" l="6038" r="91321">
-                        <a14:foregroundMark x1="30189" y1="54651" x2="56604" y2="43798"/>
-                        <a14:foregroundMark x1="56604" y1="43798" x2="36226" y2="51938"/>
-                        <a14:foregroundMark x1="36226" y1="51938" x2="30943" y2="51163"/>
-                        <a14:foregroundMark x1="7170" y1="18605" x2="30566" y2="4651"/>
-                        <a14:foregroundMark x1="30566" y1="4651" x2="86792" y2="13953"/>
-                        <a14:foregroundMark x1="86792" y1="13953" x2="91321" y2="41085"/>
-                        <a14:foregroundMark x1="91321" y1="41085" x2="84906" y2="82558"/>
-                        <a14:foregroundMark x1="84906" y1="82558" x2="67170" y2="93411"/>
-                        <a14:foregroundMark x1="67170" y1="93411" x2="29811" y2="92248"/>
-                        <a14:foregroundMark x1="29811" y1="92248" x2="6792" y2="39922"/>
-                        <a14:foregroundMark x1="6792" y1="39922" x2="8679" y2="15891"/>
-                        <a14:foregroundMark x1="10189" y1="48062" x2="38491" y2="45736"/>
-                        <a14:foregroundMark x1="38491" y1="45736" x2="10566" y2="51163"/>
-                        <a14:foregroundMark x1="10566" y1="51163" x2="7925" y2="46899"/>
-                        <a14:foregroundMark x1="5660" y1="52326" x2="5660" y2="72093"/>
-                        <a14:foregroundMark x1="5660" y1="72093" x2="15094" y2="90310"/>
-                        <a14:foregroundMark x1="15094" y1="90310" x2="34340" y2="91860"/>
-                        <a14:foregroundMark x1="34340" y1="91860" x2="36226" y2="90698"/>
-                        <a14:foregroundMark x1="22264" y1="94186" x2="46038" y2="93798"/>
-                        <a14:foregroundMark x1="46038" y1="93798" x2="69811" y2="94186"/>
-                        <a14:foregroundMark x1="69811" y1="94186" x2="78491" y2="94186"/>
-                        <a14:foregroundMark x1="43396" y1="93798" x2="25660" y2="74031"/>
-                        <a14:foregroundMark x1="25660" y1="74031" x2="41509" y2="62403"/>
-                        <a14:foregroundMark x1="41509" y1="62403" x2="63774" y2="73643"/>
-                        <a14:foregroundMark x1="63774" y1="73643" x2="47925" y2="92248"/>
-                        <a14:foregroundMark x1="47925" y1="92248" x2="42642" y2="93411"/>
-                        <a14:foregroundMark x1="69811" y1="76744" x2="62264" y2="46512"/>
-                        <a14:foregroundMark x1="62264" y1="46512" x2="76226" y2="31783"/>
-                        <a14:foregroundMark x1="76226" y1="31783" x2="91321" y2="50000"/>
-                        <a14:foregroundMark x1="91321" y1="50000" x2="81887" y2="66667"/>
-                        <a14:foregroundMark x1="81887" y1="66667" x2="67547" y2="74806"/>
-                        <a14:foregroundMark x1="29811" y1="58140" x2="13962" y2="38372"/>
-                        <a14:foregroundMark x1="13962" y1="38372" x2="20000" y2="12791"/>
-                        <a14:foregroundMark x1="20000" y1="12791" x2="39245" y2="12016"/>
-                        <a14:foregroundMark x1="39245" y1="12016" x2="54340" y2="27907"/>
-                        <a14:foregroundMark x1="54340" y1="27907" x2="50189" y2="50388"/>
-                        <a14:foregroundMark x1="50189" y1="50388" x2="30189" y2="58527"/>
-                        <a14:foregroundMark x1="30189" y1="58527" x2="27925" y2="57752"/>
-                        <a14:foregroundMark x1="16604" y1="8915" x2="56604" y2="4651"/>
-                        <a14:foregroundMark x1="56604" y1="4651" x2="78113" y2="5426"/>
-                        <a14:foregroundMark x1="78113" y1="5426" x2="82642" y2="9690"/>
-                        <a14:backgroundMark x1="2642" y1="10853" x2="6792" y2="2326"/>
-                        <a14:backgroundMark x1="2264" y1="9302" x2="10566" y2="3101"/>
-                        <a14:backgroundMark x1="10625" y1="10225" x2="18491" y2="1938"/>
-                        <a14:backgroundMark x1="3774" y1="17442" x2="10409" y2="10452"/>
-                        <a14:backgroundMark x1="18491" y1="1938" x2="23774" y2="0"/>
-                        <a14:backgroundMark x1="3019" y1="8140" x2="3774" y2="5814"/>
-                      </a14:backgroundRemoval>
-                    </a14:imgEffect>
-                  </a14:imgLayer>
-                </a14:imgProps>
-              </a:ext>
-            </a:extLst>
-          </a:blip>
-          <a:stretch>
-            <a:fillRect/>
-          </a:stretch>
-        </p:blipFill>
-        <p:spPr>
-          <a:xfrm>
-            <a:off x="5258335" y="3078114"/>
-            <a:ext cx="1180565" cy="1149380"/>
-          </a:xfrm>
-          <a:prstGeom prst="rect">
-            <a:avLst/>
-          </a:prstGeom>
-        </p:spPr>
-      </p:pic>
-    </p:spTree>
-    <p:extLst>
-      <p:ext uri="{BB962C8B-B14F-4D97-AF65-F5344CB8AC3E}">
-        <p14:creationId xmlns:p14="http://schemas.microsoft.com/office/powerpoint/2010/main" val="585508759"/>
-      </p:ext>
-    </p:extLst>
-  </p:cSld>
-  <p:clrMapOvr>
-    <a:masterClrMapping/>
-  </p:clrMapOvr>
-  <mc:AlternateContent xmlns:mc="http://schemas.openxmlformats.org/markup-compatibility/2006" xmlns:p159="http://schemas.microsoft.com/office/powerpoint/2015/09/main">
-    <mc:Choice Requires="p159">
-      <p:transition xmlns:p14="http://schemas.microsoft.com/office/powerpoint/2010/main" spd="slow" p14:dur="2000">
-        <p159:morph option="byObject"/>
-      </p:transition>
-    </mc:Choice>
-    <mc:Fallback xmlns="">
-      <p:transition spd="slow">
-        <p:fade/>
-      </p:transition>
-    </mc:Fallback>
-  </mc:AlternateContent>
-</p:sld>
-</file>
-
-<file path=ppt/slides/slide6.xml><?xml version="1.0" encoding="utf-8"?>
-<p:sld xmlns:a="http://schemas.openxmlformats.org/drawingml/2006/main" xmlns:r="http://schemas.openxmlformats.org/officeDocument/2006/relationships" xmlns:p="http://schemas.openxmlformats.org/presentationml/2006/main" show="0">
-  <p:cSld>
-    <p:spTree>
-      <p:nvGrpSpPr>
-        <p:cNvPr id="1" name=""/>
-        <p:cNvGrpSpPr/>
-        <p:nvPr/>
-      </p:nvGrpSpPr>
-      <p:grpSpPr>
-        <a:xfrm>
-          <a:off x="0" y="0"/>
-          <a:ext cx="0" cy="0"/>
-          <a:chOff x="0" y="0"/>
-          <a:chExt cx="0" cy="0"/>
-        </a:xfrm>
-      </p:grpSpPr>
-      <p:sp>
-        <p:nvSpPr>
-          <p:cNvPr id="2" name="Titel 1">
-            <a:extLst>
-              <a:ext uri="{FF2B5EF4-FFF2-40B4-BE49-F238E27FC236}">
-                <a16:creationId xmlns:a16="http://schemas.microsoft.com/office/drawing/2014/main" id="{4B93D715-B9CF-8B40-D66C-DF1E190D1879}"/>
-              </a:ext>
-            </a:extLst>
-          </p:cNvPr>
-          <p:cNvSpPr>
-            <a:spLocks noGrp="1"/>
-          </p:cNvSpPr>
-          <p:nvPr>
-            <p:ph type="title"/>
-          </p:nvPr>
-        </p:nvSpPr>
-        <p:spPr/>
-        <p:txBody>
-          <a:bodyPr/>
-          <a:lstStyle/>
-          <a:p>
-            <a:r>
-              <a:rPr lang="de-DE" b="1"/>
-              <a:t>GITHUB </a:t>
-            </a:r>
-            <a:endParaRPr lang="de-AT" b="1"/>
-          </a:p>
-        </p:txBody>
-      </p:sp>
-      <p:pic>
-        <p:nvPicPr>
-          <p:cNvPr id="4" name="Inhaltsplatzhalter 4">
-            <a:extLst>
-              <a:ext uri="{FF2B5EF4-FFF2-40B4-BE49-F238E27FC236}">
-                <a16:creationId xmlns:a16="http://schemas.microsoft.com/office/drawing/2014/main" id="{BB5B0B1A-D1DD-03BD-238A-3F02BF5EDA64}"/>
-              </a:ext>
-            </a:extLst>
-          </p:cNvPr>
-          <p:cNvPicPr>
-            <a:picLocks noGrp="1" noChangeAspect="1"/>
-          </p:cNvPicPr>
-          <p:nvPr>
-            <p:ph idx="1"/>
-          </p:nvPr>
-        </p:nvPicPr>
-        <p:blipFill>
-          <a:blip r:embed="rId2"/>
-          <a:stretch>
-            <a:fillRect/>
-          </a:stretch>
-        </p:blipFill>
-        <p:spPr>
-          <a:xfrm>
-            <a:off x="838200" y="1566582"/>
-            <a:ext cx="4206387" cy="3623423"/>
-          </a:xfrm>
-          <a:prstGeom prst="rect">
-            <a:avLst/>
-          </a:prstGeom>
-        </p:spPr>
-      </p:pic>
-      <p:pic>
-        <p:nvPicPr>
-          <p:cNvPr id="6" name="Grafik 5">
-            <a:extLst>
-              <a:ext uri="{FF2B5EF4-FFF2-40B4-BE49-F238E27FC236}">
-                <a16:creationId xmlns:a16="http://schemas.microsoft.com/office/drawing/2014/main" id="{D7B4EE31-4821-8F28-9628-FBD90642B779}"/>
-              </a:ext>
-            </a:extLst>
-          </p:cNvPr>
-          <p:cNvPicPr>
-            <a:picLocks noChangeAspect="1"/>
-          </p:cNvPicPr>
-          <p:nvPr/>
-        </p:nvPicPr>
-        <p:blipFill>
-          <a:blip r:embed="rId3"/>
-          <a:stretch>
-            <a:fillRect/>
-          </a:stretch>
-        </p:blipFill>
-        <p:spPr>
-          <a:xfrm>
-            <a:off x="5360904" y="1507600"/>
-            <a:ext cx="2651289" cy="3039283"/>
-          </a:xfrm>
-          <a:prstGeom prst="rect">
-            <a:avLst/>
-          </a:prstGeom>
-        </p:spPr>
-      </p:pic>
-      <p:grpSp>
-        <p:nvGrpSpPr>
-          <p:cNvPr id="12" name="Gruppieren 11">
-            <a:extLst>
-              <a:ext uri="{FF2B5EF4-FFF2-40B4-BE49-F238E27FC236}">
-                <a16:creationId xmlns:a16="http://schemas.microsoft.com/office/drawing/2014/main" id="{FCDC4AC3-6FFE-412C-E687-8EF982932CA8}"/>
-              </a:ext>
-            </a:extLst>
-          </p:cNvPr>
-          <p:cNvGrpSpPr/>
-          <p:nvPr/>
-        </p:nvGrpSpPr>
-        <p:grpSpPr>
-          <a:xfrm>
-            <a:off x="6686549" y="8095713"/>
-            <a:ext cx="6038850" cy="10537401"/>
-            <a:chOff x="6686549" y="8095713"/>
-            <a:chExt cx="6038850" cy="10537401"/>
-          </a:xfrm>
-        </p:grpSpPr>
-        <p:sp>
-          <p:nvSpPr>
-            <p:cNvPr id="3" name="Rechteck 2">
-              <a:extLst>
-                <a:ext uri="{FF2B5EF4-FFF2-40B4-BE49-F238E27FC236}">
-                  <a16:creationId xmlns:a16="http://schemas.microsoft.com/office/drawing/2014/main" id="{D1AA532D-02AD-6711-CF68-03B3E34CD5DB}"/>
-                </a:ext>
-              </a:extLst>
-            </p:cNvPr>
-            <p:cNvSpPr/>
-            <p:nvPr/>
-          </p:nvSpPr>
-          <p:spPr>
-            <a:xfrm>
-              <a:off x="6686549" y="8095713"/>
-              <a:ext cx="6038850" cy="10537401"/>
-            </a:xfrm>
-            <a:prstGeom prst="rect">
-              <a:avLst/>
-            </a:prstGeom>
-            <a:solidFill>
-              <a:srgbClr val="7030A0"/>
-            </a:solidFill>
-            <a:ln>
-              <a:solidFill>
-                <a:srgbClr val="7030A0"/>
-              </a:solidFill>
-            </a:ln>
-          </p:spPr>
-          <p:style>
-            <a:lnRef idx="2">
-              <a:schemeClr val="accent1">
-                <a:shade val="15000"/>
-              </a:schemeClr>
-            </a:lnRef>
-            <a:fillRef idx="1">
-              <a:schemeClr val="accent1"/>
-            </a:fillRef>
-            <a:effectRef idx="0">
-              <a:schemeClr val="accent1"/>
-            </a:effectRef>
-            <a:fontRef idx="minor">
-              <a:schemeClr val="lt1"/>
-            </a:fontRef>
-          </p:style>
-          <p:txBody>
-            <a:bodyPr vert="vert270" rtlCol="0" anchor="ctr"/>
-            <a:lstStyle/>
-            <a:p>
-              <a:pPr algn="ctr"/>
-              <a:r>
-                <a:rPr lang="de-DE" sz="5400"/>
-                <a:t>STALI</a:t>
-              </a:r>
-              <a:endParaRPr lang="de-AT"/>
-            </a:p>
-          </p:txBody>
-        </p:sp>
-        <p:pic>
-          <p:nvPicPr>
-            <p:cNvPr id="5" name="Grafik 4">
-              <a:extLst>
-                <a:ext uri="{FF2B5EF4-FFF2-40B4-BE49-F238E27FC236}">
-                  <a16:creationId xmlns:a16="http://schemas.microsoft.com/office/drawing/2014/main" id="{1C6DB43D-3E42-F31D-6947-90A9F7C2C71B}"/>
-                </a:ext>
-              </a:extLst>
-            </p:cNvPr>
-            <p:cNvPicPr>
-              <a:picLocks noChangeAspect="1"/>
-            </p:cNvPicPr>
-            <p:nvPr/>
-          </p:nvPicPr>
-          <p:blipFill>
-            <a:blip r:embed="rId4">
-              <a:extLst>
-                <a:ext uri="{BEBA8EAE-BF5A-486C-A8C5-ECC9F3942E4B}">
-                  <a14:imgProps xmlns:a14="http://schemas.microsoft.com/office/drawing/2010/main">
-                    <a14:imgLayer r:embed="rId5">
-                      <a14:imgEffect>
-                        <a14:backgroundRemoval t="5426" b="93411" l="6038" r="91321">
-                          <a14:foregroundMark x1="30189" y1="54651" x2="56604" y2="43798"/>
-                          <a14:foregroundMark x1="56604" y1="43798" x2="36226" y2="51938"/>
-                          <a14:foregroundMark x1="36226" y1="51938" x2="30943" y2="51163"/>
-                          <a14:foregroundMark x1="7170" y1="18605" x2="30566" y2="4651"/>
-                          <a14:foregroundMark x1="30566" y1="4651" x2="86792" y2="13953"/>
-                          <a14:foregroundMark x1="86792" y1="13953" x2="91321" y2="41085"/>
-                          <a14:foregroundMark x1="91321" y1="41085" x2="84906" y2="82558"/>
-                          <a14:foregroundMark x1="84906" y1="82558" x2="67170" y2="93411"/>
-                          <a14:foregroundMark x1="67170" y1="93411" x2="29811" y2="92248"/>
-                          <a14:foregroundMark x1="29811" y1="92248" x2="6792" y2="39922"/>
-                          <a14:foregroundMark x1="6792" y1="39922" x2="8679" y2="15891"/>
-                          <a14:foregroundMark x1="10189" y1="48062" x2="38491" y2="45736"/>
-                          <a14:foregroundMark x1="38491" y1="45736" x2="10566" y2="51163"/>
-                          <a14:foregroundMark x1="10566" y1="51163" x2="7925" y2="46899"/>
-                          <a14:foregroundMark x1="5660" y1="52326" x2="5660" y2="72093"/>
-                          <a14:foregroundMark x1="5660" y1="72093" x2="15094" y2="90310"/>
-                          <a14:foregroundMark x1="15094" y1="90310" x2="34340" y2="91860"/>
-                          <a14:foregroundMark x1="34340" y1="91860" x2="36226" y2="90698"/>
-                          <a14:foregroundMark x1="22264" y1="94186" x2="46038" y2="93798"/>
-                          <a14:foregroundMark x1="46038" y1="93798" x2="69811" y2="94186"/>
-                          <a14:foregroundMark x1="69811" y1="94186" x2="78491" y2="94186"/>
-                          <a14:foregroundMark x1="43396" y1="93798" x2="25660" y2="74031"/>
-                          <a14:foregroundMark x1="25660" y1="74031" x2="41509" y2="62403"/>
-                          <a14:foregroundMark x1="41509" y1="62403" x2="63774" y2="73643"/>
-                          <a14:foregroundMark x1="63774" y1="73643" x2="47925" y2="92248"/>
-                          <a14:foregroundMark x1="47925" y1="92248" x2="42642" y2="93411"/>
-                          <a14:foregroundMark x1="69811" y1="76744" x2="62264" y2="46512"/>
-                          <a14:foregroundMark x1="62264" y1="46512" x2="76226" y2="31783"/>
-                          <a14:foregroundMark x1="76226" y1="31783" x2="91321" y2="50000"/>
-                          <a14:foregroundMark x1="91321" y1="50000" x2="81887" y2="66667"/>
-                          <a14:foregroundMark x1="81887" y1="66667" x2="67547" y2="74806"/>
-                          <a14:foregroundMark x1="29811" y1="58140" x2="13962" y2="38372"/>
-                          <a14:foregroundMark x1="13962" y1="38372" x2="20000" y2="12791"/>
-                          <a14:foregroundMark x1="20000" y1="12791" x2="39245" y2="12016"/>
-                          <a14:foregroundMark x1="39245" y1="12016" x2="54340" y2="27907"/>
-                          <a14:foregroundMark x1="54340" y1="27907" x2="50189" y2="50388"/>
-                          <a14:foregroundMark x1="50189" y1="50388" x2="30189" y2="58527"/>
-                          <a14:foregroundMark x1="30189" y1="58527" x2="27925" y2="57752"/>
-                          <a14:foregroundMark x1="16604" y1="8915" x2="56604" y2="4651"/>
-                          <a14:foregroundMark x1="56604" y1="4651" x2="78113" y2="5426"/>
-                          <a14:foregroundMark x1="78113" y1="5426" x2="82642" y2="9690"/>
-                          <a14:backgroundMark x1="2642" y1="10853" x2="6792" y2="2326"/>
-                          <a14:backgroundMark x1="2264" y1="9302" x2="10566" y2="3101"/>
-                          <a14:backgroundMark x1="10625" y1="10225" x2="18491" y2="1938"/>
-                          <a14:backgroundMark x1="3774" y1="17442" x2="10409" y2="10452"/>
-                          <a14:backgroundMark x1="18491" y1="1938" x2="23774" y2="0"/>
-                          <a14:backgroundMark x1="3019" y1="8140" x2="3774" y2="5814"/>
-                        </a14:backgroundRemoval>
-                      </a14:imgEffect>
-                    </a14:imgLayer>
-                  </a14:imgProps>
-                </a:ext>
-              </a:extLst>
-            </a:blip>
-            <a:stretch>
-              <a:fillRect/>
-            </a:stretch>
-          </p:blipFill>
-          <p:spPr>
-            <a:xfrm>
-              <a:off x="9115691" y="10094660"/>
-              <a:ext cx="1180565" cy="1149380"/>
-            </a:xfrm>
-            <a:prstGeom prst="rect">
-              <a:avLst/>
-            </a:prstGeom>
-          </p:spPr>
-        </p:pic>
-      </p:grpSp>
-      <p:grpSp>
-        <p:nvGrpSpPr>
-          <p:cNvPr id="13" name="Gruppieren 12">
-            <a:extLst>
-              <a:ext uri="{FF2B5EF4-FFF2-40B4-BE49-F238E27FC236}">
-                <a16:creationId xmlns:a16="http://schemas.microsoft.com/office/drawing/2014/main" id="{332B30FA-AC13-4364-6008-83DF51FC4741}"/>
-              </a:ext>
-            </a:extLst>
-          </p:cNvPr>
-          <p:cNvGrpSpPr/>
-          <p:nvPr/>
-        </p:nvGrpSpPr>
-        <p:grpSpPr>
-          <a:xfrm>
-            <a:off x="-5895522" y="2078831"/>
-            <a:ext cx="5448300" cy="2700337"/>
-            <a:chOff x="590550" y="1990725"/>
-            <a:chExt cx="5448300" cy="2700337"/>
-          </a:xfrm>
-        </p:grpSpPr>
-        <p:sp>
-          <p:nvSpPr>
-            <p:cNvPr id="14" name="Rechteck: abgerundete Ecken 13">
-              <a:extLst>
-                <a:ext uri="{FF2B5EF4-FFF2-40B4-BE49-F238E27FC236}">
-                  <a16:creationId xmlns:a16="http://schemas.microsoft.com/office/drawing/2014/main" id="{69E79135-6E08-5F7B-A5FB-18EAC53C4260}"/>
-                </a:ext>
-              </a:extLst>
-            </p:cNvPr>
-            <p:cNvSpPr/>
-            <p:nvPr/>
-          </p:nvSpPr>
-          <p:spPr>
-            <a:xfrm>
-              <a:off x="590550" y="1990725"/>
-              <a:ext cx="2571750" cy="1200150"/>
-            </a:xfrm>
-            <a:prstGeom prst="roundRect">
-              <a:avLst/>
-            </a:prstGeom>
-            <a:solidFill>
-              <a:srgbClr val="7030A0"/>
-            </a:solidFill>
-            <a:ln>
-              <a:solidFill>
-                <a:srgbClr val="7030A0"/>
-              </a:solidFill>
-            </a:ln>
-          </p:spPr>
-          <p:style>
-            <a:lnRef idx="2">
-              <a:schemeClr val="accent1">
-                <a:shade val="15000"/>
-              </a:schemeClr>
-            </a:lnRef>
-            <a:fillRef idx="1">
-              <a:schemeClr val="accent1"/>
-            </a:fillRef>
-            <a:effectRef idx="0">
-              <a:schemeClr val="accent1"/>
-            </a:effectRef>
-            <a:fontRef idx="minor">
-              <a:schemeClr val="lt1"/>
-            </a:fontRef>
-          </p:style>
-          <p:txBody>
-            <a:bodyPr rtlCol="0" anchor="ctr"/>
-            <a:lstStyle/>
-            <a:p>
-              <a:pPr algn="ctr"/>
-              <a:r>
-                <a:rPr lang="de-AT" b="1"/>
-                <a:t>Verbessertes GitHub-Management</a:t>
-              </a:r>
-              <a:endParaRPr lang="de-AT"/>
-            </a:p>
-          </p:txBody>
-        </p:sp>
-        <p:sp>
-          <p:nvSpPr>
-            <p:cNvPr id="15" name="Rechteck: abgerundete Ecken 14">
-              <a:extLst>
-                <a:ext uri="{FF2B5EF4-FFF2-40B4-BE49-F238E27FC236}">
-                  <a16:creationId xmlns:a16="http://schemas.microsoft.com/office/drawing/2014/main" id="{65CCA640-9BCE-B706-CCBD-65EA193CFAF8}"/>
-                </a:ext>
-              </a:extLst>
-            </p:cNvPr>
-            <p:cNvSpPr/>
-            <p:nvPr/>
-          </p:nvSpPr>
-          <p:spPr>
-            <a:xfrm>
-              <a:off x="3467100" y="1990725"/>
-              <a:ext cx="2571750" cy="1200150"/>
-            </a:xfrm>
-            <a:prstGeom prst="roundRect">
-              <a:avLst/>
-            </a:prstGeom>
-            <a:solidFill>
-              <a:srgbClr val="7030A0"/>
-            </a:solidFill>
-            <a:ln>
-              <a:solidFill>
-                <a:srgbClr val="7030A0"/>
-              </a:solidFill>
-            </a:ln>
-          </p:spPr>
-          <p:style>
-            <a:lnRef idx="2">
-              <a:schemeClr val="accent1">
-                <a:shade val="15000"/>
-              </a:schemeClr>
-            </a:lnRef>
-            <a:fillRef idx="1">
-              <a:schemeClr val="accent1"/>
-            </a:fillRef>
-            <a:effectRef idx="0">
-              <a:schemeClr val="accent1"/>
-            </a:effectRef>
-            <a:fontRef idx="minor">
-              <a:schemeClr val="lt1"/>
-            </a:fontRef>
-          </p:style>
-          <p:txBody>
-            <a:bodyPr rtlCol="0" anchor="ctr"/>
-            <a:lstStyle/>
-            <a:p>
-              <a:pPr algn="ctr"/>
-              <a:r>
-                <a:rPr lang="de-AT" b="1"/>
-                <a:t>Erweiterte Such- &amp; Filteroptionen</a:t>
-              </a:r>
-            </a:p>
-          </p:txBody>
-        </p:sp>
-        <p:sp>
-          <p:nvSpPr>
-            <p:cNvPr id="16" name="Rechteck: abgerundete Ecken 15">
-              <a:extLst>
-                <a:ext uri="{FF2B5EF4-FFF2-40B4-BE49-F238E27FC236}">
-                  <a16:creationId xmlns:a16="http://schemas.microsoft.com/office/drawing/2014/main" id="{1C71826B-96C6-C1E1-5564-F3A8A27685D3}"/>
-                </a:ext>
-              </a:extLst>
-            </p:cNvPr>
-            <p:cNvSpPr/>
-            <p:nvPr/>
-          </p:nvSpPr>
-          <p:spPr>
-            <a:xfrm>
-              <a:off x="590550" y="3429000"/>
-              <a:ext cx="2571750" cy="1200150"/>
-            </a:xfrm>
-            <a:prstGeom prst="roundRect">
-              <a:avLst/>
-            </a:prstGeom>
-            <a:solidFill>
-              <a:srgbClr val="7030A0"/>
-            </a:solidFill>
-            <a:ln>
-              <a:solidFill>
-                <a:srgbClr val="7030A0"/>
-              </a:solidFill>
-            </a:ln>
-          </p:spPr>
-          <p:style>
-            <a:lnRef idx="2">
-              <a:schemeClr val="accent1">
-                <a:shade val="15000"/>
-              </a:schemeClr>
-            </a:lnRef>
-            <a:fillRef idx="1">
-              <a:schemeClr val="accent1"/>
-            </a:fillRef>
-            <a:effectRef idx="0">
-              <a:schemeClr val="accent1"/>
-            </a:effectRef>
-            <a:fontRef idx="minor">
-              <a:schemeClr val="lt1"/>
-            </a:fontRef>
-          </p:style>
-          <p:txBody>
-            <a:bodyPr rtlCol="0" anchor="ctr"/>
-            <a:lstStyle/>
-            <a:p>
-              <a:pPr algn="ctr"/>
-              <a:r>
-                <a:rPr lang="de-AT" b="1"/>
-                <a:t>Zahlungs- und Versandintegration</a:t>
-              </a:r>
-            </a:p>
-          </p:txBody>
-        </p:sp>
-        <p:sp>
-          <p:nvSpPr>
-            <p:cNvPr id="17" name="Rechteck: abgerundete Ecken 16">
-              <a:extLst>
-                <a:ext uri="{FF2B5EF4-FFF2-40B4-BE49-F238E27FC236}">
-                  <a16:creationId xmlns:a16="http://schemas.microsoft.com/office/drawing/2014/main" id="{EE4C8537-03EA-9C74-3C7D-3F8627053FA3}"/>
-                </a:ext>
-              </a:extLst>
-            </p:cNvPr>
-            <p:cNvSpPr/>
-            <p:nvPr/>
-          </p:nvSpPr>
-          <p:spPr>
-            <a:xfrm>
-              <a:off x="3467100" y="3490912"/>
-              <a:ext cx="2571750" cy="1200150"/>
-            </a:xfrm>
-            <a:prstGeom prst="roundRect">
-              <a:avLst/>
-            </a:prstGeom>
-            <a:solidFill>
-              <a:srgbClr val="7030A0"/>
-            </a:solidFill>
-            <a:ln>
-              <a:solidFill>
-                <a:srgbClr val="7030A0"/>
-              </a:solidFill>
-            </a:ln>
-          </p:spPr>
-          <p:style>
-            <a:lnRef idx="2">
-              <a:schemeClr val="accent1">
-                <a:shade val="15000"/>
-              </a:schemeClr>
-            </a:lnRef>
-            <a:fillRef idx="1">
-              <a:schemeClr val="accent1"/>
-            </a:fillRef>
-            <a:effectRef idx="0">
-              <a:schemeClr val="accent1"/>
-            </a:effectRef>
-            <a:fontRef idx="minor">
-              <a:schemeClr val="lt1"/>
-            </a:fontRef>
-          </p:style>
-          <p:txBody>
-            <a:bodyPr rtlCol="0" anchor="ctr"/>
-            <a:lstStyle/>
-            <a:p>
-              <a:pPr algn="ctr"/>
-              <a:r>
-                <a:rPr lang="de-AT" b="1"/>
-                <a:t>Empfehlungsfunktion</a:t>
-              </a:r>
-            </a:p>
-          </p:txBody>
-        </p:sp>
-      </p:grpSp>
-      <p:pic>
-        <p:nvPicPr>
-          <p:cNvPr id="19" name="Grafik 18" descr="Pfeil nach rechts mit einfarbiger Füllung">
-            <a:extLst>
-              <a:ext uri="{FF2B5EF4-FFF2-40B4-BE49-F238E27FC236}">
-                <a16:creationId xmlns:a16="http://schemas.microsoft.com/office/drawing/2014/main" id="{1995EF03-1D5F-0A95-9DAA-B40C569E61BF}"/>
-              </a:ext>
-            </a:extLst>
-          </p:cNvPr>
-          <p:cNvPicPr>
-            <a:picLocks noChangeAspect="1"/>
-          </p:cNvPicPr>
-          <p:nvPr/>
-        </p:nvPicPr>
-        <p:blipFill>
-          <a:blip r:embed="rId6">
-            <a:extLst>
-              <a:ext uri="{96DAC541-7B7A-43D3-8B79-37D633B846F1}">
-                <asvg:svgBlip xmlns:asvg="http://schemas.microsoft.com/office/drawing/2016/SVG/main" r:embed="rId7"/>
-              </a:ext>
-            </a:extLst>
-          </a:blip>
-          <a:stretch>
-            <a:fillRect/>
-          </a:stretch>
-        </p:blipFill>
-        <p:spPr>
-          <a:xfrm>
-            <a:off x="5638800" y="4436000"/>
-            <a:ext cx="914400" cy="914400"/>
-          </a:xfrm>
-          <a:prstGeom prst="rect">
-            <a:avLst/>
-          </a:prstGeom>
-        </p:spPr>
-      </p:pic>
-      <p:grpSp>
-        <p:nvGrpSpPr>
-          <p:cNvPr id="22" name="Gruppieren 21">
-            <a:extLst>
-              <a:ext uri="{FF2B5EF4-FFF2-40B4-BE49-F238E27FC236}">
-                <a16:creationId xmlns:a16="http://schemas.microsoft.com/office/drawing/2014/main" id="{1A949740-944F-09DE-5E80-0B6ED809D12B}"/>
-              </a:ext>
-            </a:extLst>
-          </p:cNvPr>
-          <p:cNvGrpSpPr/>
-          <p:nvPr/>
-        </p:nvGrpSpPr>
-        <p:grpSpPr>
-          <a:xfrm>
-            <a:off x="-11575752" y="-2441688"/>
-            <a:ext cx="5037519" cy="10537401"/>
-            <a:chOff x="8061000" y="-1032924"/>
-            <a:chExt cx="5037519" cy="10537401"/>
-          </a:xfrm>
-        </p:grpSpPr>
-        <p:sp>
-          <p:nvSpPr>
-            <p:cNvPr id="23" name="Rechteck 22">
-              <a:extLst>
-                <a:ext uri="{FF2B5EF4-FFF2-40B4-BE49-F238E27FC236}">
-                  <a16:creationId xmlns:a16="http://schemas.microsoft.com/office/drawing/2014/main" id="{A06A806C-F982-F72C-9BFF-CA505ABD5898}"/>
-                </a:ext>
-              </a:extLst>
-            </p:cNvPr>
-            <p:cNvSpPr/>
-            <p:nvPr/>
-          </p:nvSpPr>
-          <p:spPr>
-            <a:xfrm>
-              <a:off x="8061000" y="-1032924"/>
-              <a:ext cx="5037519" cy="10537401"/>
-            </a:xfrm>
-            <a:prstGeom prst="rect">
-              <a:avLst/>
-            </a:prstGeom>
-            <a:solidFill>
-              <a:srgbClr val="7030A0"/>
-            </a:solidFill>
-            <a:ln>
-              <a:solidFill>
-                <a:srgbClr val="7030A0"/>
-              </a:solidFill>
-            </a:ln>
-          </p:spPr>
-          <p:style>
-            <a:lnRef idx="2">
-              <a:schemeClr val="accent1">
-                <a:shade val="15000"/>
-              </a:schemeClr>
-            </a:lnRef>
-            <a:fillRef idx="1">
-              <a:schemeClr val="accent1"/>
-            </a:fillRef>
-            <a:effectRef idx="0">
-              <a:schemeClr val="accent1"/>
-            </a:effectRef>
-            <a:fontRef idx="minor">
-              <a:schemeClr val="lt1"/>
-            </a:fontRef>
-          </p:style>
-          <p:txBody>
-            <a:bodyPr vert="vert270" rtlCol="0" anchor="ctr"/>
-            <a:lstStyle/>
-            <a:p>
-              <a:pPr algn="ctr"/>
-              <a:r>
-                <a:rPr lang="de-DE" sz="5400" b="1"/>
-                <a:t>STALI</a:t>
-              </a:r>
-              <a:endParaRPr lang="de-AT" b="1"/>
-            </a:p>
-          </p:txBody>
-        </p:sp>
-        <p:pic>
-          <p:nvPicPr>
-            <p:cNvPr id="24" name="Grafik 23">
-              <a:extLst>
-                <a:ext uri="{FF2B5EF4-FFF2-40B4-BE49-F238E27FC236}">
-                  <a16:creationId xmlns:a16="http://schemas.microsoft.com/office/drawing/2014/main" id="{9703550E-7238-F7DD-6C69-B64603D4A658}"/>
-                </a:ext>
-              </a:extLst>
-            </p:cNvPr>
-            <p:cNvPicPr>
-              <a:picLocks noChangeAspect="1"/>
-            </p:cNvPicPr>
-            <p:nvPr/>
-          </p:nvPicPr>
-          <p:blipFill>
-            <a:blip r:embed="rId4">
-              <a:extLst>
-                <a:ext uri="{BEBA8EAE-BF5A-486C-A8C5-ECC9F3942E4B}">
-                  <a14:imgProps xmlns:a14="http://schemas.microsoft.com/office/drawing/2010/main">
-                    <a14:imgLayer r:embed="rId5">
-                      <a14:imgEffect>
-                        <a14:backgroundRemoval t="5426" b="93411" l="6038" r="91321">
-                          <a14:foregroundMark x1="30189" y1="54651" x2="56604" y2="43798"/>
-                          <a14:foregroundMark x1="56604" y1="43798" x2="36226" y2="51938"/>
-                          <a14:foregroundMark x1="36226" y1="51938" x2="30943" y2="51163"/>
-                          <a14:foregroundMark x1="7170" y1="18605" x2="30566" y2="4651"/>
-                          <a14:foregroundMark x1="30566" y1="4651" x2="86792" y2="13953"/>
-                          <a14:foregroundMark x1="86792" y1="13953" x2="91321" y2="41085"/>
-                          <a14:foregroundMark x1="91321" y1="41085" x2="84906" y2="82558"/>
-                          <a14:foregroundMark x1="84906" y1="82558" x2="67170" y2="93411"/>
-                          <a14:foregroundMark x1="67170" y1="93411" x2="29811" y2="92248"/>
-                          <a14:foregroundMark x1="29811" y1="92248" x2="6792" y2="39922"/>
-                          <a14:foregroundMark x1="6792" y1="39922" x2="8679" y2="15891"/>
-                          <a14:foregroundMark x1="10189" y1="48062" x2="38491" y2="45736"/>
-                          <a14:foregroundMark x1="38491" y1="45736" x2="10566" y2="51163"/>
-                          <a14:foregroundMark x1="10566" y1="51163" x2="7925" y2="46899"/>
-                          <a14:foregroundMark x1="5660" y1="52326" x2="5660" y2="72093"/>
-                          <a14:foregroundMark x1="5660" y1="72093" x2="15094" y2="90310"/>
-                          <a14:foregroundMark x1="15094" y1="90310" x2="34340" y2="91860"/>
-                          <a14:foregroundMark x1="34340" y1="91860" x2="36226" y2="90698"/>
-                          <a14:foregroundMark x1="22264" y1="94186" x2="46038" y2="93798"/>
-                          <a14:foregroundMark x1="46038" y1="93798" x2="69811" y2="94186"/>
-                          <a14:foregroundMark x1="69811" y1="94186" x2="78491" y2="94186"/>
-                          <a14:foregroundMark x1="43396" y1="93798" x2="25660" y2="74031"/>
-                          <a14:foregroundMark x1="25660" y1="74031" x2="41509" y2="62403"/>
-                          <a14:foregroundMark x1="41509" y1="62403" x2="63774" y2="73643"/>
-                          <a14:foregroundMark x1="63774" y1="73643" x2="47925" y2="92248"/>
-                          <a14:foregroundMark x1="47925" y1="92248" x2="42642" y2="93411"/>
-                          <a14:foregroundMark x1="69811" y1="76744" x2="62264" y2="46512"/>
-                          <a14:foregroundMark x1="62264" y1="46512" x2="76226" y2="31783"/>
-                          <a14:foregroundMark x1="76226" y1="31783" x2="91321" y2="50000"/>
-                          <a14:foregroundMark x1="91321" y1="50000" x2="81887" y2="66667"/>
-                          <a14:foregroundMark x1="81887" y1="66667" x2="67547" y2="74806"/>
-                          <a14:foregroundMark x1="29811" y1="58140" x2="13962" y2="38372"/>
-                          <a14:foregroundMark x1="13962" y1="38372" x2="20000" y2="12791"/>
-                          <a14:foregroundMark x1="20000" y1="12791" x2="39245" y2="12016"/>
-                          <a14:foregroundMark x1="39245" y1="12016" x2="54340" y2="27907"/>
-                          <a14:foregroundMark x1="54340" y1="27907" x2="50189" y2="50388"/>
-                          <a14:foregroundMark x1="50189" y1="50388" x2="30189" y2="58527"/>
-                          <a14:foregroundMark x1="30189" y1="58527" x2="27925" y2="57752"/>
-                          <a14:foregroundMark x1="16604" y1="8915" x2="56604" y2="4651"/>
-                          <a14:foregroundMark x1="56604" y1="4651" x2="78113" y2="5426"/>
-                          <a14:foregroundMark x1="78113" y1="5426" x2="82642" y2="9690"/>
-                          <a14:backgroundMark x1="2642" y1="10853" x2="6792" y2="2326"/>
-                          <a14:backgroundMark x1="2264" y1="9302" x2="10566" y2="3101"/>
-                          <a14:backgroundMark x1="10625" y1="10225" x2="18491" y2="1938"/>
-                          <a14:backgroundMark x1="3774" y1="17442" x2="10409" y2="10452"/>
-                          <a14:backgroundMark x1="18491" y1="1938" x2="23774" y2="0"/>
-                          <a14:backgroundMark x1="3019" y1="8140" x2="3774" y2="5814"/>
-                        </a14:backgroundRemoval>
-                      </a14:imgEffect>
-                    </a14:imgLayer>
-                  </a14:imgProps>
-                </a:ext>
-              </a:extLst>
-            </a:blip>
-            <a:stretch>
-              <a:fillRect/>
-            </a:stretch>
-          </p:blipFill>
-          <p:spPr>
-            <a:xfrm>
-              <a:off x="9989477" y="1750998"/>
-              <a:ext cx="1180565" cy="1149380"/>
-            </a:xfrm>
-            <a:prstGeom prst="rect">
-              <a:avLst/>
-            </a:prstGeom>
-          </p:spPr>
-        </p:pic>
-      </p:grpSp>
-    </p:spTree>
-    <p:extLst>
-      <p:ext uri="{BB962C8B-B14F-4D97-AF65-F5344CB8AC3E}">
-        <p14:creationId xmlns:p14="http://schemas.microsoft.com/office/powerpoint/2010/main" val="3582479783"/>
-      </p:ext>
-    </p:extLst>
-  </p:cSld>
-  <p:clrMapOvr>
-    <a:masterClrMapping/>
-  </p:clrMapOvr>
-  <p:transition spd="slow">
-    <p:push dir="u"/>
-  </p:transition>
-</p:sld>
-</file>
-
-<file path=ppt/slides/slide7.xml><?xml version="1.0" encoding="utf-8"?>
-<p:sld xmlns:a="http://schemas.openxmlformats.org/drawingml/2006/main" xmlns:r="http://schemas.openxmlformats.org/officeDocument/2006/relationships" xmlns:p="http://schemas.openxmlformats.org/presentationml/2006/main" show="0">
-  <p:cSld>
-    <p:spTree>
-      <p:nvGrpSpPr>
-        <p:cNvPr id="1" name=""/>
-        <p:cNvGrpSpPr/>
-        <p:nvPr/>
-      </p:nvGrpSpPr>
-      <p:grpSpPr>
-        <a:xfrm>
-          <a:off x="0" y="0"/>
-          <a:ext cx="0" cy="0"/>
-          <a:chOff x="0" y="0"/>
-          <a:chExt cx="0" cy="0"/>
-        </a:xfrm>
-      </p:grpSpPr>
-      <p:sp>
-        <p:nvSpPr>
-          <p:cNvPr id="6" name="Titel 1">
-            <a:extLst>
-              <a:ext uri="{FF2B5EF4-FFF2-40B4-BE49-F238E27FC236}">
-                <a16:creationId xmlns:a16="http://schemas.microsoft.com/office/drawing/2014/main" id="{9ED3CF12-6C16-1851-5EBD-28A2D649F30B}"/>
-              </a:ext>
-            </a:extLst>
-          </p:cNvPr>
-          <p:cNvSpPr>
-            <a:spLocks noGrp="1"/>
-          </p:cNvSpPr>
-          <p:nvPr>
-            <p:ph type="title"/>
-          </p:nvPr>
-        </p:nvSpPr>
-        <p:spPr>
-          <a:xfrm>
-            <a:off x="-325910" y="301625"/>
-            <a:ext cx="10515600" cy="1325563"/>
-          </a:xfrm>
-        </p:spPr>
-        <p:txBody>
-          <a:bodyPr/>
-          <a:lstStyle/>
-          <a:p>
-            <a:pPr algn="r"/>
-            <a:r>
-              <a:rPr lang="de-DE" b="1"/>
-              <a:t>GITHUB BRANCH SKITZZE  </a:t>
-            </a:r>
-            <a:endParaRPr lang="de-AT" b="1"/>
-          </a:p>
-        </p:txBody>
-      </p:sp>
-      <p:pic>
-        <p:nvPicPr>
-          <p:cNvPr id="9" name="Grafik 8">
-            <a:extLst>
-              <a:ext uri="{FF2B5EF4-FFF2-40B4-BE49-F238E27FC236}">
-                <a16:creationId xmlns:a16="http://schemas.microsoft.com/office/drawing/2014/main" id="{AF513206-948A-EC2F-B140-DA68F4FD3725}"/>
-              </a:ext>
-            </a:extLst>
-          </p:cNvPr>
-          <p:cNvPicPr>
-            <a:picLocks noChangeAspect="1"/>
-          </p:cNvPicPr>
-          <p:nvPr/>
-        </p:nvPicPr>
-        <p:blipFill>
-          <a:blip r:embed="rId2"/>
-          <a:stretch>
-            <a:fillRect/>
-          </a:stretch>
-        </p:blipFill>
-        <p:spPr>
-          <a:xfrm>
-            <a:off x="3551619" y="1627188"/>
-            <a:ext cx="8640381" cy="4782217"/>
-          </a:xfrm>
-          <a:prstGeom prst="rect">
-            <a:avLst/>
-          </a:prstGeom>
-        </p:spPr>
-      </p:pic>
-      <p:grpSp>
-        <p:nvGrpSpPr>
-          <p:cNvPr id="10" name="Gruppieren 9">
-            <a:extLst>
-              <a:ext uri="{FF2B5EF4-FFF2-40B4-BE49-F238E27FC236}">
-                <a16:creationId xmlns:a16="http://schemas.microsoft.com/office/drawing/2014/main" id="{414D4897-BCF0-6D9C-B1E1-6D51D76C6751}"/>
-              </a:ext>
-            </a:extLst>
-          </p:cNvPr>
-          <p:cNvGrpSpPr/>
-          <p:nvPr/>
-        </p:nvGrpSpPr>
-        <p:grpSpPr>
-          <a:xfrm>
-            <a:off x="-1485900" y="-1731424"/>
-            <a:ext cx="5037519" cy="10537401"/>
-            <a:chOff x="8061000" y="-1032924"/>
-            <a:chExt cx="5037519" cy="10537401"/>
-          </a:xfrm>
-        </p:grpSpPr>
-        <p:sp>
-          <p:nvSpPr>
-            <p:cNvPr id="11" name="Rechteck 10">
-              <a:extLst>
-                <a:ext uri="{FF2B5EF4-FFF2-40B4-BE49-F238E27FC236}">
-                  <a16:creationId xmlns:a16="http://schemas.microsoft.com/office/drawing/2014/main" id="{CFA2D9CE-CFA8-6AAD-B904-67F4B726CD20}"/>
-                </a:ext>
-              </a:extLst>
-            </p:cNvPr>
-            <p:cNvSpPr/>
-            <p:nvPr/>
-          </p:nvSpPr>
-          <p:spPr>
-            <a:xfrm>
-              <a:off x="8061000" y="-1032924"/>
-              <a:ext cx="5037519" cy="10537401"/>
-            </a:xfrm>
-            <a:prstGeom prst="rect">
-              <a:avLst/>
-            </a:prstGeom>
-            <a:solidFill>
-              <a:srgbClr val="7030A0"/>
-            </a:solidFill>
-            <a:ln>
-              <a:solidFill>
-                <a:srgbClr val="7030A0"/>
-              </a:solidFill>
-            </a:ln>
-          </p:spPr>
-          <p:style>
-            <a:lnRef idx="2">
-              <a:schemeClr val="accent1">
-                <a:shade val="15000"/>
-              </a:schemeClr>
-            </a:lnRef>
-            <a:fillRef idx="1">
-              <a:schemeClr val="accent1"/>
-            </a:fillRef>
-            <a:effectRef idx="0">
-              <a:schemeClr val="accent1"/>
-            </a:effectRef>
-            <a:fontRef idx="minor">
-              <a:schemeClr val="lt1"/>
-            </a:fontRef>
-          </p:style>
-          <p:txBody>
-            <a:bodyPr vert="vert270" rtlCol="0" anchor="ctr"/>
-            <a:lstStyle/>
-            <a:p>
-              <a:pPr algn="ctr"/>
-              <a:r>
-                <a:rPr lang="de-DE" sz="5400" b="1"/>
-                <a:t>STALI</a:t>
-              </a:r>
-              <a:endParaRPr lang="de-AT" b="1"/>
-            </a:p>
-          </p:txBody>
-        </p:sp>
-        <p:pic>
-          <p:nvPicPr>
-            <p:cNvPr id="12" name="Grafik 11">
-              <a:extLst>
-                <a:ext uri="{FF2B5EF4-FFF2-40B4-BE49-F238E27FC236}">
-                  <a16:creationId xmlns:a16="http://schemas.microsoft.com/office/drawing/2014/main" id="{A3887E1E-B884-6A80-840A-2C74EA5EAA99}"/>
-                </a:ext>
-              </a:extLst>
-            </p:cNvPr>
-            <p:cNvPicPr>
-              <a:picLocks noChangeAspect="1"/>
-            </p:cNvPicPr>
-            <p:nvPr/>
-          </p:nvPicPr>
-          <p:blipFill>
-            <a:blip r:embed="rId3">
-              <a:extLst>
-                <a:ext uri="{BEBA8EAE-BF5A-486C-A8C5-ECC9F3942E4B}">
-                  <a14:imgProps xmlns:a14="http://schemas.microsoft.com/office/drawing/2010/main">
-                    <a14:imgLayer r:embed="rId4">
-                      <a14:imgEffect>
-                        <a14:backgroundRemoval t="5426" b="93411" l="6038" r="91321">
-                          <a14:foregroundMark x1="30189" y1="54651" x2="56604" y2="43798"/>
-                          <a14:foregroundMark x1="56604" y1="43798" x2="36226" y2="51938"/>
-                          <a14:foregroundMark x1="36226" y1="51938" x2="30943" y2="51163"/>
-                          <a14:foregroundMark x1="7170" y1="18605" x2="30566" y2="4651"/>
-                          <a14:foregroundMark x1="30566" y1="4651" x2="86792" y2="13953"/>
-                          <a14:foregroundMark x1="86792" y1="13953" x2="91321" y2="41085"/>
-                          <a14:foregroundMark x1="91321" y1="41085" x2="84906" y2="82558"/>
-                          <a14:foregroundMark x1="84906" y1="82558" x2="67170" y2="93411"/>
-                          <a14:foregroundMark x1="67170" y1="93411" x2="29811" y2="92248"/>
-                          <a14:foregroundMark x1="29811" y1="92248" x2="6792" y2="39922"/>
-                          <a14:foregroundMark x1="6792" y1="39922" x2="8679" y2="15891"/>
-                          <a14:foregroundMark x1="10189" y1="48062" x2="38491" y2="45736"/>
-                          <a14:foregroundMark x1="38491" y1="45736" x2="10566" y2="51163"/>
-                          <a14:foregroundMark x1="10566" y1="51163" x2="7925" y2="46899"/>
-                          <a14:foregroundMark x1="5660" y1="52326" x2="5660" y2="72093"/>
-                          <a14:foregroundMark x1="5660" y1="72093" x2="15094" y2="90310"/>
-                          <a14:foregroundMark x1="15094" y1="90310" x2="34340" y2="91860"/>
-                          <a14:foregroundMark x1="34340" y1="91860" x2="36226" y2="90698"/>
-                          <a14:foregroundMark x1="22264" y1="94186" x2="46038" y2="93798"/>
-                          <a14:foregroundMark x1="46038" y1="93798" x2="69811" y2="94186"/>
-                          <a14:foregroundMark x1="69811" y1="94186" x2="78491" y2="94186"/>
-                          <a14:foregroundMark x1="43396" y1="93798" x2="25660" y2="74031"/>
-                          <a14:foregroundMark x1="25660" y1="74031" x2="41509" y2="62403"/>
-                          <a14:foregroundMark x1="41509" y1="62403" x2="63774" y2="73643"/>
-                          <a14:foregroundMark x1="63774" y1="73643" x2="47925" y2="92248"/>
-                          <a14:foregroundMark x1="47925" y1="92248" x2="42642" y2="93411"/>
-                          <a14:foregroundMark x1="69811" y1="76744" x2="62264" y2="46512"/>
-                          <a14:foregroundMark x1="62264" y1="46512" x2="76226" y2="31783"/>
-                          <a14:foregroundMark x1="76226" y1="31783" x2="91321" y2="50000"/>
-                          <a14:foregroundMark x1="91321" y1="50000" x2="81887" y2="66667"/>
-                          <a14:foregroundMark x1="81887" y1="66667" x2="67547" y2="74806"/>
-                          <a14:foregroundMark x1="29811" y1="58140" x2="13962" y2="38372"/>
-                          <a14:foregroundMark x1="13962" y1="38372" x2="20000" y2="12791"/>
-                          <a14:foregroundMark x1="20000" y1="12791" x2="39245" y2="12016"/>
-                          <a14:foregroundMark x1="39245" y1="12016" x2="54340" y2="27907"/>
-                          <a14:foregroundMark x1="54340" y1="27907" x2="50189" y2="50388"/>
-                          <a14:foregroundMark x1="50189" y1="50388" x2="30189" y2="58527"/>
-                          <a14:foregroundMark x1="30189" y1="58527" x2="27925" y2="57752"/>
-                          <a14:foregroundMark x1="16604" y1="8915" x2="56604" y2="4651"/>
-                          <a14:foregroundMark x1="56604" y1="4651" x2="78113" y2="5426"/>
-                          <a14:foregroundMark x1="78113" y1="5426" x2="82642" y2="9690"/>
-                          <a14:backgroundMark x1="2642" y1="10853" x2="6792" y2="2326"/>
-                          <a14:backgroundMark x1="2264" y1="9302" x2="10566" y2="3101"/>
-                          <a14:backgroundMark x1="10625" y1="10225" x2="18491" y2="1938"/>
-                          <a14:backgroundMark x1="3774" y1="17442" x2="10409" y2="10452"/>
-                          <a14:backgroundMark x1="18491" y1="1938" x2="23774" y2="0"/>
-                          <a14:backgroundMark x1="3019" y1="8140" x2="3774" y2="5814"/>
-                        </a14:backgroundRemoval>
-                      </a14:imgEffect>
-                    </a14:imgLayer>
-                  </a14:imgProps>
-                </a:ext>
-              </a:extLst>
-            </a:blip>
-            <a:stretch>
-              <a:fillRect/>
-            </a:stretch>
-          </p:blipFill>
-          <p:spPr>
-            <a:xfrm>
-              <a:off x="9989477" y="1750998"/>
-              <a:ext cx="1180565" cy="1149380"/>
-            </a:xfrm>
-            <a:prstGeom prst="rect">
-              <a:avLst/>
-            </a:prstGeom>
-          </p:spPr>
-        </p:pic>
-      </p:grpSp>
-      <p:grpSp>
-        <p:nvGrpSpPr>
-          <p:cNvPr id="13" name="Gruppieren 12">
-            <a:extLst>
-              <a:ext uri="{FF2B5EF4-FFF2-40B4-BE49-F238E27FC236}">
-                <a16:creationId xmlns:a16="http://schemas.microsoft.com/office/drawing/2014/main" id="{C4D17E89-DF2B-20BE-D8DC-69D4C1DCDDFA}"/>
-              </a:ext>
-            </a:extLst>
-          </p:cNvPr>
-          <p:cNvGrpSpPr/>
-          <p:nvPr/>
-        </p:nvGrpSpPr>
-        <p:grpSpPr>
-          <a:xfrm>
-            <a:off x="7170265" y="8088328"/>
-            <a:ext cx="6038850" cy="10537401"/>
-            <a:chOff x="7218680" y="-1032924"/>
-            <a:chExt cx="6038850" cy="10537401"/>
-          </a:xfrm>
-        </p:grpSpPr>
-        <p:sp>
-          <p:nvSpPr>
-            <p:cNvPr id="14" name="Rechteck 13">
-              <a:extLst>
-                <a:ext uri="{FF2B5EF4-FFF2-40B4-BE49-F238E27FC236}">
-                  <a16:creationId xmlns:a16="http://schemas.microsoft.com/office/drawing/2014/main" id="{4F550266-8E5A-83FF-C786-B5363864BC51}"/>
-                </a:ext>
-              </a:extLst>
-            </p:cNvPr>
-            <p:cNvSpPr/>
-            <p:nvPr/>
-          </p:nvSpPr>
-          <p:spPr>
-            <a:xfrm>
-              <a:off x="7218680" y="-1032924"/>
-              <a:ext cx="6038850" cy="10537401"/>
-            </a:xfrm>
-            <a:prstGeom prst="rect">
-              <a:avLst/>
-            </a:prstGeom>
-            <a:solidFill>
-              <a:srgbClr val="7030A0"/>
-            </a:solidFill>
-            <a:ln>
-              <a:solidFill>
-                <a:srgbClr val="7030A0"/>
-              </a:solidFill>
-            </a:ln>
-          </p:spPr>
-          <p:style>
-            <a:lnRef idx="2">
-              <a:schemeClr val="accent1">
-                <a:shade val="15000"/>
-              </a:schemeClr>
-            </a:lnRef>
-            <a:fillRef idx="1">
-              <a:schemeClr val="accent1"/>
-            </a:fillRef>
-            <a:effectRef idx="0">
-              <a:schemeClr val="accent1"/>
-            </a:effectRef>
-            <a:fontRef idx="minor">
-              <a:schemeClr val="lt1"/>
-            </a:fontRef>
-          </p:style>
-          <p:txBody>
-            <a:bodyPr vert="vert270" rtlCol="0" anchor="ctr"/>
-            <a:lstStyle/>
-            <a:p>
-              <a:pPr algn="ctr"/>
-              <a:r>
-                <a:rPr lang="de-DE" sz="5400" b="1"/>
-                <a:t>STALI</a:t>
-              </a:r>
-              <a:endParaRPr lang="de-AT" b="1"/>
-            </a:p>
-          </p:txBody>
-        </p:sp>
-        <p:pic>
-          <p:nvPicPr>
-            <p:cNvPr id="15" name="Grafik 14">
-              <a:extLst>
-                <a:ext uri="{FF2B5EF4-FFF2-40B4-BE49-F238E27FC236}">
-                  <a16:creationId xmlns:a16="http://schemas.microsoft.com/office/drawing/2014/main" id="{42EB8EAD-F76E-2B6F-9D25-A8C12768C8B2}"/>
-                </a:ext>
-              </a:extLst>
-            </p:cNvPr>
-            <p:cNvPicPr>
-              <a:picLocks noChangeAspect="1"/>
-            </p:cNvPicPr>
-            <p:nvPr/>
-          </p:nvPicPr>
-          <p:blipFill>
-            <a:blip r:embed="rId3">
-              <a:extLst>
-                <a:ext uri="{BEBA8EAE-BF5A-486C-A8C5-ECC9F3942E4B}">
-                  <a14:imgProps xmlns:a14="http://schemas.microsoft.com/office/drawing/2010/main">
-                    <a14:imgLayer r:embed="rId4">
-                      <a14:imgEffect>
-                        <a14:backgroundRemoval t="5426" b="93411" l="6038" r="91321">
-                          <a14:foregroundMark x1="30189" y1="54651" x2="56604" y2="43798"/>
-                          <a14:foregroundMark x1="56604" y1="43798" x2="36226" y2="51938"/>
-                          <a14:foregroundMark x1="36226" y1="51938" x2="30943" y2="51163"/>
-                          <a14:foregroundMark x1="7170" y1="18605" x2="30566" y2="4651"/>
-                          <a14:foregroundMark x1="30566" y1="4651" x2="86792" y2="13953"/>
-                          <a14:foregroundMark x1="86792" y1="13953" x2="91321" y2="41085"/>
-                          <a14:foregroundMark x1="91321" y1="41085" x2="84906" y2="82558"/>
-                          <a14:foregroundMark x1="84906" y1="82558" x2="67170" y2="93411"/>
-                          <a14:foregroundMark x1="67170" y1="93411" x2="29811" y2="92248"/>
-                          <a14:foregroundMark x1="29811" y1="92248" x2="6792" y2="39922"/>
-                          <a14:foregroundMark x1="6792" y1="39922" x2="8679" y2="15891"/>
-                          <a14:foregroundMark x1="10189" y1="48062" x2="38491" y2="45736"/>
-                          <a14:foregroundMark x1="38491" y1="45736" x2="10566" y2="51163"/>
-                          <a14:foregroundMark x1="10566" y1="51163" x2="7925" y2="46899"/>
-                          <a14:foregroundMark x1="5660" y1="52326" x2="5660" y2="72093"/>
-                          <a14:foregroundMark x1="5660" y1="72093" x2="15094" y2="90310"/>
-                          <a14:foregroundMark x1="15094" y1="90310" x2="34340" y2="91860"/>
-                          <a14:foregroundMark x1="34340" y1="91860" x2="36226" y2="90698"/>
-                          <a14:foregroundMark x1="22264" y1="94186" x2="46038" y2="93798"/>
-                          <a14:foregroundMark x1="46038" y1="93798" x2="69811" y2="94186"/>
-                          <a14:foregroundMark x1="69811" y1="94186" x2="78491" y2="94186"/>
-                          <a14:foregroundMark x1="43396" y1="93798" x2="25660" y2="74031"/>
-                          <a14:foregroundMark x1="25660" y1="74031" x2="41509" y2="62403"/>
-                          <a14:foregroundMark x1="41509" y1="62403" x2="63774" y2="73643"/>
-                          <a14:foregroundMark x1="63774" y1="73643" x2="47925" y2="92248"/>
-                          <a14:foregroundMark x1="47925" y1="92248" x2="42642" y2="93411"/>
-                          <a14:foregroundMark x1="69811" y1="76744" x2="62264" y2="46512"/>
-                          <a14:foregroundMark x1="62264" y1="46512" x2="76226" y2="31783"/>
-                          <a14:foregroundMark x1="76226" y1="31783" x2="91321" y2="50000"/>
-                          <a14:foregroundMark x1="91321" y1="50000" x2="81887" y2="66667"/>
-                          <a14:foregroundMark x1="81887" y1="66667" x2="67547" y2="74806"/>
-                          <a14:foregroundMark x1="29811" y1="58140" x2="13962" y2="38372"/>
-                          <a14:foregroundMark x1="13962" y1="38372" x2="20000" y2="12791"/>
-                          <a14:foregroundMark x1="20000" y1="12791" x2="39245" y2="12016"/>
-                          <a14:foregroundMark x1="39245" y1="12016" x2="54340" y2="27907"/>
-                          <a14:foregroundMark x1="54340" y1="27907" x2="50189" y2="50388"/>
-                          <a14:foregroundMark x1="50189" y1="50388" x2="30189" y2="58527"/>
-                          <a14:foregroundMark x1="30189" y1="58527" x2="27925" y2="57752"/>
-                          <a14:foregroundMark x1="16604" y1="8915" x2="56604" y2="4651"/>
-                          <a14:foregroundMark x1="56604" y1="4651" x2="78113" y2="5426"/>
-                          <a14:foregroundMark x1="78113" y1="5426" x2="82642" y2="9690"/>
-                          <a14:backgroundMark x1="2642" y1="10853" x2="6792" y2="2326"/>
-                          <a14:backgroundMark x1="2264" y1="9302" x2="10566" y2="3101"/>
-                          <a14:backgroundMark x1="10625" y1="10225" x2="18491" y2="1938"/>
-                          <a14:backgroundMark x1="3774" y1="17442" x2="10409" y2="10452"/>
-                          <a14:backgroundMark x1="18491" y1="1938" x2="23774" y2="0"/>
-                          <a14:backgroundMark x1="3019" y1="8140" x2="3774" y2="5814"/>
-                        </a14:backgroundRemoval>
-                      </a14:imgEffect>
-                    </a14:imgLayer>
-                  </a14:imgProps>
-                </a:ext>
-              </a:extLst>
-            </a:blip>
-            <a:stretch>
-              <a:fillRect/>
-            </a:stretch>
-          </p:blipFill>
-          <p:spPr>
-            <a:xfrm>
-              <a:off x="9647822" y="846108"/>
-              <a:ext cx="1180565" cy="1149380"/>
-            </a:xfrm>
-            <a:prstGeom prst="rect">
-              <a:avLst/>
-            </a:prstGeom>
-          </p:spPr>
-        </p:pic>
-      </p:grpSp>
-      <p:grpSp>
-        <p:nvGrpSpPr>
-          <p:cNvPr id="16" name="Gruppieren 15">
-            <a:extLst>
-              <a:ext uri="{FF2B5EF4-FFF2-40B4-BE49-F238E27FC236}">
-                <a16:creationId xmlns:a16="http://schemas.microsoft.com/office/drawing/2014/main" id="{39B7034B-3F6C-C490-148D-081EE9928771}"/>
-              </a:ext>
-            </a:extLst>
-          </p:cNvPr>
-          <p:cNvGrpSpPr/>
-          <p:nvPr/>
-        </p:nvGrpSpPr>
-        <p:grpSpPr>
-          <a:xfrm>
-            <a:off x="-8882153" y="2201878"/>
-            <a:ext cx="5448300" cy="2700337"/>
-            <a:chOff x="590550" y="1990725"/>
-            <a:chExt cx="5448300" cy="2700337"/>
-          </a:xfrm>
-        </p:grpSpPr>
-        <p:sp>
-          <p:nvSpPr>
-            <p:cNvPr id="17" name="Rechteck: abgerundete Ecken 16">
-              <a:extLst>
-                <a:ext uri="{FF2B5EF4-FFF2-40B4-BE49-F238E27FC236}">
-                  <a16:creationId xmlns:a16="http://schemas.microsoft.com/office/drawing/2014/main" id="{F208F679-405E-2030-FC4C-08EA031B27E1}"/>
-                </a:ext>
-              </a:extLst>
-            </p:cNvPr>
-            <p:cNvSpPr/>
-            <p:nvPr/>
-          </p:nvSpPr>
-          <p:spPr>
-            <a:xfrm>
-              <a:off x="590550" y="1990725"/>
-              <a:ext cx="2571750" cy="1200150"/>
-            </a:xfrm>
-            <a:prstGeom prst="roundRect">
-              <a:avLst/>
-            </a:prstGeom>
-            <a:solidFill>
-              <a:srgbClr val="7030A0"/>
-            </a:solidFill>
-            <a:ln>
-              <a:solidFill>
-                <a:srgbClr val="7030A0"/>
-              </a:solidFill>
-            </a:ln>
-          </p:spPr>
-          <p:style>
-            <a:lnRef idx="2">
-              <a:schemeClr val="accent1">
-                <a:shade val="15000"/>
-              </a:schemeClr>
-            </a:lnRef>
-            <a:fillRef idx="1">
-              <a:schemeClr val="accent1"/>
-            </a:fillRef>
-            <a:effectRef idx="0">
-              <a:schemeClr val="accent1"/>
-            </a:effectRef>
-            <a:fontRef idx="minor">
-              <a:schemeClr val="lt1"/>
-            </a:fontRef>
-          </p:style>
-          <p:txBody>
-            <a:bodyPr rtlCol="0" anchor="ctr"/>
-            <a:lstStyle/>
-            <a:p>
-              <a:pPr algn="ctr"/>
-              <a:r>
-                <a:rPr lang="de-AT" b="1"/>
-                <a:t>Verbessertes GitHub-Management</a:t>
-              </a:r>
-              <a:endParaRPr lang="de-AT"/>
-            </a:p>
-          </p:txBody>
-        </p:sp>
-        <p:sp>
-          <p:nvSpPr>
-            <p:cNvPr id="18" name="Rechteck: abgerundete Ecken 17">
-              <a:extLst>
-                <a:ext uri="{FF2B5EF4-FFF2-40B4-BE49-F238E27FC236}">
-                  <a16:creationId xmlns:a16="http://schemas.microsoft.com/office/drawing/2014/main" id="{143555EE-0B30-AFF9-4077-D3913B0446D1}"/>
-                </a:ext>
-              </a:extLst>
-            </p:cNvPr>
-            <p:cNvSpPr/>
-            <p:nvPr/>
-          </p:nvSpPr>
-          <p:spPr>
-            <a:xfrm>
-              <a:off x="3467100" y="1990725"/>
-              <a:ext cx="2571750" cy="1200150"/>
-            </a:xfrm>
-            <a:prstGeom prst="roundRect">
-              <a:avLst/>
-            </a:prstGeom>
-            <a:solidFill>
-              <a:srgbClr val="7030A0"/>
-            </a:solidFill>
-            <a:ln>
-              <a:solidFill>
-                <a:srgbClr val="7030A0"/>
-              </a:solidFill>
-            </a:ln>
-          </p:spPr>
-          <p:style>
-            <a:lnRef idx="2">
-              <a:schemeClr val="accent1">
-                <a:shade val="15000"/>
-              </a:schemeClr>
-            </a:lnRef>
-            <a:fillRef idx="1">
-              <a:schemeClr val="accent1"/>
-            </a:fillRef>
-            <a:effectRef idx="0">
-              <a:schemeClr val="accent1"/>
-            </a:effectRef>
-            <a:fontRef idx="minor">
-              <a:schemeClr val="lt1"/>
-            </a:fontRef>
-          </p:style>
-          <p:txBody>
-            <a:bodyPr rtlCol="0" anchor="ctr"/>
-            <a:lstStyle/>
-            <a:p>
-              <a:pPr algn="ctr"/>
-              <a:r>
-                <a:rPr lang="de-AT" b="1"/>
-                <a:t>Erweiterte Such- &amp; Filteroptionen</a:t>
-              </a:r>
-            </a:p>
-          </p:txBody>
-        </p:sp>
-        <p:sp>
-          <p:nvSpPr>
-            <p:cNvPr id="19" name="Rechteck: abgerundete Ecken 18">
-              <a:extLst>
-                <a:ext uri="{FF2B5EF4-FFF2-40B4-BE49-F238E27FC236}">
-                  <a16:creationId xmlns:a16="http://schemas.microsoft.com/office/drawing/2014/main" id="{EC996509-857F-47AE-9BA9-3B4EABC20F61}"/>
-                </a:ext>
-              </a:extLst>
-            </p:cNvPr>
-            <p:cNvSpPr/>
-            <p:nvPr/>
-          </p:nvSpPr>
-          <p:spPr>
-            <a:xfrm>
-              <a:off x="590550" y="3429000"/>
-              <a:ext cx="2571750" cy="1200150"/>
-            </a:xfrm>
-            <a:prstGeom prst="roundRect">
-              <a:avLst/>
-            </a:prstGeom>
-            <a:solidFill>
-              <a:srgbClr val="7030A0"/>
-            </a:solidFill>
-            <a:ln>
-              <a:solidFill>
-                <a:srgbClr val="7030A0"/>
-              </a:solidFill>
-            </a:ln>
-          </p:spPr>
-          <p:style>
-            <a:lnRef idx="2">
-              <a:schemeClr val="accent1">
-                <a:shade val="15000"/>
-              </a:schemeClr>
-            </a:lnRef>
-            <a:fillRef idx="1">
-              <a:schemeClr val="accent1"/>
-            </a:fillRef>
-            <a:effectRef idx="0">
-              <a:schemeClr val="accent1"/>
-            </a:effectRef>
-            <a:fontRef idx="minor">
-              <a:schemeClr val="lt1"/>
-            </a:fontRef>
-          </p:style>
-          <p:txBody>
-            <a:bodyPr rtlCol="0" anchor="ctr"/>
-            <a:lstStyle/>
-            <a:p>
-              <a:pPr algn="ctr"/>
-              <a:r>
-                <a:rPr lang="de-AT" b="1"/>
-                <a:t>Zahlungs- und Versandintegration</a:t>
-              </a:r>
-            </a:p>
-          </p:txBody>
-        </p:sp>
-        <p:sp>
-          <p:nvSpPr>
-            <p:cNvPr id="20" name="Rechteck: abgerundete Ecken 19">
-              <a:extLst>
-                <a:ext uri="{FF2B5EF4-FFF2-40B4-BE49-F238E27FC236}">
-                  <a16:creationId xmlns:a16="http://schemas.microsoft.com/office/drawing/2014/main" id="{5047EC98-F38E-5EDF-A0BF-E5618C208CC2}"/>
-                </a:ext>
-              </a:extLst>
-            </p:cNvPr>
-            <p:cNvSpPr/>
-            <p:nvPr/>
-          </p:nvSpPr>
-          <p:spPr>
-            <a:xfrm>
-              <a:off x="3467100" y="3490912"/>
-              <a:ext cx="2571750" cy="1200150"/>
-            </a:xfrm>
-            <a:prstGeom prst="roundRect">
-              <a:avLst/>
-            </a:prstGeom>
-            <a:solidFill>
-              <a:srgbClr val="7030A0"/>
-            </a:solidFill>
-            <a:ln>
-              <a:solidFill>
-                <a:srgbClr val="7030A0"/>
-              </a:solidFill>
-            </a:ln>
-          </p:spPr>
-          <p:style>
-            <a:lnRef idx="2">
-              <a:schemeClr val="accent1">
-                <a:shade val="15000"/>
-              </a:schemeClr>
-            </a:lnRef>
-            <a:fillRef idx="1">
-              <a:schemeClr val="accent1"/>
-            </a:fillRef>
-            <a:effectRef idx="0">
-              <a:schemeClr val="accent1"/>
-            </a:effectRef>
-            <a:fontRef idx="minor">
-              <a:schemeClr val="lt1"/>
-            </a:fontRef>
-          </p:style>
-          <p:txBody>
-            <a:bodyPr rtlCol="0" anchor="ctr"/>
-            <a:lstStyle/>
-            <a:p>
-              <a:pPr algn="ctr"/>
-              <a:r>
-                <a:rPr lang="de-AT" b="1"/>
-                <a:t>Empfehlungsfunktion</a:t>
-              </a:r>
-            </a:p>
-          </p:txBody>
-        </p:sp>
-      </p:grpSp>
-    </p:spTree>
-    <p:extLst>
-      <p:ext uri="{BB962C8B-B14F-4D97-AF65-F5344CB8AC3E}">
-        <p14:creationId xmlns:p14="http://schemas.microsoft.com/office/powerpoint/2010/main" val="3942975481"/>
-      </p:ext>
-    </p:extLst>
-  </p:cSld>
-  <p:clrMapOvr>
-    <a:masterClrMapping/>
-  </p:clrMapOvr>
-  <p:transition spd="slow">
-    <p:push dir="u"/>
-  </p:transition>
-</p:sld>
-</file>
-
-<file path=ppt/slides/slide8.xml><?xml version="1.0" encoding="utf-8"?>
+<file path=ppt/slides/slide10.xml><?xml version="1.0" encoding="utf-8"?>
 <p:sld xmlns:a="http://schemas.openxmlformats.org/drawingml/2006/main" xmlns:r="http://schemas.openxmlformats.org/officeDocument/2006/relationships" xmlns:p="http://schemas.openxmlformats.org/presentationml/2006/main">
   <p:cSld>
     <p:spTree>
@@ -7341,7 +3930,7 @@
             <a:p>
               <a:pPr algn="ctr"/>
               <a:r>
-                <a:rPr lang="de-AT" b="1"/>
+                <a:rPr lang="de-AT" b="1" dirty="0"/>
                 <a:t>Zahlungs- und Versandintegration</a:t>
               </a:r>
             </a:p>
@@ -7784,7 +4373,7 @@
 </p:sld>
 </file>
 
-<file path=ppt/slides/slide9.xml><?xml version="1.0" encoding="utf-8"?>
+<file path=ppt/slides/slide11.xml><?xml version="1.0" encoding="utf-8"?>
 <p:sld xmlns:a="http://schemas.openxmlformats.org/drawingml/2006/main" xmlns:r="http://schemas.openxmlformats.org/officeDocument/2006/relationships" xmlns:p="http://schemas.openxmlformats.org/presentationml/2006/main">
   <p:cSld>
     <p:bg>
@@ -8427,6 +5016,5040 @@
 </p:sld>
 </file>
 
+<file path=ppt/slides/slide2.xml><?xml version="1.0" encoding="utf-8"?>
+<p:sld xmlns:a="http://schemas.openxmlformats.org/drawingml/2006/main" xmlns:r="http://schemas.openxmlformats.org/officeDocument/2006/relationships" xmlns:p="http://schemas.openxmlformats.org/presentationml/2006/main">
+  <p:cSld>
+    <p:spTree>
+      <p:nvGrpSpPr>
+        <p:cNvPr id="1" name=""/>
+        <p:cNvGrpSpPr/>
+        <p:nvPr/>
+      </p:nvGrpSpPr>
+      <p:grpSpPr>
+        <a:xfrm>
+          <a:off x="0" y="0"/>
+          <a:ext cx="0" cy="0"/>
+          <a:chOff x="0" y="0"/>
+          <a:chExt cx="0" cy="0"/>
+        </a:xfrm>
+      </p:grpSpPr>
+      <p:sp>
+        <p:nvSpPr>
+          <p:cNvPr id="4" name="Rechteck 3">
+            <a:extLst>
+              <a:ext uri="{FF2B5EF4-FFF2-40B4-BE49-F238E27FC236}">
+                <a16:creationId xmlns:a16="http://schemas.microsoft.com/office/drawing/2014/main" id="{16981BC2-2506-5681-7EAA-939E2DC6B67E}"/>
+              </a:ext>
+            </a:extLst>
+          </p:cNvPr>
+          <p:cNvSpPr/>
+          <p:nvPr/>
+        </p:nvSpPr>
+        <p:spPr>
+          <a:xfrm>
+            <a:off x="-424103" y="-328325"/>
+            <a:ext cx="6038850" cy="7591425"/>
+          </a:xfrm>
+          <a:prstGeom prst="rect">
+            <a:avLst/>
+          </a:prstGeom>
+          <a:solidFill>
+            <a:srgbClr val="7030A0"/>
+          </a:solidFill>
+          <a:ln>
+            <a:solidFill>
+              <a:srgbClr val="7030A0"/>
+            </a:solidFill>
+          </a:ln>
+        </p:spPr>
+        <p:style>
+          <a:lnRef idx="2">
+            <a:schemeClr val="accent1">
+              <a:shade val="15000"/>
+            </a:schemeClr>
+          </a:lnRef>
+          <a:fillRef idx="1">
+            <a:schemeClr val="accent1"/>
+          </a:fillRef>
+          <a:effectRef idx="0">
+            <a:schemeClr val="accent1"/>
+          </a:effectRef>
+          <a:fontRef idx="minor">
+            <a:schemeClr val="lt1"/>
+          </a:fontRef>
+        </p:style>
+        <p:txBody>
+          <a:bodyPr rtlCol="0" anchor="ctr"/>
+          <a:lstStyle/>
+          <a:p>
+            <a:pPr algn="ctr"/>
+            <a:endParaRPr lang="de-AT"/>
+          </a:p>
+        </p:txBody>
+      </p:sp>
+      <p:sp>
+        <p:nvSpPr>
+          <p:cNvPr id="2" name="Titel 1">
+            <a:extLst>
+              <a:ext uri="{FF2B5EF4-FFF2-40B4-BE49-F238E27FC236}">
+                <a16:creationId xmlns:a16="http://schemas.microsoft.com/office/drawing/2014/main" id="{DBBC2F16-6F98-FB38-6F56-6A159BDE35E1}"/>
+              </a:ext>
+            </a:extLst>
+          </p:cNvPr>
+          <p:cNvSpPr>
+            <a:spLocks noGrp="1"/>
+          </p:cNvSpPr>
+          <p:nvPr>
+            <p:ph type="title"/>
+          </p:nvPr>
+        </p:nvSpPr>
+        <p:spPr>
+          <a:xfrm>
+            <a:off x="441814" y="1022065"/>
+            <a:ext cx="10515600" cy="1325563"/>
+          </a:xfrm>
+        </p:spPr>
+        <p:txBody>
+          <a:bodyPr>
+            <a:normAutofit/>
+          </a:bodyPr>
+          <a:lstStyle/>
+          <a:p>
+            <a:r>
+              <a:rPr lang="de-DE" b="1">
+                <a:solidFill>
+                  <a:schemeClr val="bg1"/>
+                </a:solidFill>
+              </a:rPr>
+              <a:t>TEAM</a:t>
+            </a:r>
+            <a:endParaRPr lang="de-AT" b="1">
+              <a:solidFill>
+                <a:schemeClr val="bg1"/>
+              </a:solidFill>
+            </a:endParaRPr>
+          </a:p>
+        </p:txBody>
+      </p:sp>
+      <p:grpSp>
+        <p:nvGrpSpPr>
+          <p:cNvPr id="12" name="Gruppieren 11">
+            <a:extLst>
+              <a:ext uri="{FF2B5EF4-FFF2-40B4-BE49-F238E27FC236}">
+                <a16:creationId xmlns:a16="http://schemas.microsoft.com/office/drawing/2014/main" id="{6E142C59-6A33-0DDF-D3B2-99A5718AC731}"/>
+              </a:ext>
+            </a:extLst>
+          </p:cNvPr>
+          <p:cNvGrpSpPr/>
+          <p:nvPr/>
+        </p:nvGrpSpPr>
+        <p:grpSpPr>
+          <a:xfrm>
+            <a:off x="349262" y="3094468"/>
+            <a:ext cx="1801255" cy="2269615"/>
+            <a:chOff x="1035255" y="2385358"/>
+            <a:chExt cx="1338861" cy="1732669"/>
+          </a:xfrm>
+        </p:grpSpPr>
+        <p:pic>
+          <p:nvPicPr>
+            <p:cNvPr id="9" name="Grafik 8" descr="Ein Bild, das Menschliches Gesicht, Person, Vorderkopf, Augenbraue enthält.&#10;&#10;KI-generierte Inhalte können fehlerhaft sein.">
+              <a:extLst>
+                <a:ext uri="{FF2B5EF4-FFF2-40B4-BE49-F238E27FC236}">
+                  <a16:creationId xmlns:a16="http://schemas.microsoft.com/office/drawing/2014/main" id="{D60ADBCD-12C2-85A6-7195-06E2704BDB5F}"/>
+                </a:ext>
+              </a:extLst>
+            </p:cNvPr>
+            <p:cNvPicPr>
+              <a:picLocks noChangeAspect="1"/>
+            </p:cNvPicPr>
+            <p:nvPr/>
+          </p:nvPicPr>
+          <p:blipFill>
+            <a:blip r:embed="rId2">
+              <a:extLst>
+                <a:ext uri="{28A0092B-C50C-407E-A947-70E740481C1C}">
+                  <a14:useLocalDpi xmlns:a14="http://schemas.microsoft.com/office/drawing/2010/main" val="0"/>
+                </a:ext>
+              </a:extLst>
+            </a:blip>
+            <a:srcRect l="12403" r="18103"/>
+            <a:stretch>
+              <a:fillRect/>
+            </a:stretch>
+          </p:blipFill>
+          <p:spPr>
+            <a:xfrm>
+              <a:off x="1308343" y="2385358"/>
+              <a:ext cx="792684" cy="1140627"/>
+            </a:xfrm>
+            <a:prstGeom prst="rect">
+              <a:avLst/>
+            </a:prstGeom>
+          </p:spPr>
+        </p:pic>
+        <p:sp>
+          <p:nvSpPr>
+            <p:cNvPr id="5" name="Textfeld 4">
+              <a:extLst>
+                <a:ext uri="{FF2B5EF4-FFF2-40B4-BE49-F238E27FC236}">
+                  <a16:creationId xmlns:a16="http://schemas.microsoft.com/office/drawing/2014/main" id="{9673097B-AEEC-63A1-CDDA-1E9F3C8F78D7}"/>
+                </a:ext>
+              </a:extLst>
+            </p:cNvPr>
+            <p:cNvSpPr txBox="1"/>
+            <p:nvPr/>
+          </p:nvSpPr>
+          <p:spPr>
+            <a:xfrm>
+              <a:off x="1035255" y="3624605"/>
+              <a:ext cx="1338861" cy="493422"/>
+            </a:xfrm>
+            <a:prstGeom prst="rect">
+              <a:avLst/>
+            </a:prstGeom>
+            <a:noFill/>
+          </p:spPr>
+          <p:txBody>
+            <a:bodyPr wrap="square" rtlCol="0">
+              <a:spAutoFit/>
+            </a:bodyPr>
+            <a:lstStyle/>
+            <a:p>
+              <a:pPr algn="ctr"/>
+              <a:r>
+                <a:rPr lang="de-DE" b="1">
+                  <a:solidFill>
+                    <a:schemeClr val="bg1"/>
+                  </a:solidFill>
+                </a:rPr>
+                <a:t>Stefan Ilic</a:t>
+              </a:r>
+              <a:br>
+                <a:rPr lang="de-DE" b="1">
+                  <a:solidFill>
+                    <a:schemeClr val="bg1"/>
+                  </a:solidFill>
+                </a:rPr>
+              </a:br>
+              <a:r>
+                <a:rPr lang="de-DE" b="1">
+                  <a:solidFill>
+                    <a:schemeClr val="bg1"/>
+                  </a:solidFill>
+                </a:rPr>
+                <a:t>Projektmitglied </a:t>
+              </a:r>
+              <a:endParaRPr lang="de-AT" b="1">
+                <a:solidFill>
+                  <a:schemeClr val="bg1"/>
+                </a:solidFill>
+              </a:endParaRPr>
+            </a:p>
+          </p:txBody>
+        </p:sp>
+      </p:grpSp>
+      <p:grpSp>
+        <p:nvGrpSpPr>
+          <p:cNvPr id="23" name="Gruppieren 22">
+            <a:extLst>
+              <a:ext uri="{FF2B5EF4-FFF2-40B4-BE49-F238E27FC236}">
+                <a16:creationId xmlns:a16="http://schemas.microsoft.com/office/drawing/2014/main" id="{CF34EE90-F483-826E-D274-E6A3B7640243}"/>
+              </a:ext>
+            </a:extLst>
+          </p:cNvPr>
+          <p:cNvGrpSpPr/>
+          <p:nvPr/>
+        </p:nvGrpSpPr>
+        <p:grpSpPr>
+          <a:xfrm>
+            <a:off x="2798302" y="3174976"/>
+            <a:ext cx="1801255" cy="2144145"/>
+            <a:chOff x="5678989" y="1337979"/>
+            <a:chExt cx="1801255" cy="2144145"/>
+          </a:xfrm>
+        </p:grpSpPr>
+        <p:sp>
+          <p:nvSpPr>
+            <p:cNvPr id="21" name="Textfeld 20">
+              <a:extLst>
+                <a:ext uri="{FF2B5EF4-FFF2-40B4-BE49-F238E27FC236}">
+                  <a16:creationId xmlns:a16="http://schemas.microsoft.com/office/drawing/2014/main" id="{7D5086F2-E4B7-77C4-2E77-B3D7246CD2DF}"/>
+                </a:ext>
+              </a:extLst>
+            </p:cNvPr>
+            <p:cNvSpPr txBox="1"/>
+            <p:nvPr/>
+          </p:nvSpPr>
+          <p:spPr>
+            <a:xfrm>
+              <a:off x="5678989" y="2835793"/>
+              <a:ext cx="1801255" cy="646331"/>
+            </a:xfrm>
+            <a:prstGeom prst="rect">
+              <a:avLst/>
+            </a:prstGeom>
+            <a:noFill/>
+          </p:spPr>
+          <p:txBody>
+            <a:bodyPr wrap="square" rtlCol="0">
+              <a:spAutoFit/>
+            </a:bodyPr>
+            <a:lstStyle/>
+            <a:p>
+              <a:pPr algn="ctr"/>
+              <a:r>
+                <a:rPr lang="de-DE" b="1">
+                  <a:solidFill>
+                    <a:schemeClr val="bg1"/>
+                  </a:solidFill>
+                </a:rPr>
+                <a:t>Ali Dadak</a:t>
+              </a:r>
+              <a:br>
+                <a:rPr lang="de-DE" b="1">
+                  <a:solidFill>
+                    <a:schemeClr val="bg1"/>
+                  </a:solidFill>
+                </a:rPr>
+              </a:br>
+              <a:r>
+                <a:rPr lang="de-DE" b="1">
+                  <a:solidFill>
+                    <a:schemeClr val="bg1"/>
+                  </a:solidFill>
+                </a:rPr>
+                <a:t>Projektleiter </a:t>
+              </a:r>
+              <a:endParaRPr lang="de-AT" b="1">
+                <a:solidFill>
+                  <a:schemeClr val="bg1"/>
+                </a:solidFill>
+              </a:endParaRPr>
+            </a:p>
+          </p:txBody>
+        </p:sp>
+        <p:pic>
+          <p:nvPicPr>
+            <p:cNvPr id="22" name="Grafik 21" descr="Ein Bild, das Menschliches Gesicht, Person, Kleidung, Porträt enthält.&#10;&#10;KI-generierte Inhalte können fehlerhaft sein.">
+              <a:extLst>
+                <a:ext uri="{FF2B5EF4-FFF2-40B4-BE49-F238E27FC236}">
+                  <a16:creationId xmlns:a16="http://schemas.microsoft.com/office/drawing/2014/main" id="{5247F74C-CB8D-61CB-AF01-B45B60A7AE75}"/>
+                </a:ext>
+              </a:extLst>
+            </p:cNvPr>
+            <p:cNvPicPr>
+              <a:picLocks noChangeAspect="1"/>
+            </p:cNvPicPr>
+            <p:nvPr/>
+          </p:nvPicPr>
+          <p:blipFill>
+            <a:blip r:embed="rId3">
+              <a:extLst>
+                <a:ext uri="{28A0092B-C50C-407E-A947-70E740481C1C}">
+                  <a14:useLocalDpi xmlns:a14="http://schemas.microsoft.com/office/drawing/2010/main" val="0"/>
+                </a:ext>
+              </a:extLst>
+            </a:blip>
+            <a:stretch>
+              <a:fillRect/>
+            </a:stretch>
+          </p:blipFill>
+          <p:spPr>
+            <a:xfrm>
+              <a:off x="5958332" y="1337979"/>
+              <a:ext cx="1242568" cy="1436307"/>
+            </a:xfrm>
+            <a:prstGeom prst="rect">
+              <a:avLst/>
+            </a:prstGeom>
+          </p:spPr>
+        </p:pic>
+      </p:grpSp>
+      <p:grpSp>
+        <p:nvGrpSpPr>
+          <p:cNvPr id="29" name="Gruppieren 28">
+            <a:extLst>
+              <a:ext uri="{FF2B5EF4-FFF2-40B4-BE49-F238E27FC236}">
+                <a16:creationId xmlns:a16="http://schemas.microsoft.com/office/drawing/2014/main" id="{333A5AC8-EEFB-966E-FD79-2AE8B47256E0}"/>
+              </a:ext>
+            </a:extLst>
+          </p:cNvPr>
+          <p:cNvGrpSpPr/>
+          <p:nvPr/>
+        </p:nvGrpSpPr>
+        <p:grpSpPr>
+          <a:xfrm>
+            <a:off x="6577255" y="2947513"/>
+            <a:ext cx="1885130" cy="2416570"/>
+            <a:chOff x="5806548" y="523049"/>
+            <a:chExt cx="1885130" cy="2416570"/>
+          </a:xfrm>
+        </p:grpSpPr>
+        <p:pic>
+          <p:nvPicPr>
+            <p:cNvPr id="11" name="Grafik 10" descr="Ein Bild, das Menschliches Gesicht, Person, Kleidung, Himmel enthält.&#10;&#10;KI-generierte Inhalte können fehlerhaft sein.">
+              <a:extLst>
+                <a:ext uri="{FF2B5EF4-FFF2-40B4-BE49-F238E27FC236}">
+                  <a16:creationId xmlns:a16="http://schemas.microsoft.com/office/drawing/2014/main" id="{F8AFDC43-9779-75F2-B1BE-7CEDFF7C36D4}"/>
+                </a:ext>
+              </a:extLst>
+            </p:cNvPr>
+            <p:cNvPicPr>
+              <a:picLocks noChangeAspect="1"/>
+            </p:cNvPicPr>
+            <p:nvPr/>
+          </p:nvPicPr>
+          <p:blipFill>
+            <a:blip r:embed="rId4">
+              <a:extLst>
+                <a:ext uri="{28A0092B-C50C-407E-A947-70E740481C1C}">
+                  <a14:useLocalDpi xmlns:a14="http://schemas.microsoft.com/office/drawing/2010/main" val="0"/>
+                </a:ext>
+              </a:extLst>
+            </a:blip>
+            <a:stretch>
+              <a:fillRect/>
+            </a:stretch>
+          </p:blipFill>
+          <p:spPr>
+            <a:xfrm>
+              <a:off x="6013568" y="821434"/>
+              <a:ext cx="1471090" cy="1436307"/>
+            </a:xfrm>
+            <a:prstGeom prst="rect">
+              <a:avLst/>
+            </a:prstGeom>
+          </p:spPr>
+        </p:pic>
+        <p:grpSp>
+          <p:nvGrpSpPr>
+            <p:cNvPr id="25" name="Gruppieren 24">
+              <a:extLst>
+                <a:ext uri="{FF2B5EF4-FFF2-40B4-BE49-F238E27FC236}">
+                  <a16:creationId xmlns:a16="http://schemas.microsoft.com/office/drawing/2014/main" id="{DFD192B3-1240-DE69-FE7D-841FC16C53B6}"/>
+                </a:ext>
+              </a:extLst>
+            </p:cNvPr>
+            <p:cNvGrpSpPr/>
+            <p:nvPr/>
+          </p:nvGrpSpPr>
+          <p:grpSpPr>
+            <a:xfrm>
+              <a:off x="5806548" y="523049"/>
+              <a:ext cx="1885130" cy="2416570"/>
+              <a:chOff x="921568" y="2781745"/>
+              <a:chExt cx="1885130" cy="2416570"/>
+            </a:xfrm>
+          </p:grpSpPr>
+          <p:sp>
+            <p:nvSpPr>
+              <p:cNvPr id="27" name="Textfeld 26">
+                <a:extLst>
+                  <a:ext uri="{FF2B5EF4-FFF2-40B4-BE49-F238E27FC236}">
+                    <a16:creationId xmlns:a16="http://schemas.microsoft.com/office/drawing/2014/main" id="{0F9A14FA-1E2C-6FFF-D0EF-F8501FD9CC73}"/>
+                  </a:ext>
+                </a:extLst>
+              </p:cNvPr>
+              <p:cNvSpPr txBox="1"/>
+              <p:nvPr/>
+            </p:nvSpPr>
+            <p:spPr>
+              <a:xfrm>
+                <a:off x="963505" y="4534210"/>
+                <a:ext cx="1801255" cy="646331"/>
+              </a:xfrm>
+              <a:prstGeom prst="rect">
+                <a:avLst/>
+              </a:prstGeom>
+              <a:noFill/>
+            </p:spPr>
+            <p:txBody>
+              <a:bodyPr wrap="square" rtlCol="0">
+                <a:spAutoFit/>
+              </a:bodyPr>
+              <a:lstStyle/>
+              <a:p>
+                <a:pPr algn="ctr"/>
+                <a:r>
+                  <a:rPr lang="de-DE" b="1"/>
+                  <a:t>Michael Leeb</a:t>
+                </a:r>
+                <a:br>
+                  <a:rPr lang="de-DE" b="1"/>
+                </a:br>
+                <a:r>
+                  <a:rPr lang="de-DE" b="1"/>
+                  <a:t>Auftraggeber </a:t>
+                </a:r>
+                <a:endParaRPr lang="de-AT" b="1"/>
+              </a:p>
+            </p:txBody>
+          </p:sp>
+          <p:sp>
+            <p:nvSpPr>
+              <p:cNvPr id="28" name="Rechteck: abgerundete Ecken 27">
+                <a:extLst>
+                  <a:ext uri="{FF2B5EF4-FFF2-40B4-BE49-F238E27FC236}">
+                    <a16:creationId xmlns:a16="http://schemas.microsoft.com/office/drawing/2014/main" id="{EDFD5625-A952-B86D-7174-D239D5868BD1}"/>
+                  </a:ext>
+                </a:extLst>
+              </p:cNvPr>
+              <p:cNvSpPr/>
+              <p:nvPr/>
+            </p:nvSpPr>
+            <p:spPr>
+              <a:xfrm>
+                <a:off x="921568" y="2781745"/>
+                <a:ext cx="1885130" cy="2416570"/>
+              </a:xfrm>
+              <a:prstGeom prst="roundRect">
+                <a:avLst/>
+              </a:prstGeom>
+              <a:noFill/>
+              <a:ln>
+                <a:solidFill>
+                  <a:schemeClr val="accent5">
+                    <a:lumMod val="75000"/>
+                  </a:schemeClr>
+                </a:solidFill>
+              </a:ln>
+              <a:effectLst>
+                <a:outerShdw blurRad="50800" dist="38100" dir="8100000" algn="tr" rotWithShape="0">
+                  <a:prstClr val="black">
+                    <a:alpha val="40000"/>
+                  </a:prstClr>
+                </a:outerShdw>
+              </a:effectLst>
+            </p:spPr>
+            <p:style>
+              <a:lnRef idx="2">
+                <a:schemeClr val="accent1">
+                  <a:shade val="15000"/>
+                </a:schemeClr>
+              </a:lnRef>
+              <a:fillRef idx="1">
+                <a:schemeClr val="accent1"/>
+              </a:fillRef>
+              <a:effectRef idx="0">
+                <a:schemeClr val="accent1"/>
+              </a:effectRef>
+              <a:fontRef idx="minor">
+                <a:schemeClr val="lt1"/>
+              </a:fontRef>
+            </p:style>
+            <p:txBody>
+              <a:bodyPr rtlCol="0" anchor="ctr"/>
+              <a:lstStyle/>
+              <a:p>
+                <a:pPr algn="ctr"/>
+                <a:endParaRPr lang="de-AT"/>
+              </a:p>
+            </p:txBody>
+          </p:sp>
+        </p:grpSp>
+      </p:grpSp>
+      <p:pic>
+        <p:nvPicPr>
+          <p:cNvPr id="3" name="Grafik 2">
+            <a:extLst>
+              <a:ext uri="{FF2B5EF4-FFF2-40B4-BE49-F238E27FC236}">
+                <a16:creationId xmlns:a16="http://schemas.microsoft.com/office/drawing/2014/main" id="{0485E6D3-6647-AA9D-8C4A-12846220C00E}"/>
+              </a:ext>
+            </a:extLst>
+          </p:cNvPr>
+          <p:cNvPicPr>
+            <a:picLocks noChangeAspect="1"/>
+          </p:cNvPicPr>
+          <p:nvPr/>
+        </p:nvPicPr>
+        <p:blipFill>
+          <a:blip r:embed="rId5">
+            <a:extLst>
+              <a:ext uri="{BEBA8EAE-BF5A-486C-A8C5-ECC9F3942E4B}">
+                <a14:imgProps xmlns:a14="http://schemas.microsoft.com/office/drawing/2010/main">
+                  <a14:imgLayer r:embed="rId6">
+                    <a14:imgEffect>
+                      <a14:backgroundRemoval t="5426" b="93411" l="6038" r="91321">
+                        <a14:foregroundMark x1="30189" y1="54651" x2="56604" y2="43798"/>
+                        <a14:foregroundMark x1="56604" y1="43798" x2="36226" y2="51938"/>
+                        <a14:foregroundMark x1="36226" y1="51938" x2="30943" y2="51163"/>
+                        <a14:foregroundMark x1="7170" y1="18605" x2="30566" y2="4651"/>
+                        <a14:foregroundMark x1="30566" y1="4651" x2="86792" y2="13953"/>
+                        <a14:foregroundMark x1="86792" y1="13953" x2="91321" y2="41085"/>
+                        <a14:foregroundMark x1="91321" y1="41085" x2="84906" y2="82558"/>
+                        <a14:foregroundMark x1="84906" y1="82558" x2="67170" y2="93411"/>
+                        <a14:foregroundMark x1="67170" y1="93411" x2="29811" y2="92248"/>
+                        <a14:foregroundMark x1="29811" y1="92248" x2="6792" y2="39922"/>
+                        <a14:foregroundMark x1="6792" y1="39922" x2="8679" y2="15891"/>
+                        <a14:foregroundMark x1="10189" y1="48062" x2="38491" y2="45736"/>
+                        <a14:foregroundMark x1="38491" y1="45736" x2="10566" y2="51163"/>
+                        <a14:foregroundMark x1="10566" y1="51163" x2="7925" y2="46899"/>
+                        <a14:foregroundMark x1="5660" y1="52326" x2="5660" y2="72093"/>
+                        <a14:foregroundMark x1="5660" y1="72093" x2="15094" y2="90310"/>
+                        <a14:foregroundMark x1="15094" y1="90310" x2="34340" y2="91860"/>
+                        <a14:foregroundMark x1="34340" y1="91860" x2="36226" y2="90698"/>
+                        <a14:foregroundMark x1="22264" y1="94186" x2="46038" y2="93798"/>
+                        <a14:foregroundMark x1="46038" y1="93798" x2="69811" y2="94186"/>
+                        <a14:foregroundMark x1="69811" y1="94186" x2="78491" y2="94186"/>
+                        <a14:foregroundMark x1="43396" y1="93798" x2="25660" y2="74031"/>
+                        <a14:foregroundMark x1="25660" y1="74031" x2="41509" y2="62403"/>
+                        <a14:foregroundMark x1="41509" y1="62403" x2="63774" y2="73643"/>
+                        <a14:foregroundMark x1="63774" y1="73643" x2="47925" y2="92248"/>
+                        <a14:foregroundMark x1="47925" y1="92248" x2="42642" y2="93411"/>
+                        <a14:foregroundMark x1="69811" y1="76744" x2="62264" y2="46512"/>
+                        <a14:foregroundMark x1="62264" y1="46512" x2="76226" y2="31783"/>
+                        <a14:foregroundMark x1="76226" y1="31783" x2="91321" y2="50000"/>
+                        <a14:foregroundMark x1="91321" y1="50000" x2="81887" y2="66667"/>
+                        <a14:foregroundMark x1="81887" y1="66667" x2="67547" y2="74806"/>
+                        <a14:foregroundMark x1="29811" y1="58140" x2="13962" y2="38372"/>
+                        <a14:foregroundMark x1="13962" y1="38372" x2="20000" y2="12791"/>
+                        <a14:foregroundMark x1="20000" y1="12791" x2="39245" y2="12016"/>
+                        <a14:foregroundMark x1="39245" y1="12016" x2="54340" y2="27907"/>
+                        <a14:foregroundMark x1="54340" y1="27907" x2="50189" y2="50388"/>
+                        <a14:foregroundMark x1="50189" y1="50388" x2="30189" y2="58527"/>
+                        <a14:foregroundMark x1="30189" y1="58527" x2="27925" y2="57752"/>
+                        <a14:foregroundMark x1="16604" y1="8915" x2="56604" y2="4651"/>
+                        <a14:foregroundMark x1="56604" y1="4651" x2="78113" y2="5426"/>
+                        <a14:foregroundMark x1="78113" y1="5426" x2="82642" y2="9690"/>
+                        <a14:backgroundMark x1="2642" y1="10853" x2="6792" y2="2326"/>
+                        <a14:backgroundMark x1="2264" y1="9302" x2="10566" y2="3101"/>
+                        <a14:backgroundMark x1="10625" y1="10225" x2="18491" y2="1938"/>
+                        <a14:backgroundMark x1="3774" y1="17442" x2="10409" y2="10452"/>
+                        <a14:backgroundMark x1="18491" y1="1938" x2="23774" y2="0"/>
+                        <a14:backgroundMark x1="3019" y1="8140" x2="3774" y2="5814"/>
+                      </a14:backgroundRemoval>
+                    </a14:imgEffect>
+                  </a14:imgLayer>
+                </a14:imgProps>
+              </a:ext>
+            </a:extLst>
+          </a:blip>
+          <a:stretch>
+            <a:fillRect/>
+          </a:stretch>
+        </p:blipFill>
+        <p:spPr>
+          <a:xfrm>
+            <a:off x="2150517" y="1043662"/>
+            <a:ext cx="1180565" cy="1149380"/>
+          </a:xfrm>
+          <a:prstGeom prst="rect">
+            <a:avLst/>
+          </a:prstGeom>
+        </p:spPr>
+      </p:pic>
+      <p:sp>
+        <p:nvSpPr>
+          <p:cNvPr id="6" name="Rechteck 5">
+            <a:extLst>
+              <a:ext uri="{FF2B5EF4-FFF2-40B4-BE49-F238E27FC236}">
+                <a16:creationId xmlns:a16="http://schemas.microsoft.com/office/drawing/2014/main" id="{62B40E9B-A2CE-C57A-B45A-FDA807883351}"/>
+              </a:ext>
+            </a:extLst>
+          </p:cNvPr>
+          <p:cNvSpPr/>
+          <p:nvPr/>
+        </p:nvSpPr>
+        <p:spPr>
+          <a:xfrm rot="2036743">
+            <a:off x="4210583" y="8878555"/>
+            <a:ext cx="6038850" cy="10537401"/>
+          </a:xfrm>
+          <a:prstGeom prst="rect">
+            <a:avLst/>
+          </a:prstGeom>
+          <a:solidFill>
+            <a:srgbClr val="7030A0"/>
+          </a:solidFill>
+          <a:ln>
+            <a:solidFill>
+              <a:srgbClr val="7030A0"/>
+            </a:solidFill>
+          </a:ln>
+        </p:spPr>
+        <p:style>
+          <a:lnRef idx="2">
+            <a:schemeClr val="accent1">
+              <a:shade val="15000"/>
+            </a:schemeClr>
+          </a:lnRef>
+          <a:fillRef idx="1">
+            <a:schemeClr val="accent1"/>
+          </a:fillRef>
+          <a:effectRef idx="0">
+            <a:schemeClr val="accent1"/>
+          </a:effectRef>
+          <a:fontRef idx="minor">
+            <a:schemeClr val="lt1"/>
+          </a:fontRef>
+        </p:style>
+        <p:txBody>
+          <a:bodyPr vert="vert270" rtlCol="0" anchor="ctr"/>
+          <a:lstStyle/>
+          <a:p>
+            <a:pPr algn="ctr"/>
+            <a:r>
+              <a:rPr lang="de-DE" sz="5400" b="1"/>
+              <a:t>STALI</a:t>
+            </a:r>
+            <a:endParaRPr lang="de-AT" b="1"/>
+          </a:p>
+        </p:txBody>
+      </p:sp>
+      <p:pic>
+        <p:nvPicPr>
+          <p:cNvPr id="7" name="Grafik 6">
+            <a:extLst>
+              <a:ext uri="{FF2B5EF4-FFF2-40B4-BE49-F238E27FC236}">
+                <a16:creationId xmlns:a16="http://schemas.microsoft.com/office/drawing/2014/main" id="{FEE64E96-124A-EF0F-F7E1-2C0475A764D9}"/>
+              </a:ext>
+            </a:extLst>
+          </p:cNvPr>
+          <p:cNvPicPr>
+            <a:picLocks noChangeAspect="1"/>
+          </p:cNvPicPr>
+          <p:nvPr/>
+        </p:nvPicPr>
+        <p:blipFill>
+          <a:blip r:embed="rId5">
+            <a:extLst>
+              <a:ext uri="{BEBA8EAE-BF5A-486C-A8C5-ECC9F3942E4B}">
+                <a14:imgProps xmlns:a14="http://schemas.microsoft.com/office/drawing/2010/main">
+                  <a14:imgLayer r:embed="rId6">
+                    <a14:imgEffect>
+                      <a14:backgroundRemoval t="5426" b="93411" l="6038" r="91321">
+                        <a14:foregroundMark x1="30189" y1="54651" x2="56604" y2="43798"/>
+                        <a14:foregroundMark x1="56604" y1="43798" x2="36226" y2="51938"/>
+                        <a14:foregroundMark x1="36226" y1="51938" x2="30943" y2="51163"/>
+                        <a14:foregroundMark x1="7170" y1="18605" x2="30566" y2="4651"/>
+                        <a14:foregroundMark x1="30566" y1="4651" x2="86792" y2="13953"/>
+                        <a14:foregroundMark x1="86792" y1="13953" x2="91321" y2="41085"/>
+                        <a14:foregroundMark x1="91321" y1="41085" x2="84906" y2="82558"/>
+                        <a14:foregroundMark x1="84906" y1="82558" x2="67170" y2="93411"/>
+                        <a14:foregroundMark x1="67170" y1="93411" x2="29811" y2="92248"/>
+                        <a14:foregroundMark x1="29811" y1="92248" x2="6792" y2="39922"/>
+                        <a14:foregroundMark x1="6792" y1="39922" x2="8679" y2="15891"/>
+                        <a14:foregroundMark x1="10189" y1="48062" x2="38491" y2="45736"/>
+                        <a14:foregroundMark x1="38491" y1="45736" x2="10566" y2="51163"/>
+                        <a14:foregroundMark x1="10566" y1="51163" x2="7925" y2="46899"/>
+                        <a14:foregroundMark x1="5660" y1="52326" x2="5660" y2="72093"/>
+                        <a14:foregroundMark x1="5660" y1="72093" x2="15094" y2="90310"/>
+                        <a14:foregroundMark x1="15094" y1="90310" x2="34340" y2="91860"/>
+                        <a14:foregroundMark x1="34340" y1="91860" x2="36226" y2="90698"/>
+                        <a14:foregroundMark x1="22264" y1="94186" x2="46038" y2="93798"/>
+                        <a14:foregroundMark x1="46038" y1="93798" x2="69811" y2="94186"/>
+                        <a14:foregroundMark x1="69811" y1="94186" x2="78491" y2="94186"/>
+                        <a14:foregroundMark x1="43396" y1="93798" x2="25660" y2="74031"/>
+                        <a14:foregroundMark x1="25660" y1="74031" x2="41509" y2="62403"/>
+                        <a14:foregroundMark x1="41509" y1="62403" x2="63774" y2="73643"/>
+                        <a14:foregroundMark x1="63774" y1="73643" x2="47925" y2="92248"/>
+                        <a14:foregroundMark x1="47925" y1="92248" x2="42642" y2="93411"/>
+                        <a14:foregroundMark x1="69811" y1="76744" x2="62264" y2="46512"/>
+                        <a14:foregroundMark x1="62264" y1="46512" x2="76226" y2="31783"/>
+                        <a14:foregroundMark x1="76226" y1="31783" x2="91321" y2="50000"/>
+                        <a14:foregroundMark x1="91321" y1="50000" x2="81887" y2="66667"/>
+                        <a14:foregroundMark x1="81887" y1="66667" x2="67547" y2="74806"/>
+                        <a14:foregroundMark x1="29811" y1="58140" x2="13962" y2="38372"/>
+                        <a14:foregroundMark x1="13962" y1="38372" x2="20000" y2="12791"/>
+                        <a14:foregroundMark x1="20000" y1="12791" x2="39245" y2="12016"/>
+                        <a14:foregroundMark x1="39245" y1="12016" x2="54340" y2="27907"/>
+                        <a14:foregroundMark x1="54340" y1="27907" x2="50189" y2="50388"/>
+                        <a14:foregroundMark x1="50189" y1="50388" x2="30189" y2="58527"/>
+                        <a14:foregroundMark x1="30189" y1="58527" x2="27925" y2="57752"/>
+                        <a14:foregroundMark x1="16604" y1="8915" x2="56604" y2="4651"/>
+                        <a14:foregroundMark x1="56604" y1="4651" x2="78113" y2="5426"/>
+                        <a14:foregroundMark x1="78113" y1="5426" x2="82642" y2="9690"/>
+                        <a14:backgroundMark x1="2642" y1="10853" x2="6792" y2="2326"/>
+                        <a14:backgroundMark x1="2264" y1="9302" x2="10566" y2="3101"/>
+                        <a14:backgroundMark x1="10625" y1="10225" x2="18491" y2="1938"/>
+                        <a14:backgroundMark x1="3774" y1="17442" x2="10409" y2="10452"/>
+                        <a14:backgroundMark x1="18491" y1="1938" x2="23774" y2="0"/>
+                        <a14:backgroundMark x1="3019" y1="8140" x2="3774" y2="5814"/>
+                      </a14:backgroundRemoval>
+                    </a14:imgEffect>
+                  </a14:imgLayer>
+                </a14:imgProps>
+              </a:ext>
+            </a:extLst>
+          </a:blip>
+          <a:stretch>
+            <a:fillRect/>
+          </a:stretch>
+        </p:blipFill>
+        <p:spPr>
+          <a:xfrm rot="18259666">
+            <a:off x="7466694" y="11506443"/>
+            <a:ext cx="1991384" cy="1938781"/>
+          </a:xfrm>
+          <a:prstGeom prst="rect">
+            <a:avLst/>
+          </a:prstGeom>
+        </p:spPr>
+      </p:pic>
+    </p:spTree>
+    <p:extLst>
+      <p:ext uri="{BB962C8B-B14F-4D97-AF65-F5344CB8AC3E}">
+        <p14:creationId xmlns:p14="http://schemas.microsoft.com/office/powerpoint/2010/main" val="3616559842"/>
+      </p:ext>
+    </p:extLst>
+  </p:cSld>
+  <p:clrMapOvr>
+    <a:masterClrMapping/>
+  </p:clrMapOvr>
+  <p:transition spd="slow">
+    <p:push dir="u"/>
+  </p:transition>
+</p:sld>
+</file>
+
+<file path=ppt/slides/slide3.xml><?xml version="1.0" encoding="utf-8"?>
+<p:sld xmlns:a="http://schemas.openxmlformats.org/drawingml/2006/main" xmlns:r="http://schemas.openxmlformats.org/officeDocument/2006/relationships" xmlns:p="http://schemas.openxmlformats.org/presentationml/2006/main">
+  <p:cSld>
+    <p:spTree>
+      <p:nvGrpSpPr>
+        <p:cNvPr id="1" name=""/>
+        <p:cNvGrpSpPr/>
+        <p:nvPr/>
+      </p:nvGrpSpPr>
+      <p:grpSpPr>
+        <a:xfrm>
+          <a:off x="0" y="0"/>
+          <a:ext cx="0" cy="0"/>
+          <a:chOff x="0" y="0"/>
+          <a:chExt cx="0" cy="0"/>
+        </a:xfrm>
+      </p:grpSpPr>
+      <p:sp>
+        <p:nvSpPr>
+          <p:cNvPr id="2" name="Titel 1">
+            <a:extLst>
+              <a:ext uri="{FF2B5EF4-FFF2-40B4-BE49-F238E27FC236}">
+                <a16:creationId xmlns:a16="http://schemas.microsoft.com/office/drawing/2014/main" id="{5EE5C2B8-E185-F3B8-8ED1-03E1AE6778DA}"/>
+              </a:ext>
+            </a:extLst>
+          </p:cNvPr>
+          <p:cNvSpPr>
+            <a:spLocks noGrp="1"/>
+          </p:cNvSpPr>
+          <p:nvPr>
+            <p:ph type="title"/>
+          </p:nvPr>
+        </p:nvSpPr>
+        <p:spPr>
+          <a:xfrm>
+            <a:off x="266700" y="1594373"/>
+            <a:ext cx="10515600" cy="1325563"/>
+          </a:xfrm>
+        </p:spPr>
+        <p:txBody>
+          <a:bodyPr/>
+          <a:lstStyle/>
+          <a:p>
+            <a:r>
+              <a:rPr lang="de-DE" b="1"/>
+              <a:t>WAS IST STALI?</a:t>
+            </a:r>
+            <a:endParaRPr lang="de-AT" b="1"/>
+          </a:p>
+        </p:txBody>
+      </p:sp>
+      <p:grpSp>
+        <p:nvGrpSpPr>
+          <p:cNvPr id="7" name="Gruppieren 6">
+            <a:extLst>
+              <a:ext uri="{FF2B5EF4-FFF2-40B4-BE49-F238E27FC236}">
+                <a16:creationId xmlns:a16="http://schemas.microsoft.com/office/drawing/2014/main" id="{74FEE892-4287-D4EF-B95A-95FC988C0CA6}"/>
+              </a:ext>
+            </a:extLst>
+          </p:cNvPr>
+          <p:cNvGrpSpPr/>
+          <p:nvPr/>
+        </p:nvGrpSpPr>
+        <p:grpSpPr>
+          <a:xfrm>
+            <a:off x="266700" y="2919936"/>
+            <a:ext cx="5448300" cy="2700337"/>
+            <a:chOff x="590550" y="1990725"/>
+            <a:chExt cx="5448300" cy="2700337"/>
+          </a:xfrm>
+        </p:grpSpPr>
+        <p:sp>
+          <p:nvSpPr>
+            <p:cNvPr id="3" name="Rechteck: abgerundete Ecken 2">
+              <a:extLst>
+                <a:ext uri="{FF2B5EF4-FFF2-40B4-BE49-F238E27FC236}">
+                  <a16:creationId xmlns:a16="http://schemas.microsoft.com/office/drawing/2014/main" id="{2A5140C2-F788-5D80-0157-07D6BF8A15C9}"/>
+                </a:ext>
+              </a:extLst>
+            </p:cNvPr>
+            <p:cNvSpPr/>
+            <p:nvPr/>
+          </p:nvSpPr>
+          <p:spPr>
+            <a:xfrm>
+              <a:off x="590550" y="1990725"/>
+              <a:ext cx="2571750" cy="1200150"/>
+            </a:xfrm>
+            <a:prstGeom prst="roundRect">
+              <a:avLst/>
+            </a:prstGeom>
+            <a:solidFill>
+              <a:srgbClr val="7030A0"/>
+            </a:solidFill>
+            <a:ln>
+              <a:solidFill>
+                <a:srgbClr val="7030A0"/>
+              </a:solidFill>
+            </a:ln>
+          </p:spPr>
+          <p:style>
+            <a:lnRef idx="2">
+              <a:schemeClr val="accent1">
+                <a:shade val="15000"/>
+              </a:schemeClr>
+            </a:lnRef>
+            <a:fillRef idx="1">
+              <a:schemeClr val="accent1"/>
+            </a:fillRef>
+            <a:effectRef idx="0">
+              <a:schemeClr val="accent1"/>
+            </a:effectRef>
+            <a:fontRef idx="minor">
+              <a:schemeClr val="lt1"/>
+            </a:fontRef>
+          </p:style>
+          <p:txBody>
+            <a:bodyPr rtlCol="0" anchor="ctr"/>
+            <a:lstStyle/>
+            <a:p>
+              <a:pPr algn="ctr"/>
+              <a:r>
+                <a:rPr lang="de-AT" b="1"/>
+                <a:t>Online-Plattform für PCs &amp; PC-Teile</a:t>
+              </a:r>
+            </a:p>
+          </p:txBody>
+        </p:sp>
+        <p:sp>
+          <p:nvSpPr>
+            <p:cNvPr id="4" name="Rechteck: abgerundete Ecken 3">
+              <a:extLst>
+                <a:ext uri="{FF2B5EF4-FFF2-40B4-BE49-F238E27FC236}">
+                  <a16:creationId xmlns:a16="http://schemas.microsoft.com/office/drawing/2014/main" id="{F1DE0ABD-84FB-3798-C157-00C94BD576C4}"/>
+                </a:ext>
+              </a:extLst>
+            </p:cNvPr>
+            <p:cNvSpPr/>
+            <p:nvPr/>
+          </p:nvSpPr>
+          <p:spPr>
+            <a:xfrm>
+              <a:off x="3467100" y="1990725"/>
+              <a:ext cx="2571750" cy="1200150"/>
+            </a:xfrm>
+            <a:prstGeom prst="roundRect">
+              <a:avLst/>
+            </a:prstGeom>
+            <a:solidFill>
+              <a:srgbClr val="7030A0"/>
+            </a:solidFill>
+            <a:ln>
+              <a:solidFill>
+                <a:srgbClr val="7030A0"/>
+              </a:solidFill>
+            </a:ln>
+          </p:spPr>
+          <p:style>
+            <a:lnRef idx="2">
+              <a:schemeClr val="accent1">
+                <a:shade val="15000"/>
+              </a:schemeClr>
+            </a:lnRef>
+            <a:fillRef idx="1">
+              <a:schemeClr val="accent1"/>
+            </a:fillRef>
+            <a:effectRef idx="0">
+              <a:schemeClr val="accent1"/>
+            </a:effectRef>
+            <a:fontRef idx="minor">
+              <a:schemeClr val="lt1"/>
+            </a:fontRef>
+          </p:style>
+          <p:txBody>
+            <a:bodyPr rtlCol="0" anchor="ctr"/>
+            <a:lstStyle/>
+            <a:p>
+              <a:pPr algn="ctr"/>
+              <a:r>
+                <a:rPr lang="de-AT" b="1"/>
+                <a:t>Community-Marktplatz</a:t>
+              </a:r>
+              <a:endParaRPr lang="de-AT"/>
+            </a:p>
+          </p:txBody>
+        </p:sp>
+        <p:sp>
+          <p:nvSpPr>
+            <p:cNvPr id="5" name="Rechteck: abgerundete Ecken 4">
+              <a:extLst>
+                <a:ext uri="{FF2B5EF4-FFF2-40B4-BE49-F238E27FC236}">
+                  <a16:creationId xmlns:a16="http://schemas.microsoft.com/office/drawing/2014/main" id="{16729E08-5D2C-FF03-0E29-873277C8F4FC}"/>
+                </a:ext>
+              </a:extLst>
+            </p:cNvPr>
+            <p:cNvSpPr/>
+            <p:nvPr/>
+          </p:nvSpPr>
+          <p:spPr>
+            <a:xfrm>
+              <a:off x="590550" y="3429000"/>
+              <a:ext cx="2571750" cy="1200150"/>
+            </a:xfrm>
+            <a:prstGeom prst="roundRect">
+              <a:avLst/>
+            </a:prstGeom>
+            <a:solidFill>
+              <a:srgbClr val="7030A0"/>
+            </a:solidFill>
+            <a:ln>
+              <a:solidFill>
+                <a:srgbClr val="7030A0"/>
+              </a:solidFill>
+            </a:ln>
+          </p:spPr>
+          <p:style>
+            <a:lnRef idx="2">
+              <a:schemeClr val="accent1">
+                <a:shade val="15000"/>
+              </a:schemeClr>
+            </a:lnRef>
+            <a:fillRef idx="1">
+              <a:schemeClr val="accent1"/>
+            </a:fillRef>
+            <a:effectRef idx="0">
+              <a:schemeClr val="accent1"/>
+            </a:effectRef>
+            <a:fontRef idx="minor">
+              <a:schemeClr val="lt1"/>
+            </a:fontRef>
+          </p:style>
+          <p:txBody>
+            <a:bodyPr rtlCol="0" anchor="ctr"/>
+            <a:lstStyle/>
+            <a:p>
+              <a:pPr algn="ctr"/>
+              <a:r>
+                <a:rPr lang="de-AT" b="1"/>
+                <a:t>Fokus auf Gaming </a:t>
+              </a:r>
+            </a:p>
+          </p:txBody>
+        </p:sp>
+        <p:sp>
+          <p:nvSpPr>
+            <p:cNvPr id="6" name="Rechteck: abgerundete Ecken 5">
+              <a:extLst>
+                <a:ext uri="{FF2B5EF4-FFF2-40B4-BE49-F238E27FC236}">
+                  <a16:creationId xmlns:a16="http://schemas.microsoft.com/office/drawing/2014/main" id="{BF163A80-A7FA-F76F-77EA-3574E609B75E}"/>
+                </a:ext>
+              </a:extLst>
+            </p:cNvPr>
+            <p:cNvSpPr/>
+            <p:nvPr/>
+          </p:nvSpPr>
+          <p:spPr>
+            <a:xfrm>
+              <a:off x="3467100" y="3490912"/>
+              <a:ext cx="2571750" cy="1200150"/>
+            </a:xfrm>
+            <a:prstGeom prst="roundRect">
+              <a:avLst/>
+            </a:prstGeom>
+            <a:solidFill>
+              <a:srgbClr val="7030A0"/>
+            </a:solidFill>
+            <a:ln>
+              <a:solidFill>
+                <a:srgbClr val="7030A0"/>
+              </a:solidFill>
+            </a:ln>
+          </p:spPr>
+          <p:style>
+            <a:lnRef idx="2">
+              <a:schemeClr val="accent1">
+                <a:shade val="15000"/>
+              </a:schemeClr>
+            </a:lnRef>
+            <a:fillRef idx="1">
+              <a:schemeClr val="accent1"/>
+            </a:fillRef>
+            <a:effectRef idx="0">
+              <a:schemeClr val="accent1"/>
+            </a:effectRef>
+            <a:fontRef idx="minor">
+              <a:schemeClr val="lt1"/>
+            </a:fontRef>
+          </p:style>
+          <p:txBody>
+            <a:bodyPr rtlCol="0" anchor="ctr"/>
+            <a:lstStyle/>
+            <a:p>
+              <a:pPr algn="ctr"/>
+              <a:r>
+                <a:rPr lang="de-AT" b="1"/>
+                <a:t>Filter &amp; Suchfunktionen</a:t>
+              </a:r>
+            </a:p>
+          </p:txBody>
+        </p:sp>
+      </p:grpSp>
+      <p:sp>
+        <p:nvSpPr>
+          <p:cNvPr id="8" name="Rechteck 7">
+            <a:extLst>
+              <a:ext uri="{FF2B5EF4-FFF2-40B4-BE49-F238E27FC236}">
+                <a16:creationId xmlns:a16="http://schemas.microsoft.com/office/drawing/2014/main" id="{BF1F02A8-E368-DF3E-E2C0-99DF0F7FBEEB}"/>
+              </a:ext>
+            </a:extLst>
+          </p:cNvPr>
+          <p:cNvSpPr/>
+          <p:nvPr/>
+        </p:nvSpPr>
+        <p:spPr>
+          <a:xfrm rot="2036743">
+            <a:off x="7209020" y="-310415"/>
+            <a:ext cx="6038850" cy="10537401"/>
+          </a:xfrm>
+          <a:prstGeom prst="rect">
+            <a:avLst/>
+          </a:prstGeom>
+          <a:solidFill>
+            <a:srgbClr val="7030A0"/>
+          </a:solidFill>
+          <a:ln>
+            <a:solidFill>
+              <a:srgbClr val="7030A0"/>
+            </a:solidFill>
+          </a:ln>
+        </p:spPr>
+        <p:style>
+          <a:lnRef idx="2">
+            <a:schemeClr val="accent1">
+              <a:shade val="15000"/>
+            </a:schemeClr>
+          </a:lnRef>
+          <a:fillRef idx="1">
+            <a:schemeClr val="accent1"/>
+          </a:fillRef>
+          <a:effectRef idx="0">
+            <a:schemeClr val="accent1"/>
+          </a:effectRef>
+          <a:fontRef idx="minor">
+            <a:schemeClr val="lt1"/>
+          </a:fontRef>
+        </p:style>
+        <p:txBody>
+          <a:bodyPr vert="vert270" rtlCol="0" anchor="ctr"/>
+          <a:lstStyle/>
+          <a:p>
+            <a:pPr algn="ctr"/>
+            <a:r>
+              <a:rPr lang="de-DE" sz="5400" b="1"/>
+              <a:t>STALI</a:t>
+            </a:r>
+            <a:endParaRPr lang="de-AT" b="1"/>
+          </a:p>
+        </p:txBody>
+      </p:sp>
+      <p:pic>
+        <p:nvPicPr>
+          <p:cNvPr id="9" name="Grafik 8">
+            <a:extLst>
+              <a:ext uri="{FF2B5EF4-FFF2-40B4-BE49-F238E27FC236}">
+                <a16:creationId xmlns:a16="http://schemas.microsoft.com/office/drawing/2014/main" id="{A6CCDC6D-BC40-EB4E-2637-90DD538D6F72}"/>
+              </a:ext>
+            </a:extLst>
+          </p:cNvPr>
+          <p:cNvPicPr>
+            <a:picLocks noChangeAspect="1"/>
+          </p:cNvPicPr>
+          <p:nvPr/>
+        </p:nvPicPr>
+        <p:blipFill>
+          <a:blip r:embed="rId2">
+            <a:extLst>
+              <a:ext uri="{BEBA8EAE-BF5A-486C-A8C5-ECC9F3942E4B}">
+                <a14:imgProps xmlns:a14="http://schemas.microsoft.com/office/drawing/2010/main">
+                  <a14:imgLayer r:embed="rId3">
+                    <a14:imgEffect>
+                      <a14:backgroundRemoval t="5426" b="93411" l="6038" r="91321">
+                        <a14:foregroundMark x1="30189" y1="54651" x2="56604" y2="43798"/>
+                        <a14:foregroundMark x1="56604" y1="43798" x2="36226" y2="51938"/>
+                        <a14:foregroundMark x1="36226" y1="51938" x2="30943" y2="51163"/>
+                        <a14:foregroundMark x1="7170" y1="18605" x2="30566" y2="4651"/>
+                        <a14:foregroundMark x1="30566" y1="4651" x2="86792" y2="13953"/>
+                        <a14:foregroundMark x1="86792" y1="13953" x2="91321" y2="41085"/>
+                        <a14:foregroundMark x1="91321" y1="41085" x2="84906" y2="82558"/>
+                        <a14:foregroundMark x1="84906" y1="82558" x2="67170" y2="93411"/>
+                        <a14:foregroundMark x1="67170" y1="93411" x2="29811" y2="92248"/>
+                        <a14:foregroundMark x1="29811" y1="92248" x2="6792" y2="39922"/>
+                        <a14:foregroundMark x1="6792" y1="39922" x2="8679" y2="15891"/>
+                        <a14:foregroundMark x1="10189" y1="48062" x2="38491" y2="45736"/>
+                        <a14:foregroundMark x1="38491" y1="45736" x2="10566" y2="51163"/>
+                        <a14:foregroundMark x1="10566" y1="51163" x2="7925" y2="46899"/>
+                        <a14:foregroundMark x1="5660" y1="52326" x2="5660" y2="72093"/>
+                        <a14:foregroundMark x1="5660" y1="72093" x2="15094" y2="90310"/>
+                        <a14:foregroundMark x1="15094" y1="90310" x2="34340" y2="91860"/>
+                        <a14:foregroundMark x1="34340" y1="91860" x2="36226" y2="90698"/>
+                        <a14:foregroundMark x1="22264" y1="94186" x2="46038" y2="93798"/>
+                        <a14:foregroundMark x1="46038" y1="93798" x2="69811" y2="94186"/>
+                        <a14:foregroundMark x1="69811" y1="94186" x2="78491" y2="94186"/>
+                        <a14:foregroundMark x1="43396" y1="93798" x2="25660" y2="74031"/>
+                        <a14:foregroundMark x1="25660" y1="74031" x2="41509" y2="62403"/>
+                        <a14:foregroundMark x1="41509" y1="62403" x2="63774" y2="73643"/>
+                        <a14:foregroundMark x1="63774" y1="73643" x2="47925" y2="92248"/>
+                        <a14:foregroundMark x1="47925" y1="92248" x2="42642" y2="93411"/>
+                        <a14:foregroundMark x1="69811" y1="76744" x2="62264" y2="46512"/>
+                        <a14:foregroundMark x1="62264" y1="46512" x2="76226" y2="31783"/>
+                        <a14:foregroundMark x1="76226" y1="31783" x2="91321" y2="50000"/>
+                        <a14:foregroundMark x1="91321" y1="50000" x2="81887" y2="66667"/>
+                        <a14:foregroundMark x1="81887" y1="66667" x2="67547" y2="74806"/>
+                        <a14:foregroundMark x1="29811" y1="58140" x2="13962" y2="38372"/>
+                        <a14:foregroundMark x1="13962" y1="38372" x2="20000" y2="12791"/>
+                        <a14:foregroundMark x1="20000" y1="12791" x2="39245" y2="12016"/>
+                        <a14:foregroundMark x1="39245" y1="12016" x2="54340" y2="27907"/>
+                        <a14:foregroundMark x1="54340" y1="27907" x2="50189" y2="50388"/>
+                        <a14:foregroundMark x1="50189" y1="50388" x2="30189" y2="58527"/>
+                        <a14:foregroundMark x1="30189" y1="58527" x2="27925" y2="57752"/>
+                        <a14:foregroundMark x1="16604" y1="8915" x2="56604" y2="4651"/>
+                        <a14:foregroundMark x1="56604" y1="4651" x2="78113" y2="5426"/>
+                        <a14:foregroundMark x1="78113" y1="5426" x2="82642" y2="9690"/>
+                        <a14:backgroundMark x1="2642" y1="10853" x2="6792" y2="2326"/>
+                        <a14:backgroundMark x1="2264" y1="9302" x2="10566" y2="3101"/>
+                        <a14:backgroundMark x1="10625" y1="10225" x2="18491" y2="1938"/>
+                        <a14:backgroundMark x1="3774" y1="17442" x2="10409" y2="10452"/>
+                        <a14:backgroundMark x1="18491" y1="1938" x2="23774" y2="0"/>
+                        <a14:backgroundMark x1="3019" y1="8140" x2="3774" y2="5814"/>
+                      </a14:backgroundRemoval>
+                    </a14:imgEffect>
+                  </a14:imgLayer>
+                </a14:imgProps>
+              </a:ext>
+            </a:extLst>
+          </a:blip>
+          <a:stretch>
+            <a:fillRect/>
+          </a:stretch>
+        </p:blipFill>
+        <p:spPr>
+          <a:xfrm rot="18259666">
+            <a:off x="10767716" y="1405003"/>
+            <a:ext cx="1991384" cy="1938781"/>
+          </a:xfrm>
+          <a:prstGeom prst="rect">
+            <a:avLst/>
+          </a:prstGeom>
+        </p:spPr>
+      </p:pic>
+    </p:spTree>
+    <p:extLst>
+      <p:ext uri="{BB962C8B-B14F-4D97-AF65-F5344CB8AC3E}">
+        <p14:creationId xmlns:p14="http://schemas.microsoft.com/office/powerpoint/2010/main" val="315820241"/>
+      </p:ext>
+    </p:extLst>
+  </p:cSld>
+  <p:clrMapOvr>
+    <a:masterClrMapping/>
+  </p:clrMapOvr>
+  <mc:AlternateContent xmlns:mc="http://schemas.openxmlformats.org/markup-compatibility/2006" xmlns:p159="http://schemas.microsoft.com/office/powerpoint/2015/09/main">
+    <mc:Choice Requires="p159">
+      <p:transition xmlns:p14="http://schemas.microsoft.com/office/powerpoint/2010/main" spd="slow" p14:dur="2000">
+        <p159:morph option="byObject"/>
+      </p:transition>
+    </mc:Choice>
+    <mc:Fallback xmlns="">
+      <p:transition spd="slow">
+        <p:fade/>
+      </p:transition>
+    </mc:Fallback>
+  </mc:AlternateContent>
+</p:sld>
+</file>
+
+<file path=ppt/slides/slide4.xml><?xml version="1.0" encoding="utf-8"?>
+<p:sld xmlns:a="http://schemas.openxmlformats.org/drawingml/2006/main" xmlns:r="http://schemas.openxmlformats.org/officeDocument/2006/relationships" xmlns:p="http://schemas.openxmlformats.org/presentationml/2006/main">
+  <p:cSld>
+    <p:spTree>
+      <p:nvGrpSpPr>
+        <p:cNvPr id="1" name=""/>
+        <p:cNvGrpSpPr/>
+        <p:nvPr/>
+      </p:nvGrpSpPr>
+      <p:grpSpPr>
+        <a:xfrm>
+          <a:off x="0" y="0"/>
+          <a:ext cx="0" cy="0"/>
+          <a:chOff x="0" y="0"/>
+          <a:chExt cx="0" cy="0"/>
+        </a:xfrm>
+      </p:grpSpPr>
+      <p:sp>
+        <p:nvSpPr>
+          <p:cNvPr id="13" name="Rechteck 12">
+            <a:extLst>
+              <a:ext uri="{FF2B5EF4-FFF2-40B4-BE49-F238E27FC236}">
+                <a16:creationId xmlns:a16="http://schemas.microsoft.com/office/drawing/2014/main" id="{012CF04E-A636-0F62-8F9D-816C7C0EA9BF}"/>
+              </a:ext>
+            </a:extLst>
+          </p:cNvPr>
+          <p:cNvSpPr/>
+          <p:nvPr/>
+        </p:nvSpPr>
+        <p:spPr>
+          <a:xfrm>
+            <a:off x="7572642" y="-1534369"/>
+            <a:ext cx="6038850" cy="10537401"/>
+          </a:xfrm>
+          <a:prstGeom prst="rect">
+            <a:avLst/>
+          </a:prstGeom>
+          <a:solidFill>
+            <a:srgbClr val="7030A0"/>
+          </a:solidFill>
+          <a:ln>
+            <a:solidFill>
+              <a:srgbClr val="7030A0"/>
+            </a:solidFill>
+          </a:ln>
+        </p:spPr>
+        <p:style>
+          <a:lnRef idx="2">
+            <a:schemeClr val="accent1">
+              <a:shade val="15000"/>
+            </a:schemeClr>
+          </a:lnRef>
+          <a:fillRef idx="1">
+            <a:schemeClr val="accent1"/>
+          </a:fillRef>
+          <a:effectRef idx="0">
+            <a:schemeClr val="accent1"/>
+          </a:effectRef>
+          <a:fontRef idx="minor">
+            <a:schemeClr val="lt1"/>
+          </a:fontRef>
+        </p:style>
+        <p:txBody>
+          <a:bodyPr vert="vert270" rtlCol="0" anchor="ctr"/>
+          <a:lstStyle/>
+          <a:p>
+            <a:pPr algn="ctr"/>
+            <a:r>
+              <a:rPr lang="de-DE" sz="5400" b="1"/>
+              <a:t>STALI</a:t>
+            </a:r>
+            <a:endParaRPr lang="de-AT" b="1"/>
+          </a:p>
+        </p:txBody>
+      </p:sp>
+      <p:sp>
+        <p:nvSpPr>
+          <p:cNvPr id="2" name="Titel 1">
+            <a:extLst>
+              <a:ext uri="{FF2B5EF4-FFF2-40B4-BE49-F238E27FC236}">
+                <a16:creationId xmlns:a16="http://schemas.microsoft.com/office/drawing/2014/main" id="{823D72EA-A79D-D6C0-0857-86E330D70A9F}"/>
+              </a:ext>
+            </a:extLst>
+          </p:cNvPr>
+          <p:cNvSpPr>
+            <a:spLocks noGrp="1"/>
+          </p:cNvSpPr>
+          <p:nvPr>
+            <p:ph type="title"/>
+          </p:nvPr>
+        </p:nvSpPr>
+        <p:spPr>
+          <a:xfrm>
+            <a:off x="666750" y="715430"/>
+            <a:ext cx="10515600" cy="1325563"/>
+          </a:xfrm>
+        </p:spPr>
+        <p:txBody>
+          <a:bodyPr/>
+          <a:lstStyle/>
+          <a:p>
+            <a:r>
+              <a:rPr lang="de-DE" b="1"/>
+              <a:t>WIE FUNKTIONIERT STALI?</a:t>
+            </a:r>
+            <a:endParaRPr lang="de-AT" b="1"/>
+          </a:p>
+        </p:txBody>
+      </p:sp>
+      <p:sp>
+        <p:nvSpPr>
+          <p:cNvPr id="3" name="Rechteck: abgerundete Ecken 2">
+            <a:extLst>
+              <a:ext uri="{FF2B5EF4-FFF2-40B4-BE49-F238E27FC236}">
+                <a16:creationId xmlns:a16="http://schemas.microsoft.com/office/drawing/2014/main" id="{516A37CA-6889-4613-8317-D73DB852C211}"/>
+              </a:ext>
+            </a:extLst>
+          </p:cNvPr>
+          <p:cNvSpPr/>
+          <p:nvPr/>
+        </p:nvSpPr>
+        <p:spPr>
+          <a:xfrm>
+            <a:off x="752475" y="1690688"/>
+            <a:ext cx="6391275" cy="700611"/>
+          </a:xfrm>
+          <a:prstGeom prst="roundRect">
+            <a:avLst/>
+          </a:prstGeom>
+          <a:solidFill>
+            <a:srgbClr val="7030A0"/>
+          </a:solidFill>
+          <a:ln>
+            <a:solidFill>
+              <a:srgbClr val="7030A0"/>
+            </a:solidFill>
+          </a:ln>
+        </p:spPr>
+        <p:style>
+          <a:lnRef idx="2">
+            <a:schemeClr val="accent1">
+              <a:shade val="15000"/>
+            </a:schemeClr>
+          </a:lnRef>
+          <a:fillRef idx="1">
+            <a:schemeClr val="accent1"/>
+          </a:fillRef>
+          <a:effectRef idx="0">
+            <a:schemeClr val="accent1"/>
+          </a:effectRef>
+          <a:fontRef idx="minor">
+            <a:schemeClr val="lt1"/>
+          </a:fontRef>
+        </p:style>
+        <p:txBody>
+          <a:bodyPr rtlCol="0" anchor="ctr"/>
+          <a:lstStyle/>
+          <a:p>
+            <a:pPr algn="ctr"/>
+            <a:r>
+              <a:rPr lang="de-AT" b="1"/>
+              <a:t>Frontend mit React</a:t>
+            </a:r>
+            <a:endParaRPr lang="de-AT"/>
+          </a:p>
+        </p:txBody>
+      </p:sp>
+      <p:sp>
+        <p:nvSpPr>
+          <p:cNvPr id="8" name="Rechteck: abgerundete Ecken 7">
+            <a:extLst>
+              <a:ext uri="{FF2B5EF4-FFF2-40B4-BE49-F238E27FC236}">
+                <a16:creationId xmlns:a16="http://schemas.microsoft.com/office/drawing/2014/main" id="{40DA8B97-2CE0-05FB-ADC9-3430063AD701}"/>
+              </a:ext>
+            </a:extLst>
+          </p:cNvPr>
+          <p:cNvSpPr/>
+          <p:nvPr/>
+        </p:nvSpPr>
+        <p:spPr>
+          <a:xfrm>
+            <a:off x="752475" y="2665945"/>
+            <a:ext cx="6391275" cy="700611"/>
+          </a:xfrm>
+          <a:prstGeom prst="roundRect">
+            <a:avLst/>
+          </a:prstGeom>
+          <a:solidFill>
+            <a:srgbClr val="7030A0"/>
+          </a:solidFill>
+          <a:ln>
+            <a:solidFill>
+              <a:srgbClr val="7030A0"/>
+            </a:solidFill>
+          </a:ln>
+        </p:spPr>
+        <p:style>
+          <a:lnRef idx="2">
+            <a:schemeClr val="accent1">
+              <a:shade val="15000"/>
+            </a:schemeClr>
+          </a:lnRef>
+          <a:fillRef idx="1">
+            <a:schemeClr val="accent1"/>
+          </a:fillRef>
+          <a:effectRef idx="0">
+            <a:schemeClr val="accent1"/>
+          </a:effectRef>
+          <a:fontRef idx="minor">
+            <a:schemeClr val="lt1"/>
+          </a:fontRef>
+        </p:style>
+        <p:txBody>
+          <a:bodyPr rtlCol="0" anchor="ctr"/>
+          <a:lstStyle/>
+          <a:p>
+            <a:pPr algn="ctr"/>
+            <a:r>
+              <a:rPr lang="de-AT" b="1"/>
+              <a:t>Backend mit </a:t>
+            </a:r>
+            <a:r>
+              <a:rPr lang="de-AT" b="1" err="1"/>
+              <a:t>Supabase</a:t>
+            </a:r>
+            <a:endParaRPr lang="de-AT" b="1"/>
+          </a:p>
+        </p:txBody>
+      </p:sp>
+      <p:sp>
+        <p:nvSpPr>
+          <p:cNvPr id="9" name="Rechteck: abgerundete Ecken 8">
+            <a:extLst>
+              <a:ext uri="{FF2B5EF4-FFF2-40B4-BE49-F238E27FC236}">
+                <a16:creationId xmlns:a16="http://schemas.microsoft.com/office/drawing/2014/main" id="{79EF3849-B277-7F9F-2D02-8FF7724BCE21}"/>
+              </a:ext>
+            </a:extLst>
+          </p:cNvPr>
+          <p:cNvSpPr/>
+          <p:nvPr/>
+        </p:nvSpPr>
+        <p:spPr>
+          <a:xfrm>
+            <a:off x="752474" y="4616459"/>
+            <a:ext cx="6391275" cy="700611"/>
+          </a:xfrm>
+          <a:prstGeom prst="roundRect">
+            <a:avLst/>
+          </a:prstGeom>
+          <a:solidFill>
+            <a:srgbClr val="7030A0"/>
+          </a:solidFill>
+          <a:ln>
+            <a:solidFill>
+              <a:srgbClr val="7030A0"/>
+            </a:solidFill>
+          </a:ln>
+        </p:spPr>
+        <p:style>
+          <a:lnRef idx="2">
+            <a:schemeClr val="accent1">
+              <a:shade val="15000"/>
+            </a:schemeClr>
+          </a:lnRef>
+          <a:fillRef idx="1">
+            <a:schemeClr val="accent1"/>
+          </a:fillRef>
+          <a:effectRef idx="0">
+            <a:schemeClr val="accent1"/>
+          </a:effectRef>
+          <a:fontRef idx="minor">
+            <a:schemeClr val="lt1"/>
+          </a:fontRef>
+        </p:style>
+        <p:txBody>
+          <a:bodyPr rtlCol="0" anchor="ctr"/>
+          <a:lstStyle/>
+          <a:p>
+            <a:pPr algn="ctr"/>
+            <a:r>
+              <a:rPr lang="de-AT" b="1"/>
+              <a:t>Eigene Anzeigen erstellen</a:t>
+            </a:r>
+          </a:p>
+        </p:txBody>
+      </p:sp>
+      <p:sp>
+        <p:nvSpPr>
+          <p:cNvPr id="10" name="Rechteck: abgerundete Ecken 9">
+            <a:extLst>
+              <a:ext uri="{FF2B5EF4-FFF2-40B4-BE49-F238E27FC236}">
+                <a16:creationId xmlns:a16="http://schemas.microsoft.com/office/drawing/2014/main" id="{35A79BF4-29C4-4921-5810-7BF2EAE44BCF}"/>
+              </a:ext>
+            </a:extLst>
+          </p:cNvPr>
+          <p:cNvSpPr/>
+          <p:nvPr/>
+        </p:nvSpPr>
+        <p:spPr>
+          <a:xfrm>
+            <a:off x="752474" y="3641202"/>
+            <a:ext cx="6391275" cy="700611"/>
+          </a:xfrm>
+          <a:prstGeom prst="roundRect">
+            <a:avLst/>
+          </a:prstGeom>
+          <a:solidFill>
+            <a:srgbClr val="7030A0"/>
+          </a:solidFill>
+          <a:ln>
+            <a:solidFill>
+              <a:srgbClr val="7030A0"/>
+            </a:solidFill>
+          </a:ln>
+        </p:spPr>
+        <p:style>
+          <a:lnRef idx="2">
+            <a:schemeClr val="accent1">
+              <a:shade val="15000"/>
+            </a:schemeClr>
+          </a:lnRef>
+          <a:fillRef idx="1">
+            <a:schemeClr val="accent1"/>
+          </a:fillRef>
+          <a:effectRef idx="0">
+            <a:schemeClr val="accent1"/>
+          </a:effectRef>
+          <a:fontRef idx="minor">
+            <a:schemeClr val="lt1"/>
+          </a:fontRef>
+        </p:style>
+        <p:txBody>
+          <a:bodyPr rtlCol="0" anchor="ctr"/>
+          <a:lstStyle/>
+          <a:p>
+            <a:pPr algn="ctr"/>
+            <a:r>
+              <a:rPr lang="de-AT" b="1"/>
+              <a:t>Produkte kaufen und verkaufen</a:t>
+            </a:r>
+            <a:endParaRPr lang="de-AT"/>
+          </a:p>
+        </p:txBody>
+      </p:sp>
+      <p:sp>
+        <p:nvSpPr>
+          <p:cNvPr id="11" name="Rechteck: abgerundete Ecken 10">
+            <a:extLst>
+              <a:ext uri="{FF2B5EF4-FFF2-40B4-BE49-F238E27FC236}">
+                <a16:creationId xmlns:a16="http://schemas.microsoft.com/office/drawing/2014/main" id="{00300B95-0C7D-34A7-3AC8-36F6DB6845B6}"/>
+              </a:ext>
+            </a:extLst>
+          </p:cNvPr>
+          <p:cNvSpPr/>
+          <p:nvPr/>
+        </p:nvSpPr>
+        <p:spPr>
+          <a:xfrm>
+            <a:off x="752474" y="5591716"/>
+            <a:ext cx="6391275" cy="700611"/>
+          </a:xfrm>
+          <a:prstGeom prst="roundRect">
+            <a:avLst/>
+          </a:prstGeom>
+          <a:solidFill>
+            <a:srgbClr val="7030A0"/>
+          </a:solidFill>
+          <a:ln>
+            <a:solidFill>
+              <a:srgbClr val="7030A0"/>
+            </a:solidFill>
+          </a:ln>
+        </p:spPr>
+        <p:style>
+          <a:lnRef idx="2">
+            <a:schemeClr val="accent1">
+              <a:shade val="15000"/>
+            </a:schemeClr>
+          </a:lnRef>
+          <a:fillRef idx="1">
+            <a:schemeClr val="accent1"/>
+          </a:fillRef>
+          <a:effectRef idx="0">
+            <a:schemeClr val="accent1"/>
+          </a:effectRef>
+          <a:fontRef idx="minor">
+            <a:schemeClr val="lt1"/>
+          </a:fontRef>
+        </p:style>
+        <p:txBody>
+          <a:bodyPr rtlCol="0" anchor="ctr"/>
+          <a:lstStyle/>
+          <a:p>
+            <a:pPr algn="ctr"/>
+            <a:r>
+              <a:rPr lang="de-AT" b="1"/>
+              <a:t>Mit anderen Usern chatten</a:t>
+            </a:r>
+          </a:p>
+        </p:txBody>
+      </p:sp>
+      <p:pic>
+        <p:nvPicPr>
+          <p:cNvPr id="12" name="Grafik 11">
+            <a:extLst>
+              <a:ext uri="{FF2B5EF4-FFF2-40B4-BE49-F238E27FC236}">
+                <a16:creationId xmlns:a16="http://schemas.microsoft.com/office/drawing/2014/main" id="{47C5E294-08A6-25C1-9B26-0091A3A52499}"/>
+              </a:ext>
+            </a:extLst>
+          </p:cNvPr>
+          <p:cNvPicPr>
+            <a:picLocks noChangeAspect="1"/>
+          </p:cNvPicPr>
+          <p:nvPr/>
+        </p:nvPicPr>
+        <p:blipFill>
+          <a:blip r:embed="rId2">
+            <a:extLst>
+              <a:ext uri="{BEBA8EAE-BF5A-486C-A8C5-ECC9F3942E4B}">
+                <a14:imgProps xmlns:a14="http://schemas.microsoft.com/office/drawing/2010/main">
+                  <a14:imgLayer r:embed="rId3">
+                    <a14:imgEffect>
+                      <a14:backgroundRemoval t="5426" b="93411" l="6038" r="91321">
+                        <a14:foregroundMark x1="30189" y1="54651" x2="56604" y2="43798"/>
+                        <a14:foregroundMark x1="56604" y1="43798" x2="36226" y2="51938"/>
+                        <a14:foregroundMark x1="36226" y1="51938" x2="30943" y2="51163"/>
+                        <a14:foregroundMark x1="7170" y1="18605" x2="30566" y2="4651"/>
+                        <a14:foregroundMark x1="30566" y1="4651" x2="86792" y2="13953"/>
+                        <a14:foregroundMark x1="86792" y1="13953" x2="91321" y2="41085"/>
+                        <a14:foregroundMark x1="91321" y1="41085" x2="84906" y2="82558"/>
+                        <a14:foregroundMark x1="84906" y1="82558" x2="67170" y2="93411"/>
+                        <a14:foregroundMark x1="67170" y1="93411" x2="29811" y2="92248"/>
+                        <a14:foregroundMark x1="29811" y1="92248" x2="6792" y2="39922"/>
+                        <a14:foregroundMark x1="6792" y1="39922" x2="8679" y2="15891"/>
+                        <a14:foregroundMark x1="10189" y1="48062" x2="38491" y2="45736"/>
+                        <a14:foregroundMark x1="38491" y1="45736" x2="10566" y2="51163"/>
+                        <a14:foregroundMark x1="10566" y1="51163" x2="7925" y2="46899"/>
+                        <a14:foregroundMark x1="5660" y1="52326" x2="5660" y2="72093"/>
+                        <a14:foregroundMark x1="5660" y1="72093" x2="15094" y2="90310"/>
+                        <a14:foregroundMark x1="15094" y1="90310" x2="34340" y2="91860"/>
+                        <a14:foregroundMark x1="34340" y1="91860" x2="36226" y2="90698"/>
+                        <a14:foregroundMark x1="22264" y1="94186" x2="46038" y2="93798"/>
+                        <a14:foregroundMark x1="46038" y1="93798" x2="69811" y2="94186"/>
+                        <a14:foregroundMark x1="69811" y1="94186" x2="78491" y2="94186"/>
+                        <a14:foregroundMark x1="43396" y1="93798" x2="25660" y2="74031"/>
+                        <a14:foregroundMark x1="25660" y1="74031" x2="41509" y2="62403"/>
+                        <a14:foregroundMark x1="41509" y1="62403" x2="63774" y2="73643"/>
+                        <a14:foregroundMark x1="63774" y1="73643" x2="47925" y2="92248"/>
+                        <a14:foregroundMark x1="47925" y1="92248" x2="42642" y2="93411"/>
+                        <a14:foregroundMark x1="69811" y1="76744" x2="62264" y2="46512"/>
+                        <a14:foregroundMark x1="62264" y1="46512" x2="76226" y2="31783"/>
+                        <a14:foregroundMark x1="76226" y1="31783" x2="91321" y2="50000"/>
+                        <a14:foregroundMark x1="91321" y1="50000" x2="81887" y2="66667"/>
+                        <a14:foregroundMark x1="81887" y1="66667" x2="67547" y2="74806"/>
+                        <a14:foregroundMark x1="29811" y1="58140" x2="13962" y2="38372"/>
+                        <a14:foregroundMark x1="13962" y1="38372" x2="20000" y2="12791"/>
+                        <a14:foregroundMark x1="20000" y1="12791" x2="39245" y2="12016"/>
+                        <a14:foregroundMark x1="39245" y1="12016" x2="54340" y2="27907"/>
+                        <a14:foregroundMark x1="54340" y1="27907" x2="50189" y2="50388"/>
+                        <a14:foregroundMark x1="50189" y1="50388" x2="30189" y2="58527"/>
+                        <a14:foregroundMark x1="30189" y1="58527" x2="27925" y2="57752"/>
+                        <a14:foregroundMark x1="16604" y1="8915" x2="56604" y2="4651"/>
+                        <a14:foregroundMark x1="56604" y1="4651" x2="78113" y2="5426"/>
+                        <a14:foregroundMark x1="78113" y1="5426" x2="82642" y2="9690"/>
+                        <a14:backgroundMark x1="2642" y1="10853" x2="6792" y2="2326"/>
+                        <a14:backgroundMark x1="2264" y1="9302" x2="10566" y2="3101"/>
+                        <a14:backgroundMark x1="10625" y1="10225" x2="18491" y2="1938"/>
+                        <a14:backgroundMark x1="3774" y1="17442" x2="10409" y2="10452"/>
+                        <a14:backgroundMark x1="18491" y1="1938" x2="23774" y2="0"/>
+                        <a14:backgroundMark x1="3019" y1="8140" x2="3774" y2="5814"/>
+                      </a14:backgroundRemoval>
+                    </a14:imgEffect>
+                  </a14:imgLayer>
+                </a14:imgProps>
+              </a:ext>
+            </a:extLst>
+          </a:blip>
+          <a:stretch>
+            <a:fillRect/>
+          </a:stretch>
+        </p:blipFill>
+        <p:spPr>
+          <a:xfrm>
+            <a:off x="10001785" y="449214"/>
+            <a:ext cx="1180565" cy="1149380"/>
+          </a:xfrm>
+          <a:prstGeom prst="rect">
+            <a:avLst/>
+          </a:prstGeom>
+        </p:spPr>
+      </p:pic>
+    </p:spTree>
+    <p:extLst>
+      <p:ext uri="{BB962C8B-B14F-4D97-AF65-F5344CB8AC3E}">
+        <p14:creationId xmlns:p14="http://schemas.microsoft.com/office/powerpoint/2010/main" val="3545184578"/>
+      </p:ext>
+    </p:extLst>
+  </p:cSld>
+  <p:clrMapOvr>
+    <a:masterClrMapping/>
+  </p:clrMapOvr>
+  <mc:AlternateContent xmlns:mc="http://schemas.openxmlformats.org/markup-compatibility/2006" xmlns:p159="http://schemas.microsoft.com/office/powerpoint/2015/09/main">
+    <mc:Choice Requires="p159">
+      <p:transition xmlns:p14="http://schemas.microsoft.com/office/powerpoint/2010/main" spd="slow" p14:dur="2000">
+        <p159:morph option="byObject"/>
+      </p:transition>
+    </mc:Choice>
+    <mc:Fallback xmlns="">
+      <p:transition spd="slow">
+        <p:fade/>
+      </p:transition>
+    </mc:Fallback>
+  </mc:AlternateContent>
+</p:sld>
+</file>
+
+<file path=ppt/slides/slide5.xml><?xml version="1.0" encoding="utf-8"?>
+<p:sld xmlns:a="http://schemas.openxmlformats.org/drawingml/2006/main" xmlns:r="http://schemas.openxmlformats.org/officeDocument/2006/relationships" xmlns:p="http://schemas.openxmlformats.org/presentationml/2006/main">
+  <p:cSld>
+    <p:spTree>
+      <p:nvGrpSpPr>
+        <p:cNvPr id="1" name="">
+          <a:extLst>
+            <a:ext uri="{FF2B5EF4-FFF2-40B4-BE49-F238E27FC236}">
+              <a16:creationId xmlns:a16="http://schemas.microsoft.com/office/drawing/2014/main" id="{4FDE9B19-4850-F422-8D7C-76915C3047C1}"/>
+            </a:ext>
+          </a:extLst>
+        </p:cNvPr>
+        <p:cNvGrpSpPr/>
+        <p:nvPr/>
+      </p:nvGrpSpPr>
+      <p:grpSpPr>
+        <a:xfrm>
+          <a:off x="0" y="0"/>
+          <a:ext cx="0" cy="0"/>
+          <a:chOff x="0" y="0"/>
+          <a:chExt cx="0" cy="0"/>
+        </a:xfrm>
+      </p:grpSpPr>
+      <p:sp>
+        <p:nvSpPr>
+          <p:cNvPr id="2" name="Titel 1">
+            <a:extLst>
+              <a:ext uri="{FF2B5EF4-FFF2-40B4-BE49-F238E27FC236}">
+                <a16:creationId xmlns:a16="http://schemas.microsoft.com/office/drawing/2014/main" id="{D27470CC-08CE-BCCF-BDB2-DC26B714D77E}"/>
+              </a:ext>
+            </a:extLst>
+          </p:cNvPr>
+          <p:cNvSpPr>
+            <a:spLocks noGrp="1"/>
+          </p:cNvSpPr>
+          <p:nvPr>
+            <p:ph type="title"/>
+          </p:nvPr>
+        </p:nvSpPr>
+        <p:spPr>
+          <a:xfrm>
+            <a:off x="476250" y="846108"/>
+            <a:ext cx="10515600" cy="1325563"/>
+          </a:xfrm>
+        </p:spPr>
+        <p:txBody>
+          <a:bodyPr/>
+          <a:lstStyle/>
+          <a:p>
+            <a:r>
+              <a:rPr lang="de-DE" b="1" dirty="0"/>
+              <a:t>ZUSTÄNDIGKEITEN </a:t>
+            </a:r>
+            <a:endParaRPr lang="de-AT" b="1" dirty="0"/>
+          </a:p>
+        </p:txBody>
+      </p:sp>
+      <p:grpSp>
+        <p:nvGrpSpPr>
+          <p:cNvPr id="11" name="Gruppieren 10">
+            <a:extLst>
+              <a:ext uri="{FF2B5EF4-FFF2-40B4-BE49-F238E27FC236}">
+                <a16:creationId xmlns:a16="http://schemas.microsoft.com/office/drawing/2014/main" id="{731A630B-54BF-CD49-0C2C-0BCE5A1A49EA}"/>
+              </a:ext>
+            </a:extLst>
+          </p:cNvPr>
+          <p:cNvGrpSpPr/>
+          <p:nvPr/>
+        </p:nvGrpSpPr>
+        <p:grpSpPr>
+          <a:xfrm>
+            <a:off x="7218680" y="-1032924"/>
+            <a:ext cx="6038850" cy="10537401"/>
+            <a:chOff x="7218680" y="-1032924"/>
+            <a:chExt cx="6038850" cy="10537401"/>
+          </a:xfrm>
+        </p:grpSpPr>
+        <p:sp>
+          <p:nvSpPr>
+            <p:cNvPr id="3" name="Rechteck 2">
+              <a:extLst>
+                <a:ext uri="{FF2B5EF4-FFF2-40B4-BE49-F238E27FC236}">
+                  <a16:creationId xmlns:a16="http://schemas.microsoft.com/office/drawing/2014/main" id="{3D33AD05-3C29-10F1-83B9-C3E574FAD23C}"/>
+                </a:ext>
+              </a:extLst>
+            </p:cNvPr>
+            <p:cNvSpPr/>
+            <p:nvPr/>
+          </p:nvSpPr>
+          <p:spPr>
+            <a:xfrm>
+              <a:off x="7218680" y="-1032924"/>
+              <a:ext cx="6038850" cy="10537401"/>
+            </a:xfrm>
+            <a:prstGeom prst="rect">
+              <a:avLst/>
+            </a:prstGeom>
+            <a:solidFill>
+              <a:srgbClr val="7030A0"/>
+            </a:solidFill>
+            <a:ln>
+              <a:solidFill>
+                <a:srgbClr val="7030A0"/>
+              </a:solidFill>
+            </a:ln>
+          </p:spPr>
+          <p:style>
+            <a:lnRef idx="2">
+              <a:schemeClr val="accent1">
+                <a:shade val="15000"/>
+              </a:schemeClr>
+            </a:lnRef>
+            <a:fillRef idx="1">
+              <a:schemeClr val="accent1"/>
+            </a:fillRef>
+            <a:effectRef idx="0">
+              <a:schemeClr val="accent1"/>
+            </a:effectRef>
+            <a:fontRef idx="minor">
+              <a:schemeClr val="lt1"/>
+            </a:fontRef>
+          </p:style>
+          <p:txBody>
+            <a:bodyPr vert="vert270" rtlCol="0" anchor="ctr"/>
+            <a:lstStyle/>
+            <a:p>
+              <a:pPr algn="ctr"/>
+              <a:r>
+                <a:rPr lang="de-DE" sz="5400" b="1"/>
+                <a:t>STALI</a:t>
+              </a:r>
+              <a:endParaRPr lang="de-AT" b="1"/>
+            </a:p>
+          </p:txBody>
+        </p:sp>
+        <p:pic>
+          <p:nvPicPr>
+            <p:cNvPr id="4" name="Grafik 3">
+              <a:extLst>
+                <a:ext uri="{FF2B5EF4-FFF2-40B4-BE49-F238E27FC236}">
+                  <a16:creationId xmlns:a16="http://schemas.microsoft.com/office/drawing/2014/main" id="{DEB5B7C3-025D-4599-367F-F2CA284A1E4C}"/>
+                </a:ext>
+              </a:extLst>
+            </p:cNvPr>
+            <p:cNvPicPr>
+              <a:picLocks noChangeAspect="1"/>
+            </p:cNvPicPr>
+            <p:nvPr/>
+          </p:nvPicPr>
+          <p:blipFill>
+            <a:blip r:embed="rId2">
+              <a:extLst>
+                <a:ext uri="{BEBA8EAE-BF5A-486C-A8C5-ECC9F3942E4B}">
+                  <a14:imgProps xmlns:a14="http://schemas.microsoft.com/office/drawing/2010/main">
+                    <a14:imgLayer r:embed="rId3">
+                      <a14:imgEffect>
+                        <a14:backgroundRemoval t="5426" b="93411" l="6038" r="91321">
+                          <a14:foregroundMark x1="30189" y1="54651" x2="56604" y2="43798"/>
+                          <a14:foregroundMark x1="56604" y1="43798" x2="36226" y2="51938"/>
+                          <a14:foregroundMark x1="36226" y1="51938" x2="30943" y2="51163"/>
+                          <a14:foregroundMark x1="7170" y1="18605" x2="30566" y2="4651"/>
+                          <a14:foregroundMark x1="30566" y1="4651" x2="86792" y2="13953"/>
+                          <a14:foregroundMark x1="86792" y1="13953" x2="91321" y2="41085"/>
+                          <a14:foregroundMark x1="91321" y1="41085" x2="84906" y2="82558"/>
+                          <a14:foregroundMark x1="84906" y1="82558" x2="67170" y2="93411"/>
+                          <a14:foregroundMark x1="67170" y1="93411" x2="29811" y2="92248"/>
+                          <a14:foregroundMark x1="29811" y1="92248" x2="6792" y2="39922"/>
+                          <a14:foregroundMark x1="6792" y1="39922" x2="8679" y2="15891"/>
+                          <a14:foregroundMark x1="10189" y1="48062" x2="38491" y2="45736"/>
+                          <a14:foregroundMark x1="38491" y1="45736" x2="10566" y2="51163"/>
+                          <a14:foregroundMark x1="10566" y1="51163" x2="7925" y2="46899"/>
+                          <a14:foregroundMark x1="5660" y1="52326" x2="5660" y2="72093"/>
+                          <a14:foregroundMark x1="5660" y1="72093" x2="15094" y2="90310"/>
+                          <a14:foregroundMark x1="15094" y1="90310" x2="34340" y2="91860"/>
+                          <a14:foregroundMark x1="34340" y1="91860" x2="36226" y2="90698"/>
+                          <a14:foregroundMark x1="22264" y1="94186" x2="46038" y2="93798"/>
+                          <a14:foregroundMark x1="46038" y1="93798" x2="69811" y2="94186"/>
+                          <a14:foregroundMark x1="69811" y1="94186" x2="78491" y2="94186"/>
+                          <a14:foregroundMark x1="43396" y1="93798" x2="25660" y2="74031"/>
+                          <a14:foregroundMark x1="25660" y1="74031" x2="41509" y2="62403"/>
+                          <a14:foregroundMark x1="41509" y1="62403" x2="63774" y2="73643"/>
+                          <a14:foregroundMark x1="63774" y1="73643" x2="47925" y2="92248"/>
+                          <a14:foregroundMark x1="47925" y1="92248" x2="42642" y2="93411"/>
+                          <a14:foregroundMark x1="69811" y1="76744" x2="62264" y2="46512"/>
+                          <a14:foregroundMark x1="62264" y1="46512" x2="76226" y2="31783"/>
+                          <a14:foregroundMark x1="76226" y1="31783" x2="91321" y2="50000"/>
+                          <a14:foregroundMark x1="91321" y1="50000" x2="81887" y2="66667"/>
+                          <a14:foregroundMark x1="81887" y1="66667" x2="67547" y2="74806"/>
+                          <a14:foregroundMark x1="29811" y1="58140" x2="13962" y2="38372"/>
+                          <a14:foregroundMark x1="13962" y1="38372" x2="20000" y2="12791"/>
+                          <a14:foregroundMark x1="20000" y1="12791" x2="39245" y2="12016"/>
+                          <a14:foregroundMark x1="39245" y1="12016" x2="54340" y2="27907"/>
+                          <a14:foregroundMark x1="54340" y1="27907" x2="50189" y2="50388"/>
+                          <a14:foregroundMark x1="50189" y1="50388" x2="30189" y2="58527"/>
+                          <a14:foregroundMark x1="30189" y1="58527" x2="27925" y2="57752"/>
+                          <a14:foregroundMark x1="16604" y1="8915" x2="56604" y2="4651"/>
+                          <a14:foregroundMark x1="56604" y1="4651" x2="78113" y2="5426"/>
+                          <a14:foregroundMark x1="78113" y1="5426" x2="82642" y2="9690"/>
+                          <a14:backgroundMark x1="2642" y1="10853" x2="6792" y2="2326"/>
+                          <a14:backgroundMark x1="2264" y1="9302" x2="10566" y2="3101"/>
+                          <a14:backgroundMark x1="10625" y1="10225" x2="18491" y2="1938"/>
+                          <a14:backgroundMark x1="3774" y1="17442" x2="10409" y2="10452"/>
+                          <a14:backgroundMark x1="18491" y1="1938" x2="23774" y2="0"/>
+                          <a14:backgroundMark x1="3019" y1="8140" x2="3774" y2="5814"/>
+                        </a14:backgroundRemoval>
+                      </a14:imgEffect>
+                    </a14:imgLayer>
+                  </a14:imgProps>
+                </a:ext>
+              </a:extLst>
+            </a:blip>
+            <a:stretch>
+              <a:fillRect/>
+            </a:stretch>
+          </p:blipFill>
+          <p:spPr>
+            <a:xfrm>
+              <a:off x="9647822" y="846108"/>
+              <a:ext cx="1180565" cy="1149380"/>
+            </a:xfrm>
+            <a:prstGeom prst="rect">
+              <a:avLst/>
+            </a:prstGeom>
+          </p:spPr>
+        </p:pic>
+      </p:grpSp>
+      <p:grpSp>
+        <p:nvGrpSpPr>
+          <p:cNvPr id="6" name="Gruppieren 5">
+            <a:extLst>
+              <a:ext uri="{FF2B5EF4-FFF2-40B4-BE49-F238E27FC236}">
+                <a16:creationId xmlns:a16="http://schemas.microsoft.com/office/drawing/2014/main" id="{771F2B65-BAD2-692A-7C84-AE4D31243F42}"/>
+              </a:ext>
+            </a:extLst>
+          </p:cNvPr>
+          <p:cNvGrpSpPr/>
+          <p:nvPr/>
+        </p:nvGrpSpPr>
+        <p:grpSpPr>
+          <a:xfrm>
+            <a:off x="578404" y="3798332"/>
+            <a:ext cx="6241496" cy="2595861"/>
+            <a:chOff x="692704" y="3423323"/>
+            <a:chExt cx="5347417" cy="1200150"/>
+          </a:xfrm>
+        </p:grpSpPr>
+        <p:sp>
+          <p:nvSpPr>
+            <p:cNvPr id="9" name="Rechteck: abgerundete Ecken 8">
+              <a:extLst>
+                <a:ext uri="{FF2B5EF4-FFF2-40B4-BE49-F238E27FC236}">
+                  <a16:creationId xmlns:a16="http://schemas.microsoft.com/office/drawing/2014/main" id="{AB5D4AA2-1179-3075-33ED-8043F36DD2BA}"/>
+                </a:ext>
+              </a:extLst>
+            </p:cNvPr>
+            <p:cNvSpPr/>
+            <p:nvPr/>
+          </p:nvSpPr>
+          <p:spPr>
+            <a:xfrm>
+              <a:off x="692704" y="3423323"/>
+              <a:ext cx="2571750" cy="1200150"/>
+            </a:xfrm>
+            <a:prstGeom prst="roundRect">
+              <a:avLst/>
+            </a:prstGeom>
+            <a:solidFill>
+              <a:srgbClr val="7030A0"/>
+            </a:solidFill>
+            <a:ln>
+              <a:solidFill>
+                <a:srgbClr val="7030A0"/>
+              </a:solidFill>
+            </a:ln>
+          </p:spPr>
+          <p:style>
+            <a:lnRef idx="2">
+              <a:schemeClr val="accent1">
+                <a:shade val="15000"/>
+              </a:schemeClr>
+            </a:lnRef>
+            <a:fillRef idx="1">
+              <a:schemeClr val="accent1"/>
+            </a:fillRef>
+            <a:effectRef idx="0">
+              <a:schemeClr val="accent1"/>
+            </a:effectRef>
+            <a:fontRef idx="minor">
+              <a:schemeClr val="lt1"/>
+            </a:fontRef>
+          </p:style>
+          <p:txBody>
+            <a:bodyPr rtlCol="0" anchor="ctr"/>
+            <a:lstStyle/>
+            <a:p>
+              <a:endParaRPr lang="de-DE" dirty="0"/>
+            </a:p>
+            <a:p>
+              <a:pPr marL="285750" indent="-285750">
+                <a:buFont typeface="Arial" panose="020B0604020202020204" pitchFamily="34" charset="0"/>
+                <a:buChar char="•"/>
+              </a:pPr>
+              <a:r>
+                <a:rPr lang="de-DE" dirty="0"/>
+                <a:t>Design</a:t>
+              </a:r>
+            </a:p>
+            <a:p>
+              <a:pPr marL="285750" indent="-285750">
+                <a:buFont typeface="Arial" panose="020B0604020202020204" pitchFamily="34" charset="0"/>
+                <a:buChar char="•"/>
+              </a:pPr>
+              <a:r>
+                <a:rPr lang="de-DE" dirty="0"/>
+                <a:t>Testen</a:t>
+              </a:r>
+            </a:p>
+            <a:p>
+              <a:pPr marL="285750" indent="-285750">
+                <a:buFont typeface="Arial" panose="020B0604020202020204" pitchFamily="34" charset="0"/>
+                <a:buChar char="•"/>
+              </a:pPr>
+              <a:r>
+                <a:rPr lang="de-DE" dirty="0"/>
+                <a:t>Dokumentation</a:t>
+              </a:r>
+            </a:p>
+            <a:p>
+              <a:pPr algn="ctr"/>
+              <a:endParaRPr lang="de-AT" b="1" dirty="0"/>
+            </a:p>
+          </p:txBody>
+        </p:sp>
+        <p:sp>
+          <p:nvSpPr>
+            <p:cNvPr id="10" name="Rechteck: abgerundete Ecken 9">
+              <a:extLst>
+                <a:ext uri="{FF2B5EF4-FFF2-40B4-BE49-F238E27FC236}">
+                  <a16:creationId xmlns:a16="http://schemas.microsoft.com/office/drawing/2014/main" id="{60D0ECA6-4E83-1E79-7DE8-3DFC48F61A00}"/>
+                </a:ext>
+              </a:extLst>
+            </p:cNvPr>
+            <p:cNvSpPr/>
+            <p:nvPr/>
+          </p:nvSpPr>
+          <p:spPr>
+            <a:xfrm>
+              <a:off x="3468371" y="3423323"/>
+              <a:ext cx="2571750" cy="1200150"/>
+            </a:xfrm>
+            <a:prstGeom prst="roundRect">
+              <a:avLst/>
+            </a:prstGeom>
+            <a:solidFill>
+              <a:srgbClr val="7030A0"/>
+            </a:solidFill>
+            <a:ln>
+              <a:solidFill>
+                <a:srgbClr val="7030A0"/>
+              </a:solidFill>
+            </a:ln>
+          </p:spPr>
+          <p:style>
+            <a:lnRef idx="2">
+              <a:schemeClr val="accent1">
+                <a:shade val="15000"/>
+              </a:schemeClr>
+            </a:lnRef>
+            <a:fillRef idx="1">
+              <a:schemeClr val="accent1"/>
+            </a:fillRef>
+            <a:effectRef idx="0">
+              <a:schemeClr val="accent1"/>
+            </a:effectRef>
+            <a:fontRef idx="minor">
+              <a:schemeClr val="lt1"/>
+            </a:fontRef>
+          </p:style>
+          <p:txBody>
+            <a:bodyPr rtlCol="0" anchor="ctr"/>
+            <a:lstStyle/>
+            <a:p>
+              <a:pPr marL="285750" indent="-285750">
+                <a:buFont typeface="Arial" panose="020B0604020202020204" pitchFamily="34" charset="0"/>
+                <a:buChar char="•"/>
+              </a:pPr>
+              <a:r>
+                <a:rPr lang="de-AT" dirty="0"/>
+                <a:t>Programmierung</a:t>
+              </a:r>
+              <a:br>
+                <a:rPr lang="de-AT" dirty="0"/>
+              </a:br>
+              <a:endParaRPr lang="de-AT" dirty="0"/>
+            </a:p>
+            <a:p>
+              <a:pPr marL="285750" indent="-285750">
+                <a:buFont typeface="Arial" panose="020B0604020202020204" pitchFamily="34" charset="0"/>
+                <a:buChar char="•"/>
+              </a:pPr>
+              <a:r>
+                <a:rPr lang="de-AT" dirty="0"/>
+                <a:t>Datenbankentwicklung</a:t>
+              </a:r>
+            </a:p>
+          </p:txBody>
+        </p:sp>
+      </p:grpSp>
+      <p:sp>
+        <p:nvSpPr>
+          <p:cNvPr id="12" name="Rechteck 11">
+            <a:extLst>
+              <a:ext uri="{FF2B5EF4-FFF2-40B4-BE49-F238E27FC236}">
+                <a16:creationId xmlns:a16="http://schemas.microsoft.com/office/drawing/2014/main" id="{3401A9CA-48EE-753E-F726-5C03A7352D5F}"/>
+              </a:ext>
+            </a:extLst>
+          </p:cNvPr>
+          <p:cNvSpPr/>
+          <p:nvPr/>
+        </p:nvSpPr>
+        <p:spPr>
+          <a:xfrm rot="5400000">
+            <a:off x="4476739" y="-10678300"/>
+            <a:ext cx="4229121" cy="13182599"/>
+          </a:xfrm>
+          <a:prstGeom prst="rect">
+            <a:avLst/>
+          </a:prstGeom>
+          <a:solidFill>
+            <a:srgbClr val="7030A0"/>
+          </a:solidFill>
+          <a:ln>
+            <a:solidFill>
+              <a:srgbClr val="7030A0"/>
+            </a:solidFill>
+          </a:ln>
+        </p:spPr>
+        <p:style>
+          <a:lnRef idx="2">
+            <a:schemeClr val="accent1">
+              <a:shade val="15000"/>
+            </a:schemeClr>
+          </a:lnRef>
+          <a:fillRef idx="1">
+            <a:schemeClr val="accent1"/>
+          </a:fillRef>
+          <a:effectRef idx="0">
+            <a:schemeClr val="accent1"/>
+          </a:effectRef>
+          <a:fontRef idx="minor">
+            <a:schemeClr val="lt1"/>
+          </a:fontRef>
+        </p:style>
+        <p:txBody>
+          <a:bodyPr vert="vert270" rtlCol="0" anchor="ctr"/>
+          <a:lstStyle/>
+          <a:p>
+            <a:pPr algn="ctr"/>
+            <a:r>
+              <a:rPr lang="de-DE" sz="5400" b="1"/>
+              <a:t>STALI</a:t>
+            </a:r>
+            <a:endParaRPr lang="de-AT" b="1"/>
+          </a:p>
+        </p:txBody>
+      </p:sp>
+      <p:pic>
+        <p:nvPicPr>
+          <p:cNvPr id="13" name="Grafik 12">
+            <a:extLst>
+              <a:ext uri="{FF2B5EF4-FFF2-40B4-BE49-F238E27FC236}">
+                <a16:creationId xmlns:a16="http://schemas.microsoft.com/office/drawing/2014/main" id="{98E21F16-215B-B376-F134-5F0E5FE53BBE}"/>
+              </a:ext>
+            </a:extLst>
+          </p:cNvPr>
+          <p:cNvPicPr>
+            <a:picLocks noChangeAspect="1"/>
+          </p:cNvPicPr>
+          <p:nvPr/>
+        </p:nvPicPr>
+        <p:blipFill>
+          <a:blip r:embed="rId2">
+            <a:extLst>
+              <a:ext uri="{BEBA8EAE-BF5A-486C-A8C5-ECC9F3942E4B}">
+                <a14:imgProps xmlns:a14="http://schemas.microsoft.com/office/drawing/2010/main">
+                  <a14:imgLayer r:embed="rId3">
+                    <a14:imgEffect>
+                      <a14:backgroundRemoval t="5426" b="93411" l="6038" r="91321">
+                        <a14:foregroundMark x1="30189" y1="54651" x2="56604" y2="43798"/>
+                        <a14:foregroundMark x1="56604" y1="43798" x2="36226" y2="51938"/>
+                        <a14:foregroundMark x1="36226" y1="51938" x2="30943" y2="51163"/>
+                        <a14:foregroundMark x1="7170" y1="18605" x2="30566" y2="4651"/>
+                        <a14:foregroundMark x1="30566" y1="4651" x2="86792" y2="13953"/>
+                        <a14:foregroundMark x1="86792" y1="13953" x2="91321" y2="41085"/>
+                        <a14:foregroundMark x1="91321" y1="41085" x2="84906" y2="82558"/>
+                        <a14:foregroundMark x1="84906" y1="82558" x2="67170" y2="93411"/>
+                        <a14:foregroundMark x1="67170" y1="93411" x2="29811" y2="92248"/>
+                        <a14:foregroundMark x1="29811" y1="92248" x2="6792" y2="39922"/>
+                        <a14:foregroundMark x1="6792" y1="39922" x2="8679" y2="15891"/>
+                        <a14:foregroundMark x1="10189" y1="48062" x2="38491" y2="45736"/>
+                        <a14:foregroundMark x1="38491" y1="45736" x2="10566" y2="51163"/>
+                        <a14:foregroundMark x1="10566" y1="51163" x2="7925" y2="46899"/>
+                        <a14:foregroundMark x1="5660" y1="52326" x2="5660" y2="72093"/>
+                        <a14:foregroundMark x1="5660" y1="72093" x2="15094" y2="90310"/>
+                        <a14:foregroundMark x1="15094" y1="90310" x2="34340" y2="91860"/>
+                        <a14:foregroundMark x1="34340" y1="91860" x2="36226" y2="90698"/>
+                        <a14:foregroundMark x1="22264" y1="94186" x2="46038" y2="93798"/>
+                        <a14:foregroundMark x1="46038" y1="93798" x2="69811" y2="94186"/>
+                        <a14:foregroundMark x1="69811" y1="94186" x2="78491" y2="94186"/>
+                        <a14:foregroundMark x1="43396" y1="93798" x2="25660" y2="74031"/>
+                        <a14:foregroundMark x1="25660" y1="74031" x2="41509" y2="62403"/>
+                        <a14:foregroundMark x1="41509" y1="62403" x2="63774" y2="73643"/>
+                        <a14:foregroundMark x1="63774" y1="73643" x2="47925" y2="92248"/>
+                        <a14:foregroundMark x1="47925" y1="92248" x2="42642" y2="93411"/>
+                        <a14:foregroundMark x1="69811" y1="76744" x2="62264" y2="46512"/>
+                        <a14:foregroundMark x1="62264" y1="46512" x2="76226" y2="31783"/>
+                        <a14:foregroundMark x1="76226" y1="31783" x2="91321" y2="50000"/>
+                        <a14:foregroundMark x1="91321" y1="50000" x2="81887" y2="66667"/>
+                        <a14:foregroundMark x1="81887" y1="66667" x2="67547" y2="74806"/>
+                        <a14:foregroundMark x1="29811" y1="58140" x2="13962" y2="38372"/>
+                        <a14:foregroundMark x1="13962" y1="38372" x2="20000" y2="12791"/>
+                        <a14:foregroundMark x1="20000" y1="12791" x2="39245" y2="12016"/>
+                        <a14:foregroundMark x1="39245" y1="12016" x2="54340" y2="27907"/>
+                        <a14:foregroundMark x1="54340" y1="27907" x2="50189" y2="50388"/>
+                        <a14:foregroundMark x1="50189" y1="50388" x2="30189" y2="58527"/>
+                        <a14:foregroundMark x1="30189" y1="58527" x2="27925" y2="57752"/>
+                        <a14:foregroundMark x1="16604" y1="8915" x2="56604" y2="4651"/>
+                        <a14:foregroundMark x1="56604" y1="4651" x2="78113" y2="5426"/>
+                        <a14:foregroundMark x1="78113" y1="5426" x2="82642" y2="9690"/>
+                        <a14:backgroundMark x1="2642" y1="10853" x2="6792" y2="2326"/>
+                        <a14:backgroundMark x1="2264" y1="9302" x2="10566" y2="3101"/>
+                        <a14:backgroundMark x1="10625" y1="10225" x2="18491" y2="1938"/>
+                        <a14:backgroundMark x1="3774" y1="17442" x2="10409" y2="10452"/>
+                        <a14:backgroundMark x1="18491" y1="1938" x2="23774" y2="0"/>
+                        <a14:backgroundMark x1="3019" y1="8140" x2="3774" y2="5814"/>
+                      </a14:backgroundRemoval>
+                    </a14:imgEffect>
+                  </a14:imgLayer>
+                </a14:imgProps>
+              </a:ext>
+            </a:extLst>
+          </a:blip>
+          <a:srcRect t="2045"/>
+          <a:stretch>
+            <a:fillRect/>
+          </a:stretch>
+        </p:blipFill>
+        <p:spPr>
+          <a:xfrm rot="21369190">
+            <a:off x="7646597" y="-4782199"/>
+            <a:ext cx="1180565" cy="1135286"/>
+          </a:xfrm>
+          <a:prstGeom prst="rect">
+            <a:avLst/>
+          </a:prstGeom>
+        </p:spPr>
+      </p:pic>
+      <p:grpSp>
+        <p:nvGrpSpPr>
+          <p:cNvPr id="14" name="Gruppieren 13">
+            <a:extLst>
+              <a:ext uri="{FF2B5EF4-FFF2-40B4-BE49-F238E27FC236}">
+                <a16:creationId xmlns:a16="http://schemas.microsoft.com/office/drawing/2014/main" id="{C90D01CF-35A5-CE08-79AB-B31D306A9DF4}"/>
+              </a:ext>
+            </a:extLst>
+          </p:cNvPr>
+          <p:cNvGrpSpPr/>
+          <p:nvPr/>
+        </p:nvGrpSpPr>
+        <p:grpSpPr>
+          <a:xfrm>
+            <a:off x="-64198" y="-11470263"/>
+            <a:ext cx="5037519" cy="10537401"/>
+            <a:chOff x="8061000" y="-1032924"/>
+            <a:chExt cx="5037519" cy="10537401"/>
+          </a:xfrm>
+        </p:grpSpPr>
+        <p:sp>
+          <p:nvSpPr>
+            <p:cNvPr id="15" name="Rechteck 14">
+              <a:extLst>
+                <a:ext uri="{FF2B5EF4-FFF2-40B4-BE49-F238E27FC236}">
+                  <a16:creationId xmlns:a16="http://schemas.microsoft.com/office/drawing/2014/main" id="{A8EFC024-7C0A-797C-1577-E4F40AC0E527}"/>
+                </a:ext>
+              </a:extLst>
+            </p:cNvPr>
+            <p:cNvSpPr/>
+            <p:nvPr/>
+          </p:nvSpPr>
+          <p:spPr>
+            <a:xfrm>
+              <a:off x="8061000" y="-1032924"/>
+              <a:ext cx="5037519" cy="10537401"/>
+            </a:xfrm>
+            <a:prstGeom prst="rect">
+              <a:avLst/>
+            </a:prstGeom>
+            <a:solidFill>
+              <a:srgbClr val="7030A0"/>
+            </a:solidFill>
+            <a:ln>
+              <a:solidFill>
+                <a:srgbClr val="7030A0"/>
+              </a:solidFill>
+            </a:ln>
+          </p:spPr>
+          <p:style>
+            <a:lnRef idx="2">
+              <a:schemeClr val="accent1">
+                <a:shade val="15000"/>
+              </a:schemeClr>
+            </a:lnRef>
+            <a:fillRef idx="1">
+              <a:schemeClr val="accent1"/>
+            </a:fillRef>
+            <a:effectRef idx="0">
+              <a:schemeClr val="accent1"/>
+            </a:effectRef>
+            <a:fontRef idx="minor">
+              <a:schemeClr val="lt1"/>
+            </a:fontRef>
+          </p:style>
+          <p:txBody>
+            <a:bodyPr vert="vert270" rtlCol="0" anchor="ctr"/>
+            <a:lstStyle/>
+            <a:p>
+              <a:pPr algn="ctr"/>
+              <a:r>
+                <a:rPr lang="de-DE" sz="5400" b="1"/>
+                <a:t>STALI</a:t>
+              </a:r>
+              <a:endParaRPr lang="de-AT" b="1"/>
+            </a:p>
+          </p:txBody>
+        </p:sp>
+        <p:pic>
+          <p:nvPicPr>
+            <p:cNvPr id="16" name="Grafik 15">
+              <a:extLst>
+                <a:ext uri="{FF2B5EF4-FFF2-40B4-BE49-F238E27FC236}">
+                  <a16:creationId xmlns:a16="http://schemas.microsoft.com/office/drawing/2014/main" id="{92410B74-6943-9437-E1A6-04BC99F338B1}"/>
+                </a:ext>
+              </a:extLst>
+            </p:cNvPr>
+            <p:cNvPicPr>
+              <a:picLocks noChangeAspect="1"/>
+            </p:cNvPicPr>
+            <p:nvPr/>
+          </p:nvPicPr>
+          <p:blipFill>
+            <a:blip r:embed="rId2">
+              <a:extLst>
+                <a:ext uri="{BEBA8EAE-BF5A-486C-A8C5-ECC9F3942E4B}">
+                  <a14:imgProps xmlns:a14="http://schemas.microsoft.com/office/drawing/2010/main">
+                    <a14:imgLayer r:embed="rId3">
+                      <a14:imgEffect>
+                        <a14:backgroundRemoval t="5426" b="93411" l="6038" r="91321">
+                          <a14:foregroundMark x1="30189" y1="54651" x2="56604" y2="43798"/>
+                          <a14:foregroundMark x1="56604" y1="43798" x2="36226" y2="51938"/>
+                          <a14:foregroundMark x1="36226" y1="51938" x2="30943" y2="51163"/>
+                          <a14:foregroundMark x1="7170" y1="18605" x2="30566" y2="4651"/>
+                          <a14:foregroundMark x1="30566" y1="4651" x2="86792" y2="13953"/>
+                          <a14:foregroundMark x1="86792" y1="13953" x2="91321" y2="41085"/>
+                          <a14:foregroundMark x1="91321" y1="41085" x2="84906" y2="82558"/>
+                          <a14:foregroundMark x1="84906" y1="82558" x2="67170" y2="93411"/>
+                          <a14:foregroundMark x1="67170" y1="93411" x2="29811" y2="92248"/>
+                          <a14:foregroundMark x1="29811" y1="92248" x2="6792" y2="39922"/>
+                          <a14:foregroundMark x1="6792" y1="39922" x2="8679" y2="15891"/>
+                          <a14:foregroundMark x1="10189" y1="48062" x2="38491" y2="45736"/>
+                          <a14:foregroundMark x1="38491" y1="45736" x2="10566" y2="51163"/>
+                          <a14:foregroundMark x1="10566" y1="51163" x2="7925" y2="46899"/>
+                          <a14:foregroundMark x1="5660" y1="52326" x2="5660" y2="72093"/>
+                          <a14:foregroundMark x1="5660" y1="72093" x2="15094" y2="90310"/>
+                          <a14:foregroundMark x1="15094" y1="90310" x2="34340" y2="91860"/>
+                          <a14:foregroundMark x1="34340" y1="91860" x2="36226" y2="90698"/>
+                          <a14:foregroundMark x1="22264" y1="94186" x2="46038" y2="93798"/>
+                          <a14:foregroundMark x1="46038" y1="93798" x2="69811" y2="94186"/>
+                          <a14:foregroundMark x1="69811" y1="94186" x2="78491" y2="94186"/>
+                          <a14:foregroundMark x1="43396" y1="93798" x2="25660" y2="74031"/>
+                          <a14:foregroundMark x1="25660" y1="74031" x2="41509" y2="62403"/>
+                          <a14:foregroundMark x1="41509" y1="62403" x2="63774" y2="73643"/>
+                          <a14:foregroundMark x1="63774" y1="73643" x2="47925" y2="92248"/>
+                          <a14:foregroundMark x1="47925" y1="92248" x2="42642" y2="93411"/>
+                          <a14:foregroundMark x1="69811" y1="76744" x2="62264" y2="46512"/>
+                          <a14:foregroundMark x1="62264" y1="46512" x2="76226" y2="31783"/>
+                          <a14:foregroundMark x1="76226" y1="31783" x2="91321" y2="50000"/>
+                          <a14:foregroundMark x1="91321" y1="50000" x2="81887" y2="66667"/>
+                          <a14:foregroundMark x1="81887" y1="66667" x2="67547" y2="74806"/>
+                          <a14:foregroundMark x1="29811" y1="58140" x2="13962" y2="38372"/>
+                          <a14:foregroundMark x1="13962" y1="38372" x2="20000" y2="12791"/>
+                          <a14:foregroundMark x1="20000" y1="12791" x2="39245" y2="12016"/>
+                          <a14:foregroundMark x1="39245" y1="12016" x2="54340" y2="27907"/>
+                          <a14:foregroundMark x1="54340" y1="27907" x2="50189" y2="50388"/>
+                          <a14:foregroundMark x1="50189" y1="50388" x2="30189" y2="58527"/>
+                          <a14:foregroundMark x1="30189" y1="58527" x2="27925" y2="57752"/>
+                          <a14:foregroundMark x1="16604" y1="8915" x2="56604" y2="4651"/>
+                          <a14:foregroundMark x1="56604" y1="4651" x2="78113" y2="5426"/>
+                          <a14:foregroundMark x1="78113" y1="5426" x2="82642" y2="9690"/>
+                          <a14:backgroundMark x1="2642" y1="10853" x2="6792" y2="2326"/>
+                          <a14:backgroundMark x1="2264" y1="9302" x2="10566" y2="3101"/>
+                          <a14:backgroundMark x1="10625" y1="10225" x2="18491" y2="1938"/>
+                          <a14:backgroundMark x1="3774" y1="17442" x2="10409" y2="10452"/>
+                          <a14:backgroundMark x1="18491" y1="1938" x2="23774" y2="0"/>
+                          <a14:backgroundMark x1="3019" y1="8140" x2="3774" y2="5814"/>
+                        </a14:backgroundRemoval>
+                      </a14:imgEffect>
+                    </a14:imgLayer>
+                  </a14:imgProps>
+                </a:ext>
+              </a:extLst>
+            </a:blip>
+            <a:stretch>
+              <a:fillRect/>
+            </a:stretch>
+          </p:blipFill>
+          <p:spPr>
+            <a:xfrm>
+              <a:off x="9989477" y="1750998"/>
+              <a:ext cx="1180565" cy="1149380"/>
+            </a:xfrm>
+            <a:prstGeom prst="rect">
+              <a:avLst/>
+            </a:prstGeom>
+          </p:spPr>
+        </p:pic>
+      </p:grpSp>
+      <p:sp>
+        <p:nvSpPr>
+          <p:cNvPr id="5" name="Textfeld 4">
+            <a:extLst>
+              <a:ext uri="{FF2B5EF4-FFF2-40B4-BE49-F238E27FC236}">
+                <a16:creationId xmlns:a16="http://schemas.microsoft.com/office/drawing/2014/main" id="{64EE9B51-2768-63E1-1772-FA5A131B0B2D}"/>
+              </a:ext>
+            </a:extLst>
+          </p:cNvPr>
+          <p:cNvSpPr txBox="1"/>
+          <p:nvPr/>
+        </p:nvSpPr>
+        <p:spPr>
+          <a:xfrm>
+            <a:off x="713016" y="3296261"/>
+            <a:ext cx="2571750" cy="584775"/>
+          </a:xfrm>
+          <a:prstGeom prst="rect">
+            <a:avLst/>
+          </a:prstGeom>
+          <a:noFill/>
+        </p:spPr>
+        <p:txBody>
+          <a:bodyPr wrap="square" rtlCol="0">
+            <a:spAutoFit/>
+          </a:bodyPr>
+          <a:lstStyle/>
+          <a:p>
+            <a:r>
+              <a:rPr lang="de-AT" sz="3200" b="1" dirty="0"/>
+              <a:t>Ali Dadak </a:t>
+            </a:r>
+          </a:p>
+        </p:txBody>
+      </p:sp>
+      <p:sp>
+        <p:nvSpPr>
+          <p:cNvPr id="7" name="Textfeld 6">
+            <a:extLst>
+              <a:ext uri="{FF2B5EF4-FFF2-40B4-BE49-F238E27FC236}">
+                <a16:creationId xmlns:a16="http://schemas.microsoft.com/office/drawing/2014/main" id="{0D2B5E8B-0F32-3507-6C2F-7908B43A457E}"/>
+              </a:ext>
+            </a:extLst>
+          </p:cNvPr>
+          <p:cNvSpPr txBox="1"/>
+          <p:nvPr/>
+        </p:nvSpPr>
+        <p:spPr>
+          <a:xfrm>
+            <a:off x="3904892" y="3277211"/>
+            <a:ext cx="2571750" cy="584775"/>
+          </a:xfrm>
+          <a:prstGeom prst="rect">
+            <a:avLst/>
+          </a:prstGeom>
+          <a:noFill/>
+        </p:spPr>
+        <p:txBody>
+          <a:bodyPr wrap="square" rtlCol="0">
+            <a:spAutoFit/>
+          </a:bodyPr>
+          <a:lstStyle/>
+          <a:p>
+            <a:r>
+              <a:rPr lang="de-AT" sz="3200" b="1" dirty="0"/>
+              <a:t>Stefan</a:t>
+            </a:r>
+            <a:r>
+              <a:rPr lang="de-AT" sz="2800" b="1" dirty="0"/>
+              <a:t> Ilic</a:t>
+            </a:r>
+          </a:p>
+        </p:txBody>
+      </p:sp>
+      <p:pic>
+        <p:nvPicPr>
+          <p:cNvPr id="22" name="Grafik 21" descr="Gruppe von Männern Silhouette">
+            <a:extLst>
+              <a:ext uri="{FF2B5EF4-FFF2-40B4-BE49-F238E27FC236}">
+                <a16:creationId xmlns:a16="http://schemas.microsoft.com/office/drawing/2014/main" id="{266E1350-71D8-6235-288E-E206CADAA178}"/>
+              </a:ext>
+            </a:extLst>
+          </p:cNvPr>
+          <p:cNvPicPr>
+            <a:picLocks noChangeAspect="1"/>
+          </p:cNvPicPr>
+          <p:nvPr/>
+        </p:nvPicPr>
+        <p:blipFill>
+          <a:blip r:embed="rId4">
+            <a:extLst>
+              <a:ext uri="{96DAC541-7B7A-43D3-8B79-37D633B846F1}">
+                <asvg:svgBlip xmlns:asvg="http://schemas.microsoft.com/office/drawing/2016/SVG/main" r:embed="rId5"/>
+              </a:ext>
+            </a:extLst>
+          </a:blip>
+          <a:stretch>
+            <a:fillRect/>
+          </a:stretch>
+        </p:blipFill>
+        <p:spPr>
+          <a:xfrm>
+            <a:off x="5231322" y="1122495"/>
+            <a:ext cx="772787" cy="772787"/>
+          </a:xfrm>
+          <a:prstGeom prst="rect">
+            <a:avLst/>
+          </a:prstGeom>
+        </p:spPr>
+      </p:pic>
+    </p:spTree>
+    <p:extLst>
+      <p:ext uri="{BB962C8B-B14F-4D97-AF65-F5344CB8AC3E}">
+        <p14:creationId xmlns:p14="http://schemas.microsoft.com/office/powerpoint/2010/main" val="1992590217"/>
+      </p:ext>
+    </p:extLst>
+  </p:cSld>
+  <p:clrMapOvr>
+    <a:masterClrMapping/>
+  </p:clrMapOvr>
+  <mc:AlternateContent xmlns:mc="http://schemas.openxmlformats.org/markup-compatibility/2006" xmlns:p159="http://schemas.microsoft.com/office/powerpoint/2015/09/main">
+    <mc:Choice Requires="p159">
+      <p:transition xmlns:p14="http://schemas.microsoft.com/office/powerpoint/2010/main" spd="slow" p14:dur="2000">
+        <p159:morph option="byObject"/>
+      </p:transition>
+    </mc:Choice>
+    <mc:Fallback xmlns="">
+      <p:transition spd="slow">
+        <p:fade/>
+      </p:transition>
+    </mc:Fallback>
+  </mc:AlternateContent>
+</p:sld>
+</file>
+
+<file path=ppt/slides/slide6.xml><?xml version="1.0" encoding="utf-8"?>
+<p:sld xmlns:a="http://schemas.openxmlformats.org/drawingml/2006/main" xmlns:r="http://schemas.openxmlformats.org/officeDocument/2006/relationships" xmlns:p="http://schemas.openxmlformats.org/presentationml/2006/main">
+  <p:cSld>
+    <p:spTree>
+      <p:nvGrpSpPr>
+        <p:cNvPr id="1" name=""/>
+        <p:cNvGrpSpPr/>
+        <p:nvPr/>
+      </p:nvGrpSpPr>
+      <p:grpSpPr>
+        <a:xfrm>
+          <a:off x="0" y="0"/>
+          <a:ext cx="0" cy="0"/>
+          <a:chOff x="0" y="0"/>
+          <a:chExt cx="0" cy="0"/>
+        </a:xfrm>
+      </p:grpSpPr>
+      <p:sp>
+        <p:nvSpPr>
+          <p:cNvPr id="2" name="Titel 1">
+            <a:extLst>
+              <a:ext uri="{FF2B5EF4-FFF2-40B4-BE49-F238E27FC236}">
+                <a16:creationId xmlns:a16="http://schemas.microsoft.com/office/drawing/2014/main" id="{6874257B-B114-B15A-8087-D8F0401529E0}"/>
+              </a:ext>
+            </a:extLst>
+          </p:cNvPr>
+          <p:cNvSpPr>
+            <a:spLocks noGrp="1"/>
+          </p:cNvSpPr>
+          <p:nvPr>
+            <p:ph type="title"/>
+          </p:nvPr>
+        </p:nvSpPr>
+        <p:spPr>
+          <a:xfrm>
+            <a:off x="2511425" y="1370504"/>
+            <a:ext cx="7169150" cy="1325563"/>
+          </a:xfrm>
+        </p:spPr>
+        <p:txBody>
+          <a:bodyPr/>
+          <a:lstStyle/>
+          <a:p>
+            <a:r>
+              <a:rPr lang="de-DE" b="1"/>
+              <a:t>LIVE DEMO / PROJEKTSTAND</a:t>
+            </a:r>
+            <a:endParaRPr lang="de-AT" b="1"/>
+          </a:p>
+        </p:txBody>
+      </p:sp>
+      <p:pic>
+        <p:nvPicPr>
+          <p:cNvPr id="11" name="Grafik 10" descr="Pfeil nach rechts mit einfarbiger Füllung">
+            <a:extLst>
+              <a:ext uri="{FF2B5EF4-FFF2-40B4-BE49-F238E27FC236}">
+                <a16:creationId xmlns:a16="http://schemas.microsoft.com/office/drawing/2014/main" id="{AA9F60F4-1DD5-2651-70B7-359EAC7B7118}"/>
+              </a:ext>
+            </a:extLst>
+          </p:cNvPr>
+          <p:cNvPicPr>
+            <a:picLocks noChangeAspect="1"/>
+          </p:cNvPicPr>
+          <p:nvPr/>
+        </p:nvPicPr>
+        <p:blipFill>
+          <a:blip r:embed="rId2">
+            <a:extLst>
+              <a:ext uri="{96DAC541-7B7A-43D3-8B79-37D633B846F1}">
+                <asvg:svgBlip xmlns:asvg="http://schemas.microsoft.com/office/drawing/2016/SVG/main" r:embed="rId3"/>
+              </a:ext>
+            </a:extLst>
+          </a:blip>
+          <a:stretch>
+            <a:fillRect/>
+          </a:stretch>
+        </p:blipFill>
+        <p:spPr>
+          <a:xfrm>
+            <a:off x="5391417" y="4057650"/>
+            <a:ext cx="914400" cy="914400"/>
+          </a:xfrm>
+          <a:prstGeom prst="rect">
+            <a:avLst/>
+          </a:prstGeom>
+        </p:spPr>
+      </p:pic>
+      <p:pic>
+        <p:nvPicPr>
+          <p:cNvPr id="3" name="Grafik 2">
+            <a:extLst>
+              <a:ext uri="{FF2B5EF4-FFF2-40B4-BE49-F238E27FC236}">
+                <a16:creationId xmlns:a16="http://schemas.microsoft.com/office/drawing/2014/main" id="{40563A2E-7C22-17B7-83AA-DAD573E8072C}"/>
+              </a:ext>
+            </a:extLst>
+          </p:cNvPr>
+          <p:cNvPicPr>
+            <a:picLocks noChangeAspect="1"/>
+          </p:cNvPicPr>
+          <p:nvPr/>
+        </p:nvPicPr>
+        <p:blipFill>
+          <a:blip r:embed="rId4">
+            <a:extLst>
+              <a:ext uri="{BEBA8EAE-BF5A-486C-A8C5-ECC9F3942E4B}">
+                <a14:imgProps xmlns:a14="http://schemas.microsoft.com/office/drawing/2010/main">
+                  <a14:imgLayer r:embed="rId5">
+                    <a14:imgEffect>
+                      <a14:backgroundRemoval t="5426" b="93411" l="6038" r="91321">
+                        <a14:foregroundMark x1="30189" y1="54651" x2="56604" y2="43798"/>
+                        <a14:foregroundMark x1="56604" y1="43798" x2="36226" y2="51938"/>
+                        <a14:foregroundMark x1="36226" y1="51938" x2="30943" y2="51163"/>
+                        <a14:foregroundMark x1="7170" y1="18605" x2="30566" y2="4651"/>
+                        <a14:foregroundMark x1="30566" y1="4651" x2="86792" y2="13953"/>
+                        <a14:foregroundMark x1="86792" y1="13953" x2="91321" y2="41085"/>
+                        <a14:foregroundMark x1="91321" y1="41085" x2="84906" y2="82558"/>
+                        <a14:foregroundMark x1="84906" y1="82558" x2="67170" y2="93411"/>
+                        <a14:foregroundMark x1="67170" y1="93411" x2="29811" y2="92248"/>
+                        <a14:foregroundMark x1="29811" y1="92248" x2="6792" y2="39922"/>
+                        <a14:foregroundMark x1="6792" y1="39922" x2="8679" y2="15891"/>
+                        <a14:foregroundMark x1="10189" y1="48062" x2="38491" y2="45736"/>
+                        <a14:foregroundMark x1="38491" y1="45736" x2="10566" y2="51163"/>
+                        <a14:foregroundMark x1="10566" y1="51163" x2="7925" y2="46899"/>
+                        <a14:foregroundMark x1="5660" y1="52326" x2="5660" y2="72093"/>
+                        <a14:foregroundMark x1="5660" y1="72093" x2="15094" y2="90310"/>
+                        <a14:foregroundMark x1="15094" y1="90310" x2="34340" y2="91860"/>
+                        <a14:foregroundMark x1="34340" y1="91860" x2="36226" y2="90698"/>
+                        <a14:foregroundMark x1="22264" y1="94186" x2="46038" y2="93798"/>
+                        <a14:foregroundMark x1="46038" y1="93798" x2="69811" y2="94186"/>
+                        <a14:foregroundMark x1="69811" y1="94186" x2="78491" y2="94186"/>
+                        <a14:foregroundMark x1="43396" y1="93798" x2="25660" y2="74031"/>
+                        <a14:foregroundMark x1="25660" y1="74031" x2="41509" y2="62403"/>
+                        <a14:foregroundMark x1="41509" y1="62403" x2="63774" y2="73643"/>
+                        <a14:foregroundMark x1="63774" y1="73643" x2="47925" y2="92248"/>
+                        <a14:foregroundMark x1="47925" y1="92248" x2="42642" y2="93411"/>
+                        <a14:foregroundMark x1="69811" y1="76744" x2="62264" y2="46512"/>
+                        <a14:foregroundMark x1="62264" y1="46512" x2="76226" y2="31783"/>
+                        <a14:foregroundMark x1="76226" y1="31783" x2="91321" y2="50000"/>
+                        <a14:foregroundMark x1="91321" y1="50000" x2="81887" y2="66667"/>
+                        <a14:foregroundMark x1="81887" y1="66667" x2="67547" y2="74806"/>
+                        <a14:foregroundMark x1="29811" y1="58140" x2="13962" y2="38372"/>
+                        <a14:foregroundMark x1="13962" y1="38372" x2="20000" y2="12791"/>
+                        <a14:foregroundMark x1="20000" y1="12791" x2="39245" y2="12016"/>
+                        <a14:foregroundMark x1="39245" y1="12016" x2="54340" y2="27907"/>
+                        <a14:foregroundMark x1="54340" y1="27907" x2="50189" y2="50388"/>
+                        <a14:foregroundMark x1="50189" y1="50388" x2="30189" y2="58527"/>
+                        <a14:foregroundMark x1="30189" y1="58527" x2="27925" y2="57752"/>
+                        <a14:foregroundMark x1="16604" y1="8915" x2="56604" y2="4651"/>
+                        <a14:foregroundMark x1="56604" y1="4651" x2="78113" y2="5426"/>
+                        <a14:foregroundMark x1="78113" y1="5426" x2="82642" y2="9690"/>
+                        <a14:backgroundMark x1="2642" y1="10853" x2="6792" y2="2326"/>
+                        <a14:backgroundMark x1="2264" y1="9302" x2="10566" y2="3101"/>
+                        <a14:backgroundMark x1="10625" y1="10225" x2="18491" y2="1938"/>
+                        <a14:backgroundMark x1="3774" y1="17442" x2="10409" y2="10452"/>
+                        <a14:backgroundMark x1="18491" y1="1938" x2="23774" y2="0"/>
+                        <a14:backgroundMark x1="3019" y1="8140" x2="3774" y2="5814"/>
+                      </a14:backgroundRemoval>
+                    </a14:imgEffect>
+                  </a14:imgLayer>
+                </a14:imgProps>
+              </a:ext>
+            </a:extLst>
+          </a:blip>
+          <a:stretch>
+            <a:fillRect/>
+          </a:stretch>
+        </p:blipFill>
+        <p:spPr>
+          <a:xfrm>
+            <a:off x="5258335" y="3078114"/>
+            <a:ext cx="1180565" cy="1149380"/>
+          </a:xfrm>
+          <a:prstGeom prst="rect">
+            <a:avLst/>
+          </a:prstGeom>
+        </p:spPr>
+      </p:pic>
+    </p:spTree>
+    <p:extLst>
+      <p:ext uri="{BB962C8B-B14F-4D97-AF65-F5344CB8AC3E}">
+        <p14:creationId xmlns:p14="http://schemas.microsoft.com/office/powerpoint/2010/main" val="585508759"/>
+      </p:ext>
+    </p:extLst>
+  </p:cSld>
+  <p:clrMapOvr>
+    <a:masterClrMapping/>
+  </p:clrMapOvr>
+  <mc:AlternateContent xmlns:mc="http://schemas.openxmlformats.org/markup-compatibility/2006" xmlns:p159="http://schemas.microsoft.com/office/powerpoint/2015/09/main">
+    <mc:Choice Requires="p159">
+      <p:transition xmlns:p14="http://schemas.microsoft.com/office/powerpoint/2010/main" spd="slow" p14:dur="2000">
+        <p159:morph option="byObject"/>
+      </p:transition>
+    </mc:Choice>
+    <mc:Fallback xmlns="">
+      <p:transition spd="slow">
+        <p:fade/>
+      </p:transition>
+    </mc:Fallback>
+  </mc:AlternateContent>
+</p:sld>
+</file>
+
+<file path=ppt/slides/slide7.xml><?xml version="1.0" encoding="utf-8"?>
+<p:sld xmlns:a="http://schemas.openxmlformats.org/drawingml/2006/main" xmlns:r="http://schemas.openxmlformats.org/officeDocument/2006/relationships" xmlns:p="http://schemas.openxmlformats.org/presentationml/2006/main" show="0">
+  <p:cSld>
+    <p:spTree>
+      <p:nvGrpSpPr>
+        <p:cNvPr id="1" name=""/>
+        <p:cNvGrpSpPr/>
+        <p:nvPr/>
+      </p:nvGrpSpPr>
+      <p:grpSpPr>
+        <a:xfrm>
+          <a:off x="0" y="0"/>
+          <a:ext cx="0" cy="0"/>
+          <a:chOff x="0" y="0"/>
+          <a:chExt cx="0" cy="0"/>
+        </a:xfrm>
+      </p:grpSpPr>
+      <p:sp>
+        <p:nvSpPr>
+          <p:cNvPr id="2" name="Titel 1">
+            <a:extLst>
+              <a:ext uri="{FF2B5EF4-FFF2-40B4-BE49-F238E27FC236}">
+                <a16:creationId xmlns:a16="http://schemas.microsoft.com/office/drawing/2014/main" id="{4B93D715-B9CF-8B40-D66C-DF1E190D1879}"/>
+              </a:ext>
+            </a:extLst>
+          </p:cNvPr>
+          <p:cNvSpPr>
+            <a:spLocks noGrp="1"/>
+          </p:cNvSpPr>
+          <p:nvPr>
+            <p:ph type="title"/>
+          </p:nvPr>
+        </p:nvSpPr>
+        <p:spPr/>
+        <p:txBody>
+          <a:bodyPr/>
+          <a:lstStyle/>
+          <a:p>
+            <a:r>
+              <a:rPr lang="de-DE" b="1"/>
+              <a:t>GITHUB </a:t>
+            </a:r>
+            <a:endParaRPr lang="de-AT" b="1"/>
+          </a:p>
+        </p:txBody>
+      </p:sp>
+      <p:pic>
+        <p:nvPicPr>
+          <p:cNvPr id="4" name="Inhaltsplatzhalter 4">
+            <a:extLst>
+              <a:ext uri="{FF2B5EF4-FFF2-40B4-BE49-F238E27FC236}">
+                <a16:creationId xmlns:a16="http://schemas.microsoft.com/office/drawing/2014/main" id="{BB5B0B1A-D1DD-03BD-238A-3F02BF5EDA64}"/>
+              </a:ext>
+            </a:extLst>
+          </p:cNvPr>
+          <p:cNvPicPr>
+            <a:picLocks noGrp="1" noChangeAspect="1"/>
+          </p:cNvPicPr>
+          <p:nvPr>
+            <p:ph idx="1"/>
+          </p:nvPr>
+        </p:nvPicPr>
+        <p:blipFill>
+          <a:blip r:embed="rId2"/>
+          <a:stretch>
+            <a:fillRect/>
+          </a:stretch>
+        </p:blipFill>
+        <p:spPr>
+          <a:xfrm>
+            <a:off x="838200" y="1566582"/>
+            <a:ext cx="4206387" cy="3623423"/>
+          </a:xfrm>
+          <a:prstGeom prst="rect">
+            <a:avLst/>
+          </a:prstGeom>
+        </p:spPr>
+      </p:pic>
+      <p:pic>
+        <p:nvPicPr>
+          <p:cNvPr id="6" name="Grafik 5">
+            <a:extLst>
+              <a:ext uri="{FF2B5EF4-FFF2-40B4-BE49-F238E27FC236}">
+                <a16:creationId xmlns:a16="http://schemas.microsoft.com/office/drawing/2014/main" id="{D7B4EE31-4821-8F28-9628-FBD90642B779}"/>
+              </a:ext>
+            </a:extLst>
+          </p:cNvPr>
+          <p:cNvPicPr>
+            <a:picLocks noChangeAspect="1"/>
+          </p:cNvPicPr>
+          <p:nvPr/>
+        </p:nvPicPr>
+        <p:blipFill>
+          <a:blip r:embed="rId3"/>
+          <a:stretch>
+            <a:fillRect/>
+          </a:stretch>
+        </p:blipFill>
+        <p:spPr>
+          <a:xfrm>
+            <a:off x="5360904" y="1507600"/>
+            <a:ext cx="2651289" cy="3039283"/>
+          </a:xfrm>
+          <a:prstGeom prst="rect">
+            <a:avLst/>
+          </a:prstGeom>
+        </p:spPr>
+      </p:pic>
+      <p:grpSp>
+        <p:nvGrpSpPr>
+          <p:cNvPr id="12" name="Gruppieren 11">
+            <a:extLst>
+              <a:ext uri="{FF2B5EF4-FFF2-40B4-BE49-F238E27FC236}">
+                <a16:creationId xmlns:a16="http://schemas.microsoft.com/office/drawing/2014/main" id="{FCDC4AC3-6FFE-412C-E687-8EF982932CA8}"/>
+              </a:ext>
+            </a:extLst>
+          </p:cNvPr>
+          <p:cNvGrpSpPr/>
+          <p:nvPr/>
+        </p:nvGrpSpPr>
+        <p:grpSpPr>
+          <a:xfrm>
+            <a:off x="6686549" y="8095713"/>
+            <a:ext cx="6038850" cy="10537401"/>
+            <a:chOff x="6686549" y="8095713"/>
+            <a:chExt cx="6038850" cy="10537401"/>
+          </a:xfrm>
+        </p:grpSpPr>
+        <p:sp>
+          <p:nvSpPr>
+            <p:cNvPr id="3" name="Rechteck 2">
+              <a:extLst>
+                <a:ext uri="{FF2B5EF4-FFF2-40B4-BE49-F238E27FC236}">
+                  <a16:creationId xmlns:a16="http://schemas.microsoft.com/office/drawing/2014/main" id="{D1AA532D-02AD-6711-CF68-03B3E34CD5DB}"/>
+                </a:ext>
+              </a:extLst>
+            </p:cNvPr>
+            <p:cNvSpPr/>
+            <p:nvPr/>
+          </p:nvSpPr>
+          <p:spPr>
+            <a:xfrm>
+              <a:off x="6686549" y="8095713"/>
+              <a:ext cx="6038850" cy="10537401"/>
+            </a:xfrm>
+            <a:prstGeom prst="rect">
+              <a:avLst/>
+            </a:prstGeom>
+            <a:solidFill>
+              <a:srgbClr val="7030A0"/>
+            </a:solidFill>
+            <a:ln>
+              <a:solidFill>
+                <a:srgbClr val="7030A0"/>
+              </a:solidFill>
+            </a:ln>
+          </p:spPr>
+          <p:style>
+            <a:lnRef idx="2">
+              <a:schemeClr val="accent1">
+                <a:shade val="15000"/>
+              </a:schemeClr>
+            </a:lnRef>
+            <a:fillRef idx="1">
+              <a:schemeClr val="accent1"/>
+            </a:fillRef>
+            <a:effectRef idx="0">
+              <a:schemeClr val="accent1"/>
+            </a:effectRef>
+            <a:fontRef idx="minor">
+              <a:schemeClr val="lt1"/>
+            </a:fontRef>
+          </p:style>
+          <p:txBody>
+            <a:bodyPr vert="vert270" rtlCol="0" anchor="ctr"/>
+            <a:lstStyle/>
+            <a:p>
+              <a:pPr algn="ctr"/>
+              <a:r>
+                <a:rPr lang="de-DE" sz="5400"/>
+                <a:t>STALI</a:t>
+              </a:r>
+              <a:endParaRPr lang="de-AT"/>
+            </a:p>
+          </p:txBody>
+        </p:sp>
+        <p:pic>
+          <p:nvPicPr>
+            <p:cNvPr id="5" name="Grafik 4">
+              <a:extLst>
+                <a:ext uri="{FF2B5EF4-FFF2-40B4-BE49-F238E27FC236}">
+                  <a16:creationId xmlns:a16="http://schemas.microsoft.com/office/drawing/2014/main" id="{1C6DB43D-3E42-F31D-6947-90A9F7C2C71B}"/>
+                </a:ext>
+              </a:extLst>
+            </p:cNvPr>
+            <p:cNvPicPr>
+              <a:picLocks noChangeAspect="1"/>
+            </p:cNvPicPr>
+            <p:nvPr/>
+          </p:nvPicPr>
+          <p:blipFill>
+            <a:blip r:embed="rId4">
+              <a:extLst>
+                <a:ext uri="{BEBA8EAE-BF5A-486C-A8C5-ECC9F3942E4B}">
+                  <a14:imgProps xmlns:a14="http://schemas.microsoft.com/office/drawing/2010/main">
+                    <a14:imgLayer r:embed="rId5">
+                      <a14:imgEffect>
+                        <a14:backgroundRemoval t="5426" b="93411" l="6038" r="91321">
+                          <a14:foregroundMark x1="30189" y1="54651" x2="56604" y2="43798"/>
+                          <a14:foregroundMark x1="56604" y1="43798" x2="36226" y2="51938"/>
+                          <a14:foregroundMark x1="36226" y1="51938" x2="30943" y2="51163"/>
+                          <a14:foregroundMark x1="7170" y1="18605" x2="30566" y2="4651"/>
+                          <a14:foregroundMark x1="30566" y1="4651" x2="86792" y2="13953"/>
+                          <a14:foregroundMark x1="86792" y1="13953" x2="91321" y2="41085"/>
+                          <a14:foregroundMark x1="91321" y1="41085" x2="84906" y2="82558"/>
+                          <a14:foregroundMark x1="84906" y1="82558" x2="67170" y2="93411"/>
+                          <a14:foregroundMark x1="67170" y1="93411" x2="29811" y2="92248"/>
+                          <a14:foregroundMark x1="29811" y1="92248" x2="6792" y2="39922"/>
+                          <a14:foregroundMark x1="6792" y1="39922" x2="8679" y2="15891"/>
+                          <a14:foregroundMark x1="10189" y1="48062" x2="38491" y2="45736"/>
+                          <a14:foregroundMark x1="38491" y1="45736" x2="10566" y2="51163"/>
+                          <a14:foregroundMark x1="10566" y1="51163" x2="7925" y2="46899"/>
+                          <a14:foregroundMark x1="5660" y1="52326" x2="5660" y2="72093"/>
+                          <a14:foregroundMark x1="5660" y1="72093" x2="15094" y2="90310"/>
+                          <a14:foregroundMark x1="15094" y1="90310" x2="34340" y2="91860"/>
+                          <a14:foregroundMark x1="34340" y1="91860" x2="36226" y2="90698"/>
+                          <a14:foregroundMark x1="22264" y1="94186" x2="46038" y2="93798"/>
+                          <a14:foregroundMark x1="46038" y1="93798" x2="69811" y2="94186"/>
+                          <a14:foregroundMark x1="69811" y1="94186" x2="78491" y2="94186"/>
+                          <a14:foregroundMark x1="43396" y1="93798" x2="25660" y2="74031"/>
+                          <a14:foregroundMark x1="25660" y1="74031" x2="41509" y2="62403"/>
+                          <a14:foregroundMark x1="41509" y1="62403" x2="63774" y2="73643"/>
+                          <a14:foregroundMark x1="63774" y1="73643" x2="47925" y2="92248"/>
+                          <a14:foregroundMark x1="47925" y1="92248" x2="42642" y2="93411"/>
+                          <a14:foregroundMark x1="69811" y1="76744" x2="62264" y2="46512"/>
+                          <a14:foregroundMark x1="62264" y1="46512" x2="76226" y2="31783"/>
+                          <a14:foregroundMark x1="76226" y1="31783" x2="91321" y2="50000"/>
+                          <a14:foregroundMark x1="91321" y1="50000" x2="81887" y2="66667"/>
+                          <a14:foregroundMark x1="81887" y1="66667" x2="67547" y2="74806"/>
+                          <a14:foregroundMark x1="29811" y1="58140" x2="13962" y2="38372"/>
+                          <a14:foregroundMark x1="13962" y1="38372" x2="20000" y2="12791"/>
+                          <a14:foregroundMark x1="20000" y1="12791" x2="39245" y2="12016"/>
+                          <a14:foregroundMark x1="39245" y1="12016" x2="54340" y2="27907"/>
+                          <a14:foregroundMark x1="54340" y1="27907" x2="50189" y2="50388"/>
+                          <a14:foregroundMark x1="50189" y1="50388" x2="30189" y2="58527"/>
+                          <a14:foregroundMark x1="30189" y1="58527" x2="27925" y2="57752"/>
+                          <a14:foregroundMark x1="16604" y1="8915" x2="56604" y2="4651"/>
+                          <a14:foregroundMark x1="56604" y1="4651" x2="78113" y2="5426"/>
+                          <a14:foregroundMark x1="78113" y1="5426" x2="82642" y2="9690"/>
+                          <a14:backgroundMark x1="2642" y1="10853" x2="6792" y2="2326"/>
+                          <a14:backgroundMark x1="2264" y1="9302" x2="10566" y2="3101"/>
+                          <a14:backgroundMark x1="10625" y1="10225" x2="18491" y2="1938"/>
+                          <a14:backgroundMark x1="3774" y1="17442" x2="10409" y2="10452"/>
+                          <a14:backgroundMark x1="18491" y1="1938" x2="23774" y2="0"/>
+                          <a14:backgroundMark x1="3019" y1="8140" x2="3774" y2="5814"/>
+                        </a14:backgroundRemoval>
+                      </a14:imgEffect>
+                    </a14:imgLayer>
+                  </a14:imgProps>
+                </a:ext>
+              </a:extLst>
+            </a:blip>
+            <a:stretch>
+              <a:fillRect/>
+            </a:stretch>
+          </p:blipFill>
+          <p:spPr>
+            <a:xfrm>
+              <a:off x="9115691" y="10094660"/>
+              <a:ext cx="1180565" cy="1149380"/>
+            </a:xfrm>
+            <a:prstGeom prst="rect">
+              <a:avLst/>
+            </a:prstGeom>
+          </p:spPr>
+        </p:pic>
+      </p:grpSp>
+      <p:grpSp>
+        <p:nvGrpSpPr>
+          <p:cNvPr id="13" name="Gruppieren 12">
+            <a:extLst>
+              <a:ext uri="{FF2B5EF4-FFF2-40B4-BE49-F238E27FC236}">
+                <a16:creationId xmlns:a16="http://schemas.microsoft.com/office/drawing/2014/main" id="{332B30FA-AC13-4364-6008-83DF51FC4741}"/>
+              </a:ext>
+            </a:extLst>
+          </p:cNvPr>
+          <p:cNvGrpSpPr/>
+          <p:nvPr/>
+        </p:nvGrpSpPr>
+        <p:grpSpPr>
+          <a:xfrm>
+            <a:off x="-5895522" y="2078831"/>
+            <a:ext cx="5448300" cy="2700337"/>
+            <a:chOff x="590550" y="1990725"/>
+            <a:chExt cx="5448300" cy="2700337"/>
+          </a:xfrm>
+        </p:grpSpPr>
+        <p:sp>
+          <p:nvSpPr>
+            <p:cNvPr id="14" name="Rechteck: abgerundete Ecken 13">
+              <a:extLst>
+                <a:ext uri="{FF2B5EF4-FFF2-40B4-BE49-F238E27FC236}">
+                  <a16:creationId xmlns:a16="http://schemas.microsoft.com/office/drawing/2014/main" id="{69E79135-6E08-5F7B-A5FB-18EAC53C4260}"/>
+                </a:ext>
+              </a:extLst>
+            </p:cNvPr>
+            <p:cNvSpPr/>
+            <p:nvPr/>
+          </p:nvSpPr>
+          <p:spPr>
+            <a:xfrm>
+              <a:off x="590550" y="1990725"/>
+              <a:ext cx="2571750" cy="1200150"/>
+            </a:xfrm>
+            <a:prstGeom prst="roundRect">
+              <a:avLst/>
+            </a:prstGeom>
+            <a:solidFill>
+              <a:srgbClr val="7030A0"/>
+            </a:solidFill>
+            <a:ln>
+              <a:solidFill>
+                <a:srgbClr val="7030A0"/>
+              </a:solidFill>
+            </a:ln>
+          </p:spPr>
+          <p:style>
+            <a:lnRef idx="2">
+              <a:schemeClr val="accent1">
+                <a:shade val="15000"/>
+              </a:schemeClr>
+            </a:lnRef>
+            <a:fillRef idx="1">
+              <a:schemeClr val="accent1"/>
+            </a:fillRef>
+            <a:effectRef idx="0">
+              <a:schemeClr val="accent1"/>
+            </a:effectRef>
+            <a:fontRef idx="minor">
+              <a:schemeClr val="lt1"/>
+            </a:fontRef>
+          </p:style>
+          <p:txBody>
+            <a:bodyPr rtlCol="0" anchor="ctr"/>
+            <a:lstStyle/>
+            <a:p>
+              <a:pPr algn="ctr"/>
+              <a:r>
+                <a:rPr lang="de-AT" b="1"/>
+                <a:t>Verbessertes GitHub-Management</a:t>
+              </a:r>
+              <a:endParaRPr lang="de-AT"/>
+            </a:p>
+          </p:txBody>
+        </p:sp>
+        <p:sp>
+          <p:nvSpPr>
+            <p:cNvPr id="15" name="Rechteck: abgerundete Ecken 14">
+              <a:extLst>
+                <a:ext uri="{FF2B5EF4-FFF2-40B4-BE49-F238E27FC236}">
+                  <a16:creationId xmlns:a16="http://schemas.microsoft.com/office/drawing/2014/main" id="{65CCA640-9BCE-B706-CCBD-65EA193CFAF8}"/>
+                </a:ext>
+              </a:extLst>
+            </p:cNvPr>
+            <p:cNvSpPr/>
+            <p:nvPr/>
+          </p:nvSpPr>
+          <p:spPr>
+            <a:xfrm>
+              <a:off x="3467100" y="1990725"/>
+              <a:ext cx="2571750" cy="1200150"/>
+            </a:xfrm>
+            <a:prstGeom prst="roundRect">
+              <a:avLst/>
+            </a:prstGeom>
+            <a:solidFill>
+              <a:srgbClr val="7030A0"/>
+            </a:solidFill>
+            <a:ln>
+              <a:solidFill>
+                <a:srgbClr val="7030A0"/>
+              </a:solidFill>
+            </a:ln>
+          </p:spPr>
+          <p:style>
+            <a:lnRef idx="2">
+              <a:schemeClr val="accent1">
+                <a:shade val="15000"/>
+              </a:schemeClr>
+            </a:lnRef>
+            <a:fillRef idx="1">
+              <a:schemeClr val="accent1"/>
+            </a:fillRef>
+            <a:effectRef idx="0">
+              <a:schemeClr val="accent1"/>
+            </a:effectRef>
+            <a:fontRef idx="minor">
+              <a:schemeClr val="lt1"/>
+            </a:fontRef>
+          </p:style>
+          <p:txBody>
+            <a:bodyPr rtlCol="0" anchor="ctr"/>
+            <a:lstStyle/>
+            <a:p>
+              <a:pPr algn="ctr"/>
+              <a:r>
+                <a:rPr lang="de-AT" b="1"/>
+                <a:t>Erweiterte Such- &amp; Filteroptionen</a:t>
+              </a:r>
+            </a:p>
+          </p:txBody>
+        </p:sp>
+        <p:sp>
+          <p:nvSpPr>
+            <p:cNvPr id="16" name="Rechteck: abgerundete Ecken 15">
+              <a:extLst>
+                <a:ext uri="{FF2B5EF4-FFF2-40B4-BE49-F238E27FC236}">
+                  <a16:creationId xmlns:a16="http://schemas.microsoft.com/office/drawing/2014/main" id="{1C71826B-96C6-C1E1-5564-F3A8A27685D3}"/>
+                </a:ext>
+              </a:extLst>
+            </p:cNvPr>
+            <p:cNvSpPr/>
+            <p:nvPr/>
+          </p:nvSpPr>
+          <p:spPr>
+            <a:xfrm>
+              <a:off x="590550" y="3429000"/>
+              <a:ext cx="2571750" cy="1200150"/>
+            </a:xfrm>
+            <a:prstGeom prst="roundRect">
+              <a:avLst/>
+            </a:prstGeom>
+            <a:solidFill>
+              <a:srgbClr val="7030A0"/>
+            </a:solidFill>
+            <a:ln>
+              <a:solidFill>
+                <a:srgbClr val="7030A0"/>
+              </a:solidFill>
+            </a:ln>
+          </p:spPr>
+          <p:style>
+            <a:lnRef idx="2">
+              <a:schemeClr val="accent1">
+                <a:shade val="15000"/>
+              </a:schemeClr>
+            </a:lnRef>
+            <a:fillRef idx="1">
+              <a:schemeClr val="accent1"/>
+            </a:fillRef>
+            <a:effectRef idx="0">
+              <a:schemeClr val="accent1"/>
+            </a:effectRef>
+            <a:fontRef idx="minor">
+              <a:schemeClr val="lt1"/>
+            </a:fontRef>
+          </p:style>
+          <p:txBody>
+            <a:bodyPr rtlCol="0" anchor="ctr"/>
+            <a:lstStyle/>
+            <a:p>
+              <a:pPr algn="ctr"/>
+              <a:r>
+                <a:rPr lang="de-AT" b="1"/>
+                <a:t>Zahlungs- und Versandintegration</a:t>
+              </a:r>
+            </a:p>
+          </p:txBody>
+        </p:sp>
+        <p:sp>
+          <p:nvSpPr>
+            <p:cNvPr id="17" name="Rechteck: abgerundete Ecken 16">
+              <a:extLst>
+                <a:ext uri="{FF2B5EF4-FFF2-40B4-BE49-F238E27FC236}">
+                  <a16:creationId xmlns:a16="http://schemas.microsoft.com/office/drawing/2014/main" id="{EE4C8537-03EA-9C74-3C7D-3F8627053FA3}"/>
+                </a:ext>
+              </a:extLst>
+            </p:cNvPr>
+            <p:cNvSpPr/>
+            <p:nvPr/>
+          </p:nvSpPr>
+          <p:spPr>
+            <a:xfrm>
+              <a:off x="3467100" y="3490912"/>
+              <a:ext cx="2571750" cy="1200150"/>
+            </a:xfrm>
+            <a:prstGeom prst="roundRect">
+              <a:avLst/>
+            </a:prstGeom>
+            <a:solidFill>
+              <a:srgbClr val="7030A0"/>
+            </a:solidFill>
+            <a:ln>
+              <a:solidFill>
+                <a:srgbClr val="7030A0"/>
+              </a:solidFill>
+            </a:ln>
+          </p:spPr>
+          <p:style>
+            <a:lnRef idx="2">
+              <a:schemeClr val="accent1">
+                <a:shade val="15000"/>
+              </a:schemeClr>
+            </a:lnRef>
+            <a:fillRef idx="1">
+              <a:schemeClr val="accent1"/>
+            </a:fillRef>
+            <a:effectRef idx="0">
+              <a:schemeClr val="accent1"/>
+            </a:effectRef>
+            <a:fontRef idx="minor">
+              <a:schemeClr val="lt1"/>
+            </a:fontRef>
+          </p:style>
+          <p:txBody>
+            <a:bodyPr rtlCol="0" anchor="ctr"/>
+            <a:lstStyle/>
+            <a:p>
+              <a:pPr algn="ctr"/>
+              <a:r>
+                <a:rPr lang="de-AT" b="1"/>
+                <a:t>Empfehlungsfunktion</a:t>
+              </a:r>
+            </a:p>
+          </p:txBody>
+        </p:sp>
+      </p:grpSp>
+      <p:pic>
+        <p:nvPicPr>
+          <p:cNvPr id="19" name="Grafik 18" descr="Pfeil nach rechts mit einfarbiger Füllung">
+            <a:extLst>
+              <a:ext uri="{FF2B5EF4-FFF2-40B4-BE49-F238E27FC236}">
+                <a16:creationId xmlns:a16="http://schemas.microsoft.com/office/drawing/2014/main" id="{1995EF03-1D5F-0A95-9DAA-B40C569E61BF}"/>
+              </a:ext>
+            </a:extLst>
+          </p:cNvPr>
+          <p:cNvPicPr>
+            <a:picLocks noChangeAspect="1"/>
+          </p:cNvPicPr>
+          <p:nvPr/>
+        </p:nvPicPr>
+        <p:blipFill>
+          <a:blip r:embed="rId6">
+            <a:extLst>
+              <a:ext uri="{96DAC541-7B7A-43D3-8B79-37D633B846F1}">
+                <asvg:svgBlip xmlns:asvg="http://schemas.microsoft.com/office/drawing/2016/SVG/main" r:embed="rId7"/>
+              </a:ext>
+            </a:extLst>
+          </a:blip>
+          <a:stretch>
+            <a:fillRect/>
+          </a:stretch>
+        </p:blipFill>
+        <p:spPr>
+          <a:xfrm>
+            <a:off x="5638800" y="4436000"/>
+            <a:ext cx="914400" cy="914400"/>
+          </a:xfrm>
+          <a:prstGeom prst="rect">
+            <a:avLst/>
+          </a:prstGeom>
+        </p:spPr>
+      </p:pic>
+      <p:grpSp>
+        <p:nvGrpSpPr>
+          <p:cNvPr id="22" name="Gruppieren 21">
+            <a:extLst>
+              <a:ext uri="{FF2B5EF4-FFF2-40B4-BE49-F238E27FC236}">
+                <a16:creationId xmlns:a16="http://schemas.microsoft.com/office/drawing/2014/main" id="{1A949740-944F-09DE-5E80-0B6ED809D12B}"/>
+              </a:ext>
+            </a:extLst>
+          </p:cNvPr>
+          <p:cNvGrpSpPr/>
+          <p:nvPr/>
+        </p:nvGrpSpPr>
+        <p:grpSpPr>
+          <a:xfrm>
+            <a:off x="-11575752" y="-2441688"/>
+            <a:ext cx="5037519" cy="10537401"/>
+            <a:chOff x="8061000" y="-1032924"/>
+            <a:chExt cx="5037519" cy="10537401"/>
+          </a:xfrm>
+        </p:grpSpPr>
+        <p:sp>
+          <p:nvSpPr>
+            <p:cNvPr id="23" name="Rechteck 22">
+              <a:extLst>
+                <a:ext uri="{FF2B5EF4-FFF2-40B4-BE49-F238E27FC236}">
+                  <a16:creationId xmlns:a16="http://schemas.microsoft.com/office/drawing/2014/main" id="{A06A806C-F982-F72C-9BFF-CA505ABD5898}"/>
+                </a:ext>
+              </a:extLst>
+            </p:cNvPr>
+            <p:cNvSpPr/>
+            <p:nvPr/>
+          </p:nvSpPr>
+          <p:spPr>
+            <a:xfrm>
+              <a:off x="8061000" y="-1032924"/>
+              <a:ext cx="5037519" cy="10537401"/>
+            </a:xfrm>
+            <a:prstGeom prst="rect">
+              <a:avLst/>
+            </a:prstGeom>
+            <a:solidFill>
+              <a:srgbClr val="7030A0"/>
+            </a:solidFill>
+            <a:ln>
+              <a:solidFill>
+                <a:srgbClr val="7030A0"/>
+              </a:solidFill>
+            </a:ln>
+          </p:spPr>
+          <p:style>
+            <a:lnRef idx="2">
+              <a:schemeClr val="accent1">
+                <a:shade val="15000"/>
+              </a:schemeClr>
+            </a:lnRef>
+            <a:fillRef idx="1">
+              <a:schemeClr val="accent1"/>
+            </a:fillRef>
+            <a:effectRef idx="0">
+              <a:schemeClr val="accent1"/>
+            </a:effectRef>
+            <a:fontRef idx="minor">
+              <a:schemeClr val="lt1"/>
+            </a:fontRef>
+          </p:style>
+          <p:txBody>
+            <a:bodyPr vert="vert270" rtlCol="0" anchor="ctr"/>
+            <a:lstStyle/>
+            <a:p>
+              <a:pPr algn="ctr"/>
+              <a:r>
+                <a:rPr lang="de-DE" sz="5400" b="1"/>
+                <a:t>STALI</a:t>
+              </a:r>
+              <a:endParaRPr lang="de-AT" b="1"/>
+            </a:p>
+          </p:txBody>
+        </p:sp>
+        <p:pic>
+          <p:nvPicPr>
+            <p:cNvPr id="24" name="Grafik 23">
+              <a:extLst>
+                <a:ext uri="{FF2B5EF4-FFF2-40B4-BE49-F238E27FC236}">
+                  <a16:creationId xmlns:a16="http://schemas.microsoft.com/office/drawing/2014/main" id="{9703550E-7238-F7DD-6C69-B64603D4A658}"/>
+                </a:ext>
+              </a:extLst>
+            </p:cNvPr>
+            <p:cNvPicPr>
+              <a:picLocks noChangeAspect="1"/>
+            </p:cNvPicPr>
+            <p:nvPr/>
+          </p:nvPicPr>
+          <p:blipFill>
+            <a:blip r:embed="rId4">
+              <a:extLst>
+                <a:ext uri="{BEBA8EAE-BF5A-486C-A8C5-ECC9F3942E4B}">
+                  <a14:imgProps xmlns:a14="http://schemas.microsoft.com/office/drawing/2010/main">
+                    <a14:imgLayer r:embed="rId5">
+                      <a14:imgEffect>
+                        <a14:backgroundRemoval t="5426" b="93411" l="6038" r="91321">
+                          <a14:foregroundMark x1="30189" y1="54651" x2="56604" y2="43798"/>
+                          <a14:foregroundMark x1="56604" y1="43798" x2="36226" y2="51938"/>
+                          <a14:foregroundMark x1="36226" y1="51938" x2="30943" y2="51163"/>
+                          <a14:foregroundMark x1="7170" y1="18605" x2="30566" y2="4651"/>
+                          <a14:foregroundMark x1="30566" y1="4651" x2="86792" y2="13953"/>
+                          <a14:foregroundMark x1="86792" y1="13953" x2="91321" y2="41085"/>
+                          <a14:foregroundMark x1="91321" y1="41085" x2="84906" y2="82558"/>
+                          <a14:foregroundMark x1="84906" y1="82558" x2="67170" y2="93411"/>
+                          <a14:foregroundMark x1="67170" y1="93411" x2="29811" y2="92248"/>
+                          <a14:foregroundMark x1="29811" y1="92248" x2="6792" y2="39922"/>
+                          <a14:foregroundMark x1="6792" y1="39922" x2="8679" y2="15891"/>
+                          <a14:foregroundMark x1="10189" y1="48062" x2="38491" y2="45736"/>
+                          <a14:foregroundMark x1="38491" y1="45736" x2="10566" y2="51163"/>
+                          <a14:foregroundMark x1="10566" y1="51163" x2="7925" y2="46899"/>
+                          <a14:foregroundMark x1="5660" y1="52326" x2="5660" y2="72093"/>
+                          <a14:foregroundMark x1="5660" y1="72093" x2="15094" y2="90310"/>
+                          <a14:foregroundMark x1="15094" y1="90310" x2="34340" y2="91860"/>
+                          <a14:foregroundMark x1="34340" y1="91860" x2="36226" y2="90698"/>
+                          <a14:foregroundMark x1="22264" y1="94186" x2="46038" y2="93798"/>
+                          <a14:foregroundMark x1="46038" y1="93798" x2="69811" y2="94186"/>
+                          <a14:foregroundMark x1="69811" y1="94186" x2="78491" y2="94186"/>
+                          <a14:foregroundMark x1="43396" y1="93798" x2="25660" y2="74031"/>
+                          <a14:foregroundMark x1="25660" y1="74031" x2="41509" y2="62403"/>
+                          <a14:foregroundMark x1="41509" y1="62403" x2="63774" y2="73643"/>
+                          <a14:foregroundMark x1="63774" y1="73643" x2="47925" y2="92248"/>
+                          <a14:foregroundMark x1="47925" y1="92248" x2="42642" y2="93411"/>
+                          <a14:foregroundMark x1="69811" y1="76744" x2="62264" y2="46512"/>
+                          <a14:foregroundMark x1="62264" y1="46512" x2="76226" y2="31783"/>
+                          <a14:foregroundMark x1="76226" y1="31783" x2="91321" y2="50000"/>
+                          <a14:foregroundMark x1="91321" y1="50000" x2="81887" y2="66667"/>
+                          <a14:foregroundMark x1="81887" y1="66667" x2="67547" y2="74806"/>
+                          <a14:foregroundMark x1="29811" y1="58140" x2="13962" y2="38372"/>
+                          <a14:foregroundMark x1="13962" y1="38372" x2="20000" y2="12791"/>
+                          <a14:foregroundMark x1="20000" y1="12791" x2="39245" y2="12016"/>
+                          <a14:foregroundMark x1="39245" y1="12016" x2="54340" y2="27907"/>
+                          <a14:foregroundMark x1="54340" y1="27907" x2="50189" y2="50388"/>
+                          <a14:foregroundMark x1="50189" y1="50388" x2="30189" y2="58527"/>
+                          <a14:foregroundMark x1="30189" y1="58527" x2="27925" y2="57752"/>
+                          <a14:foregroundMark x1="16604" y1="8915" x2="56604" y2="4651"/>
+                          <a14:foregroundMark x1="56604" y1="4651" x2="78113" y2="5426"/>
+                          <a14:foregroundMark x1="78113" y1="5426" x2="82642" y2="9690"/>
+                          <a14:backgroundMark x1="2642" y1="10853" x2="6792" y2="2326"/>
+                          <a14:backgroundMark x1="2264" y1="9302" x2="10566" y2="3101"/>
+                          <a14:backgroundMark x1="10625" y1="10225" x2="18491" y2="1938"/>
+                          <a14:backgroundMark x1="3774" y1="17442" x2="10409" y2="10452"/>
+                          <a14:backgroundMark x1="18491" y1="1938" x2="23774" y2="0"/>
+                          <a14:backgroundMark x1="3019" y1="8140" x2="3774" y2="5814"/>
+                        </a14:backgroundRemoval>
+                      </a14:imgEffect>
+                    </a14:imgLayer>
+                  </a14:imgProps>
+                </a:ext>
+              </a:extLst>
+            </a:blip>
+            <a:stretch>
+              <a:fillRect/>
+            </a:stretch>
+          </p:blipFill>
+          <p:spPr>
+            <a:xfrm>
+              <a:off x="9989477" y="1750998"/>
+              <a:ext cx="1180565" cy="1149380"/>
+            </a:xfrm>
+            <a:prstGeom prst="rect">
+              <a:avLst/>
+            </a:prstGeom>
+          </p:spPr>
+        </p:pic>
+      </p:grpSp>
+    </p:spTree>
+    <p:extLst>
+      <p:ext uri="{BB962C8B-B14F-4D97-AF65-F5344CB8AC3E}">
+        <p14:creationId xmlns:p14="http://schemas.microsoft.com/office/powerpoint/2010/main" val="3582479783"/>
+      </p:ext>
+    </p:extLst>
+  </p:cSld>
+  <p:clrMapOvr>
+    <a:masterClrMapping/>
+  </p:clrMapOvr>
+  <p:transition spd="slow">
+    <p:push dir="u"/>
+  </p:transition>
+</p:sld>
+</file>
+
+<file path=ppt/slides/slide8.xml><?xml version="1.0" encoding="utf-8"?>
+<p:sld xmlns:a="http://schemas.openxmlformats.org/drawingml/2006/main" xmlns:r="http://schemas.openxmlformats.org/officeDocument/2006/relationships" xmlns:p="http://schemas.openxmlformats.org/presentationml/2006/main" show="0">
+  <p:cSld>
+    <p:spTree>
+      <p:nvGrpSpPr>
+        <p:cNvPr id="1" name=""/>
+        <p:cNvGrpSpPr/>
+        <p:nvPr/>
+      </p:nvGrpSpPr>
+      <p:grpSpPr>
+        <a:xfrm>
+          <a:off x="0" y="0"/>
+          <a:ext cx="0" cy="0"/>
+          <a:chOff x="0" y="0"/>
+          <a:chExt cx="0" cy="0"/>
+        </a:xfrm>
+      </p:grpSpPr>
+      <p:sp>
+        <p:nvSpPr>
+          <p:cNvPr id="6" name="Titel 1">
+            <a:extLst>
+              <a:ext uri="{FF2B5EF4-FFF2-40B4-BE49-F238E27FC236}">
+                <a16:creationId xmlns:a16="http://schemas.microsoft.com/office/drawing/2014/main" id="{9ED3CF12-6C16-1851-5EBD-28A2D649F30B}"/>
+              </a:ext>
+            </a:extLst>
+          </p:cNvPr>
+          <p:cNvSpPr>
+            <a:spLocks noGrp="1"/>
+          </p:cNvSpPr>
+          <p:nvPr>
+            <p:ph type="title"/>
+          </p:nvPr>
+        </p:nvSpPr>
+        <p:spPr>
+          <a:xfrm>
+            <a:off x="-325910" y="301625"/>
+            <a:ext cx="10515600" cy="1325563"/>
+          </a:xfrm>
+        </p:spPr>
+        <p:txBody>
+          <a:bodyPr/>
+          <a:lstStyle/>
+          <a:p>
+            <a:pPr algn="r"/>
+            <a:r>
+              <a:rPr lang="de-DE" b="1"/>
+              <a:t>GITHUB BRANCH SKITZZE  </a:t>
+            </a:r>
+            <a:endParaRPr lang="de-AT" b="1"/>
+          </a:p>
+        </p:txBody>
+      </p:sp>
+      <p:pic>
+        <p:nvPicPr>
+          <p:cNvPr id="9" name="Grafik 8">
+            <a:extLst>
+              <a:ext uri="{FF2B5EF4-FFF2-40B4-BE49-F238E27FC236}">
+                <a16:creationId xmlns:a16="http://schemas.microsoft.com/office/drawing/2014/main" id="{AF513206-948A-EC2F-B140-DA68F4FD3725}"/>
+              </a:ext>
+            </a:extLst>
+          </p:cNvPr>
+          <p:cNvPicPr>
+            <a:picLocks noChangeAspect="1"/>
+          </p:cNvPicPr>
+          <p:nvPr/>
+        </p:nvPicPr>
+        <p:blipFill>
+          <a:blip r:embed="rId2"/>
+          <a:stretch>
+            <a:fillRect/>
+          </a:stretch>
+        </p:blipFill>
+        <p:spPr>
+          <a:xfrm>
+            <a:off x="3551619" y="1627188"/>
+            <a:ext cx="8640381" cy="4782217"/>
+          </a:xfrm>
+          <a:prstGeom prst="rect">
+            <a:avLst/>
+          </a:prstGeom>
+        </p:spPr>
+      </p:pic>
+      <p:grpSp>
+        <p:nvGrpSpPr>
+          <p:cNvPr id="10" name="Gruppieren 9">
+            <a:extLst>
+              <a:ext uri="{FF2B5EF4-FFF2-40B4-BE49-F238E27FC236}">
+                <a16:creationId xmlns:a16="http://schemas.microsoft.com/office/drawing/2014/main" id="{414D4897-BCF0-6D9C-B1E1-6D51D76C6751}"/>
+              </a:ext>
+            </a:extLst>
+          </p:cNvPr>
+          <p:cNvGrpSpPr/>
+          <p:nvPr/>
+        </p:nvGrpSpPr>
+        <p:grpSpPr>
+          <a:xfrm>
+            <a:off x="-1485900" y="-1731424"/>
+            <a:ext cx="5037519" cy="10537401"/>
+            <a:chOff x="8061000" y="-1032924"/>
+            <a:chExt cx="5037519" cy="10537401"/>
+          </a:xfrm>
+        </p:grpSpPr>
+        <p:sp>
+          <p:nvSpPr>
+            <p:cNvPr id="11" name="Rechteck 10">
+              <a:extLst>
+                <a:ext uri="{FF2B5EF4-FFF2-40B4-BE49-F238E27FC236}">
+                  <a16:creationId xmlns:a16="http://schemas.microsoft.com/office/drawing/2014/main" id="{CFA2D9CE-CFA8-6AAD-B904-67F4B726CD20}"/>
+                </a:ext>
+              </a:extLst>
+            </p:cNvPr>
+            <p:cNvSpPr/>
+            <p:nvPr/>
+          </p:nvSpPr>
+          <p:spPr>
+            <a:xfrm>
+              <a:off x="8061000" y="-1032924"/>
+              <a:ext cx="5037519" cy="10537401"/>
+            </a:xfrm>
+            <a:prstGeom prst="rect">
+              <a:avLst/>
+            </a:prstGeom>
+            <a:solidFill>
+              <a:srgbClr val="7030A0"/>
+            </a:solidFill>
+            <a:ln>
+              <a:solidFill>
+                <a:srgbClr val="7030A0"/>
+              </a:solidFill>
+            </a:ln>
+          </p:spPr>
+          <p:style>
+            <a:lnRef idx="2">
+              <a:schemeClr val="accent1">
+                <a:shade val="15000"/>
+              </a:schemeClr>
+            </a:lnRef>
+            <a:fillRef idx="1">
+              <a:schemeClr val="accent1"/>
+            </a:fillRef>
+            <a:effectRef idx="0">
+              <a:schemeClr val="accent1"/>
+            </a:effectRef>
+            <a:fontRef idx="minor">
+              <a:schemeClr val="lt1"/>
+            </a:fontRef>
+          </p:style>
+          <p:txBody>
+            <a:bodyPr vert="vert270" rtlCol="0" anchor="ctr"/>
+            <a:lstStyle/>
+            <a:p>
+              <a:pPr algn="ctr"/>
+              <a:r>
+                <a:rPr lang="de-DE" sz="5400" b="1"/>
+                <a:t>STALI</a:t>
+              </a:r>
+              <a:endParaRPr lang="de-AT" b="1"/>
+            </a:p>
+          </p:txBody>
+        </p:sp>
+        <p:pic>
+          <p:nvPicPr>
+            <p:cNvPr id="12" name="Grafik 11">
+              <a:extLst>
+                <a:ext uri="{FF2B5EF4-FFF2-40B4-BE49-F238E27FC236}">
+                  <a16:creationId xmlns:a16="http://schemas.microsoft.com/office/drawing/2014/main" id="{A3887E1E-B884-6A80-840A-2C74EA5EAA99}"/>
+                </a:ext>
+              </a:extLst>
+            </p:cNvPr>
+            <p:cNvPicPr>
+              <a:picLocks noChangeAspect="1"/>
+            </p:cNvPicPr>
+            <p:nvPr/>
+          </p:nvPicPr>
+          <p:blipFill>
+            <a:blip r:embed="rId3">
+              <a:extLst>
+                <a:ext uri="{BEBA8EAE-BF5A-486C-A8C5-ECC9F3942E4B}">
+                  <a14:imgProps xmlns:a14="http://schemas.microsoft.com/office/drawing/2010/main">
+                    <a14:imgLayer r:embed="rId4">
+                      <a14:imgEffect>
+                        <a14:backgroundRemoval t="5426" b="93411" l="6038" r="91321">
+                          <a14:foregroundMark x1="30189" y1="54651" x2="56604" y2="43798"/>
+                          <a14:foregroundMark x1="56604" y1="43798" x2="36226" y2="51938"/>
+                          <a14:foregroundMark x1="36226" y1="51938" x2="30943" y2="51163"/>
+                          <a14:foregroundMark x1="7170" y1="18605" x2="30566" y2="4651"/>
+                          <a14:foregroundMark x1="30566" y1="4651" x2="86792" y2="13953"/>
+                          <a14:foregroundMark x1="86792" y1="13953" x2="91321" y2="41085"/>
+                          <a14:foregroundMark x1="91321" y1="41085" x2="84906" y2="82558"/>
+                          <a14:foregroundMark x1="84906" y1="82558" x2="67170" y2="93411"/>
+                          <a14:foregroundMark x1="67170" y1="93411" x2="29811" y2="92248"/>
+                          <a14:foregroundMark x1="29811" y1="92248" x2="6792" y2="39922"/>
+                          <a14:foregroundMark x1="6792" y1="39922" x2="8679" y2="15891"/>
+                          <a14:foregroundMark x1="10189" y1="48062" x2="38491" y2="45736"/>
+                          <a14:foregroundMark x1="38491" y1="45736" x2="10566" y2="51163"/>
+                          <a14:foregroundMark x1="10566" y1="51163" x2="7925" y2="46899"/>
+                          <a14:foregroundMark x1="5660" y1="52326" x2="5660" y2="72093"/>
+                          <a14:foregroundMark x1="5660" y1="72093" x2="15094" y2="90310"/>
+                          <a14:foregroundMark x1="15094" y1="90310" x2="34340" y2="91860"/>
+                          <a14:foregroundMark x1="34340" y1="91860" x2="36226" y2="90698"/>
+                          <a14:foregroundMark x1="22264" y1="94186" x2="46038" y2="93798"/>
+                          <a14:foregroundMark x1="46038" y1="93798" x2="69811" y2="94186"/>
+                          <a14:foregroundMark x1="69811" y1="94186" x2="78491" y2="94186"/>
+                          <a14:foregroundMark x1="43396" y1="93798" x2="25660" y2="74031"/>
+                          <a14:foregroundMark x1="25660" y1="74031" x2="41509" y2="62403"/>
+                          <a14:foregroundMark x1="41509" y1="62403" x2="63774" y2="73643"/>
+                          <a14:foregroundMark x1="63774" y1="73643" x2="47925" y2="92248"/>
+                          <a14:foregroundMark x1="47925" y1="92248" x2="42642" y2="93411"/>
+                          <a14:foregroundMark x1="69811" y1="76744" x2="62264" y2="46512"/>
+                          <a14:foregroundMark x1="62264" y1="46512" x2="76226" y2="31783"/>
+                          <a14:foregroundMark x1="76226" y1="31783" x2="91321" y2="50000"/>
+                          <a14:foregroundMark x1="91321" y1="50000" x2="81887" y2="66667"/>
+                          <a14:foregroundMark x1="81887" y1="66667" x2="67547" y2="74806"/>
+                          <a14:foregroundMark x1="29811" y1="58140" x2="13962" y2="38372"/>
+                          <a14:foregroundMark x1="13962" y1="38372" x2="20000" y2="12791"/>
+                          <a14:foregroundMark x1="20000" y1="12791" x2="39245" y2="12016"/>
+                          <a14:foregroundMark x1="39245" y1="12016" x2="54340" y2="27907"/>
+                          <a14:foregroundMark x1="54340" y1="27907" x2="50189" y2="50388"/>
+                          <a14:foregroundMark x1="50189" y1="50388" x2="30189" y2="58527"/>
+                          <a14:foregroundMark x1="30189" y1="58527" x2="27925" y2="57752"/>
+                          <a14:foregroundMark x1="16604" y1="8915" x2="56604" y2="4651"/>
+                          <a14:foregroundMark x1="56604" y1="4651" x2="78113" y2="5426"/>
+                          <a14:foregroundMark x1="78113" y1="5426" x2="82642" y2="9690"/>
+                          <a14:backgroundMark x1="2642" y1="10853" x2="6792" y2="2326"/>
+                          <a14:backgroundMark x1="2264" y1="9302" x2="10566" y2="3101"/>
+                          <a14:backgroundMark x1="10625" y1="10225" x2="18491" y2="1938"/>
+                          <a14:backgroundMark x1="3774" y1="17442" x2="10409" y2="10452"/>
+                          <a14:backgroundMark x1="18491" y1="1938" x2="23774" y2="0"/>
+                          <a14:backgroundMark x1="3019" y1="8140" x2="3774" y2="5814"/>
+                        </a14:backgroundRemoval>
+                      </a14:imgEffect>
+                    </a14:imgLayer>
+                  </a14:imgProps>
+                </a:ext>
+              </a:extLst>
+            </a:blip>
+            <a:stretch>
+              <a:fillRect/>
+            </a:stretch>
+          </p:blipFill>
+          <p:spPr>
+            <a:xfrm>
+              <a:off x="9989477" y="1750998"/>
+              <a:ext cx="1180565" cy="1149380"/>
+            </a:xfrm>
+            <a:prstGeom prst="rect">
+              <a:avLst/>
+            </a:prstGeom>
+          </p:spPr>
+        </p:pic>
+      </p:grpSp>
+      <p:grpSp>
+        <p:nvGrpSpPr>
+          <p:cNvPr id="13" name="Gruppieren 12">
+            <a:extLst>
+              <a:ext uri="{FF2B5EF4-FFF2-40B4-BE49-F238E27FC236}">
+                <a16:creationId xmlns:a16="http://schemas.microsoft.com/office/drawing/2014/main" id="{C4D17E89-DF2B-20BE-D8DC-69D4C1DCDDFA}"/>
+              </a:ext>
+            </a:extLst>
+          </p:cNvPr>
+          <p:cNvGrpSpPr/>
+          <p:nvPr/>
+        </p:nvGrpSpPr>
+        <p:grpSpPr>
+          <a:xfrm>
+            <a:off x="7170265" y="8088328"/>
+            <a:ext cx="6038850" cy="10537401"/>
+            <a:chOff x="7218680" y="-1032924"/>
+            <a:chExt cx="6038850" cy="10537401"/>
+          </a:xfrm>
+        </p:grpSpPr>
+        <p:sp>
+          <p:nvSpPr>
+            <p:cNvPr id="14" name="Rechteck 13">
+              <a:extLst>
+                <a:ext uri="{FF2B5EF4-FFF2-40B4-BE49-F238E27FC236}">
+                  <a16:creationId xmlns:a16="http://schemas.microsoft.com/office/drawing/2014/main" id="{4F550266-8E5A-83FF-C786-B5363864BC51}"/>
+                </a:ext>
+              </a:extLst>
+            </p:cNvPr>
+            <p:cNvSpPr/>
+            <p:nvPr/>
+          </p:nvSpPr>
+          <p:spPr>
+            <a:xfrm>
+              <a:off x="7218680" y="-1032924"/>
+              <a:ext cx="6038850" cy="10537401"/>
+            </a:xfrm>
+            <a:prstGeom prst="rect">
+              <a:avLst/>
+            </a:prstGeom>
+            <a:solidFill>
+              <a:srgbClr val="7030A0"/>
+            </a:solidFill>
+            <a:ln>
+              <a:solidFill>
+                <a:srgbClr val="7030A0"/>
+              </a:solidFill>
+            </a:ln>
+          </p:spPr>
+          <p:style>
+            <a:lnRef idx="2">
+              <a:schemeClr val="accent1">
+                <a:shade val="15000"/>
+              </a:schemeClr>
+            </a:lnRef>
+            <a:fillRef idx="1">
+              <a:schemeClr val="accent1"/>
+            </a:fillRef>
+            <a:effectRef idx="0">
+              <a:schemeClr val="accent1"/>
+            </a:effectRef>
+            <a:fontRef idx="minor">
+              <a:schemeClr val="lt1"/>
+            </a:fontRef>
+          </p:style>
+          <p:txBody>
+            <a:bodyPr vert="vert270" rtlCol="0" anchor="ctr"/>
+            <a:lstStyle/>
+            <a:p>
+              <a:pPr algn="ctr"/>
+              <a:r>
+                <a:rPr lang="de-DE" sz="5400" b="1"/>
+                <a:t>STALI</a:t>
+              </a:r>
+              <a:endParaRPr lang="de-AT" b="1"/>
+            </a:p>
+          </p:txBody>
+        </p:sp>
+        <p:pic>
+          <p:nvPicPr>
+            <p:cNvPr id="15" name="Grafik 14">
+              <a:extLst>
+                <a:ext uri="{FF2B5EF4-FFF2-40B4-BE49-F238E27FC236}">
+                  <a16:creationId xmlns:a16="http://schemas.microsoft.com/office/drawing/2014/main" id="{42EB8EAD-F76E-2B6F-9D25-A8C12768C8B2}"/>
+                </a:ext>
+              </a:extLst>
+            </p:cNvPr>
+            <p:cNvPicPr>
+              <a:picLocks noChangeAspect="1"/>
+            </p:cNvPicPr>
+            <p:nvPr/>
+          </p:nvPicPr>
+          <p:blipFill>
+            <a:blip r:embed="rId3">
+              <a:extLst>
+                <a:ext uri="{BEBA8EAE-BF5A-486C-A8C5-ECC9F3942E4B}">
+                  <a14:imgProps xmlns:a14="http://schemas.microsoft.com/office/drawing/2010/main">
+                    <a14:imgLayer r:embed="rId4">
+                      <a14:imgEffect>
+                        <a14:backgroundRemoval t="5426" b="93411" l="6038" r="91321">
+                          <a14:foregroundMark x1="30189" y1="54651" x2="56604" y2="43798"/>
+                          <a14:foregroundMark x1="56604" y1="43798" x2="36226" y2="51938"/>
+                          <a14:foregroundMark x1="36226" y1="51938" x2="30943" y2="51163"/>
+                          <a14:foregroundMark x1="7170" y1="18605" x2="30566" y2="4651"/>
+                          <a14:foregroundMark x1="30566" y1="4651" x2="86792" y2="13953"/>
+                          <a14:foregroundMark x1="86792" y1="13953" x2="91321" y2="41085"/>
+                          <a14:foregroundMark x1="91321" y1="41085" x2="84906" y2="82558"/>
+                          <a14:foregroundMark x1="84906" y1="82558" x2="67170" y2="93411"/>
+                          <a14:foregroundMark x1="67170" y1="93411" x2="29811" y2="92248"/>
+                          <a14:foregroundMark x1="29811" y1="92248" x2="6792" y2="39922"/>
+                          <a14:foregroundMark x1="6792" y1="39922" x2="8679" y2="15891"/>
+                          <a14:foregroundMark x1="10189" y1="48062" x2="38491" y2="45736"/>
+                          <a14:foregroundMark x1="38491" y1="45736" x2="10566" y2="51163"/>
+                          <a14:foregroundMark x1="10566" y1="51163" x2="7925" y2="46899"/>
+                          <a14:foregroundMark x1="5660" y1="52326" x2="5660" y2="72093"/>
+                          <a14:foregroundMark x1="5660" y1="72093" x2="15094" y2="90310"/>
+                          <a14:foregroundMark x1="15094" y1="90310" x2="34340" y2="91860"/>
+                          <a14:foregroundMark x1="34340" y1="91860" x2="36226" y2="90698"/>
+                          <a14:foregroundMark x1="22264" y1="94186" x2="46038" y2="93798"/>
+                          <a14:foregroundMark x1="46038" y1="93798" x2="69811" y2="94186"/>
+                          <a14:foregroundMark x1="69811" y1="94186" x2="78491" y2="94186"/>
+                          <a14:foregroundMark x1="43396" y1="93798" x2="25660" y2="74031"/>
+                          <a14:foregroundMark x1="25660" y1="74031" x2="41509" y2="62403"/>
+                          <a14:foregroundMark x1="41509" y1="62403" x2="63774" y2="73643"/>
+                          <a14:foregroundMark x1="63774" y1="73643" x2="47925" y2="92248"/>
+                          <a14:foregroundMark x1="47925" y1="92248" x2="42642" y2="93411"/>
+                          <a14:foregroundMark x1="69811" y1="76744" x2="62264" y2="46512"/>
+                          <a14:foregroundMark x1="62264" y1="46512" x2="76226" y2="31783"/>
+                          <a14:foregroundMark x1="76226" y1="31783" x2="91321" y2="50000"/>
+                          <a14:foregroundMark x1="91321" y1="50000" x2="81887" y2="66667"/>
+                          <a14:foregroundMark x1="81887" y1="66667" x2="67547" y2="74806"/>
+                          <a14:foregroundMark x1="29811" y1="58140" x2="13962" y2="38372"/>
+                          <a14:foregroundMark x1="13962" y1="38372" x2="20000" y2="12791"/>
+                          <a14:foregroundMark x1="20000" y1="12791" x2="39245" y2="12016"/>
+                          <a14:foregroundMark x1="39245" y1="12016" x2="54340" y2="27907"/>
+                          <a14:foregroundMark x1="54340" y1="27907" x2="50189" y2="50388"/>
+                          <a14:foregroundMark x1="50189" y1="50388" x2="30189" y2="58527"/>
+                          <a14:foregroundMark x1="30189" y1="58527" x2="27925" y2="57752"/>
+                          <a14:foregroundMark x1="16604" y1="8915" x2="56604" y2="4651"/>
+                          <a14:foregroundMark x1="56604" y1="4651" x2="78113" y2="5426"/>
+                          <a14:foregroundMark x1="78113" y1="5426" x2="82642" y2="9690"/>
+                          <a14:backgroundMark x1="2642" y1="10853" x2="6792" y2="2326"/>
+                          <a14:backgroundMark x1="2264" y1="9302" x2="10566" y2="3101"/>
+                          <a14:backgroundMark x1="10625" y1="10225" x2="18491" y2="1938"/>
+                          <a14:backgroundMark x1="3774" y1="17442" x2="10409" y2="10452"/>
+                          <a14:backgroundMark x1="18491" y1="1938" x2="23774" y2="0"/>
+                          <a14:backgroundMark x1="3019" y1="8140" x2="3774" y2="5814"/>
+                        </a14:backgroundRemoval>
+                      </a14:imgEffect>
+                    </a14:imgLayer>
+                  </a14:imgProps>
+                </a:ext>
+              </a:extLst>
+            </a:blip>
+            <a:stretch>
+              <a:fillRect/>
+            </a:stretch>
+          </p:blipFill>
+          <p:spPr>
+            <a:xfrm>
+              <a:off x="9647822" y="846108"/>
+              <a:ext cx="1180565" cy="1149380"/>
+            </a:xfrm>
+            <a:prstGeom prst="rect">
+              <a:avLst/>
+            </a:prstGeom>
+          </p:spPr>
+        </p:pic>
+      </p:grpSp>
+      <p:grpSp>
+        <p:nvGrpSpPr>
+          <p:cNvPr id="16" name="Gruppieren 15">
+            <a:extLst>
+              <a:ext uri="{FF2B5EF4-FFF2-40B4-BE49-F238E27FC236}">
+                <a16:creationId xmlns:a16="http://schemas.microsoft.com/office/drawing/2014/main" id="{39B7034B-3F6C-C490-148D-081EE9928771}"/>
+              </a:ext>
+            </a:extLst>
+          </p:cNvPr>
+          <p:cNvGrpSpPr/>
+          <p:nvPr/>
+        </p:nvGrpSpPr>
+        <p:grpSpPr>
+          <a:xfrm>
+            <a:off x="-8882153" y="2201878"/>
+            <a:ext cx="5448300" cy="2700337"/>
+            <a:chOff x="590550" y="1990725"/>
+            <a:chExt cx="5448300" cy="2700337"/>
+          </a:xfrm>
+        </p:grpSpPr>
+        <p:sp>
+          <p:nvSpPr>
+            <p:cNvPr id="17" name="Rechteck: abgerundete Ecken 16">
+              <a:extLst>
+                <a:ext uri="{FF2B5EF4-FFF2-40B4-BE49-F238E27FC236}">
+                  <a16:creationId xmlns:a16="http://schemas.microsoft.com/office/drawing/2014/main" id="{F208F679-405E-2030-FC4C-08EA031B27E1}"/>
+                </a:ext>
+              </a:extLst>
+            </p:cNvPr>
+            <p:cNvSpPr/>
+            <p:nvPr/>
+          </p:nvSpPr>
+          <p:spPr>
+            <a:xfrm>
+              <a:off x="590550" y="1990725"/>
+              <a:ext cx="2571750" cy="1200150"/>
+            </a:xfrm>
+            <a:prstGeom prst="roundRect">
+              <a:avLst/>
+            </a:prstGeom>
+            <a:solidFill>
+              <a:srgbClr val="7030A0"/>
+            </a:solidFill>
+            <a:ln>
+              <a:solidFill>
+                <a:srgbClr val="7030A0"/>
+              </a:solidFill>
+            </a:ln>
+          </p:spPr>
+          <p:style>
+            <a:lnRef idx="2">
+              <a:schemeClr val="accent1">
+                <a:shade val="15000"/>
+              </a:schemeClr>
+            </a:lnRef>
+            <a:fillRef idx="1">
+              <a:schemeClr val="accent1"/>
+            </a:fillRef>
+            <a:effectRef idx="0">
+              <a:schemeClr val="accent1"/>
+            </a:effectRef>
+            <a:fontRef idx="minor">
+              <a:schemeClr val="lt1"/>
+            </a:fontRef>
+          </p:style>
+          <p:txBody>
+            <a:bodyPr rtlCol="0" anchor="ctr"/>
+            <a:lstStyle/>
+            <a:p>
+              <a:pPr algn="ctr"/>
+              <a:r>
+                <a:rPr lang="de-AT" b="1"/>
+                <a:t>Verbessertes GitHub-Management</a:t>
+              </a:r>
+              <a:endParaRPr lang="de-AT"/>
+            </a:p>
+          </p:txBody>
+        </p:sp>
+        <p:sp>
+          <p:nvSpPr>
+            <p:cNvPr id="18" name="Rechteck: abgerundete Ecken 17">
+              <a:extLst>
+                <a:ext uri="{FF2B5EF4-FFF2-40B4-BE49-F238E27FC236}">
+                  <a16:creationId xmlns:a16="http://schemas.microsoft.com/office/drawing/2014/main" id="{143555EE-0B30-AFF9-4077-D3913B0446D1}"/>
+                </a:ext>
+              </a:extLst>
+            </p:cNvPr>
+            <p:cNvSpPr/>
+            <p:nvPr/>
+          </p:nvSpPr>
+          <p:spPr>
+            <a:xfrm>
+              <a:off x="3467100" y="1990725"/>
+              <a:ext cx="2571750" cy="1200150"/>
+            </a:xfrm>
+            <a:prstGeom prst="roundRect">
+              <a:avLst/>
+            </a:prstGeom>
+            <a:solidFill>
+              <a:srgbClr val="7030A0"/>
+            </a:solidFill>
+            <a:ln>
+              <a:solidFill>
+                <a:srgbClr val="7030A0"/>
+              </a:solidFill>
+            </a:ln>
+          </p:spPr>
+          <p:style>
+            <a:lnRef idx="2">
+              <a:schemeClr val="accent1">
+                <a:shade val="15000"/>
+              </a:schemeClr>
+            </a:lnRef>
+            <a:fillRef idx="1">
+              <a:schemeClr val="accent1"/>
+            </a:fillRef>
+            <a:effectRef idx="0">
+              <a:schemeClr val="accent1"/>
+            </a:effectRef>
+            <a:fontRef idx="minor">
+              <a:schemeClr val="lt1"/>
+            </a:fontRef>
+          </p:style>
+          <p:txBody>
+            <a:bodyPr rtlCol="0" anchor="ctr"/>
+            <a:lstStyle/>
+            <a:p>
+              <a:pPr algn="ctr"/>
+              <a:r>
+                <a:rPr lang="de-AT" b="1"/>
+                <a:t>Erweiterte Such- &amp; Filteroptionen</a:t>
+              </a:r>
+            </a:p>
+          </p:txBody>
+        </p:sp>
+        <p:sp>
+          <p:nvSpPr>
+            <p:cNvPr id="19" name="Rechteck: abgerundete Ecken 18">
+              <a:extLst>
+                <a:ext uri="{FF2B5EF4-FFF2-40B4-BE49-F238E27FC236}">
+                  <a16:creationId xmlns:a16="http://schemas.microsoft.com/office/drawing/2014/main" id="{EC996509-857F-47AE-9BA9-3B4EABC20F61}"/>
+                </a:ext>
+              </a:extLst>
+            </p:cNvPr>
+            <p:cNvSpPr/>
+            <p:nvPr/>
+          </p:nvSpPr>
+          <p:spPr>
+            <a:xfrm>
+              <a:off x="590550" y="3429000"/>
+              <a:ext cx="2571750" cy="1200150"/>
+            </a:xfrm>
+            <a:prstGeom prst="roundRect">
+              <a:avLst/>
+            </a:prstGeom>
+            <a:solidFill>
+              <a:srgbClr val="7030A0"/>
+            </a:solidFill>
+            <a:ln>
+              <a:solidFill>
+                <a:srgbClr val="7030A0"/>
+              </a:solidFill>
+            </a:ln>
+          </p:spPr>
+          <p:style>
+            <a:lnRef idx="2">
+              <a:schemeClr val="accent1">
+                <a:shade val="15000"/>
+              </a:schemeClr>
+            </a:lnRef>
+            <a:fillRef idx="1">
+              <a:schemeClr val="accent1"/>
+            </a:fillRef>
+            <a:effectRef idx="0">
+              <a:schemeClr val="accent1"/>
+            </a:effectRef>
+            <a:fontRef idx="minor">
+              <a:schemeClr val="lt1"/>
+            </a:fontRef>
+          </p:style>
+          <p:txBody>
+            <a:bodyPr rtlCol="0" anchor="ctr"/>
+            <a:lstStyle/>
+            <a:p>
+              <a:pPr algn="ctr"/>
+              <a:r>
+                <a:rPr lang="de-AT" b="1"/>
+                <a:t>Zahlungs- und Versandintegration</a:t>
+              </a:r>
+            </a:p>
+          </p:txBody>
+        </p:sp>
+        <p:sp>
+          <p:nvSpPr>
+            <p:cNvPr id="20" name="Rechteck: abgerundete Ecken 19">
+              <a:extLst>
+                <a:ext uri="{FF2B5EF4-FFF2-40B4-BE49-F238E27FC236}">
+                  <a16:creationId xmlns:a16="http://schemas.microsoft.com/office/drawing/2014/main" id="{5047EC98-F38E-5EDF-A0BF-E5618C208CC2}"/>
+                </a:ext>
+              </a:extLst>
+            </p:cNvPr>
+            <p:cNvSpPr/>
+            <p:nvPr/>
+          </p:nvSpPr>
+          <p:spPr>
+            <a:xfrm>
+              <a:off x="3467100" y="3490912"/>
+              <a:ext cx="2571750" cy="1200150"/>
+            </a:xfrm>
+            <a:prstGeom prst="roundRect">
+              <a:avLst/>
+            </a:prstGeom>
+            <a:solidFill>
+              <a:srgbClr val="7030A0"/>
+            </a:solidFill>
+            <a:ln>
+              <a:solidFill>
+                <a:srgbClr val="7030A0"/>
+              </a:solidFill>
+            </a:ln>
+          </p:spPr>
+          <p:style>
+            <a:lnRef idx="2">
+              <a:schemeClr val="accent1">
+                <a:shade val="15000"/>
+              </a:schemeClr>
+            </a:lnRef>
+            <a:fillRef idx="1">
+              <a:schemeClr val="accent1"/>
+            </a:fillRef>
+            <a:effectRef idx="0">
+              <a:schemeClr val="accent1"/>
+            </a:effectRef>
+            <a:fontRef idx="minor">
+              <a:schemeClr val="lt1"/>
+            </a:fontRef>
+          </p:style>
+          <p:txBody>
+            <a:bodyPr rtlCol="0" anchor="ctr"/>
+            <a:lstStyle/>
+            <a:p>
+              <a:pPr algn="ctr"/>
+              <a:r>
+                <a:rPr lang="de-AT" b="1"/>
+                <a:t>Empfehlungsfunktion</a:t>
+              </a:r>
+            </a:p>
+          </p:txBody>
+        </p:sp>
+      </p:grpSp>
+    </p:spTree>
+    <p:extLst>
+      <p:ext uri="{BB962C8B-B14F-4D97-AF65-F5344CB8AC3E}">
+        <p14:creationId xmlns:p14="http://schemas.microsoft.com/office/powerpoint/2010/main" val="3942975481"/>
+      </p:ext>
+    </p:extLst>
+  </p:cSld>
+  <p:clrMapOvr>
+    <a:masterClrMapping/>
+  </p:clrMapOvr>
+  <p:transition spd="slow">
+    <p:push dir="u"/>
+  </p:transition>
+</p:sld>
+</file>
+
+<file path=ppt/slides/slide9.xml><?xml version="1.0" encoding="utf-8"?>
+<p:sld xmlns:a="http://schemas.openxmlformats.org/drawingml/2006/main" xmlns:r="http://schemas.openxmlformats.org/officeDocument/2006/relationships" xmlns:p="http://schemas.openxmlformats.org/presentationml/2006/main">
+  <p:cSld>
+    <p:spTree>
+      <p:nvGrpSpPr>
+        <p:cNvPr id="1" name="">
+          <a:extLst>
+            <a:ext uri="{FF2B5EF4-FFF2-40B4-BE49-F238E27FC236}">
+              <a16:creationId xmlns:a16="http://schemas.microsoft.com/office/drawing/2014/main" id="{CC5E86A5-8207-016E-72C6-FEA677197301}"/>
+            </a:ext>
+          </a:extLst>
+        </p:cNvPr>
+        <p:cNvGrpSpPr/>
+        <p:nvPr/>
+      </p:nvGrpSpPr>
+      <p:grpSpPr>
+        <a:xfrm>
+          <a:off x="0" y="0"/>
+          <a:ext cx="0" cy="0"/>
+          <a:chOff x="0" y="0"/>
+          <a:chExt cx="0" cy="0"/>
+        </a:xfrm>
+      </p:grpSpPr>
+      <p:sp>
+        <p:nvSpPr>
+          <p:cNvPr id="2" name="Titel 1">
+            <a:extLst>
+              <a:ext uri="{FF2B5EF4-FFF2-40B4-BE49-F238E27FC236}">
+                <a16:creationId xmlns:a16="http://schemas.microsoft.com/office/drawing/2014/main" id="{0393F149-1610-1EF8-6986-B01F8E119F05}"/>
+              </a:ext>
+            </a:extLst>
+          </p:cNvPr>
+          <p:cNvSpPr>
+            <a:spLocks noGrp="1"/>
+          </p:cNvSpPr>
+          <p:nvPr>
+            <p:ph type="title"/>
+          </p:nvPr>
+        </p:nvSpPr>
+        <p:spPr>
+          <a:xfrm>
+            <a:off x="6096000" y="938476"/>
+            <a:ext cx="10515600" cy="1325563"/>
+          </a:xfrm>
+        </p:spPr>
+        <p:txBody>
+          <a:bodyPr/>
+          <a:lstStyle/>
+          <a:p>
+            <a:r>
+              <a:rPr lang="de-AT" b="1" dirty="0"/>
+              <a:t>PROBLEME</a:t>
+            </a:r>
+          </a:p>
+        </p:txBody>
+      </p:sp>
+      <p:grpSp>
+        <p:nvGrpSpPr>
+          <p:cNvPr id="11" name="Gruppieren 10">
+            <a:extLst>
+              <a:ext uri="{FF2B5EF4-FFF2-40B4-BE49-F238E27FC236}">
+                <a16:creationId xmlns:a16="http://schemas.microsoft.com/office/drawing/2014/main" id="{BBA604D7-987D-8BEE-BBE7-1335D009EB77}"/>
+              </a:ext>
+            </a:extLst>
+          </p:cNvPr>
+          <p:cNvGrpSpPr/>
+          <p:nvPr/>
+        </p:nvGrpSpPr>
+        <p:grpSpPr>
+          <a:xfrm>
+            <a:off x="-984967" y="-932862"/>
+            <a:ext cx="6038850" cy="10537401"/>
+            <a:chOff x="7218680" y="-1032924"/>
+            <a:chExt cx="6038850" cy="10537401"/>
+          </a:xfrm>
+        </p:grpSpPr>
+        <p:sp>
+          <p:nvSpPr>
+            <p:cNvPr id="3" name="Rechteck 2">
+              <a:extLst>
+                <a:ext uri="{FF2B5EF4-FFF2-40B4-BE49-F238E27FC236}">
+                  <a16:creationId xmlns:a16="http://schemas.microsoft.com/office/drawing/2014/main" id="{043C001B-36B0-5B9B-F300-765C1F8E690B}"/>
+                </a:ext>
+              </a:extLst>
+            </p:cNvPr>
+            <p:cNvSpPr/>
+            <p:nvPr/>
+          </p:nvSpPr>
+          <p:spPr>
+            <a:xfrm>
+              <a:off x="7218680" y="-1032924"/>
+              <a:ext cx="6038850" cy="10537401"/>
+            </a:xfrm>
+            <a:prstGeom prst="rect">
+              <a:avLst/>
+            </a:prstGeom>
+            <a:solidFill>
+              <a:srgbClr val="7030A0"/>
+            </a:solidFill>
+            <a:ln>
+              <a:solidFill>
+                <a:srgbClr val="7030A0"/>
+              </a:solidFill>
+            </a:ln>
+          </p:spPr>
+          <p:style>
+            <a:lnRef idx="2">
+              <a:schemeClr val="accent1">
+                <a:shade val="15000"/>
+              </a:schemeClr>
+            </a:lnRef>
+            <a:fillRef idx="1">
+              <a:schemeClr val="accent1"/>
+            </a:fillRef>
+            <a:effectRef idx="0">
+              <a:schemeClr val="accent1"/>
+            </a:effectRef>
+            <a:fontRef idx="minor">
+              <a:schemeClr val="lt1"/>
+            </a:fontRef>
+          </p:style>
+          <p:txBody>
+            <a:bodyPr vert="vert270" rtlCol="0" anchor="ctr"/>
+            <a:lstStyle/>
+            <a:p>
+              <a:pPr algn="ctr"/>
+              <a:r>
+                <a:rPr lang="de-DE" sz="5400" b="1"/>
+                <a:t>STALI</a:t>
+              </a:r>
+              <a:endParaRPr lang="de-AT" b="1"/>
+            </a:p>
+          </p:txBody>
+        </p:sp>
+        <p:pic>
+          <p:nvPicPr>
+            <p:cNvPr id="4" name="Grafik 3">
+              <a:extLst>
+                <a:ext uri="{FF2B5EF4-FFF2-40B4-BE49-F238E27FC236}">
+                  <a16:creationId xmlns:a16="http://schemas.microsoft.com/office/drawing/2014/main" id="{152ECFAC-8906-1FA5-CFA7-F069B2150905}"/>
+                </a:ext>
+              </a:extLst>
+            </p:cNvPr>
+            <p:cNvPicPr>
+              <a:picLocks noChangeAspect="1"/>
+            </p:cNvPicPr>
+            <p:nvPr/>
+          </p:nvPicPr>
+          <p:blipFill>
+            <a:blip r:embed="rId2">
+              <a:extLst>
+                <a:ext uri="{BEBA8EAE-BF5A-486C-A8C5-ECC9F3942E4B}">
+                  <a14:imgProps xmlns:a14="http://schemas.microsoft.com/office/drawing/2010/main">
+                    <a14:imgLayer r:embed="rId3">
+                      <a14:imgEffect>
+                        <a14:backgroundRemoval t="5426" b="93411" l="6038" r="91321">
+                          <a14:foregroundMark x1="30189" y1="54651" x2="56604" y2="43798"/>
+                          <a14:foregroundMark x1="56604" y1="43798" x2="36226" y2="51938"/>
+                          <a14:foregroundMark x1="36226" y1="51938" x2="30943" y2="51163"/>
+                          <a14:foregroundMark x1="7170" y1="18605" x2="30566" y2="4651"/>
+                          <a14:foregroundMark x1="30566" y1="4651" x2="86792" y2="13953"/>
+                          <a14:foregroundMark x1="86792" y1="13953" x2="91321" y2="41085"/>
+                          <a14:foregroundMark x1="91321" y1="41085" x2="84906" y2="82558"/>
+                          <a14:foregroundMark x1="84906" y1="82558" x2="67170" y2="93411"/>
+                          <a14:foregroundMark x1="67170" y1="93411" x2="29811" y2="92248"/>
+                          <a14:foregroundMark x1="29811" y1="92248" x2="6792" y2="39922"/>
+                          <a14:foregroundMark x1="6792" y1="39922" x2="8679" y2="15891"/>
+                          <a14:foregroundMark x1="10189" y1="48062" x2="38491" y2="45736"/>
+                          <a14:foregroundMark x1="38491" y1="45736" x2="10566" y2="51163"/>
+                          <a14:foregroundMark x1="10566" y1="51163" x2="7925" y2="46899"/>
+                          <a14:foregroundMark x1="5660" y1="52326" x2="5660" y2="72093"/>
+                          <a14:foregroundMark x1="5660" y1="72093" x2="15094" y2="90310"/>
+                          <a14:foregroundMark x1="15094" y1="90310" x2="34340" y2="91860"/>
+                          <a14:foregroundMark x1="34340" y1="91860" x2="36226" y2="90698"/>
+                          <a14:foregroundMark x1="22264" y1="94186" x2="46038" y2="93798"/>
+                          <a14:foregroundMark x1="46038" y1="93798" x2="69811" y2="94186"/>
+                          <a14:foregroundMark x1="69811" y1="94186" x2="78491" y2="94186"/>
+                          <a14:foregroundMark x1="43396" y1="93798" x2="25660" y2="74031"/>
+                          <a14:foregroundMark x1="25660" y1="74031" x2="41509" y2="62403"/>
+                          <a14:foregroundMark x1="41509" y1="62403" x2="63774" y2="73643"/>
+                          <a14:foregroundMark x1="63774" y1="73643" x2="47925" y2="92248"/>
+                          <a14:foregroundMark x1="47925" y1="92248" x2="42642" y2="93411"/>
+                          <a14:foregroundMark x1="69811" y1="76744" x2="62264" y2="46512"/>
+                          <a14:foregroundMark x1="62264" y1="46512" x2="76226" y2="31783"/>
+                          <a14:foregroundMark x1="76226" y1="31783" x2="91321" y2="50000"/>
+                          <a14:foregroundMark x1="91321" y1="50000" x2="81887" y2="66667"/>
+                          <a14:foregroundMark x1="81887" y1="66667" x2="67547" y2="74806"/>
+                          <a14:foregroundMark x1="29811" y1="58140" x2="13962" y2="38372"/>
+                          <a14:foregroundMark x1="13962" y1="38372" x2="20000" y2="12791"/>
+                          <a14:foregroundMark x1="20000" y1="12791" x2="39245" y2="12016"/>
+                          <a14:foregroundMark x1="39245" y1="12016" x2="54340" y2="27907"/>
+                          <a14:foregroundMark x1="54340" y1="27907" x2="50189" y2="50388"/>
+                          <a14:foregroundMark x1="50189" y1="50388" x2="30189" y2="58527"/>
+                          <a14:foregroundMark x1="30189" y1="58527" x2="27925" y2="57752"/>
+                          <a14:foregroundMark x1="16604" y1="8915" x2="56604" y2="4651"/>
+                          <a14:foregroundMark x1="56604" y1="4651" x2="78113" y2="5426"/>
+                          <a14:foregroundMark x1="78113" y1="5426" x2="82642" y2="9690"/>
+                          <a14:backgroundMark x1="2642" y1="10853" x2="6792" y2="2326"/>
+                          <a14:backgroundMark x1="2264" y1="9302" x2="10566" y2="3101"/>
+                          <a14:backgroundMark x1="10625" y1="10225" x2="18491" y2="1938"/>
+                          <a14:backgroundMark x1="3774" y1="17442" x2="10409" y2="10452"/>
+                          <a14:backgroundMark x1="18491" y1="1938" x2="23774" y2="0"/>
+                          <a14:backgroundMark x1="3019" y1="8140" x2="3774" y2="5814"/>
+                        </a14:backgroundRemoval>
+                      </a14:imgEffect>
+                    </a14:imgLayer>
+                  </a14:imgProps>
+                </a:ext>
+              </a:extLst>
+            </a:blip>
+            <a:stretch>
+              <a:fillRect/>
+            </a:stretch>
+          </p:blipFill>
+          <p:spPr>
+            <a:xfrm>
+              <a:off x="9647822" y="846108"/>
+              <a:ext cx="1180565" cy="1149380"/>
+            </a:xfrm>
+            <a:prstGeom prst="rect">
+              <a:avLst/>
+            </a:prstGeom>
+          </p:spPr>
+        </p:pic>
+      </p:grpSp>
+      <p:sp>
+        <p:nvSpPr>
+          <p:cNvPr id="12" name="Rechteck 11">
+            <a:extLst>
+              <a:ext uri="{FF2B5EF4-FFF2-40B4-BE49-F238E27FC236}">
+                <a16:creationId xmlns:a16="http://schemas.microsoft.com/office/drawing/2014/main" id="{6A4E68C9-DB4F-91F4-9705-8EB53C6B4126}"/>
+              </a:ext>
+            </a:extLst>
+          </p:cNvPr>
+          <p:cNvSpPr/>
+          <p:nvPr/>
+        </p:nvSpPr>
+        <p:spPr>
+          <a:xfrm rot="5400000">
+            <a:off x="4476739" y="-10678300"/>
+            <a:ext cx="4229121" cy="13182599"/>
+          </a:xfrm>
+          <a:prstGeom prst="rect">
+            <a:avLst/>
+          </a:prstGeom>
+          <a:solidFill>
+            <a:srgbClr val="7030A0"/>
+          </a:solidFill>
+          <a:ln>
+            <a:solidFill>
+              <a:srgbClr val="7030A0"/>
+            </a:solidFill>
+          </a:ln>
+        </p:spPr>
+        <p:style>
+          <a:lnRef idx="2">
+            <a:schemeClr val="accent1">
+              <a:shade val="15000"/>
+            </a:schemeClr>
+          </a:lnRef>
+          <a:fillRef idx="1">
+            <a:schemeClr val="accent1"/>
+          </a:fillRef>
+          <a:effectRef idx="0">
+            <a:schemeClr val="accent1"/>
+          </a:effectRef>
+          <a:fontRef idx="minor">
+            <a:schemeClr val="lt1"/>
+          </a:fontRef>
+        </p:style>
+        <p:txBody>
+          <a:bodyPr vert="vert270" rtlCol="0" anchor="ctr"/>
+          <a:lstStyle/>
+          <a:p>
+            <a:pPr algn="ctr"/>
+            <a:r>
+              <a:rPr lang="de-DE" sz="5400" b="1"/>
+              <a:t>STALI</a:t>
+            </a:r>
+            <a:endParaRPr lang="de-AT" b="1"/>
+          </a:p>
+        </p:txBody>
+      </p:sp>
+      <p:pic>
+        <p:nvPicPr>
+          <p:cNvPr id="13" name="Grafik 12">
+            <a:extLst>
+              <a:ext uri="{FF2B5EF4-FFF2-40B4-BE49-F238E27FC236}">
+                <a16:creationId xmlns:a16="http://schemas.microsoft.com/office/drawing/2014/main" id="{450A583F-9298-048C-075C-B929A39AF1D8}"/>
+              </a:ext>
+            </a:extLst>
+          </p:cNvPr>
+          <p:cNvPicPr>
+            <a:picLocks noChangeAspect="1"/>
+          </p:cNvPicPr>
+          <p:nvPr/>
+        </p:nvPicPr>
+        <p:blipFill>
+          <a:blip r:embed="rId2">
+            <a:extLst>
+              <a:ext uri="{BEBA8EAE-BF5A-486C-A8C5-ECC9F3942E4B}">
+                <a14:imgProps xmlns:a14="http://schemas.microsoft.com/office/drawing/2010/main">
+                  <a14:imgLayer r:embed="rId3">
+                    <a14:imgEffect>
+                      <a14:backgroundRemoval t="5426" b="93411" l="6038" r="91321">
+                        <a14:foregroundMark x1="30189" y1="54651" x2="56604" y2="43798"/>
+                        <a14:foregroundMark x1="56604" y1="43798" x2="36226" y2="51938"/>
+                        <a14:foregroundMark x1="36226" y1="51938" x2="30943" y2="51163"/>
+                        <a14:foregroundMark x1="7170" y1="18605" x2="30566" y2="4651"/>
+                        <a14:foregroundMark x1="30566" y1="4651" x2="86792" y2="13953"/>
+                        <a14:foregroundMark x1="86792" y1="13953" x2="91321" y2="41085"/>
+                        <a14:foregroundMark x1="91321" y1="41085" x2="84906" y2="82558"/>
+                        <a14:foregroundMark x1="84906" y1="82558" x2="67170" y2="93411"/>
+                        <a14:foregroundMark x1="67170" y1="93411" x2="29811" y2="92248"/>
+                        <a14:foregroundMark x1="29811" y1="92248" x2="6792" y2="39922"/>
+                        <a14:foregroundMark x1="6792" y1="39922" x2="8679" y2="15891"/>
+                        <a14:foregroundMark x1="10189" y1="48062" x2="38491" y2="45736"/>
+                        <a14:foregroundMark x1="38491" y1="45736" x2="10566" y2="51163"/>
+                        <a14:foregroundMark x1="10566" y1="51163" x2="7925" y2="46899"/>
+                        <a14:foregroundMark x1="5660" y1="52326" x2="5660" y2="72093"/>
+                        <a14:foregroundMark x1="5660" y1="72093" x2="15094" y2="90310"/>
+                        <a14:foregroundMark x1="15094" y1="90310" x2="34340" y2="91860"/>
+                        <a14:foregroundMark x1="34340" y1="91860" x2="36226" y2="90698"/>
+                        <a14:foregroundMark x1="22264" y1="94186" x2="46038" y2="93798"/>
+                        <a14:foregroundMark x1="46038" y1="93798" x2="69811" y2="94186"/>
+                        <a14:foregroundMark x1="69811" y1="94186" x2="78491" y2="94186"/>
+                        <a14:foregroundMark x1="43396" y1="93798" x2="25660" y2="74031"/>
+                        <a14:foregroundMark x1="25660" y1="74031" x2="41509" y2="62403"/>
+                        <a14:foregroundMark x1="41509" y1="62403" x2="63774" y2="73643"/>
+                        <a14:foregroundMark x1="63774" y1="73643" x2="47925" y2="92248"/>
+                        <a14:foregroundMark x1="47925" y1="92248" x2="42642" y2="93411"/>
+                        <a14:foregroundMark x1="69811" y1="76744" x2="62264" y2="46512"/>
+                        <a14:foregroundMark x1="62264" y1="46512" x2="76226" y2="31783"/>
+                        <a14:foregroundMark x1="76226" y1="31783" x2="91321" y2="50000"/>
+                        <a14:foregroundMark x1="91321" y1="50000" x2="81887" y2="66667"/>
+                        <a14:foregroundMark x1="81887" y1="66667" x2="67547" y2="74806"/>
+                        <a14:foregroundMark x1="29811" y1="58140" x2="13962" y2="38372"/>
+                        <a14:foregroundMark x1="13962" y1="38372" x2="20000" y2="12791"/>
+                        <a14:foregroundMark x1="20000" y1="12791" x2="39245" y2="12016"/>
+                        <a14:foregroundMark x1="39245" y1="12016" x2="54340" y2="27907"/>
+                        <a14:foregroundMark x1="54340" y1="27907" x2="50189" y2="50388"/>
+                        <a14:foregroundMark x1="50189" y1="50388" x2="30189" y2="58527"/>
+                        <a14:foregroundMark x1="30189" y1="58527" x2="27925" y2="57752"/>
+                        <a14:foregroundMark x1="16604" y1="8915" x2="56604" y2="4651"/>
+                        <a14:foregroundMark x1="56604" y1="4651" x2="78113" y2="5426"/>
+                        <a14:foregroundMark x1="78113" y1="5426" x2="82642" y2="9690"/>
+                        <a14:backgroundMark x1="2642" y1="10853" x2="6792" y2="2326"/>
+                        <a14:backgroundMark x1="2264" y1="9302" x2="10566" y2="3101"/>
+                        <a14:backgroundMark x1="10625" y1="10225" x2="18491" y2="1938"/>
+                        <a14:backgroundMark x1="3774" y1="17442" x2="10409" y2="10452"/>
+                        <a14:backgroundMark x1="18491" y1="1938" x2="23774" y2="0"/>
+                        <a14:backgroundMark x1="3019" y1="8140" x2="3774" y2="5814"/>
+                      </a14:backgroundRemoval>
+                    </a14:imgEffect>
+                  </a14:imgLayer>
+                </a14:imgProps>
+              </a:ext>
+            </a:extLst>
+          </a:blip>
+          <a:srcRect t="2045"/>
+          <a:stretch>
+            <a:fillRect/>
+          </a:stretch>
+        </p:blipFill>
+        <p:spPr>
+          <a:xfrm rot="21369190">
+            <a:off x="7646597" y="-4782199"/>
+            <a:ext cx="1180565" cy="1135286"/>
+          </a:xfrm>
+          <a:prstGeom prst="rect">
+            <a:avLst/>
+          </a:prstGeom>
+        </p:spPr>
+      </p:pic>
+      <p:grpSp>
+        <p:nvGrpSpPr>
+          <p:cNvPr id="14" name="Gruppieren 13">
+            <a:extLst>
+              <a:ext uri="{FF2B5EF4-FFF2-40B4-BE49-F238E27FC236}">
+                <a16:creationId xmlns:a16="http://schemas.microsoft.com/office/drawing/2014/main" id="{376D9A7D-162D-74F9-354B-349198624D6F}"/>
+              </a:ext>
+            </a:extLst>
+          </p:cNvPr>
+          <p:cNvGrpSpPr/>
+          <p:nvPr/>
+        </p:nvGrpSpPr>
+        <p:grpSpPr>
+          <a:xfrm>
+            <a:off x="-64198" y="-11470263"/>
+            <a:ext cx="5037519" cy="10537401"/>
+            <a:chOff x="8061000" y="-1032924"/>
+            <a:chExt cx="5037519" cy="10537401"/>
+          </a:xfrm>
+        </p:grpSpPr>
+        <p:sp>
+          <p:nvSpPr>
+            <p:cNvPr id="15" name="Rechteck 14">
+              <a:extLst>
+                <a:ext uri="{FF2B5EF4-FFF2-40B4-BE49-F238E27FC236}">
+                  <a16:creationId xmlns:a16="http://schemas.microsoft.com/office/drawing/2014/main" id="{EEA84C68-CC60-E3B5-E293-5F8B5FEE33E0}"/>
+                </a:ext>
+              </a:extLst>
+            </p:cNvPr>
+            <p:cNvSpPr/>
+            <p:nvPr/>
+          </p:nvSpPr>
+          <p:spPr>
+            <a:xfrm>
+              <a:off x="8061000" y="-1032924"/>
+              <a:ext cx="5037519" cy="10537401"/>
+            </a:xfrm>
+            <a:prstGeom prst="rect">
+              <a:avLst/>
+            </a:prstGeom>
+            <a:solidFill>
+              <a:srgbClr val="7030A0"/>
+            </a:solidFill>
+            <a:ln>
+              <a:solidFill>
+                <a:srgbClr val="7030A0"/>
+              </a:solidFill>
+            </a:ln>
+          </p:spPr>
+          <p:style>
+            <a:lnRef idx="2">
+              <a:schemeClr val="accent1">
+                <a:shade val="15000"/>
+              </a:schemeClr>
+            </a:lnRef>
+            <a:fillRef idx="1">
+              <a:schemeClr val="accent1"/>
+            </a:fillRef>
+            <a:effectRef idx="0">
+              <a:schemeClr val="accent1"/>
+            </a:effectRef>
+            <a:fontRef idx="minor">
+              <a:schemeClr val="lt1"/>
+            </a:fontRef>
+          </p:style>
+          <p:txBody>
+            <a:bodyPr vert="vert270" rtlCol="0" anchor="ctr"/>
+            <a:lstStyle/>
+            <a:p>
+              <a:pPr algn="ctr"/>
+              <a:r>
+                <a:rPr lang="de-DE" sz="5400" b="1"/>
+                <a:t>STALI</a:t>
+              </a:r>
+              <a:endParaRPr lang="de-AT" b="1"/>
+            </a:p>
+          </p:txBody>
+        </p:sp>
+        <p:pic>
+          <p:nvPicPr>
+            <p:cNvPr id="16" name="Grafik 15">
+              <a:extLst>
+                <a:ext uri="{FF2B5EF4-FFF2-40B4-BE49-F238E27FC236}">
+                  <a16:creationId xmlns:a16="http://schemas.microsoft.com/office/drawing/2014/main" id="{37270A9C-6181-30A4-3E58-5E0B9716EB37}"/>
+                </a:ext>
+              </a:extLst>
+            </p:cNvPr>
+            <p:cNvPicPr>
+              <a:picLocks noChangeAspect="1"/>
+            </p:cNvPicPr>
+            <p:nvPr/>
+          </p:nvPicPr>
+          <p:blipFill>
+            <a:blip r:embed="rId2">
+              <a:extLst>
+                <a:ext uri="{BEBA8EAE-BF5A-486C-A8C5-ECC9F3942E4B}">
+                  <a14:imgProps xmlns:a14="http://schemas.microsoft.com/office/drawing/2010/main">
+                    <a14:imgLayer r:embed="rId3">
+                      <a14:imgEffect>
+                        <a14:backgroundRemoval t="5426" b="93411" l="6038" r="91321">
+                          <a14:foregroundMark x1="30189" y1="54651" x2="56604" y2="43798"/>
+                          <a14:foregroundMark x1="56604" y1="43798" x2="36226" y2="51938"/>
+                          <a14:foregroundMark x1="36226" y1="51938" x2="30943" y2="51163"/>
+                          <a14:foregroundMark x1="7170" y1="18605" x2="30566" y2="4651"/>
+                          <a14:foregroundMark x1="30566" y1="4651" x2="86792" y2="13953"/>
+                          <a14:foregroundMark x1="86792" y1="13953" x2="91321" y2="41085"/>
+                          <a14:foregroundMark x1="91321" y1="41085" x2="84906" y2="82558"/>
+                          <a14:foregroundMark x1="84906" y1="82558" x2="67170" y2="93411"/>
+                          <a14:foregroundMark x1="67170" y1="93411" x2="29811" y2="92248"/>
+                          <a14:foregroundMark x1="29811" y1="92248" x2="6792" y2="39922"/>
+                          <a14:foregroundMark x1="6792" y1="39922" x2="8679" y2="15891"/>
+                          <a14:foregroundMark x1="10189" y1="48062" x2="38491" y2="45736"/>
+                          <a14:foregroundMark x1="38491" y1="45736" x2="10566" y2="51163"/>
+                          <a14:foregroundMark x1="10566" y1="51163" x2="7925" y2="46899"/>
+                          <a14:foregroundMark x1="5660" y1="52326" x2="5660" y2="72093"/>
+                          <a14:foregroundMark x1="5660" y1="72093" x2="15094" y2="90310"/>
+                          <a14:foregroundMark x1="15094" y1="90310" x2="34340" y2="91860"/>
+                          <a14:foregroundMark x1="34340" y1="91860" x2="36226" y2="90698"/>
+                          <a14:foregroundMark x1="22264" y1="94186" x2="46038" y2="93798"/>
+                          <a14:foregroundMark x1="46038" y1="93798" x2="69811" y2="94186"/>
+                          <a14:foregroundMark x1="69811" y1="94186" x2="78491" y2="94186"/>
+                          <a14:foregroundMark x1="43396" y1="93798" x2="25660" y2="74031"/>
+                          <a14:foregroundMark x1="25660" y1="74031" x2="41509" y2="62403"/>
+                          <a14:foregroundMark x1="41509" y1="62403" x2="63774" y2="73643"/>
+                          <a14:foregroundMark x1="63774" y1="73643" x2="47925" y2="92248"/>
+                          <a14:foregroundMark x1="47925" y1="92248" x2="42642" y2="93411"/>
+                          <a14:foregroundMark x1="69811" y1="76744" x2="62264" y2="46512"/>
+                          <a14:foregroundMark x1="62264" y1="46512" x2="76226" y2="31783"/>
+                          <a14:foregroundMark x1="76226" y1="31783" x2="91321" y2="50000"/>
+                          <a14:foregroundMark x1="91321" y1="50000" x2="81887" y2="66667"/>
+                          <a14:foregroundMark x1="81887" y1="66667" x2="67547" y2="74806"/>
+                          <a14:foregroundMark x1="29811" y1="58140" x2="13962" y2="38372"/>
+                          <a14:foregroundMark x1="13962" y1="38372" x2="20000" y2="12791"/>
+                          <a14:foregroundMark x1="20000" y1="12791" x2="39245" y2="12016"/>
+                          <a14:foregroundMark x1="39245" y1="12016" x2="54340" y2="27907"/>
+                          <a14:foregroundMark x1="54340" y1="27907" x2="50189" y2="50388"/>
+                          <a14:foregroundMark x1="50189" y1="50388" x2="30189" y2="58527"/>
+                          <a14:foregroundMark x1="30189" y1="58527" x2="27925" y2="57752"/>
+                          <a14:foregroundMark x1="16604" y1="8915" x2="56604" y2="4651"/>
+                          <a14:foregroundMark x1="56604" y1="4651" x2="78113" y2="5426"/>
+                          <a14:foregroundMark x1="78113" y1="5426" x2="82642" y2="9690"/>
+                          <a14:backgroundMark x1="2642" y1="10853" x2="6792" y2="2326"/>
+                          <a14:backgroundMark x1="2264" y1="9302" x2="10566" y2="3101"/>
+                          <a14:backgroundMark x1="10625" y1="10225" x2="18491" y2="1938"/>
+                          <a14:backgroundMark x1="3774" y1="17442" x2="10409" y2="10452"/>
+                          <a14:backgroundMark x1="18491" y1="1938" x2="23774" y2="0"/>
+                          <a14:backgroundMark x1="3019" y1="8140" x2="3774" y2="5814"/>
+                        </a14:backgroundRemoval>
+                      </a14:imgEffect>
+                    </a14:imgLayer>
+                  </a14:imgProps>
+                </a:ext>
+              </a:extLst>
+            </a:blip>
+            <a:stretch>
+              <a:fillRect/>
+            </a:stretch>
+          </p:blipFill>
+          <p:spPr>
+            <a:xfrm>
+              <a:off x="9989477" y="1750998"/>
+              <a:ext cx="1180565" cy="1149380"/>
+            </a:xfrm>
+            <a:prstGeom prst="rect">
+              <a:avLst/>
+            </a:prstGeom>
+          </p:spPr>
+        </p:pic>
+      </p:grpSp>
+      <p:grpSp>
+        <p:nvGrpSpPr>
+          <p:cNvPr id="5" name="Gruppieren 4">
+            <a:extLst>
+              <a:ext uri="{FF2B5EF4-FFF2-40B4-BE49-F238E27FC236}">
+                <a16:creationId xmlns:a16="http://schemas.microsoft.com/office/drawing/2014/main" id="{6C68069A-8674-C463-D7ED-3880DADC0C65}"/>
+              </a:ext>
+            </a:extLst>
+          </p:cNvPr>
+          <p:cNvGrpSpPr/>
+          <p:nvPr/>
+        </p:nvGrpSpPr>
+        <p:grpSpPr>
+          <a:xfrm>
+            <a:off x="6096000" y="2510136"/>
+            <a:ext cx="5347417" cy="2590203"/>
+            <a:chOff x="692704" y="2033270"/>
+            <a:chExt cx="5347417" cy="2590203"/>
+          </a:xfrm>
+        </p:grpSpPr>
+        <p:sp>
+          <p:nvSpPr>
+            <p:cNvPr id="7" name="Rechteck: abgerundete Ecken 6">
+              <a:extLst>
+                <a:ext uri="{FF2B5EF4-FFF2-40B4-BE49-F238E27FC236}">
+                  <a16:creationId xmlns:a16="http://schemas.microsoft.com/office/drawing/2014/main" id="{752A5E4E-2898-4F03-7644-48AEA4B4E3D0}"/>
+                </a:ext>
+              </a:extLst>
+            </p:cNvPr>
+            <p:cNvSpPr/>
+            <p:nvPr/>
+          </p:nvSpPr>
+          <p:spPr>
+            <a:xfrm>
+              <a:off x="2182496" y="2033270"/>
+              <a:ext cx="2571750" cy="1200150"/>
+            </a:xfrm>
+            <a:prstGeom prst="roundRect">
+              <a:avLst/>
+            </a:prstGeom>
+            <a:solidFill>
+              <a:srgbClr val="7030A0"/>
+            </a:solidFill>
+            <a:ln>
+              <a:solidFill>
+                <a:srgbClr val="7030A0"/>
+              </a:solidFill>
+            </a:ln>
+          </p:spPr>
+          <p:style>
+            <a:lnRef idx="2">
+              <a:schemeClr val="accent1">
+                <a:shade val="15000"/>
+              </a:schemeClr>
+            </a:lnRef>
+            <a:fillRef idx="1">
+              <a:schemeClr val="accent1"/>
+            </a:fillRef>
+            <a:effectRef idx="0">
+              <a:schemeClr val="accent1"/>
+            </a:effectRef>
+            <a:fontRef idx="minor">
+              <a:schemeClr val="lt1"/>
+            </a:fontRef>
+          </p:style>
+          <p:txBody>
+            <a:bodyPr rtlCol="0" anchor="ctr"/>
+            <a:lstStyle/>
+            <a:p>
+              <a:pPr algn="ctr"/>
+              <a:r>
+                <a:rPr lang="de-AT" b="1" dirty="0"/>
+                <a:t>Cursor Limit erreicht</a:t>
+              </a:r>
+            </a:p>
+          </p:txBody>
+        </p:sp>
+        <p:sp>
+          <p:nvSpPr>
+            <p:cNvPr id="17" name="Rechteck: abgerundete Ecken 16">
+              <a:extLst>
+                <a:ext uri="{FF2B5EF4-FFF2-40B4-BE49-F238E27FC236}">
+                  <a16:creationId xmlns:a16="http://schemas.microsoft.com/office/drawing/2014/main" id="{A2DBA9B3-887A-FB07-FE6F-91A52606B26A}"/>
+                </a:ext>
+              </a:extLst>
+            </p:cNvPr>
+            <p:cNvSpPr/>
+            <p:nvPr/>
+          </p:nvSpPr>
+          <p:spPr>
+            <a:xfrm>
+              <a:off x="692704" y="3423323"/>
+              <a:ext cx="2571750" cy="1200150"/>
+            </a:xfrm>
+            <a:prstGeom prst="roundRect">
+              <a:avLst/>
+            </a:prstGeom>
+            <a:solidFill>
+              <a:srgbClr val="7030A0"/>
+            </a:solidFill>
+            <a:ln>
+              <a:solidFill>
+                <a:srgbClr val="7030A0"/>
+              </a:solidFill>
+            </a:ln>
+          </p:spPr>
+          <p:style>
+            <a:lnRef idx="2">
+              <a:schemeClr val="accent1">
+                <a:shade val="15000"/>
+              </a:schemeClr>
+            </a:lnRef>
+            <a:fillRef idx="1">
+              <a:schemeClr val="accent1"/>
+            </a:fillRef>
+            <a:effectRef idx="0">
+              <a:schemeClr val="accent1"/>
+            </a:effectRef>
+            <a:fontRef idx="minor">
+              <a:schemeClr val="lt1"/>
+            </a:fontRef>
+          </p:style>
+          <p:txBody>
+            <a:bodyPr rtlCol="0" anchor="ctr"/>
+            <a:lstStyle/>
+            <a:p>
+              <a:pPr algn="ctr"/>
+              <a:r>
+                <a:rPr lang="de-AT" b="1" dirty="0"/>
+                <a:t>Datenbank in den USA</a:t>
+              </a:r>
+            </a:p>
+          </p:txBody>
+        </p:sp>
+        <p:sp>
+          <p:nvSpPr>
+            <p:cNvPr id="19" name="Rechteck: abgerundete Ecken 18">
+              <a:extLst>
+                <a:ext uri="{FF2B5EF4-FFF2-40B4-BE49-F238E27FC236}">
+                  <a16:creationId xmlns:a16="http://schemas.microsoft.com/office/drawing/2014/main" id="{860F0229-FD3F-BC9F-16DB-7B4072DCDD44}"/>
+                </a:ext>
+              </a:extLst>
+            </p:cNvPr>
+            <p:cNvSpPr/>
+            <p:nvPr/>
+          </p:nvSpPr>
+          <p:spPr>
+            <a:xfrm>
+              <a:off x="3468371" y="3423323"/>
+              <a:ext cx="2571750" cy="1200150"/>
+            </a:xfrm>
+            <a:prstGeom prst="roundRect">
+              <a:avLst/>
+            </a:prstGeom>
+            <a:solidFill>
+              <a:srgbClr val="7030A0"/>
+            </a:solidFill>
+            <a:ln>
+              <a:solidFill>
+                <a:srgbClr val="7030A0"/>
+              </a:solidFill>
+            </a:ln>
+          </p:spPr>
+          <p:style>
+            <a:lnRef idx="2">
+              <a:schemeClr val="accent1">
+                <a:shade val="15000"/>
+              </a:schemeClr>
+            </a:lnRef>
+            <a:fillRef idx="1">
+              <a:schemeClr val="accent1"/>
+            </a:fillRef>
+            <a:effectRef idx="0">
+              <a:schemeClr val="accent1"/>
+            </a:effectRef>
+            <a:fontRef idx="minor">
+              <a:schemeClr val="lt1"/>
+            </a:fontRef>
+          </p:style>
+          <p:txBody>
+            <a:bodyPr rtlCol="0" anchor="ctr"/>
+            <a:lstStyle/>
+            <a:p>
+              <a:pPr algn="ctr"/>
+              <a:r>
+                <a:rPr lang="de-AT" b="1" dirty="0"/>
+                <a:t>Code sehr unübersichtlich</a:t>
+              </a:r>
+            </a:p>
+          </p:txBody>
+        </p:sp>
+      </p:grpSp>
+    </p:spTree>
+    <p:extLst>
+      <p:ext uri="{BB962C8B-B14F-4D97-AF65-F5344CB8AC3E}">
+        <p14:creationId xmlns:p14="http://schemas.microsoft.com/office/powerpoint/2010/main" val="1625222225"/>
+      </p:ext>
+    </p:extLst>
+  </p:cSld>
+  <p:clrMapOvr>
+    <a:masterClrMapping/>
+  </p:clrMapOvr>
+  <mc:AlternateContent xmlns:mc="http://schemas.openxmlformats.org/markup-compatibility/2006" xmlns:p159="http://schemas.microsoft.com/office/powerpoint/2015/09/main">
+    <mc:Choice Requires="p159">
+      <p:transition xmlns:p14="http://schemas.microsoft.com/office/powerpoint/2010/main" spd="slow" p14:dur="2000">
+        <p159:morph option="byObject"/>
+      </p:transition>
+    </mc:Choice>
+    <mc:Fallback xmlns="">
+      <p:transition spd="slow">
+        <p:fade/>
+      </p:transition>
+    </mc:Fallback>
+  </mc:AlternateContent>
+</p:sld>
+</file>
+
 <file path=ppt/theme/theme1.xml><?xml version="1.0" encoding="utf-8"?>
 <a:theme xmlns:a="http://schemas.openxmlformats.org/drawingml/2006/main" name="Office">
   <a:themeElements>
@@ -8743,20 +10366,20 @@
 </file>
 
 <file path=customXml/item1.xml><?xml version="1.0" encoding="utf-8"?>
-<p:properties xmlns:p="http://schemas.microsoft.com/office/2006/metadata/properties" xmlns:xsi="http://www.w3.org/2001/XMLSchema-instance" xmlns:pc="http://schemas.microsoft.com/office/infopath/2007/PartnerControls">
-  <documentManagement>
-    <_activity xmlns="a2b70447-c32f-41a1-8e78-cdfb27364fd4" xsi:nil="true"/>
-  </documentManagement>
-</p:properties>
-</file>
-
-<file path=customXml/item2.xml><?xml version="1.0" encoding="utf-8"?>
 <?mso-contentType ?>
 <FormTemplates xmlns="http://schemas.microsoft.com/sharepoint/v3/contenttype/forms">
   <Display>DocumentLibraryForm</Display>
   <Edit>DocumentLibraryForm</Edit>
   <New>DocumentLibraryForm</New>
 </FormTemplates>
+</file>
+
+<file path=customXml/item2.xml><?xml version="1.0" encoding="utf-8"?>
+<p:properties xmlns:p="http://schemas.microsoft.com/office/2006/metadata/properties" xmlns:xsi="http://www.w3.org/2001/XMLSchema-instance" xmlns:pc="http://schemas.microsoft.com/office/infopath/2007/PartnerControls">
+  <documentManagement>
+    <_activity xmlns="a2b70447-c32f-41a1-8e78-cdfb27364fd4" xsi:nil="true"/>
+  </documentManagement>
+</p:properties>
 </file>
 
 <file path=customXml/item3.xml><?xml version="1.0" encoding="utf-8"?>
@@ -8993,6 +10616,14 @@
 </file>
 
 <file path=customXml/itemProps1.xml><?xml version="1.0" encoding="utf-8"?>
+<ds:datastoreItem xmlns:ds="http://schemas.openxmlformats.org/officeDocument/2006/customXml" ds:itemID="{38C9D2CE-D7B4-4389-B694-2EB9EF75A3C9}">
+  <ds:schemaRefs>
+    <ds:schemaRef ds:uri="http://schemas.microsoft.com/sharepoint/v3/contenttype/forms"/>
+  </ds:schemaRefs>
+</ds:datastoreItem>
+</file>
+
+<file path=customXml/itemProps2.xml><?xml version="1.0" encoding="utf-8"?>
 <ds:datastoreItem xmlns:ds="http://schemas.openxmlformats.org/officeDocument/2006/customXml" ds:itemID="{0BB1D7A3-642A-4780-81A6-E784049BA2F2}">
   <ds:schemaRefs>
     <ds:schemaRef ds:uri="http://purl.org/dc/dcmitype/"/>
@@ -9005,14 +10636,6 @@
     <ds:schemaRef ds:uri="a2b70447-c32f-41a1-8e78-cdfb27364fd4"/>
     <ds:schemaRef ds:uri="http://schemas.microsoft.com/office/infopath/2007/PartnerControls"/>
     <ds:schemaRef ds:uri="7673a5e3-2cd2-4e58-878c-3e04cbc2f43f"/>
-  </ds:schemaRefs>
-</ds:datastoreItem>
-</file>
-
-<file path=customXml/itemProps2.xml><?xml version="1.0" encoding="utf-8"?>
-<ds:datastoreItem xmlns:ds="http://schemas.openxmlformats.org/officeDocument/2006/customXml" ds:itemID="{38C9D2CE-D7B4-4389-B694-2EB9EF75A3C9}">
-  <ds:schemaRefs>
-    <ds:schemaRef ds:uri="http://schemas.microsoft.com/sharepoint/v3/contenttype/forms"/>
   </ds:schemaRefs>
 </ds:datastoreItem>
 </file>
